--- a/documents/projectmanagement/Praesentationen/Vorstellung_26ster.pptx
+++ b/documents/projectmanagement/Praesentationen/Vorstellung_26ster.pptx
@@ -4,13 +4,19 @@
   <p:sldMasterIdLst>
     <p:sldMasterId id="2147483648" r:id="rId1"/>
   </p:sldMasterIdLst>
+  <p:notesMasterIdLst>
+    <p:notesMasterId r:id="rId11"/>
+  </p:notesMasterIdLst>
   <p:sldIdLst>
     <p:sldId id="256" r:id="rId2"/>
     <p:sldId id="257" r:id="rId3"/>
     <p:sldId id="258" r:id="rId4"/>
     <p:sldId id="259" r:id="rId5"/>
-    <p:sldId id="260" r:id="rId6"/>
-    <p:sldId id="261" r:id="rId7"/>
+    <p:sldId id="263" r:id="rId6"/>
+    <p:sldId id="260" r:id="rId7"/>
+    <p:sldId id="264" r:id="rId8"/>
+    <p:sldId id="265" r:id="rId9"/>
+    <p:sldId id="261" r:id="rId10"/>
   </p:sldIdLst>
   <p:sldSz cx="12192000" cy="6858000"/>
   <p:notesSz cx="6858000" cy="9144000"/>
@@ -109,7 +115,5657 @@
       </a:defRPr>
     </a:lvl9pPr>
   </p:defaultTextStyle>
+  <p:extLst>
+    <p:ext uri="{EFAFB233-063F-42B5-8137-9DF3F51BA10A}">
+      <p15:sldGuideLst xmlns:p15="http://schemas.microsoft.com/office/powerpoint/2012/main"/>
+    </p:ext>
+  </p:extLst>
 </p:presentation>
+</file>
+
+<file path=ppt/charts/chart1.xml><?xml version="1.0" encoding="utf-8"?>
+<c:chartSpace xmlns:c="http://schemas.openxmlformats.org/drawingml/2006/chart" xmlns:a="http://schemas.openxmlformats.org/drawingml/2006/main" xmlns:r="http://schemas.openxmlformats.org/officeDocument/2006/relationships" xmlns:c16r2="http://schemas.microsoft.com/office/drawing/2015/06/chart">
+  <c:date1904 val="0"/>
+  <c:lang val="de-DE"/>
+  <c:roundedCorners val="0"/>
+  <mc:AlternateContent xmlns:mc="http://schemas.openxmlformats.org/markup-compatibility/2006">
+    <mc:Choice xmlns:c14="http://schemas.microsoft.com/office/drawing/2007/8/2/chart" Requires="c14">
+      <c14:style val="102"/>
+    </mc:Choice>
+    <mc:Fallback>
+      <c:style val="2"/>
+    </mc:Fallback>
+  </mc:AlternateContent>
+  <c:chart>
+    <c:title>
+      <c:overlay val="0"/>
+      <c:spPr>
+        <a:noFill/>
+        <a:ln>
+          <a:noFill/>
+        </a:ln>
+        <a:effectLst/>
+      </c:spPr>
+      <c:txPr>
+        <a:bodyPr rot="0" spcFirstLastPara="1" vertOverflow="ellipsis" vert="horz" wrap="square" anchor="ctr" anchorCtr="1"/>
+        <a:lstStyle/>
+        <a:p>
+          <a:pPr>
+            <a:defRPr sz="2200" b="1" i="0" u="none" strike="noStrike" kern="1200" baseline="0">
+              <a:solidFill>
+                <a:schemeClr val="dk1">
+                  <a:lumMod val="65000"/>
+                  <a:lumOff val="35000"/>
+                </a:schemeClr>
+              </a:solidFill>
+              <a:latin typeface="+mn-lt"/>
+              <a:ea typeface="+mn-ea"/>
+              <a:cs typeface="+mn-cs"/>
+            </a:defRPr>
+          </a:pPr>
+          <a:endParaRPr lang="de-DE"/>
+        </a:p>
+      </c:txPr>
+    </c:title>
+    <c:autoTitleDeleted val="0"/>
+    <c:plotArea>
+      <c:layout/>
+      <c:pieChart>
+        <c:varyColors val="1"/>
+        <c:ser>
+          <c:idx val="0"/>
+          <c:order val="0"/>
+          <c:tx>
+            <c:strRef>
+              <c:f>Tabelle1!$B$1</c:f>
+              <c:strCache>
+                <c:ptCount val="1"/>
+                <c:pt idx="0">
+                  <c:v>Abteilungsbudget</c:v>
+                </c:pt>
+              </c:strCache>
+            </c:strRef>
+          </c:tx>
+          <c:dPt>
+            <c:idx val="0"/>
+            <c:bubble3D val="0"/>
+            <c:spPr>
+              <a:solidFill>
+                <a:schemeClr val="accent1"/>
+              </a:solidFill>
+              <a:ln>
+                <a:noFill/>
+              </a:ln>
+              <a:effectLst>
+                <a:outerShdw blurRad="317500" algn="ctr" rotWithShape="0">
+                  <a:prstClr val="black">
+                    <a:alpha val="25000"/>
+                  </a:prstClr>
+                </a:outerShdw>
+              </a:effectLst>
+            </c:spPr>
+            <c:extLst>
+              <c:ext xmlns:c16="http://schemas.microsoft.com/office/drawing/2014/chart" uri="{C3380CC4-5D6E-409C-BE32-E72D297353CC}">
+                <c16:uniqueId val="{00000001-B895-4B5E-A6BA-63F368F71A4C}"/>
+              </c:ext>
+            </c:extLst>
+          </c:dPt>
+          <c:dPt>
+            <c:idx val="1"/>
+            <c:bubble3D val="0"/>
+            <c:spPr>
+              <a:solidFill>
+                <a:schemeClr val="accent2"/>
+              </a:solidFill>
+              <a:ln>
+                <a:noFill/>
+              </a:ln>
+              <a:effectLst>
+                <a:outerShdw blurRad="317500" algn="ctr" rotWithShape="0">
+                  <a:prstClr val="black">
+                    <a:alpha val="25000"/>
+                  </a:prstClr>
+                </a:outerShdw>
+              </a:effectLst>
+            </c:spPr>
+            <c:extLst>
+              <c:ext xmlns:c16="http://schemas.microsoft.com/office/drawing/2014/chart" uri="{C3380CC4-5D6E-409C-BE32-E72D297353CC}">
+                <c16:uniqueId val="{00000003-B895-4B5E-A6BA-63F368F71A4C}"/>
+              </c:ext>
+            </c:extLst>
+          </c:dPt>
+          <c:dPt>
+            <c:idx val="2"/>
+            <c:bubble3D val="0"/>
+            <c:spPr>
+              <a:solidFill>
+                <a:schemeClr val="accent3"/>
+              </a:solidFill>
+              <a:ln>
+                <a:noFill/>
+              </a:ln>
+              <a:effectLst>
+                <a:outerShdw blurRad="317500" algn="ctr" rotWithShape="0">
+                  <a:prstClr val="black">
+                    <a:alpha val="25000"/>
+                  </a:prstClr>
+                </a:outerShdw>
+              </a:effectLst>
+            </c:spPr>
+            <c:extLst>
+              <c:ext xmlns:c16="http://schemas.microsoft.com/office/drawing/2014/chart" uri="{C3380CC4-5D6E-409C-BE32-E72D297353CC}">
+                <c16:uniqueId val="{00000005-B895-4B5E-A6BA-63F368F71A4C}"/>
+              </c:ext>
+            </c:extLst>
+          </c:dPt>
+          <c:dLbls>
+            <c:spPr>
+              <a:noFill/>
+              <a:ln>
+                <a:noFill/>
+              </a:ln>
+              <a:effectLst/>
+            </c:spPr>
+            <c:txPr>
+              <a:bodyPr rot="0" spcFirstLastPara="1" vertOverflow="ellipsis" vert="horz" wrap="square" lIns="38100" tIns="19050" rIns="38100" bIns="19050" anchor="ctr" anchorCtr="1">
+                <a:spAutoFit/>
+              </a:bodyPr>
+              <a:lstStyle/>
+              <a:p>
+                <a:pPr>
+                  <a:defRPr sz="1197" b="1" i="0" u="none" strike="noStrike" kern="1200" baseline="0">
+                    <a:solidFill>
+                      <a:schemeClr val="lt1"/>
+                    </a:solidFill>
+                    <a:latin typeface="+mn-lt"/>
+                    <a:ea typeface="+mn-ea"/>
+                    <a:cs typeface="+mn-cs"/>
+                  </a:defRPr>
+                </a:pPr>
+                <a:endParaRPr lang="de-DE"/>
+              </a:p>
+            </c:txPr>
+            <c:dLblPos val="inEnd"/>
+            <c:showLegendKey val="0"/>
+            <c:showVal val="0"/>
+            <c:showCatName val="0"/>
+            <c:showSerName val="0"/>
+            <c:showPercent val="1"/>
+            <c:showBubbleSize val="0"/>
+            <c:showLeaderLines val="1"/>
+            <c:leaderLines>
+              <c:spPr>
+                <a:ln w="9525" cap="flat" cmpd="sng" algn="ctr">
+                  <a:solidFill>
+                    <a:schemeClr val="dk1">
+                      <a:lumMod val="35000"/>
+                      <a:lumOff val="65000"/>
+                    </a:schemeClr>
+                  </a:solidFill>
+                  <a:round/>
+                </a:ln>
+                <a:effectLst/>
+              </c:spPr>
+            </c:leaderLines>
+            <c:extLst>
+              <c:ext xmlns:c15="http://schemas.microsoft.com/office/drawing/2012/chart" uri="{CE6537A1-D6FC-4f65-9D91-7224C49458BB}"/>
+            </c:extLst>
+          </c:dLbls>
+          <c:cat>
+            <c:strRef>
+              <c:f>Tabelle1!$A$2:$A$4</c:f>
+              <c:strCache>
+                <c:ptCount val="3"/>
+                <c:pt idx="0">
+                  <c:v>Frei</c:v>
+                </c:pt>
+                <c:pt idx="1">
+                  <c:v>Genehmigt</c:v>
+                </c:pt>
+                <c:pt idx="2">
+                  <c:v>Geplant</c:v>
+                </c:pt>
+              </c:strCache>
+            </c:strRef>
+          </c:cat>
+          <c:val>
+            <c:numRef>
+              <c:f>Tabelle1!$B$2:$B$4</c:f>
+              <c:numCache>
+                <c:formatCode>#,##0</c:formatCode>
+                <c:ptCount val="3"/>
+                <c:pt idx="0">
+                  <c:v>3000000</c:v>
+                </c:pt>
+                <c:pt idx="1">
+                  <c:v>500000</c:v>
+                </c:pt>
+                <c:pt idx="2">
+                  <c:v>300000</c:v>
+                </c:pt>
+              </c:numCache>
+            </c:numRef>
+          </c:val>
+          <c:extLst>
+            <c:ext xmlns:c16="http://schemas.microsoft.com/office/drawing/2014/chart" uri="{C3380CC4-5D6E-409C-BE32-E72D297353CC}">
+              <c16:uniqueId val="{00000000-F9FE-4E18-BD73-047064109662}"/>
+            </c:ext>
+          </c:extLst>
+        </c:ser>
+        <c:dLbls>
+          <c:dLblPos val="inEnd"/>
+          <c:showLegendKey val="0"/>
+          <c:showVal val="0"/>
+          <c:showCatName val="0"/>
+          <c:showSerName val="0"/>
+          <c:showPercent val="1"/>
+          <c:showBubbleSize val="0"/>
+          <c:showLeaderLines val="1"/>
+        </c:dLbls>
+        <c:firstSliceAng val="0"/>
+      </c:pieChart>
+      <c:spPr>
+        <a:noFill/>
+        <a:ln>
+          <a:noFill/>
+        </a:ln>
+        <a:effectLst/>
+      </c:spPr>
+    </c:plotArea>
+    <c:legend>
+      <c:legendPos val="b"/>
+      <c:overlay val="0"/>
+      <c:spPr>
+        <a:solidFill>
+          <a:schemeClr val="lt1">
+            <a:alpha val="78000"/>
+          </a:schemeClr>
+        </a:solidFill>
+        <a:ln>
+          <a:noFill/>
+        </a:ln>
+        <a:effectLst/>
+      </c:spPr>
+      <c:txPr>
+        <a:bodyPr rot="0" spcFirstLastPara="1" vertOverflow="ellipsis" vert="horz" wrap="square" anchor="ctr" anchorCtr="1"/>
+        <a:lstStyle/>
+        <a:p>
+          <a:pPr>
+            <a:defRPr sz="1197" b="0" i="0" u="none" strike="noStrike" kern="1200" baseline="0">
+              <a:solidFill>
+                <a:schemeClr val="dk1">
+                  <a:lumMod val="65000"/>
+                  <a:lumOff val="35000"/>
+                </a:schemeClr>
+              </a:solidFill>
+              <a:latin typeface="+mn-lt"/>
+              <a:ea typeface="+mn-ea"/>
+              <a:cs typeface="+mn-cs"/>
+            </a:defRPr>
+          </a:pPr>
+          <a:endParaRPr lang="de-DE"/>
+        </a:p>
+      </c:txPr>
+    </c:legend>
+    <c:plotVisOnly val="1"/>
+    <c:dispBlanksAs val="gap"/>
+    <c:showDLblsOverMax val="0"/>
+  </c:chart>
+  <c:spPr>
+    <a:pattFill prst="dkDnDiag">
+      <a:fgClr>
+        <a:schemeClr val="lt1">
+          <a:lumMod val="95000"/>
+        </a:schemeClr>
+      </a:fgClr>
+      <a:bgClr>
+        <a:schemeClr val="lt1"/>
+      </a:bgClr>
+    </a:pattFill>
+    <a:ln w="9525" cap="flat" cmpd="sng" algn="ctr">
+      <a:solidFill>
+        <a:schemeClr val="dk1">
+          <a:lumMod val="15000"/>
+          <a:lumOff val="85000"/>
+        </a:schemeClr>
+      </a:solidFill>
+      <a:round/>
+    </a:ln>
+    <a:effectLst/>
+  </c:spPr>
+  <c:txPr>
+    <a:bodyPr/>
+    <a:lstStyle/>
+    <a:p>
+      <a:pPr>
+        <a:defRPr/>
+      </a:pPr>
+      <a:endParaRPr lang="de-DE"/>
+    </a:p>
+  </c:txPr>
+  <c:externalData r:id="rId3">
+    <c:autoUpdate val="0"/>
+  </c:externalData>
+</c:chartSpace>
+</file>
+
+<file path=ppt/charts/chart2.xml><?xml version="1.0" encoding="utf-8"?>
+<c:chartSpace xmlns:c="http://schemas.openxmlformats.org/drawingml/2006/chart" xmlns:a="http://schemas.openxmlformats.org/drawingml/2006/main" xmlns:r="http://schemas.openxmlformats.org/officeDocument/2006/relationships" xmlns:c16r2="http://schemas.microsoft.com/office/drawing/2015/06/chart">
+  <c:date1904 val="0"/>
+  <c:lang val="de-DE"/>
+  <c:roundedCorners val="0"/>
+  <mc:AlternateContent xmlns:mc="http://schemas.openxmlformats.org/markup-compatibility/2006">
+    <mc:Choice xmlns:c14="http://schemas.microsoft.com/office/drawing/2007/8/2/chart" Requires="c14">
+      <c14:style val="102"/>
+    </mc:Choice>
+    <mc:Fallback>
+      <c:style val="2"/>
+    </mc:Fallback>
+  </mc:AlternateContent>
+  <c:chart>
+    <c:title>
+      <c:overlay val="0"/>
+      <c:spPr>
+        <a:noFill/>
+        <a:ln>
+          <a:noFill/>
+        </a:ln>
+        <a:effectLst/>
+      </c:spPr>
+      <c:txPr>
+        <a:bodyPr rot="0" spcFirstLastPara="1" vertOverflow="ellipsis" vert="horz" wrap="square" anchor="ctr" anchorCtr="1"/>
+        <a:lstStyle/>
+        <a:p>
+          <a:pPr>
+            <a:defRPr sz="2200" b="1" i="0" u="none" strike="noStrike" kern="1200" baseline="0">
+              <a:solidFill>
+                <a:schemeClr val="dk1">
+                  <a:lumMod val="65000"/>
+                  <a:lumOff val="35000"/>
+                </a:schemeClr>
+              </a:solidFill>
+              <a:latin typeface="+mn-lt"/>
+              <a:ea typeface="+mn-ea"/>
+              <a:cs typeface="+mn-cs"/>
+            </a:defRPr>
+          </a:pPr>
+          <a:endParaRPr lang="de-DE"/>
+        </a:p>
+      </c:txPr>
+    </c:title>
+    <c:autoTitleDeleted val="0"/>
+    <c:plotArea>
+      <c:layout/>
+      <c:pieChart>
+        <c:varyColors val="1"/>
+        <c:ser>
+          <c:idx val="0"/>
+          <c:order val="0"/>
+          <c:tx>
+            <c:strRef>
+              <c:f>Tabelle1!$B$1</c:f>
+              <c:strCache>
+                <c:ptCount val="1"/>
+                <c:pt idx="0">
+                  <c:v>Mitarbeiter</c:v>
+                </c:pt>
+              </c:strCache>
+            </c:strRef>
+          </c:tx>
+          <c:dPt>
+            <c:idx val="0"/>
+            <c:bubble3D val="0"/>
+            <c:spPr>
+              <a:solidFill>
+                <a:schemeClr val="accent1"/>
+              </a:solidFill>
+              <a:ln>
+                <a:noFill/>
+              </a:ln>
+              <a:effectLst>
+                <a:outerShdw blurRad="317500" algn="ctr" rotWithShape="0">
+                  <a:prstClr val="black">
+                    <a:alpha val="25000"/>
+                  </a:prstClr>
+                </a:outerShdw>
+              </a:effectLst>
+            </c:spPr>
+            <c:extLst>
+              <c:ext xmlns:c16="http://schemas.microsoft.com/office/drawing/2014/chart" uri="{C3380CC4-5D6E-409C-BE32-E72D297353CC}">
+                <c16:uniqueId val="{00000001-C9BA-48D8-A1B7-0D44905CD1D8}"/>
+              </c:ext>
+            </c:extLst>
+          </c:dPt>
+          <c:dPt>
+            <c:idx val="1"/>
+            <c:bubble3D val="0"/>
+            <c:spPr>
+              <a:solidFill>
+                <a:schemeClr val="accent2"/>
+              </a:solidFill>
+              <a:ln>
+                <a:noFill/>
+              </a:ln>
+              <a:effectLst>
+                <a:outerShdw blurRad="317500" algn="ctr" rotWithShape="0">
+                  <a:prstClr val="black">
+                    <a:alpha val="25000"/>
+                  </a:prstClr>
+                </a:outerShdw>
+              </a:effectLst>
+            </c:spPr>
+            <c:extLst>
+              <c:ext xmlns:c16="http://schemas.microsoft.com/office/drawing/2014/chart" uri="{C3380CC4-5D6E-409C-BE32-E72D297353CC}">
+                <c16:uniqueId val="{00000003-C9BA-48D8-A1B7-0D44905CD1D8}"/>
+              </c:ext>
+            </c:extLst>
+          </c:dPt>
+          <c:dPt>
+            <c:idx val="2"/>
+            <c:bubble3D val="0"/>
+            <c:spPr>
+              <a:solidFill>
+                <a:schemeClr val="accent3"/>
+              </a:solidFill>
+              <a:ln>
+                <a:noFill/>
+              </a:ln>
+              <a:effectLst>
+                <a:outerShdw blurRad="317500" algn="ctr" rotWithShape="0">
+                  <a:prstClr val="black">
+                    <a:alpha val="25000"/>
+                  </a:prstClr>
+                </a:outerShdw>
+              </a:effectLst>
+            </c:spPr>
+            <c:extLst>
+              <c:ext xmlns:c16="http://schemas.microsoft.com/office/drawing/2014/chart" uri="{C3380CC4-5D6E-409C-BE32-E72D297353CC}">
+                <c16:uniqueId val="{00000005-C9BA-48D8-A1B7-0D44905CD1D8}"/>
+              </c:ext>
+            </c:extLst>
+          </c:dPt>
+          <c:dLbls>
+            <c:spPr>
+              <a:noFill/>
+              <a:ln>
+                <a:noFill/>
+              </a:ln>
+              <a:effectLst/>
+            </c:spPr>
+            <c:txPr>
+              <a:bodyPr rot="0" spcFirstLastPara="1" vertOverflow="ellipsis" vert="horz" wrap="square" lIns="38100" tIns="19050" rIns="38100" bIns="19050" anchor="ctr" anchorCtr="1">
+                <a:spAutoFit/>
+              </a:bodyPr>
+              <a:lstStyle/>
+              <a:p>
+                <a:pPr>
+                  <a:defRPr sz="1197" b="1" i="0" u="none" strike="noStrike" kern="1200" baseline="0">
+                    <a:solidFill>
+                      <a:schemeClr val="lt1"/>
+                    </a:solidFill>
+                    <a:latin typeface="+mn-lt"/>
+                    <a:ea typeface="+mn-ea"/>
+                    <a:cs typeface="+mn-cs"/>
+                  </a:defRPr>
+                </a:pPr>
+                <a:endParaRPr lang="de-DE"/>
+              </a:p>
+            </c:txPr>
+            <c:dLblPos val="inEnd"/>
+            <c:showLegendKey val="0"/>
+            <c:showVal val="0"/>
+            <c:showCatName val="0"/>
+            <c:showSerName val="0"/>
+            <c:showPercent val="1"/>
+            <c:showBubbleSize val="0"/>
+            <c:showLeaderLines val="1"/>
+            <c:leaderLines>
+              <c:spPr>
+                <a:ln w="9525" cap="flat" cmpd="sng" algn="ctr">
+                  <a:solidFill>
+                    <a:schemeClr val="dk1">
+                      <a:lumMod val="35000"/>
+                      <a:lumOff val="65000"/>
+                    </a:schemeClr>
+                  </a:solidFill>
+                  <a:round/>
+                </a:ln>
+                <a:effectLst/>
+              </c:spPr>
+            </c:leaderLines>
+            <c:extLst>
+              <c:ext xmlns:c15="http://schemas.microsoft.com/office/drawing/2012/chart" uri="{CE6537A1-D6FC-4f65-9D91-7224C49458BB}"/>
+            </c:extLst>
+          </c:dLbls>
+          <c:cat>
+            <c:strRef>
+              <c:f>Tabelle1!$A$2:$A$4</c:f>
+              <c:strCache>
+                <c:ptCount val="3"/>
+                <c:pt idx="0">
+                  <c:v>In Projekten</c:v>
+                </c:pt>
+                <c:pt idx="1">
+                  <c:v>Frei</c:v>
+                </c:pt>
+                <c:pt idx="2">
+                  <c:v>Verplant</c:v>
+                </c:pt>
+              </c:strCache>
+            </c:strRef>
+          </c:cat>
+          <c:val>
+            <c:numRef>
+              <c:f>Tabelle1!$B$2:$B$4</c:f>
+              <c:numCache>
+                <c:formatCode>#,##0</c:formatCode>
+                <c:ptCount val="3"/>
+                <c:pt idx="0">
+                  <c:v>80</c:v>
+                </c:pt>
+                <c:pt idx="1">
+                  <c:v>20</c:v>
+                </c:pt>
+                <c:pt idx="2">
+                  <c:v>10</c:v>
+                </c:pt>
+              </c:numCache>
+            </c:numRef>
+          </c:val>
+          <c:extLst>
+            <c:ext xmlns:c16="http://schemas.microsoft.com/office/drawing/2014/chart" uri="{C3380CC4-5D6E-409C-BE32-E72D297353CC}">
+              <c16:uniqueId val="{00000006-C9BA-48D8-A1B7-0D44905CD1D8}"/>
+            </c:ext>
+          </c:extLst>
+        </c:ser>
+        <c:dLbls>
+          <c:dLblPos val="inEnd"/>
+          <c:showLegendKey val="0"/>
+          <c:showVal val="0"/>
+          <c:showCatName val="0"/>
+          <c:showSerName val="0"/>
+          <c:showPercent val="1"/>
+          <c:showBubbleSize val="0"/>
+          <c:showLeaderLines val="1"/>
+        </c:dLbls>
+        <c:firstSliceAng val="0"/>
+      </c:pieChart>
+      <c:spPr>
+        <a:noFill/>
+        <a:ln>
+          <a:noFill/>
+        </a:ln>
+        <a:effectLst/>
+      </c:spPr>
+    </c:plotArea>
+    <c:legend>
+      <c:legendPos val="b"/>
+      <c:overlay val="0"/>
+      <c:spPr>
+        <a:solidFill>
+          <a:schemeClr val="lt1">
+            <a:alpha val="78000"/>
+          </a:schemeClr>
+        </a:solidFill>
+        <a:ln>
+          <a:noFill/>
+        </a:ln>
+        <a:effectLst/>
+      </c:spPr>
+      <c:txPr>
+        <a:bodyPr rot="0" spcFirstLastPara="1" vertOverflow="ellipsis" vert="horz" wrap="square" anchor="ctr" anchorCtr="1"/>
+        <a:lstStyle/>
+        <a:p>
+          <a:pPr>
+            <a:defRPr sz="1197" b="0" i="0" u="none" strike="noStrike" kern="1200" baseline="0">
+              <a:solidFill>
+                <a:schemeClr val="dk1">
+                  <a:lumMod val="65000"/>
+                  <a:lumOff val="35000"/>
+                </a:schemeClr>
+              </a:solidFill>
+              <a:latin typeface="+mn-lt"/>
+              <a:ea typeface="+mn-ea"/>
+              <a:cs typeface="+mn-cs"/>
+            </a:defRPr>
+          </a:pPr>
+          <a:endParaRPr lang="de-DE"/>
+        </a:p>
+      </c:txPr>
+    </c:legend>
+    <c:plotVisOnly val="1"/>
+    <c:dispBlanksAs val="gap"/>
+    <c:showDLblsOverMax val="0"/>
+  </c:chart>
+  <c:spPr>
+    <a:pattFill prst="dkDnDiag">
+      <a:fgClr>
+        <a:schemeClr val="lt1">
+          <a:lumMod val="95000"/>
+        </a:schemeClr>
+      </a:fgClr>
+      <a:bgClr>
+        <a:schemeClr val="lt1"/>
+      </a:bgClr>
+    </a:pattFill>
+    <a:ln w="9525" cap="flat" cmpd="sng" algn="ctr">
+      <a:solidFill>
+        <a:schemeClr val="dk1">
+          <a:lumMod val="15000"/>
+          <a:lumOff val="85000"/>
+        </a:schemeClr>
+      </a:solidFill>
+      <a:round/>
+    </a:ln>
+    <a:effectLst/>
+  </c:spPr>
+  <c:txPr>
+    <a:bodyPr/>
+    <a:lstStyle/>
+    <a:p>
+      <a:pPr>
+        <a:defRPr/>
+      </a:pPr>
+      <a:endParaRPr lang="de-DE"/>
+    </a:p>
+  </c:txPr>
+  <c:externalData r:id="rId3">
+    <c:autoUpdate val="0"/>
+  </c:externalData>
+</c:chartSpace>
+</file>
+
+<file path=ppt/charts/chart3.xml><?xml version="1.0" encoding="utf-8"?>
+<c:chartSpace xmlns:c="http://schemas.openxmlformats.org/drawingml/2006/chart" xmlns:a="http://schemas.openxmlformats.org/drawingml/2006/main" xmlns:r="http://schemas.openxmlformats.org/officeDocument/2006/relationships" xmlns:c16r2="http://schemas.microsoft.com/office/drawing/2015/06/chart">
+  <c:date1904 val="0"/>
+  <c:lang val="de-DE"/>
+  <c:roundedCorners val="0"/>
+  <mc:AlternateContent xmlns:mc="http://schemas.openxmlformats.org/markup-compatibility/2006">
+    <mc:Choice xmlns:c14="http://schemas.microsoft.com/office/drawing/2007/8/2/chart" Requires="c14">
+      <c14:style val="102"/>
+    </mc:Choice>
+    <mc:Fallback>
+      <c:style val="2"/>
+    </mc:Fallback>
+  </mc:AlternateContent>
+  <c:chart>
+    <c:title>
+      <c:overlay val="0"/>
+      <c:spPr>
+        <a:noFill/>
+        <a:ln>
+          <a:noFill/>
+        </a:ln>
+        <a:effectLst/>
+      </c:spPr>
+      <c:txPr>
+        <a:bodyPr rot="0" spcFirstLastPara="1" vertOverflow="ellipsis" vert="horz" wrap="square" anchor="ctr" anchorCtr="1"/>
+        <a:lstStyle/>
+        <a:p>
+          <a:pPr>
+            <a:defRPr sz="2200" b="1" i="0" u="none" strike="noStrike" kern="1200" baseline="0">
+              <a:solidFill>
+                <a:schemeClr val="dk1">
+                  <a:lumMod val="65000"/>
+                  <a:lumOff val="35000"/>
+                </a:schemeClr>
+              </a:solidFill>
+              <a:latin typeface="+mn-lt"/>
+              <a:ea typeface="+mn-ea"/>
+              <a:cs typeface="+mn-cs"/>
+            </a:defRPr>
+          </a:pPr>
+          <a:endParaRPr lang="de-DE"/>
+        </a:p>
+      </c:txPr>
+    </c:title>
+    <c:autoTitleDeleted val="0"/>
+    <c:plotArea>
+      <c:layout/>
+      <c:pieChart>
+        <c:varyColors val="1"/>
+        <c:ser>
+          <c:idx val="0"/>
+          <c:order val="0"/>
+          <c:tx>
+            <c:strRef>
+              <c:f>Tabelle1!$B$1</c:f>
+              <c:strCache>
+                <c:ptCount val="1"/>
+                <c:pt idx="0">
+                  <c:v>Projektleiter</c:v>
+                </c:pt>
+              </c:strCache>
+            </c:strRef>
+          </c:tx>
+          <c:dPt>
+            <c:idx val="0"/>
+            <c:bubble3D val="0"/>
+            <c:spPr>
+              <a:solidFill>
+                <a:schemeClr val="accent1"/>
+              </a:solidFill>
+              <a:ln>
+                <a:noFill/>
+              </a:ln>
+              <a:effectLst>
+                <a:outerShdw blurRad="317500" algn="ctr" rotWithShape="0">
+                  <a:prstClr val="black">
+                    <a:alpha val="25000"/>
+                  </a:prstClr>
+                </a:outerShdw>
+              </a:effectLst>
+            </c:spPr>
+            <c:extLst>
+              <c:ext xmlns:c16="http://schemas.microsoft.com/office/drawing/2014/chart" uri="{C3380CC4-5D6E-409C-BE32-E72D297353CC}">
+                <c16:uniqueId val="{00000001-DF3B-46C0-9F27-97567E33BC23}"/>
+              </c:ext>
+            </c:extLst>
+          </c:dPt>
+          <c:dPt>
+            <c:idx val="1"/>
+            <c:bubble3D val="0"/>
+            <c:spPr>
+              <a:solidFill>
+                <a:schemeClr val="accent2"/>
+              </a:solidFill>
+              <a:ln>
+                <a:noFill/>
+              </a:ln>
+              <a:effectLst>
+                <a:outerShdw blurRad="317500" algn="ctr" rotWithShape="0">
+                  <a:prstClr val="black">
+                    <a:alpha val="25000"/>
+                  </a:prstClr>
+                </a:outerShdw>
+              </a:effectLst>
+            </c:spPr>
+            <c:extLst>
+              <c:ext xmlns:c16="http://schemas.microsoft.com/office/drawing/2014/chart" uri="{C3380CC4-5D6E-409C-BE32-E72D297353CC}">
+                <c16:uniqueId val="{00000003-DF3B-46C0-9F27-97567E33BC23}"/>
+              </c:ext>
+            </c:extLst>
+          </c:dPt>
+          <c:dLbls>
+            <c:spPr>
+              <a:noFill/>
+              <a:ln>
+                <a:noFill/>
+              </a:ln>
+              <a:effectLst/>
+            </c:spPr>
+            <c:txPr>
+              <a:bodyPr rot="0" spcFirstLastPara="1" vertOverflow="ellipsis" vert="horz" wrap="square" lIns="38100" tIns="19050" rIns="38100" bIns="19050" anchor="ctr" anchorCtr="1">
+                <a:spAutoFit/>
+              </a:bodyPr>
+              <a:lstStyle/>
+              <a:p>
+                <a:pPr>
+                  <a:defRPr sz="1197" b="1" i="0" u="none" strike="noStrike" kern="1200" baseline="0">
+                    <a:solidFill>
+                      <a:schemeClr val="lt1"/>
+                    </a:solidFill>
+                    <a:latin typeface="+mn-lt"/>
+                    <a:ea typeface="+mn-ea"/>
+                    <a:cs typeface="+mn-cs"/>
+                  </a:defRPr>
+                </a:pPr>
+                <a:endParaRPr lang="de-DE"/>
+              </a:p>
+            </c:txPr>
+            <c:dLblPos val="inEnd"/>
+            <c:showLegendKey val="0"/>
+            <c:showVal val="0"/>
+            <c:showCatName val="0"/>
+            <c:showSerName val="0"/>
+            <c:showPercent val="1"/>
+            <c:showBubbleSize val="0"/>
+            <c:showLeaderLines val="1"/>
+            <c:leaderLines>
+              <c:spPr>
+                <a:ln w="9525" cap="flat" cmpd="sng" algn="ctr">
+                  <a:solidFill>
+                    <a:schemeClr val="dk1">
+                      <a:lumMod val="35000"/>
+                      <a:lumOff val="65000"/>
+                    </a:schemeClr>
+                  </a:solidFill>
+                  <a:round/>
+                </a:ln>
+                <a:effectLst/>
+              </c:spPr>
+            </c:leaderLines>
+            <c:extLst>
+              <c:ext xmlns:c15="http://schemas.microsoft.com/office/drawing/2012/chart" uri="{CE6537A1-D6FC-4f65-9D91-7224C49458BB}"/>
+            </c:extLst>
+          </c:dLbls>
+          <c:cat>
+            <c:strRef>
+              <c:f>Tabelle1!$A$2:$A$3</c:f>
+              <c:strCache>
+                <c:ptCount val="2"/>
+                <c:pt idx="0">
+                  <c:v>In Projekt</c:v>
+                </c:pt>
+                <c:pt idx="1">
+                  <c:v>Frei</c:v>
+                </c:pt>
+              </c:strCache>
+            </c:strRef>
+          </c:cat>
+          <c:val>
+            <c:numRef>
+              <c:f>Tabelle1!$B$2:$B$3</c:f>
+              <c:numCache>
+                <c:formatCode>#,##0</c:formatCode>
+                <c:ptCount val="2"/>
+                <c:pt idx="0">
+                  <c:v>8</c:v>
+                </c:pt>
+                <c:pt idx="1">
+                  <c:v>2</c:v>
+                </c:pt>
+              </c:numCache>
+            </c:numRef>
+          </c:val>
+          <c:extLst>
+            <c:ext xmlns:c16="http://schemas.microsoft.com/office/drawing/2014/chart" uri="{C3380CC4-5D6E-409C-BE32-E72D297353CC}">
+              <c16:uniqueId val="{00000006-DF3B-46C0-9F27-97567E33BC23}"/>
+            </c:ext>
+          </c:extLst>
+        </c:ser>
+        <c:dLbls>
+          <c:dLblPos val="inEnd"/>
+          <c:showLegendKey val="0"/>
+          <c:showVal val="0"/>
+          <c:showCatName val="0"/>
+          <c:showSerName val="0"/>
+          <c:showPercent val="1"/>
+          <c:showBubbleSize val="0"/>
+          <c:showLeaderLines val="1"/>
+        </c:dLbls>
+        <c:firstSliceAng val="0"/>
+      </c:pieChart>
+      <c:spPr>
+        <a:noFill/>
+        <a:ln>
+          <a:noFill/>
+        </a:ln>
+        <a:effectLst/>
+      </c:spPr>
+    </c:plotArea>
+    <c:legend>
+      <c:legendPos val="b"/>
+      <c:overlay val="0"/>
+      <c:spPr>
+        <a:solidFill>
+          <a:schemeClr val="lt1">
+            <a:alpha val="78000"/>
+          </a:schemeClr>
+        </a:solidFill>
+        <a:ln>
+          <a:noFill/>
+        </a:ln>
+        <a:effectLst/>
+      </c:spPr>
+      <c:txPr>
+        <a:bodyPr rot="0" spcFirstLastPara="1" vertOverflow="ellipsis" vert="horz" wrap="square" anchor="ctr" anchorCtr="1"/>
+        <a:lstStyle/>
+        <a:p>
+          <a:pPr>
+            <a:defRPr sz="1197" b="0" i="0" u="none" strike="noStrike" kern="1200" baseline="0">
+              <a:solidFill>
+                <a:schemeClr val="dk1">
+                  <a:lumMod val="65000"/>
+                  <a:lumOff val="35000"/>
+                </a:schemeClr>
+              </a:solidFill>
+              <a:latin typeface="+mn-lt"/>
+              <a:ea typeface="+mn-ea"/>
+              <a:cs typeface="+mn-cs"/>
+            </a:defRPr>
+          </a:pPr>
+          <a:endParaRPr lang="de-DE"/>
+        </a:p>
+      </c:txPr>
+    </c:legend>
+    <c:plotVisOnly val="1"/>
+    <c:dispBlanksAs val="gap"/>
+    <c:showDLblsOverMax val="0"/>
+  </c:chart>
+  <c:spPr>
+    <a:pattFill prst="dkDnDiag">
+      <a:fgClr>
+        <a:schemeClr val="lt1">
+          <a:lumMod val="95000"/>
+        </a:schemeClr>
+      </a:fgClr>
+      <a:bgClr>
+        <a:schemeClr val="lt1"/>
+      </a:bgClr>
+    </a:pattFill>
+    <a:ln w="9525" cap="flat" cmpd="sng" algn="ctr">
+      <a:solidFill>
+        <a:schemeClr val="dk1">
+          <a:lumMod val="15000"/>
+          <a:lumOff val="85000"/>
+        </a:schemeClr>
+      </a:solidFill>
+      <a:round/>
+    </a:ln>
+    <a:effectLst/>
+  </c:spPr>
+  <c:txPr>
+    <a:bodyPr/>
+    <a:lstStyle/>
+    <a:p>
+      <a:pPr>
+        <a:defRPr/>
+      </a:pPr>
+      <a:endParaRPr lang="de-DE"/>
+    </a:p>
+  </c:txPr>
+  <c:externalData r:id="rId3">
+    <c:autoUpdate val="0"/>
+  </c:externalData>
+</c:chartSpace>
+</file>
+
+<file path=ppt/charts/chart4.xml><?xml version="1.0" encoding="utf-8"?>
+<c:chartSpace xmlns:c="http://schemas.openxmlformats.org/drawingml/2006/chart" xmlns:a="http://schemas.openxmlformats.org/drawingml/2006/main" xmlns:r="http://schemas.openxmlformats.org/officeDocument/2006/relationships" xmlns:c16r2="http://schemas.microsoft.com/office/drawing/2015/06/chart">
+  <c:date1904 val="0"/>
+  <c:lang val="de-DE"/>
+  <c:roundedCorners val="0"/>
+  <mc:AlternateContent xmlns:mc="http://schemas.openxmlformats.org/markup-compatibility/2006">
+    <mc:Choice xmlns:c14="http://schemas.microsoft.com/office/drawing/2007/8/2/chart" Requires="c14">
+      <c14:style val="102"/>
+    </mc:Choice>
+    <mc:Fallback>
+      <c:style val="2"/>
+    </mc:Fallback>
+  </mc:AlternateContent>
+  <c:chart>
+    <c:title>
+      <c:overlay val="0"/>
+      <c:spPr>
+        <a:noFill/>
+        <a:ln>
+          <a:noFill/>
+        </a:ln>
+        <a:effectLst/>
+      </c:spPr>
+      <c:txPr>
+        <a:bodyPr rot="0" spcFirstLastPara="1" vertOverflow="ellipsis" vert="horz" wrap="square" anchor="ctr" anchorCtr="1"/>
+        <a:lstStyle/>
+        <a:p>
+          <a:pPr>
+            <a:defRPr sz="2200" b="1" i="0" u="none" strike="noStrike" kern="1200" baseline="0">
+              <a:solidFill>
+                <a:schemeClr val="dk1">
+                  <a:lumMod val="65000"/>
+                  <a:lumOff val="35000"/>
+                </a:schemeClr>
+              </a:solidFill>
+              <a:latin typeface="+mn-lt"/>
+              <a:ea typeface="+mn-ea"/>
+              <a:cs typeface="+mn-cs"/>
+            </a:defRPr>
+          </a:pPr>
+          <a:endParaRPr lang="de-DE"/>
+        </a:p>
+      </c:txPr>
+    </c:title>
+    <c:autoTitleDeleted val="0"/>
+    <c:plotArea>
+      <c:layout/>
+      <c:pieChart>
+        <c:varyColors val="1"/>
+        <c:ser>
+          <c:idx val="0"/>
+          <c:order val="0"/>
+          <c:tx>
+            <c:strRef>
+              <c:f>Tabelle1!$B$1</c:f>
+              <c:strCache>
+                <c:ptCount val="1"/>
+                <c:pt idx="0">
+                  <c:v>Projekte</c:v>
+                </c:pt>
+              </c:strCache>
+            </c:strRef>
+          </c:tx>
+          <c:dPt>
+            <c:idx val="0"/>
+            <c:bubble3D val="0"/>
+            <c:spPr>
+              <a:solidFill>
+                <a:schemeClr val="accent1"/>
+              </a:solidFill>
+              <a:ln>
+                <a:noFill/>
+              </a:ln>
+              <a:effectLst>
+                <a:outerShdw blurRad="317500" algn="ctr" rotWithShape="0">
+                  <a:prstClr val="black">
+                    <a:alpha val="25000"/>
+                  </a:prstClr>
+                </a:outerShdw>
+              </a:effectLst>
+            </c:spPr>
+            <c:extLst>
+              <c:ext xmlns:c16="http://schemas.microsoft.com/office/drawing/2014/chart" uri="{C3380CC4-5D6E-409C-BE32-E72D297353CC}">
+                <c16:uniqueId val="{00000001-2175-4E6B-A782-1D16D03A5C95}"/>
+              </c:ext>
+            </c:extLst>
+          </c:dPt>
+          <c:dPt>
+            <c:idx val="1"/>
+            <c:bubble3D val="0"/>
+            <c:spPr>
+              <a:solidFill>
+                <a:schemeClr val="accent2"/>
+              </a:solidFill>
+              <a:ln>
+                <a:noFill/>
+              </a:ln>
+              <a:effectLst>
+                <a:outerShdw blurRad="317500" algn="ctr" rotWithShape="0">
+                  <a:prstClr val="black">
+                    <a:alpha val="25000"/>
+                  </a:prstClr>
+                </a:outerShdw>
+              </a:effectLst>
+            </c:spPr>
+            <c:extLst>
+              <c:ext xmlns:c16="http://schemas.microsoft.com/office/drawing/2014/chart" uri="{C3380CC4-5D6E-409C-BE32-E72D297353CC}">
+                <c16:uniqueId val="{00000003-2175-4E6B-A782-1D16D03A5C95}"/>
+              </c:ext>
+            </c:extLst>
+          </c:dPt>
+          <c:dPt>
+            <c:idx val="2"/>
+            <c:bubble3D val="0"/>
+            <c:spPr>
+              <a:solidFill>
+                <a:schemeClr val="accent3"/>
+              </a:solidFill>
+              <a:ln>
+                <a:noFill/>
+              </a:ln>
+              <a:effectLst>
+                <a:outerShdw blurRad="317500" algn="ctr" rotWithShape="0">
+                  <a:prstClr val="black">
+                    <a:alpha val="25000"/>
+                  </a:prstClr>
+                </a:outerShdw>
+              </a:effectLst>
+            </c:spPr>
+            <c:extLst>
+              <c:ext xmlns:c16="http://schemas.microsoft.com/office/drawing/2014/chart" uri="{C3380CC4-5D6E-409C-BE32-E72D297353CC}">
+                <c16:uniqueId val="{00000005-9B4B-4C8C-A304-F3B0D73F64D5}"/>
+              </c:ext>
+            </c:extLst>
+          </c:dPt>
+          <c:dLbls>
+            <c:spPr>
+              <a:noFill/>
+              <a:ln>
+                <a:noFill/>
+              </a:ln>
+              <a:effectLst/>
+            </c:spPr>
+            <c:txPr>
+              <a:bodyPr rot="0" spcFirstLastPara="1" vertOverflow="ellipsis" vert="horz" wrap="square" lIns="38100" tIns="19050" rIns="38100" bIns="19050" anchor="ctr" anchorCtr="1">
+                <a:spAutoFit/>
+              </a:bodyPr>
+              <a:lstStyle/>
+              <a:p>
+                <a:pPr>
+                  <a:defRPr sz="1197" b="1" i="0" u="none" strike="noStrike" kern="1200" baseline="0">
+                    <a:solidFill>
+                      <a:schemeClr val="lt1"/>
+                    </a:solidFill>
+                    <a:latin typeface="+mn-lt"/>
+                    <a:ea typeface="+mn-ea"/>
+                    <a:cs typeface="+mn-cs"/>
+                  </a:defRPr>
+                </a:pPr>
+                <a:endParaRPr lang="de-DE"/>
+              </a:p>
+            </c:txPr>
+            <c:dLblPos val="inEnd"/>
+            <c:showLegendKey val="0"/>
+            <c:showVal val="0"/>
+            <c:showCatName val="0"/>
+            <c:showSerName val="0"/>
+            <c:showPercent val="1"/>
+            <c:showBubbleSize val="0"/>
+            <c:showLeaderLines val="1"/>
+            <c:leaderLines>
+              <c:spPr>
+                <a:ln w="9525" cap="flat" cmpd="sng" algn="ctr">
+                  <a:solidFill>
+                    <a:schemeClr val="dk1">
+                      <a:lumMod val="35000"/>
+                      <a:lumOff val="65000"/>
+                    </a:schemeClr>
+                  </a:solidFill>
+                  <a:round/>
+                </a:ln>
+                <a:effectLst/>
+              </c:spPr>
+            </c:leaderLines>
+            <c:extLst>
+              <c:ext xmlns:c15="http://schemas.microsoft.com/office/drawing/2012/chart" uri="{CE6537A1-D6FC-4f65-9D91-7224C49458BB}"/>
+            </c:extLst>
+          </c:dLbls>
+          <c:cat>
+            <c:strRef>
+              <c:f>Tabelle1!$A$2:$A$4</c:f>
+              <c:strCache>
+                <c:ptCount val="3"/>
+                <c:pt idx="0">
+                  <c:v>Genehmigt</c:v>
+                </c:pt>
+                <c:pt idx="1">
+                  <c:v>Geplant</c:v>
+                </c:pt>
+                <c:pt idx="2">
+                  <c:v>Ausstehend</c:v>
+                </c:pt>
+              </c:strCache>
+            </c:strRef>
+          </c:cat>
+          <c:val>
+            <c:numRef>
+              <c:f>Tabelle1!$B$2:$B$4</c:f>
+              <c:numCache>
+                <c:formatCode>#,##0</c:formatCode>
+                <c:ptCount val="3"/>
+                <c:pt idx="0">
+                  <c:v>10</c:v>
+                </c:pt>
+                <c:pt idx="1">
+                  <c:v>5</c:v>
+                </c:pt>
+                <c:pt idx="2">
+                  <c:v>8</c:v>
+                </c:pt>
+              </c:numCache>
+            </c:numRef>
+          </c:val>
+          <c:extLst>
+            <c:ext xmlns:c16="http://schemas.microsoft.com/office/drawing/2014/chart" uri="{C3380CC4-5D6E-409C-BE32-E72D297353CC}">
+              <c16:uniqueId val="{00000004-2175-4E6B-A782-1D16D03A5C95}"/>
+            </c:ext>
+          </c:extLst>
+        </c:ser>
+        <c:dLbls>
+          <c:dLblPos val="inEnd"/>
+          <c:showLegendKey val="0"/>
+          <c:showVal val="0"/>
+          <c:showCatName val="0"/>
+          <c:showSerName val="0"/>
+          <c:showPercent val="1"/>
+          <c:showBubbleSize val="0"/>
+          <c:showLeaderLines val="1"/>
+        </c:dLbls>
+        <c:firstSliceAng val="0"/>
+      </c:pieChart>
+      <c:spPr>
+        <a:noFill/>
+        <a:ln>
+          <a:noFill/>
+        </a:ln>
+        <a:effectLst/>
+      </c:spPr>
+    </c:plotArea>
+    <c:legend>
+      <c:legendPos val="b"/>
+      <c:overlay val="0"/>
+      <c:spPr>
+        <a:solidFill>
+          <a:schemeClr val="lt1">
+            <a:alpha val="78000"/>
+          </a:schemeClr>
+        </a:solidFill>
+        <a:ln>
+          <a:noFill/>
+        </a:ln>
+        <a:effectLst/>
+      </c:spPr>
+      <c:txPr>
+        <a:bodyPr rot="0" spcFirstLastPara="1" vertOverflow="ellipsis" vert="horz" wrap="square" anchor="ctr" anchorCtr="1"/>
+        <a:lstStyle/>
+        <a:p>
+          <a:pPr>
+            <a:defRPr sz="1197" b="0" i="0" u="none" strike="noStrike" kern="1200" baseline="0">
+              <a:solidFill>
+                <a:schemeClr val="dk1">
+                  <a:lumMod val="65000"/>
+                  <a:lumOff val="35000"/>
+                </a:schemeClr>
+              </a:solidFill>
+              <a:latin typeface="+mn-lt"/>
+              <a:ea typeface="+mn-ea"/>
+              <a:cs typeface="+mn-cs"/>
+            </a:defRPr>
+          </a:pPr>
+          <a:endParaRPr lang="de-DE"/>
+        </a:p>
+      </c:txPr>
+    </c:legend>
+    <c:plotVisOnly val="1"/>
+    <c:dispBlanksAs val="gap"/>
+    <c:showDLblsOverMax val="0"/>
+  </c:chart>
+  <c:spPr>
+    <a:pattFill prst="dkDnDiag">
+      <a:fgClr>
+        <a:schemeClr val="lt1">
+          <a:lumMod val="95000"/>
+        </a:schemeClr>
+      </a:fgClr>
+      <a:bgClr>
+        <a:schemeClr val="lt1"/>
+      </a:bgClr>
+    </a:pattFill>
+    <a:ln w="9525" cap="flat" cmpd="sng" algn="ctr">
+      <a:solidFill>
+        <a:schemeClr val="dk1">
+          <a:lumMod val="15000"/>
+          <a:lumOff val="85000"/>
+        </a:schemeClr>
+      </a:solidFill>
+      <a:round/>
+    </a:ln>
+    <a:effectLst/>
+  </c:spPr>
+  <c:txPr>
+    <a:bodyPr/>
+    <a:lstStyle/>
+    <a:p>
+      <a:pPr>
+        <a:defRPr/>
+      </a:pPr>
+      <a:endParaRPr lang="de-DE"/>
+    </a:p>
+  </c:txPr>
+  <c:externalData r:id="rId3">
+    <c:autoUpdate val="0"/>
+  </c:externalData>
+</c:chartSpace>
+</file>
+
+<file path=ppt/charts/chart5.xml><?xml version="1.0" encoding="utf-8"?>
+<c:chartSpace xmlns:c="http://schemas.openxmlformats.org/drawingml/2006/chart" xmlns:a="http://schemas.openxmlformats.org/drawingml/2006/main" xmlns:r="http://schemas.openxmlformats.org/officeDocument/2006/relationships" xmlns:c16r2="http://schemas.microsoft.com/office/drawing/2015/06/chart">
+  <c:date1904 val="0"/>
+  <c:lang val="de-DE"/>
+  <c:roundedCorners val="0"/>
+  <mc:AlternateContent xmlns:mc="http://schemas.openxmlformats.org/markup-compatibility/2006">
+    <mc:Choice xmlns:c14="http://schemas.microsoft.com/office/drawing/2007/8/2/chart" Requires="c14">
+      <c14:style val="102"/>
+    </mc:Choice>
+    <mc:Fallback>
+      <c:style val="2"/>
+    </mc:Fallback>
+  </mc:AlternateContent>
+  <c:chart>
+    <c:title>
+      <c:tx>
+        <c:rich>
+          <a:bodyPr rot="0" spcFirstLastPara="1" vertOverflow="ellipsis" vert="horz" wrap="square" anchor="ctr" anchorCtr="1"/>
+          <a:lstStyle/>
+          <a:p>
+            <a:pPr>
+              <a:defRPr sz="1862" b="0" i="0" u="none" strike="noStrike" kern="1200" spc="0" baseline="0">
+                <a:solidFill>
+                  <a:schemeClr val="tx1">
+                    <a:lumMod val="65000"/>
+                    <a:lumOff val="35000"/>
+                  </a:schemeClr>
+                </a:solidFill>
+                <a:latin typeface="+mn-lt"/>
+                <a:ea typeface="+mn-ea"/>
+                <a:cs typeface="+mn-cs"/>
+              </a:defRPr>
+            </a:pPr>
+            <a:r>
+              <a:rPr lang="de-DE" dirty="0"/>
+              <a:t>Geschäftszahlen - Entwicklung</a:t>
+            </a:r>
+          </a:p>
+        </c:rich>
+      </c:tx>
+      <c:overlay val="0"/>
+      <c:spPr>
+        <a:noFill/>
+        <a:ln>
+          <a:noFill/>
+        </a:ln>
+        <a:effectLst/>
+      </c:spPr>
+      <c:txPr>
+        <a:bodyPr rot="0" spcFirstLastPara="1" vertOverflow="ellipsis" vert="horz" wrap="square" anchor="ctr" anchorCtr="1"/>
+        <a:lstStyle/>
+        <a:p>
+          <a:pPr>
+            <a:defRPr sz="1862" b="0" i="0" u="none" strike="noStrike" kern="1200" spc="0" baseline="0">
+              <a:solidFill>
+                <a:schemeClr val="tx1">
+                  <a:lumMod val="65000"/>
+                  <a:lumOff val="35000"/>
+                </a:schemeClr>
+              </a:solidFill>
+              <a:latin typeface="+mn-lt"/>
+              <a:ea typeface="+mn-ea"/>
+              <a:cs typeface="+mn-cs"/>
+            </a:defRPr>
+          </a:pPr>
+          <a:endParaRPr lang="de-DE"/>
+        </a:p>
+      </c:txPr>
+    </c:title>
+    <c:autoTitleDeleted val="0"/>
+    <c:plotArea>
+      <c:layout/>
+      <c:lineChart>
+        <c:grouping val="standard"/>
+        <c:varyColors val="0"/>
+        <c:ser>
+          <c:idx val="0"/>
+          <c:order val="0"/>
+          <c:tx>
+            <c:strRef>
+              <c:f>Tabelle1!$B$1</c:f>
+              <c:strCache>
+                <c:ptCount val="1"/>
+                <c:pt idx="0">
+                  <c:v>Ausgaben</c:v>
+                </c:pt>
+              </c:strCache>
+            </c:strRef>
+          </c:tx>
+          <c:spPr>
+            <a:ln w="28575" cap="rnd">
+              <a:solidFill>
+                <a:schemeClr val="accent1"/>
+              </a:solidFill>
+              <a:round/>
+            </a:ln>
+            <a:effectLst/>
+          </c:spPr>
+          <c:marker>
+            <c:symbol val="none"/>
+          </c:marker>
+          <c:cat>
+            <c:strRef>
+              <c:f>Tabelle1!$A$2:$A$5</c:f>
+              <c:strCache>
+                <c:ptCount val="4"/>
+                <c:pt idx="0">
+                  <c:v>Quartal 1</c:v>
+                </c:pt>
+                <c:pt idx="1">
+                  <c:v>Quartal 2</c:v>
+                </c:pt>
+                <c:pt idx="2">
+                  <c:v>Quartal 3</c:v>
+                </c:pt>
+                <c:pt idx="3">
+                  <c:v>Quartal 4</c:v>
+                </c:pt>
+              </c:strCache>
+            </c:strRef>
+          </c:cat>
+          <c:val>
+            <c:numRef>
+              <c:f>Tabelle1!$B$2:$B$5</c:f>
+              <c:numCache>
+                <c:formatCode>General</c:formatCode>
+                <c:ptCount val="4"/>
+                <c:pt idx="0">
+                  <c:v>200000</c:v>
+                </c:pt>
+                <c:pt idx="1">
+                  <c:v>150000</c:v>
+                </c:pt>
+                <c:pt idx="2">
+                  <c:v>35000</c:v>
+                </c:pt>
+                <c:pt idx="3">
+                  <c:v>560000</c:v>
+                </c:pt>
+              </c:numCache>
+            </c:numRef>
+          </c:val>
+          <c:smooth val="0"/>
+          <c:extLst>
+            <c:ext xmlns:c16="http://schemas.microsoft.com/office/drawing/2014/chart" uri="{C3380CC4-5D6E-409C-BE32-E72D297353CC}">
+              <c16:uniqueId val="{00000000-4A7F-4AF7-9A46-FA20B13F736C}"/>
+            </c:ext>
+          </c:extLst>
+        </c:ser>
+        <c:ser>
+          <c:idx val="1"/>
+          <c:order val="1"/>
+          <c:tx>
+            <c:strRef>
+              <c:f>Tabelle1!$C$1</c:f>
+              <c:strCache>
+                <c:ptCount val="1"/>
+                <c:pt idx="0">
+                  <c:v>Einnahmen</c:v>
+                </c:pt>
+              </c:strCache>
+            </c:strRef>
+          </c:tx>
+          <c:spPr>
+            <a:ln w="28575" cap="rnd">
+              <a:solidFill>
+                <a:schemeClr val="accent2"/>
+              </a:solidFill>
+              <a:round/>
+            </a:ln>
+            <a:effectLst/>
+          </c:spPr>
+          <c:marker>
+            <c:symbol val="none"/>
+          </c:marker>
+          <c:cat>
+            <c:strRef>
+              <c:f>Tabelle1!$A$2:$A$5</c:f>
+              <c:strCache>
+                <c:ptCount val="4"/>
+                <c:pt idx="0">
+                  <c:v>Quartal 1</c:v>
+                </c:pt>
+                <c:pt idx="1">
+                  <c:v>Quartal 2</c:v>
+                </c:pt>
+                <c:pt idx="2">
+                  <c:v>Quartal 3</c:v>
+                </c:pt>
+                <c:pt idx="3">
+                  <c:v>Quartal 4</c:v>
+                </c:pt>
+              </c:strCache>
+            </c:strRef>
+          </c:cat>
+          <c:val>
+            <c:numRef>
+              <c:f>Tabelle1!$C$2:$C$5</c:f>
+              <c:numCache>
+                <c:formatCode>General</c:formatCode>
+                <c:ptCount val="4"/>
+                <c:pt idx="0">
+                  <c:v>250000</c:v>
+                </c:pt>
+                <c:pt idx="1">
+                  <c:v>175000</c:v>
+                </c:pt>
+                <c:pt idx="2">
+                  <c:v>40000</c:v>
+                </c:pt>
+                <c:pt idx="3">
+                  <c:v>600000</c:v>
+                </c:pt>
+              </c:numCache>
+            </c:numRef>
+          </c:val>
+          <c:smooth val="0"/>
+          <c:extLst>
+            <c:ext xmlns:c16="http://schemas.microsoft.com/office/drawing/2014/chart" uri="{C3380CC4-5D6E-409C-BE32-E72D297353CC}">
+              <c16:uniqueId val="{00000001-4A7F-4AF7-9A46-FA20B13F736C}"/>
+            </c:ext>
+          </c:extLst>
+        </c:ser>
+        <c:ser>
+          <c:idx val="2"/>
+          <c:order val="2"/>
+          <c:tx>
+            <c:strRef>
+              <c:f>Tabelle1!$D$1</c:f>
+              <c:strCache>
+                <c:ptCount val="1"/>
+                <c:pt idx="0">
+                  <c:v>Gewinn</c:v>
+                </c:pt>
+              </c:strCache>
+            </c:strRef>
+          </c:tx>
+          <c:spPr>
+            <a:ln w="28575" cap="rnd">
+              <a:solidFill>
+                <a:schemeClr val="accent3"/>
+              </a:solidFill>
+              <a:round/>
+            </a:ln>
+            <a:effectLst/>
+          </c:spPr>
+          <c:marker>
+            <c:symbol val="none"/>
+          </c:marker>
+          <c:cat>
+            <c:strRef>
+              <c:f>Tabelle1!$A$2:$A$5</c:f>
+              <c:strCache>
+                <c:ptCount val="4"/>
+                <c:pt idx="0">
+                  <c:v>Quartal 1</c:v>
+                </c:pt>
+                <c:pt idx="1">
+                  <c:v>Quartal 2</c:v>
+                </c:pt>
+                <c:pt idx="2">
+                  <c:v>Quartal 3</c:v>
+                </c:pt>
+                <c:pt idx="3">
+                  <c:v>Quartal 4</c:v>
+                </c:pt>
+              </c:strCache>
+            </c:strRef>
+          </c:cat>
+          <c:val>
+            <c:numRef>
+              <c:f>Tabelle1!$D$2:$D$5</c:f>
+              <c:numCache>
+                <c:formatCode>General</c:formatCode>
+                <c:ptCount val="4"/>
+                <c:pt idx="0">
+                  <c:v>50000</c:v>
+                </c:pt>
+                <c:pt idx="1">
+                  <c:v>25000</c:v>
+                </c:pt>
+                <c:pt idx="2">
+                  <c:v>5000</c:v>
+                </c:pt>
+                <c:pt idx="3">
+                  <c:v>40000</c:v>
+                </c:pt>
+              </c:numCache>
+            </c:numRef>
+          </c:val>
+          <c:smooth val="0"/>
+          <c:extLst>
+            <c:ext xmlns:c16="http://schemas.microsoft.com/office/drawing/2014/chart" uri="{C3380CC4-5D6E-409C-BE32-E72D297353CC}">
+              <c16:uniqueId val="{00000002-4A7F-4AF7-9A46-FA20B13F736C}"/>
+            </c:ext>
+          </c:extLst>
+        </c:ser>
+        <c:dLbls>
+          <c:showLegendKey val="0"/>
+          <c:showVal val="0"/>
+          <c:showCatName val="0"/>
+          <c:showSerName val="0"/>
+          <c:showPercent val="0"/>
+          <c:showBubbleSize val="0"/>
+        </c:dLbls>
+        <c:smooth val="0"/>
+        <c:axId val="235031160"/>
+        <c:axId val="235032144"/>
+      </c:lineChart>
+      <c:catAx>
+        <c:axId val="235031160"/>
+        <c:scaling>
+          <c:orientation val="minMax"/>
+        </c:scaling>
+        <c:delete val="0"/>
+        <c:axPos val="b"/>
+        <c:numFmt formatCode="General" sourceLinked="1"/>
+        <c:majorTickMark val="none"/>
+        <c:minorTickMark val="none"/>
+        <c:tickLblPos val="nextTo"/>
+        <c:spPr>
+          <a:noFill/>
+          <a:ln w="9525" cap="flat" cmpd="sng" algn="ctr">
+            <a:solidFill>
+              <a:schemeClr val="tx1">
+                <a:lumMod val="15000"/>
+                <a:lumOff val="85000"/>
+              </a:schemeClr>
+            </a:solidFill>
+            <a:round/>
+          </a:ln>
+          <a:effectLst/>
+        </c:spPr>
+        <c:txPr>
+          <a:bodyPr rot="-60000000" spcFirstLastPara="1" vertOverflow="ellipsis" vert="horz" wrap="square" anchor="ctr" anchorCtr="1"/>
+          <a:lstStyle/>
+          <a:p>
+            <a:pPr>
+              <a:defRPr sz="1197" b="0" i="0" u="none" strike="noStrike" kern="1200" baseline="0">
+                <a:solidFill>
+                  <a:schemeClr val="tx1">
+                    <a:lumMod val="65000"/>
+                    <a:lumOff val="35000"/>
+                  </a:schemeClr>
+                </a:solidFill>
+                <a:latin typeface="+mn-lt"/>
+                <a:ea typeface="+mn-ea"/>
+                <a:cs typeface="+mn-cs"/>
+              </a:defRPr>
+            </a:pPr>
+            <a:endParaRPr lang="de-DE"/>
+          </a:p>
+        </c:txPr>
+        <c:crossAx val="235032144"/>
+        <c:crosses val="autoZero"/>
+        <c:auto val="1"/>
+        <c:lblAlgn val="ctr"/>
+        <c:lblOffset val="100"/>
+        <c:noMultiLvlLbl val="0"/>
+      </c:catAx>
+      <c:valAx>
+        <c:axId val="235032144"/>
+        <c:scaling>
+          <c:orientation val="minMax"/>
+        </c:scaling>
+        <c:delete val="0"/>
+        <c:axPos val="l"/>
+        <c:majorGridlines>
+          <c:spPr>
+            <a:ln w="9525" cap="flat" cmpd="sng" algn="ctr">
+              <a:solidFill>
+                <a:schemeClr val="tx1">
+                  <a:lumMod val="15000"/>
+                  <a:lumOff val="85000"/>
+                </a:schemeClr>
+              </a:solidFill>
+              <a:round/>
+            </a:ln>
+            <a:effectLst/>
+          </c:spPr>
+        </c:majorGridlines>
+        <c:numFmt formatCode="General" sourceLinked="1"/>
+        <c:majorTickMark val="none"/>
+        <c:minorTickMark val="none"/>
+        <c:tickLblPos val="nextTo"/>
+        <c:spPr>
+          <a:noFill/>
+          <a:ln>
+            <a:noFill/>
+          </a:ln>
+          <a:effectLst/>
+        </c:spPr>
+        <c:txPr>
+          <a:bodyPr rot="-60000000" spcFirstLastPara="1" vertOverflow="ellipsis" vert="horz" wrap="square" anchor="ctr" anchorCtr="1"/>
+          <a:lstStyle/>
+          <a:p>
+            <a:pPr>
+              <a:defRPr sz="1197" b="0" i="0" u="none" strike="noStrike" kern="1200" baseline="0">
+                <a:solidFill>
+                  <a:schemeClr val="tx1">
+                    <a:lumMod val="65000"/>
+                    <a:lumOff val="35000"/>
+                  </a:schemeClr>
+                </a:solidFill>
+                <a:latin typeface="+mn-lt"/>
+                <a:ea typeface="+mn-ea"/>
+                <a:cs typeface="+mn-cs"/>
+              </a:defRPr>
+            </a:pPr>
+            <a:endParaRPr lang="de-DE"/>
+          </a:p>
+        </c:txPr>
+        <c:crossAx val="235031160"/>
+        <c:crosses val="autoZero"/>
+        <c:crossBetween val="between"/>
+      </c:valAx>
+      <c:spPr>
+        <a:noFill/>
+        <a:ln>
+          <a:noFill/>
+        </a:ln>
+        <a:effectLst/>
+      </c:spPr>
+    </c:plotArea>
+    <c:legend>
+      <c:legendPos val="b"/>
+      <c:overlay val="0"/>
+      <c:spPr>
+        <a:noFill/>
+        <a:ln>
+          <a:noFill/>
+        </a:ln>
+        <a:effectLst/>
+      </c:spPr>
+      <c:txPr>
+        <a:bodyPr rot="0" spcFirstLastPara="1" vertOverflow="ellipsis" vert="horz" wrap="square" anchor="ctr" anchorCtr="1"/>
+        <a:lstStyle/>
+        <a:p>
+          <a:pPr>
+            <a:defRPr sz="1197" b="0" i="0" u="none" strike="noStrike" kern="1200" baseline="0">
+              <a:solidFill>
+                <a:schemeClr val="tx1">
+                  <a:lumMod val="65000"/>
+                  <a:lumOff val="35000"/>
+                </a:schemeClr>
+              </a:solidFill>
+              <a:latin typeface="+mn-lt"/>
+              <a:ea typeface="+mn-ea"/>
+              <a:cs typeface="+mn-cs"/>
+            </a:defRPr>
+          </a:pPr>
+          <a:endParaRPr lang="de-DE"/>
+        </a:p>
+      </c:txPr>
+    </c:legend>
+    <c:plotVisOnly val="1"/>
+    <c:dispBlanksAs val="gap"/>
+    <c:showDLblsOverMax val="0"/>
+  </c:chart>
+  <c:spPr>
+    <a:noFill/>
+    <a:ln>
+      <a:noFill/>
+    </a:ln>
+    <a:effectLst/>
+  </c:spPr>
+  <c:txPr>
+    <a:bodyPr/>
+    <a:lstStyle/>
+    <a:p>
+      <a:pPr>
+        <a:defRPr/>
+      </a:pPr>
+      <a:endParaRPr lang="de-DE"/>
+    </a:p>
+  </c:txPr>
+  <c:externalData r:id="rId3">
+    <c:autoUpdate val="0"/>
+  </c:externalData>
+</c:chartSpace>
+</file>
+
+<file path=ppt/charts/chart6.xml><?xml version="1.0" encoding="utf-8"?>
+<c:chartSpace xmlns:c="http://schemas.openxmlformats.org/drawingml/2006/chart" xmlns:a="http://schemas.openxmlformats.org/drawingml/2006/main" xmlns:r="http://schemas.openxmlformats.org/officeDocument/2006/relationships" xmlns:c16r2="http://schemas.microsoft.com/office/drawing/2015/06/chart">
+  <c:date1904 val="0"/>
+  <c:lang val="de-DE"/>
+  <c:roundedCorners val="0"/>
+  <mc:AlternateContent xmlns:mc="http://schemas.openxmlformats.org/markup-compatibility/2006">
+    <mc:Choice xmlns:c14="http://schemas.microsoft.com/office/drawing/2007/8/2/chart" Requires="c14">
+      <c14:style val="102"/>
+    </mc:Choice>
+    <mc:Fallback>
+      <c:style val="2"/>
+    </mc:Fallback>
+  </mc:AlternateContent>
+  <c:chart>
+    <c:title>
+      <c:tx>
+        <c:rich>
+          <a:bodyPr rot="0" spcFirstLastPara="1" vertOverflow="ellipsis" vert="horz" wrap="square" anchor="ctr" anchorCtr="1"/>
+          <a:lstStyle/>
+          <a:p>
+            <a:pPr>
+              <a:defRPr sz="1862" b="0" i="0" u="none" strike="noStrike" kern="1200" spc="0" baseline="0">
+                <a:solidFill>
+                  <a:schemeClr val="tx1">
+                    <a:lumMod val="65000"/>
+                    <a:lumOff val="35000"/>
+                  </a:schemeClr>
+                </a:solidFill>
+                <a:latin typeface="+mn-lt"/>
+                <a:ea typeface="+mn-ea"/>
+                <a:cs typeface="+mn-cs"/>
+              </a:defRPr>
+            </a:pPr>
+            <a:r>
+              <a:rPr lang="de-DE" dirty="0"/>
+              <a:t>Projektübersicht</a:t>
+            </a:r>
+          </a:p>
+        </c:rich>
+      </c:tx>
+      <c:overlay val="0"/>
+      <c:spPr>
+        <a:noFill/>
+        <a:ln>
+          <a:noFill/>
+        </a:ln>
+        <a:effectLst/>
+      </c:spPr>
+      <c:txPr>
+        <a:bodyPr rot="0" spcFirstLastPara="1" vertOverflow="ellipsis" vert="horz" wrap="square" anchor="ctr" anchorCtr="1"/>
+        <a:lstStyle/>
+        <a:p>
+          <a:pPr>
+            <a:defRPr sz="1862" b="0" i="0" u="none" strike="noStrike" kern="1200" spc="0" baseline="0">
+              <a:solidFill>
+                <a:schemeClr val="tx1">
+                  <a:lumMod val="65000"/>
+                  <a:lumOff val="35000"/>
+                </a:schemeClr>
+              </a:solidFill>
+              <a:latin typeface="+mn-lt"/>
+              <a:ea typeface="+mn-ea"/>
+              <a:cs typeface="+mn-cs"/>
+            </a:defRPr>
+          </a:pPr>
+          <a:endParaRPr lang="de-DE"/>
+        </a:p>
+      </c:txPr>
+    </c:title>
+    <c:autoTitleDeleted val="0"/>
+    <c:plotArea>
+      <c:layout/>
+      <c:barChart>
+        <c:barDir val="col"/>
+        <c:grouping val="clustered"/>
+        <c:varyColors val="0"/>
+        <c:ser>
+          <c:idx val="0"/>
+          <c:order val="0"/>
+          <c:tx>
+            <c:strRef>
+              <c:f>Tabelle1!$B$1</c:f>
+              <c:strCache>
+                <c:ptCount val="1"/>
+                <c:pt idx="0">
+                  <c:v>Eingang</c:v>
+                </c:pt>
+              </c:strCache>
+            </c:strRef>
+          </c:tx>
+          <c:spPr>
+            <a:solidFill>
+              <a:schemeClr val="accent1"/>
+            </a:solidFill>
+            <a:ln>
+              <a:noFill/>
+            </a:ln>
+            <a:effectLst/>
+          </c:spPr>
+          <c:invertIfNegative val="0"/>
+          <c:cat>
+            <c:strRef>
+              <c:f>Tabelle1!$A$2:$A$5</c:f>
+              <c:strCache>
+                <c:ptCount val="4"/>
+                <c:pt idx="0">
+                  <c:v>Quartal 1</c:v>
+                </c:pt>
+                <c:pt idx="1">
+                  <c:v>Quartal 2</c:v>
+                </c:pt>
+                <c:pt idx="2">
+                  <c:v>Quartal 3</c:v>
+                </c:pt>
+                <c:pt idx="3">
+                  <c:v>Quartal 4</c:v>
+                </c:pt>
+              </c:strCache>
+            </c:strRef>
+          </c:cat>
+          <c:val>
+            <c:numRef>
+              <c:f>Tabelle1!$B$2:$B$5</c:f>
+              <c:numCache>
+                <c:formatCode>General</c:formatCode>
+                <c:ptCount val="4"/>
+                <c:pt idx="0">
+                  <c:v>10</c:v>
+                </c:pt>
+                <c:pt idx="1">
+                  <c:v>8</c:v>
+                </c:pt>
+                <c:pt idx="2">
+                  <c:v>15</c:v>
+                </c:pt>
+                <c:pt idx="3">
+                  <c:v>2</c:v>
+                </c:pt>
+              </c:numCache>
+            </c:numRef>
+          </c:val>
+          <c:extLst>
+            <c:ext xmlns:c16="http://schemas.microsoft.com/office/drawing/2014/chart" uri="{C3380CC4-5D6E-409C-BE32-E72D297353CC}">
+              <c16:uniqueId val="{00000000-D77A-499F-9DC7-315895283706}"/>
+            </c:ext>
+          </c:extLst>
+        </c:ser>
+        <c:ser>
+          <c:idx val="1"/>
+          <c:order val="1"/>
+          <c:tx>
+            <c:strRef>
+              <c:f>Tabelle1!$C$1</c:f>
+              <c:strCache>
+                <c:ptCount val="1"/>
+                <c:pt idx="0">
+                  <c:v>Annahme</c:v>
+                </c:pt>
+              </c:strCache>
+            </c:strRef>
+          </c:tx>
+          <c:spPr>
+            <a:solidFill>
+              <a:schemeClr val="accent2"/>
+            </a:solidFill>
+            <a:ln>
+              <a:noFill/>
+            </a:ln>
+            <a:effectLst/>
+          </c:spPr>
+          <c:invertIfNegative val="0"/>
+          <c:cat>
+            <c:strRef>
+              <c:f>Tabelle1!$A$2:$A$5</c:f>
+              <c:strCache>
+                <c:ptCount val="4"/>
+                <c:pt idx="0">
+                  <c:v>Quartal 1</c:v>
+                </c:pt>
+                <c:pt idx="1">
+                  <c:v>Quartal 2</c:v>
+                </c:pt>
+                <c:pt idx="2">
+                  <c:v>Quartal 3</c:v>
+                </c:pt>
+                <c:pt idx="3">
+                  <c:v>Quartal 4</c:v>
+                </c:pt>
+              </c:strCache>
+            </c:strRef>
+          </c:cat>
+          <c:val>
+            <c:numRef>
+              <c:f>Tabelle1!$C$2:$C$5</c:f>
+              <c:numCache>
+                <c:formatCode>General</c:formatCode>
+                <c:ptCount val="4"/>
+                <c:pt idx="0">
+                  <c:v>6</c:v>
+                </c:pt>
+                <c:pt idx="1">
+                  <c:v>4</c:v>
+                </c:pt>
+                <c:pt idx="2">
+                  <c:v>8</c:v>
+                </c:pt>
+                <c:pt idx="3">
+                  <c:v>1</c:v>
+                </c:pt>
+              </c:numCache>
+            </c:numRef>
+          </c:val>
+          <c:extLst>
+            <c:ext xmlns:c16="http://schemas.microsoft.com/office/drawing/2014/chart" uri="{C3380CC4-5D6E-409C-BE32-E72D297353CC}">
+              <c16:uniqueId val="{00000001-D77A-499F-9DC7-315895283706}"/>
+            </c:ext>
+          </c:extLst>
+        </c:ser>
+        <c:dLbls>
+          <c:showLegendKey val="0"/>
+          <c:showVal val="0"/>
+          <c:showCatName val="0"/>
+          <c:showSerName val="0"/>
+          <c:showPercent val="0"/>
+          <c:showBubbleSize val="0"/>
+        </c:dLbls>
+        <c:gapWidth val="150"/>
+        <c:axId val="235031160"/>
+        <c:axId val="235032144"/>
+      </c:barChart>
+      <c:lineChart>
+        <c:grouping val="standard"/>
+        <c:varyColors val="0"/>
+        <c:ser>
+          <c:idx val="2"/>
+          <c:order val="2"/>
+          <c:tx>
+            <c:strRef>
+              <c:f>Tabelle1!$D$1</c:f>
+              <c:strCache>
+                <c:ptCount val="1"/>
+                <c:pt idx="0">
+                  <c:v>Ablehnung</c:v>
+                </c:pt>
+              </c:strCache>
+            </c:strRef>
+          </c:tx>
+          <c:spPr>
+            <a:ln w="28575" cap="rnd">
+              <a:solidFill>
+                <a:schemeClr val="accent3"/>
+              </a:solidFill>
+              <a:round/>
+            </a:ln>
+            <a:effectLst/>
+          </c:spPr>
+          <c:marker>
+            <c:symbol val="none"/>
+          </c:marker>
+          <c:cat>
+            <c:strRef>
+              <c:f>Tabelle1!$A$2:$A$5</c:f>
+              <c:strCache>
+                <c:ptCount val="4"/>
+                <c:pt idx="0">
+                  <c:v>Quartal 1</c:v>
+                </c:pt>
+                <c:pt idx="1">
+                  <c:v>Quartal 2</c:v>
+                </c:pt>
+                <c:pt idx="2">
+                  <c:v>Quartal 3</c:v>
+                </c:pt>
+                <c:pt idx="3">
+                  <c:v>Quartal 4</c:v>
+                </c:pt>
+              </c:strCache>
+            </c:strRef>
+          </c:cat>
+          <c:val>
+            <c:numRef>
+              <c:f>Tabelle1!$D$2:$D$5</c:f>
+              <c:numCache>
+                <c:formatCode>General</c:formatCode>
+                <c:ptCount val="4"/>
+                <c:pt idx="0">
+                  <c:v>0</c:v>
+                </c:pt>
+                <c:pt idx="1">
+                  <c:v>4</c:v>
+                </c:pt>
+                <c:pt idx="2">
+                  <c:v>4</c:v>
+                </c:pt>
+                <c:pt idx="3">
+                  <c:v>1</c:v>
+                </c:pt>
+              </c:numCache>
+            </c:numRef>
+          </c:val>
+          <c:smooth val="0"/>
+          <c:extLst>
+            <c:ext xmlns:c16="http://schemas.microsoft.com/office/drawing/2014/chart" uri="{C3380CC4-5D6E-409C-BE32-E72D297353CC}">
+              <c16:uniqueId val="{00000002-D77A-499F-9DC7-315895283706}"/>
+            </c:ext>
+          </c:extLst>
+        </c:ser>
+        <c:dLbls>
+          <c:showLegendKey val="0"/>
+          <c:showVal val="0"/>
+          <c:showCatName val="0"/>
+          <c:showSerName val="0"/>
+          <c:showPercent val="0"/>
+          <c:showBubbleSize val="0"/>
+        </c:dLbls>
+        <c:marker val="1"/>
+        <c:smooth val="0"/>
+        <c:axId val="235031160"/>
+        <c:axId val="235032144"/>
+      </c:lineChart>
+      <c:catAx>
+        <c:axId val="235031160"/>
+        <c:scaling>
+          <c:orientation val="minMax"/>
+        </c:scaling>
+        <c:delete val="0"/>
+        <c:axPos val="b"/>
+        <c:numFmt formatCode="General" sourceLinked="1"/>
+        <c:majorTickMark val="none"/>
+        <c:minorTickMark val="none"/>
+        <c:tickLblPos val="nextTo"/>
+        <c:spPr>
+          <a:noFill/>
+          <a:ln w="9525" cap="flat" cmpd="sng" algn="ctr">
+            <a:solidFill>
+              <a:schemeClr val="tx1">
+                <a:lumMod val="15000"/>
+                <a:lumOff val="85000"/>
+              </a:schemeClr>
+            </a:solidFill>
+            <a:round/>
+          </a:ln>
+          <a:effectLst/>
+        </c:spPr>
+        <c:txPr>
+          <a:bodyPr rot="-60000000" spcFirstLastPara="1" vertOverflow="ellipsis" vert="horz" wrap="square" anchor="ctr" anchorCtr="1"/>
+          <a:lstStyle/>
+          <a:p>
+            <a:pPr>
+              <a:defRPr sz="1197" b="0" i="0" u="none" strike="noStrike" kern="1200" baseline="0">
+                <a:solidFill>
+                  <a:schemeClr val="tx1">
+                    <a:lumMod val="65000"/>
+                    <a:lumOff val="35000"/>
+                  </a:schemeClr>
+                </a:solidFill>
+                <a:latin typeface="+mn-lt"/>
+                <a:ea typeface="+mn-ea"/>
+                <a:cs typeface="+mn-cs"/>
+              </a:defRPr>
+            </a:pPr>
+            <a:endParaRPr lang="de-DE"/>
+          </a:p>
+        </c:txPr>
+        <c:crossAx val="235032144"/>
+        <c:crosses val="autoZero"/>
+        <c:auto val="1"/>
+        <c:lblAlgn val="ctr"/>
+        <c:lblOffset val="100"/>
+        <c:noMultiLvlLbl val="0"/>
+      </c:catAx>
+      <c:valAx>
+        <c:axId val="235032144"/>
+        <c:scaling>
+          <c:orientation val="minMax"/>
+        </c:scaling>
+        <c:delete val="0"/>
+        <c:axPos val="l"/>
+        <c:majorGridlines>
+          <c:spPr>
+            <a:ln w="9525" cap="flat" cmpd="sng" algn="ctr">
+              <a:solidFill>
+                <a:schemeClr val="tx1">
+                  <a:lumMod val="15000"/>
+                  <a:lumOff val="85000"/>
+                </a:schemeClr>
+              </a:solidFill>
+              <a:round/>
+            </a:ln>
+            <a:effectLst/>
+          </c:spPr>
+        </c:majorGridlines>
+        <c:numFmt formatCode="General" sourceLinked="1"/>
+        <c:majorTickMark val="none"/>
+        <c:minorTickMark val="none"/>
+        <c:tickLblPos val="nextTo"/>
+        <c:spPr>
+          <a:noFill/>
+          <a:ln>
+            <a:noFill/>
+          </a:ln>
+          <a:effectLst/>
+        </c:spPr>
+        <c:txPr>
+          <a:bodyPr rot="-60000000" spcFirstLastPara="1" vertOverflow="ellipsis" vert="horz" wrap="square" anchor="ctr" anchorCtr="1"/>
+          <a:lstStyle/>
+          <a:p>
+            <a:pPr>
+              <a:defRPr sz="1197" b="0" i="0" u="none" strike="noStrike" kern="1200" baseline="0">
+                <a:solidFill>
+                  <a:schemeClr val="tx1">
+                    <a:lumMod val="65000"/>
+                    <a:lumOff val="35000"/>
+                  </a:schemeClr>
+                </a:solidFill>
+                <a:latin typeface="+mn-lt"/>
+                <a:ea typeface="+mn-ea"/>
+                <a:cs typeface="+mn-cs"/>
+              </a:defRPr>
+            </a:pPr>
+            <a:endParaRPr lang="de-DE"/>
+          </a:p>
+        </c:txPr>
+        <c:crossAx val="235031160"/>
+        <c:crosses val="autoZero"/>
+        <c:crossBetween val="between"/>
+      </c:valAx>
+      <c:spPr>
+        <a:noFill/>
+        <a:ln>
+          <a:noFill/>
+        </a:ln>
+        <a:effectLst/>
+      </c:spPr>
+    </c:plotArea>
+    <c:legend>
+      <c:legendPos val="b"/>
+      <c:overlay val="0"/>
+      <c:spPr>
+        <a:noFill/>
+        <a:ln>
+          <a:noFill/>
+        </a:ln>
+        <a:effectLst/>
+      </c:spPr>
+      <c:txPr>
+        <a:bodyPr rot="0" spcFirstLastPara="1" vertOverflow="ellipsis" vert="horz" wrap="square" anchor="ctr" anchorCtr="1"/>
+        <a:lstStyle/>
+        <a:p>
+          <a:pPr>
+            <a:defRPr sz="1197" b="0" i="0" u="none" strike="noStrike" kern="1200" baseline="0">
+              <a:solidFill>
+                <a:schemeClr val="tx1">
+                  <a:lumMod val="65000"/>
+                  <a:lumOff val="35000"/>
+                </a:schemeClr>
+              </a:solidFill>
+              <a:latin typeface="+mn-lt"/>
+              <a:ea typeface="+mn-ea"/>
+              <a:cs typeface="+mn-cs"/>
+            </a:defRPr>
+          </a:pPr>
+          <a:endParaRPr lang="de-DE"/>
+        </a:p>
+      </c:txPr>
+    </c:legend>
+    <c:plotVisOnly val="1"/>
+    <c:dispBlanksAs val="gap"/>
+    <c:showDLblsOverMax val="0"/>
+  </c:chart>
+  <c:spPr>
+    <a:noFill/>
+    <a:ln>
+      <a:noFill/>
+    </a:ln>
+    <a:effectLst/>
+  </c:spPr>
+  <c:txPr>
+    <a:bodyPr/>
+    <a:lstStyle/>
+    <a:p>
+      <a:pPr>
+        <a:defRPr/>
+      </a:pPr>
+      <a:endParaRPr lang="de-DE"/>
+    </a:p>
+  </c:txPr>
+  <c:externalData r:id="rId3">
+    <c:autoUpdate val="0"/>
+  </c:externalData>
+</c:chartSpace>
+</file>
+
+<file path=ppt/charts/colors1.xml><?xml version="1.0" encoding="utf-8"?>
+<cs:colorStyle xmlns:cs="http://schemas.microsoft.com/office/drawing/2012/chartStyle" xmlns:a="http://schemas.openxmlformats.org/drawingml/2006/main" meth="cycle" id="10">
+  <a:schemeClr val="accent1"/>
+  <a:schemeClr val="accent2"/>
+  <a:schemeClr val="accent3"/>
+  <a:schemeClr val="accent4"/>
+  <a:schemeClr val="accent5"/>
+  <a:schemeClr val="accent6"/>
+  <cs:variation/>
+  <cs:variation>
+    <a:lumMod val="60000"/>
+  </cs:variation>
+  <cs:variation>
+    <a:lumMod val="80000"/>
+    <a:lumOff val="20000"/>
+  </cs:variation>
+  <cs:variation>
+    <a:lumMod val="80000"/>
+  </cs:variation>
+  <cs:variation>
+    <a:lumMod val="60000"/>
+    <a:lumOff val="40000"/>
+  </cs:variation>
+  <cs:variation>
+    <a:lumMod val="50000"/>
+  </cs:variation>
+  <cs:variation>
+    <a:lumMod val="70000"/>
+    <a:lumOff val="30000"/>
+  </cs:variation>
+  <cs:variation>
+    <a:lumMod val="70000"/>
+  </cs:variation>
+  <cs:variation>
+    <a:lumMod val="50000"/>
+    <a:lumOff val="50000"/>
+  </cs:variation>
+</cs:colorStyle>
+</file>
+
+<file path=ppt/charts/colors2.xml><?xml version="1.0" encoding="utf-8"?>
+<cs:colorStyle xmlns:cs="http://schemas.microsoft.com/office/drawing/2012/chartStyle" xmlns:a="http://schemas.openxmlformats.org/drawingml/2006/main" meth="cycle" id="10">
+  <a:schemeClr val="accent1"/>
+  <a:schemeClr val="accent2"/>
+  <a:schemeClr val="accent3"/>
+  <a:schemeClr val="accent4"/>
+  <a:schemeClr val="accent5"/>
+  <a:schemeClr val="accent6"/>
+  <cs:variation/>
+  <cs:variation>
+    <a:lumMod val="60000"/>
+  </cs:variation>
+  <cs:variation>
+    <a:lumMod val="80000"/>
+    <a:lumOff val="20000"/>
+  </cs:variation>
+  <cs:variation>
+    <a:lumMod val="80000"/>
+  </cs:variation>
+  <cs:variation>
+    <a:lumMod val="60000"/>
+    <a:lumOff val="40000"/>
+  </cs:variation>
+  <cs:variation>
+    <a:lumMod val="50000"/>
+  </cs:variation>
+  <cs:variation>
+    <a:lumMod val="70000"/>
+    <a:lumOff val="30000"/>
+  </cs:variation>
+  <cs:variation>
+    <a:lumMod val="70000"/>
+  </cs:variation>
+  <cs:variation>
+    <a:lumMod val="50000"/>
+    <a:lumOff val="50000"/>
+  </cs:variation>
+</cs:colorStyle>
+</file>
+
+<file path=ppt/charts/colors3.xml><?xml version="1.0" encoding="utf-8"?>
+<cs:colorStyle xmlns:cs="http://schemas.microsoft.com/office/drawing/2012/chartStyle" xmlns:a="http://schemas.openxmlformats.org/drawingml/2006/main" meth="cycle" id="10">
+  <a:schemeClr val="accent1"/>
+  <a:schemeClr val="accent2"/>
+  <a:schemeClr val="accent3"/>
+  <a:schemeClr val="accent4"/>
+  <a:schemeClr val="accent5"/>
+  <a:schemeClr val="accent6"/>
+  <cs:variation/>
+  <cs:variation>
+    <a:lumMod val="60000"/>
+  </cs:variation>
+  <cs:variation>
+    <a:lumMod val="80000"/>
+    <a:lumOff val="20000"/>
+  </cs:variation>
+  <cs:variation>
+    <a:lumMod val="80000"/>
+  </cs:variation>
+  <cs:variation>
+    <a:lumMod val="60000"/>
+    <a:lumOff val="40000"/>
+  </cs:variation>
+  <cs:variation>
+    <a:lumMod val="50000"/>
+  </cs:variation>
+  <cs:variation>
+    <a:lumMod val="70000"/>
+    <a:lumOff val="30000"/>
+  </cs:variation>
+  <cs:variation>
+    <a:lumMod val="70000"/>
+  </cs:variation>
+  <cs:variation>
+    <a:lumMod val="50000"/>
+    <a:lumOff val="50000"/>
+  </cs:variation>
+</cs:colorStyle>
+</file>
+
+<file path=ppt/charts/colors4.xml><?xml version="1.0" encoding="utf-8"?>
+<cs:colorStyle xmlns:cs="http://schemas.microsoft.com/office/drawing/2012/chartStyle" xmlns:a="http://schemas.openxmlformats.org/drawingml/2006/main" meth="cycle" id="10">
+  <a:schemeClr val="accent1"/>
+  <a:schemeClr val="accent2"/>
+  <a:schemeClr val="accent3"/>
+  <a:schemeClr val="accent4"/>
+  <a:schemeClr val="accent5"/>
+  <a:schemeClr val="accent6"/>
+  <cs:variation/>
+  <cs:variation>
+    <a:lumMod val="60000"/>
+  </cs:variation>
+  <cs:variation>
+    <a:lumMod val="80000"/>
+    <a:lumOff val="20000"/>
+  </cs:variation>
+  <cs:variation>
+    <a:lumMod val="80000"/>
+  </cs:variation>
+  <cs:variation>
+    <a:lumMod val="60000"/>
+    <a:lumOff val="40000"/>
+  </cs:variation>
+  <cs:variation>
+    <a:lumMod val="50000"/>
+  </cs:variation>
+  <cs:variation>
+    <a:lumMod val="70000"/>
+    <a:lumOff val="30000"/>
+  </cs:variation>
+  <cs:variation>
+    <a:lumMod val="70000"/>
+  </cs:variation>
+  <cs:variation>
+    <a:lumMod val="50000"/>
+    <a:lumOff val="50000"/>
+  </cs:variation>
+</cs:colorStyle>
+</file>
+
+<file path=ppt/charts/colors5.xml><?xml version="1.0" encoding="utf-8"?>
+<cs:colorStyle xmlns:cs="http://schemas.microsoft.com/office/drawing/2012/chartStyle" xmlns:a="http://schemas.openxmlformats.org/drawingml/2006/main" meth="cycle" id="10">
+  <a:schemeClr val="accent1"/>
+  <a:schemeClr val="accent2"/>
+  <a:schemeClr val="accent3"/>
+  <a:schemeClr val="accent4"/>
+  <a:schemeClr val="accent5"/>
+  <a:schemeClr val="accent6"/>
+  <cs:variation/>
+  <cs:variation>
+    <a:lumMod val="60000"/>
+  </cs:variation>
+  <cs:variation>
+    <a:lumMod val="80000"/>
+    <a:lumOff val="20000"/>
+  </cs:variation>
+  <cs:variation>
+    <a:lumMod val="80000"/>
+  </cs:variation>
+  <cs:variation>
+    <a:lumMod val="60000"/>
+    <a:lumOff val="40000"/>
+  </cs:variation>
+  <cs:variation>
+    <a:lumMod val="50000"/>
+  </cs:variation>
+  <cs:variation>
+    <a:lumMod val="70000"/>
+    <a:lumOff val="30000"/>
+  </cs:variation>
+  <cs:variation>
+    <a:lumMod val="70000"/>
+  </cs:variation>
+  <cs:variation>
+    <a:lumMod val="50000"/>
+    <a:lumOff val="50000"/>
+  </cs:variation>
+</cs:colorStyle>
+</file>
+
+<file path=ppt/charts/colors6.xml><?xml version="1.0" encoding="utf-8"?>
+<cs:colorStyle xmlns:cs="http://schemas.microsoft.com/office/drawing/2012/chartStyle" xmlns:a="http://schemas.openxmlformats.org/drawingml/2006/main" meth="cycle" id="10">
+  <a:schemeClr val="accent1"/>
+  <a:schemeClr val="accent2"/>
+  <a:schemeClr val="accent3"/>
+  <a:schemeClr val="accent4"/>
+  <a:schemeClr val="accent5"/>
+  <a:schemeClr val="accent6"/>
+  <cs:variation/>
+  <cs:variation>
+    <a:lumMod val="60000"/>
+  </cs:variation>
+  <cs:variation>
+    <a:lumMod val="80000"/>
+    <a:lumOff val="20000"/>
+  </cs:variation>
+  <cs:variation>
+    <a:lumMod val="80000"/>
+  </cs:variation>
+  <cs:variation>
+    <a:lumMod val="60000"/>
+    <a:lumOff val="40000"/>
+  </cs:variation>
+  <cs:variation>
+    <a:lumMod val="50000"/>
+  </cs:variation>
+  <cs:variation>
+    <a:lumMod val="70000"/>
+    <a:lumOff val="30000"/>
+  </cs:variation>
+  <cs:variation>
+    <a:lumMod val="70000"/>
+  </cs:variation>
+  <cs:variation>
+    <a:lumMod val="50000"/>
+    <a:lumOff val="50000"/>
+  </cs:variation>
+</cs:colorStyle>
+</file>
+
+<file path=ppt/charts/style1.xml><?xml version="1.0" encoding="utf-8"?>
+<cs:chartStyle xmlns:cs="http://schemas.microsoft.com/office/drawing/2012/chartStyle" xmlns:a="http://schemas.openxmlformats.org/drawingml/2006/main" id="261">
+  <cs:axisTitle>
+    <cs:lnRef idx="0"/>
+    <cs:fillRef idx="0"/>
+    <cs:effectRef idx="0"/>
+    <cs:fontRef idx="minor">
+      <a:schemeClr val="dk1">
+        <a:lumMod val="65000"/>
+        <a:lumOff val="35000"/>
+      </a:schemeClr>
+    </cs:fontRef>
+    <cs:defRPr sz="1197" kern="1200"/>
+  </cs:axisTitle>
+  <cs:categoryAxis>
+    <cs:lnRef idx="0"/>
+    <cs:fillRef idx="0"/>
+    <cs:effectRef idx="0"/>
+    <cs:fontRef idx="minor">
+      <a:schemeClr val="dk1">
+        <a:lumMod val="65000"/>
+        <a:lumOff val="35000"/>
+      </a:schemeClr>
+    </cs:fontRef>
+    <cs:defRPr sz="1197" kern="1200"/>
+  </cs:categoryAxis>
+  <cs:chartArea>
+    <cs:lnRef idx="0"/>
+    <cs:fillRef idx="0"/>
+    <cs:effectRef idx="0"/>
+    <cs:fontRef idx="minor">
+      <a:schemeClr val="dk1"/>
+    </cs:fontRef>
+    <cs:spPr>
+      <a:pattFill prst="dkDnDiag">
+        <a:fgClr>
+          <a:schemeClr val="lt1">
+            <a:lumMod val="95000"/>
+          </a:schemeClr>
+        </a:fgClr>
+        <a:bgClr>
+          <a:schemeClr val="lt1"/>
+        </a:bgClr>
+      </a:pattFill>
+      <a:ln w="9525" cap="flat" cmpd="sng" algn="ctr">
+        <a:solidFill>
+          <a:schemeClr val="dk1">
+            <a:lumMod val="15000"/>
+            <a:lumOff val="85000"/>
+          </a:schemeClr>
+        </a:solidFill>
+        <a:round/>
+      </a:ln>
+    </cs:spPr>
+    <cs:defRPr sz="1197" kern="1200"/>
+  </cs:chartArea>
+  <cs:dataLabel>
+    <cs:lnRef idx="0"/>
+    <cs:fillRef idx="0"/>
+    <cs:effectRef idx="0"/>
+    <cs:fontRef idx="minor">
+      <a:schemeClr val="lt1"/>
+    </cs:fontRef>
+    <cs:defRPr sz="1197" b="1" i="0" u="none" strike="noStrike" kern="1200" baseline="0"/>
+  </cs:dataLabel>
+  <cs:dataLabelCallout>
+    <cs:lnRef idx="0"/>
+    <cs:fillRef idx="0"/>
+    <cs:effectRef idx="0"/>
+    <cs:fontRef idx="minor">
+      <a:schemeClr val="dk1">
+        <a:lumMod val="65000"/>
+        <a:lumOff val="35000"/>
+      </a:schemeClr>
+    </cs:fontRef>
+    <cs:spPr>
+      <a:solidFill>
+        <a:schemeClr val="lt1">
+          <a:alpha val="75000"/>
+        </a:schemeClr>
+      </a:solidFill>
+      <a:ln w="9525">
+        <a:solidFill>
+          <a:schemeClr val="dk1">
+            <a:lumMod val="25000"/>
+            <a:lumOff val="75000"/>
+          </a:schemeClr>
+        </a:solidFill>
+      </a:ln>
+    </cs:spPr>
+    <cs:defRPr sz="1197" kern="1200"/>
+    <cs:bodyPr rot="0" spcFirstLastPara="1" vertOverflow="clip" horzOverflow="clip" vert="horz" wrap="square" lIns="36576" tIns="18288" rIns="36576" bIns="18288" anchor="ctr" anchorCtr="1">
+      <a:spAutoFit/>
+    </cs:bodyPr>
+  </cs:dataLabelCallout>
+  <cs:dataPoint>
+    <cs:lnRef idx="0"/>
+    <cs:fillRef idx="0">
+      <cs:styleClr val="auto"/>
+    </cs:fillRef>
+    <cs:effectRef idx="0"/>
+    <cs:fontRef idx="minor">
+      <a:schemeClr val="dk1"/>
+    </cs:fontRef>
+    <cs:spPr>
+      <a:solidFill>
+        <a:schemeClr val="phClr"/>
+      </a:solidFill>
+      <a:effectLst>
+        <a:outerShdw blurRad="317500" algn="ctr" rotWithShape="0">
+          <a:prstClr val="black">
+            <a:alpha val="25000"/>
+          </a:prstClr>
+        </a:outerShdw>
+      </a:effectLst>
+    </cs:spPr>
+  </cs:dataPoint>
+  <cs:dataPoint3D>
+    <cs:lnRef idx="0"/>
+    <cs:fillRef idx="0">
+      <cs:styleClr val="auto"/>
+    </cs:fillRef>
+    <cs:effectRef idx="0"/>
+    <cs:fontRef idx="minor">
+      <a:schemeClr val="dk1"/>
+    </cs:fontRef>
+    <cs:spPr>
+      <a:solidFill>
+        <a:schemeClr val="phClr"/>
+      </a:solidFill>
+      <a:effectLst>
+        <a:outerShdw blurRad="88900" sx="102000" sy="102000" algn="ctr" rotWithShape="0">
+          <a:prstClr val="black">
+            <a:alpha val="20000"/>
+          </a:prstClr>
+        </a:outerShdw>
+      </a:effectLst>
+      <a:scene3d>
+        <a:camera prst="orthographicFront"/>
+        <a:lightRig rig="threePt" dir="t"/>
+      </a:scene3d>
+      <a:sp3d prstMaterial="matte"/>
+    </cs:spPr>
+  </cs:dataPoint3D>
+  <cs:dataPointLine>
+    <cs:lnRef idx="0">
+      <cs:styleClr val="auto"/>
+    </cs:lnRef>
+    <cs:fillRef idx="0"/>
+    <cs:effectRef idx="0"/>
+    <cs:fontRef idx="minor">
+      <a:schemeClr val="dk1"/>
+    </cs:fontRef>
+    <cs:spPr>
+      <a:ln w="28575" cap="rnd">
+        <a:solidFill>
+          <a:schemeClr val="phClr"/>
+        </a:solidFill>
+        <a:round/>
+      </a:ln>
+    </cs:spPr>
+  </cs:dataPointLine>
+  <cs:dataPointMarker>
+    <cs:lnRef idx="0"/>
+    <cs:fillRef idx="0">
+      <cs:styleClr val="auto"/>
+    </cs:fillRef>
+    <cs:effectRef idx="0"/>
+    <cs:fontRef idx="minor">
+      <a:schemeClr val="dk1"/>
+    </cs:fontRef>
+    <cs:spPr>
+      <a:solidFill>
+        <a:schemeClr val="phClr"/>
+      </a:solidFill>
+      <a:ln w="9525">
+        <a:solidFill>
+          <a:schemeClr val="lt1"/>
+        </a:solidFill>
+      </a:ln>
+    </cs:spPr>
+  </cs:dataPointMarker>
+  <cs:dataPointMarkerLayout symbol="circle" size="6"/>
+  <cs:dataPointWireframe>
+    <cs:lnRef idx="0">
+      <cs:styleClr val="auto"/>
+    </cs:lnRef>
+    <cs:fillRef idx="0"/>
+    <cs:effectRef idx="0"/>
+    <cs:fontRef idx="minor">
+      <a:schemeClr val="dk1"/>
+    </cs:fontRef>
+    <cs:spPr>
+      <a:ln w="9525" cap="rnd">
+        <a:solidFill>
+          <a:schemeClr val="phClr"/>
+        </a:solidFill>
+        <a:round/>
+      </a:ln>
+    </cs:spPr>
+  </cs:dataPointWireframe>
+  <cs:dataTable>
+    <cs:lnRef idx="0"/>
+    <cs:fillRef idx="0"/>
+    <cs:effectRef idx="0"/>
+    <cs:fontRef idx="minor">
+      <a:schemeClr val="dk1">
+        <a:lumMod val="65000"/>
+        <a:lumOff val="35000"/>
+      </a:schemeClr>
+    </cs:fontRef>
+    <cs:spPr>
+      <a:noFill/>
+      <a:ln w="9525" cap="flat" cmpd="sng" algn="ctr">
+        <a:solidFill>
+          <a:schemeClr val="dk1">
+            <a:lumMod val="15000"/>
+            <a:lumOff val="85000"/>
+          </a:schemeClr>
+        </a:solidFill>
+        <a:round/>
+      </a:ln>
+    </cs:spPr>
+    <cs:defRPr sz="1197" kern="1200"/>
+  </cs:dataTable>
+  <cs:downBar>
+    <cs:lnRef idx="0"/>
+    <cs:fillRef idx="0"/>
+    <cs:effectRef idx="0"/>
+    <cs:fontRef idx="minor">
+      <a:schemeClr val="dk1"/>
+    </cs:fontRef>
+    <cs:spPr>
+      <a:solidFill>
+        <a:schemeClr val="dk1">
+          <a:lumMod val="75000"/>
+          <a:lumOff val="25000"/>
+        </a:schemeClr>
+      </a:solidFill>
+      <a:ln w="9525" cap="flat" cmpd="sng" algn="ctr">
+        <a:solidFill>
+          <a:schemeClr val="dk1">
+            <a:lumMod val="65000"/>
+            <a:lumOff val="35000"/>
+          </a:schemeClr>
+        </a:solidFill>
+        <a:round/>
+      </a:ln>
+    </cs:spPr>
+  </cs:downBar>
+  <cs:dropLine>
+    <cs:lnRef idx="0"/>
+    <cs:fillRef idx="0"/>
+    <cs:effectRef idx="0"/>
+    <cs:fontRef idx="minor">
+      <a:schemeClr val="dk1"/>
+    </cs:fontRef>
+    <cs:spPr>
+      <a:ln w="9525" cap="flat" cmpd="sng" algn="ctr">
+        <a:solidFill>
+          <a:schemeClr val="dk1">
+            <a:lumMod val="35000"/>
+            <a:lumOff val="65000"/>
+          </a:schemeClr>
+        </a:solidFill>
+        <a:round/>
+      </a:ln>
+    </cs:spPr>
+  </cs:dropLine>
+  <cs:errorBar>
+    <cs:lnRef idx="0"/>
+    <cs:fillRef idx="0"/>
+    <cs:effectRef idx="0"/>
+    <cs:fontRef idx="minor">
+      <a:schemeClr val="dk1"/>
+    </cs:fontRef>
+    <cs:spPr>
+      <a:ln w="9525" cap="flat" cmpd="sng" algn="ctr">
+        <a:solidFill>
+          <a:schemeClr val="dk1">
+            <a:lumMod val="65000"/>
+            <a:lumOff val="35000"/>
+          </a:schemeClr>
+        </a:solidFill>
+        <a:round/>
+      </a:ln>
+    </cs:spPr>
+  </cs:errorBar>
+  <cs:floor>
+    <cs:lnRef idx="0"/>
+    <cs:fillRef idx="0"/>
+    <cs:effectRef idx="0"/>
+    <cs:fontRef idx="minor">
+      <a:schemeClr val="dk1"/>
+    </cs:fontRef>
+    <cs:spPr>
+      <a:noFill/>
+      <a:ln>
+        <a:noFill/>
+      </a:ln>
+    </cs:spPr>
+  </cs:floor>
+  <cs:gridlineMajor>
+    <cs:lnRef idx="0"/>
+    <cs:fillRef idx="0"/>
+    <cs:effectRef idx="0"/>
+    <cs:fontRef idx="minor">
+      <a:schemeClr val="dk1"/>
+    </cs:fontRef>
+    <cs:spPr>
+      <a:ln w="9525" cap="flat" cmpd="sng" algn="ctr">
+        <a:solidFill>
+          <a:schemeClr val="dk1">
+            <a:lumMod val="15000"/>
+            <a:lumOff val="85000"/>
+          </a:schemeClr>
+        </a:solidFill>
+        <a:round/>
+      </a:ln>
+    </cs:spPr>
+  </cs:gridlineMajor>
+  <cs:gridlineMinor>
+    <cs:lnRef idx="0"/>
+    <cs:fillRef idx="0"/>
+    <cs:effectRef idx="0"/>
+    <cs:fontRef idx="minor">
+      <a:schemeClr val="dk1"/>
+    </cs:fontRef>
+    <cs:spPr>
+      <a:ln w="9525" cap="flat" cmpd="sng" algn="ctr">
+        <a:solidFill>
+          <a:schemeClr val="dk1">
+            <a:lumMod val="5000"/>
+            <a:lumOff val="95000"/>
+          </a:schemeClr>
+        </a:solidFill>
+        <a:round/>
+      </a:ln>
+    </cs:spPr>
+  </cs:gridlineMinor>
+  <cs:hiLoLine>
+    <cs:lnRef idx="0"/>
+    <cs:fillRef idx="0"/>
+    <cs:effectRef idx="0"/>
+    <cs:fontRef idx="minor">
+      <a:schemeClr val="dk1"/>
+    </cs:fontRef>
+    <cs:spPr>
+      <a:ln w="9525" cap="flat" cmpd="sng" algn="ctr">
+        <a:solidFill>
+          <a:schemeClr val="dk1">
+            <a:lumMod val="50000"/>
+            <a:lumOff val="50000"/>
+          </a:schemeClr>
+        </a:solidFill>
+        <a:round/>
+      </a:ln>
+    </cs:spPr>
+  </cs:hiLoLine>
+  <cs:leaderLine>
+    <cs:lnRef idx="0"/>
+    <cs:fillRef idx="0"/>
+    <cs:effectRef idx="0"/>
+    <cs:fontRef idx="minor">
+      <a:schemeClr val="dk1"/>
+    </cs:fontRef>
+    <cs:spPr>
+      <a:ln w="9525" cap="flat" cmpd="sng" algn="ctr">
+        <a:solidFill>
+          <a:schemeClr val="dk1">
+            <a:lumMod val="35000"/>
+            <a:lumOff val="65000"/>
+          </a:schemeClr>
+        </a:solidFill>
+        <a:round/>
+      </a:ln>
+    </cs:spPr>
+  </cs:leaderLine>
+  <cs:legend>
+    <cs:lnRef idx="0"/>
+    <cs:fillRef idx="0"/>
+    <cs:effectRef idx="0"/>
+    <cs:fontRef idx="minor">
+      <a:schemeClr val="dk1">
+        <a:lumMod val="65000"/>
+        <a:lumOff val="35000"/>
+      </a:schemeClr>
+    </cs:fontRef>
+    <cs:spPr>
+      <a:solidFill>
+        <a:schemeClr val="lt1">
+          <a:alpha val="78000"/>
+        </a:schemeClr>
+      </a:solidFill>
+    </cs:spPr>
+    <cs:defRPr sz="1197" kern="1200"/>
+  </cs:legend>
+  <cs:plotArea mods="allowNoFillOverride allowNoLineOverride">
+    <cs:lnRef idx="0"/>
+    <cs:fillRef idx="0"/>
+    <cs:effectRef idx="0"/>
+    <cs:fontRef idx="minor">
+      <a:schemeClr val="dk1"/>
+    </cs:fontRef>
+  </cs:plotArea>
+  <cs:plotArea3D mods="allowNoFillOverride allowNoLineOverride">
+    <cs:lnRef idx="0"/>
+    <cs:fillRef idx="0"/>
+    <cs:effectRef idx="0"/>
+    <cs:fontRef idx="minor">
+      <a:schemeClr val="dk1"/>
+    </cs:fontRef>
+  </cs:plotArea3D>
+  <cs:seriesAxis>
+    <cs:lnRef idx="0"/>
+    <cs:fillRef idx="0"/>
+    <cs:effectRef idx="0"/>
+    <cs:fontRef idx="minor">
+      <a:schemeClr val="dk1">
+        <a:lumMod val="65000"/>
+        <a:lumOff val="35000"/>
+      </a:schemeClr>
+    </cs:fontRef>
+    <cs:defRPr sz="1197" kern="1200"/>
+  </cs:seriesAxis>
+  <cs:seriesLine>
+    <cs:lnRef idx="0"/>
+    <cs:fillRef idx="0"/>
+    <cs:effectRef idx="0"/>
+    <cs:fontRef idx="minor">
+      <a:schemeClr val="dk1"/>
+    </cs:fontRef>
+    <cs:spPr>
+      <a:ln w="9525" cap="flat" cmpd="sng" algn="ctr">
+        <a:solidFill>
+          <a:schemeClr val="dk1">
+            <a:lumMod val="35000"/>
+            <a:lumOff val="65000"/>
+          </a:schemeClr>
+        </a:solidFill>
+        <a:round/>
+      </a:ln>
+    </cs:spPr>
+  </cs:seriesLine>
+  <cs:title>
+    <cs:lnRef idx="0"/>
+    <cs:fillRef idx="0"/>
+    <cs:effectRef idx="0"/>
+    <cs:fontRef idx="minor">
+      <a:schemeClr val="dk1">
+        <a:lumMod val="65000"/>
+        <a:lumOff val="35000"/>
+      </a:schemeClr>
+    </cs:fontRef>
+    <cs:defRPr sz="2200" b="1" kern="1200" baseline="0"/>
+  </cs:title>
+  <cs:trendline>
+    <cs:lnRef idx="0">
+      <cs:styleClr val="auto"/>
+    </cs:lnRef>
+    <cs:fillRef idx="0"/>
+    <cs:effectRef idx="0"/>
+    <cs:fontRef idx="minor">
+      <a:schemeClr val="dk1"/>
+    </cs:fontRef>
+    <cs:spPr>
+      <a:ln w="19050" cap="rnd">
+        <a:solidFill>
+          <a:schemeClr val="phClr"/>
+        </a:solidFill>
+        <a:prstDash val="sysDash"/>
+      </a:ln>
+    </cs:spPr>
+  </cs:trendline>
+  <cs:trendlineLabel>
+    <cs:lnRef idx="0"/>
+    <cs:fillRef idx="0"/>
+    <cs:effectRef idx="0"/>
+    <cs:fontRef idx="minor">
+      <a:schemeClr val="dk1">
+        <a:lumMod val="65000"/>
+        <a:lumOff val="35000"/>
+      </a:schemeClr>
+    </cs:fontRef>
+    <cs:defRPr sz="1197" kern="1200"/>
+  </cs:trendlineLabel>
+  <cs:upBar>
+    <cs:lnRef idx="0"/>
+    <cs:fillRef idx="0"/>
+    <cs:effectRef idx="0"/>
+    <cs:fontRef idx="minor">
+      <a:schemeClr val="dk1"/>
+    </cs:fontRef>
+    <cs:spPr>
+      <a:solidFill>
+        <a:schemeClr val="lt1"/>
+      </a:solidFill>
+      <a:ln w="9525" cap="flat" cmpd="sng" algn="ctr">
+        <a:solidFill>
+          <a:schemeClr val="dk1">
+            <a:lumMod val="65000"/>
+            <a:lumOff val="35000"/>
+          </a:schemeClr>
+        </a:solidFill>
+        <a:round/>
+      </a:ln>
+    </cs:spPr>
+  </cs:upBar>
+  <cs:valueAxis>
+    <cs:lnRef idx="0"/>
+    <cs:fillRef idx="0"/>
+    <cs:effectRef idx="0"/>
+    <cs:fontRef idx="minor">
+      <a:schemeClr val="dk1">
+        <a:lumMod val="65000"/>
+        <a:lumOff val="35000"/>
+      </a:schemeClr>
+    </cs:fontRef>
+    <cs:defRPr sz="1197" kern="1200"/>
+  </cs:valueAxis>
+  <cs:wall>
+    <cs:lnRef idx="0"/>
+    <cs:fillRef idx="0"/>
+    <cs:effectRef idx="0"/>
+    <cs:fontRef idx="minor">
+      <a:schemeClr val="dk1"/>
+    </cs:fontRef>
+  </cs:wall>
+</cs:chartStyle>
+</file>
+
+<file path=ppt/charts/style2.xml><?xml version="1.0" encoding="utf-8"?>
+<cs:chartStyle xmlns:cs="http://schemas.microsoft.com/office/drawing/2012/chartStyle" xmlns:a="http://schemas.openxmlformats.org/drawingml/2006/main" id="261">
+  <cs:axisTitle>
+    <cs:lnRef idx="0"/>
+    <cs:fillRef idx="0"/>
+    <cs:effectRef idx="0"/>
+    <cs:fontRef idx="minor">
+      <a:schemeClr val="dk1">
+        <a:lumMod val="65000"/>
+        <a:lumOff val="35000"/>
+      </a:schemeClr>
+    </cs:fontRef>
+    <cs:defRPr sz="1197" kern="1200"/>
+  </cs:axisTitle>
+  <cs:categoryAxis>
+    <cs:lnRef idx="0"/>
+    <cs:fillRef idx="0"/>
+    <cs:effectRef idx="0"/>
+    <cs:fontRef idx="minor">
+      <a:schemeClr val="dk1">
+        <a:lumMod val="65000"/>
+        <a:lumOff val="35000"/>
+      </a:schemeClr>
+    </cs:fontRef>
+    <cs:defRPr sz="1197" kern="1200"/>
+  </cs:categoryAxis>
+  <cs:chartArea>
+    <cs:lnRef idx="0"/>
+    <cs:fillRef idx="0"/>
+    <cs:effectRef idx="0"/>
+    <cs:fontRef idx="minor">
+      <a:schemeClr val="dk1"/>
+    </cs:fontRef>
+    <cs:spPr>
+      <a:pattFill prst="dkDnDiag">
+        <a:fgClr>
+          <a:schemeClr val="lt1">
+            <a:lumMod val="95000"/>
+          </a:schemeClr>
+        </a:fgClr>
+        <a:bgClr>
+          <a:schemeClr val="lt1"/>
+        </a:bgClr>
+      </a:pattFill>
+      <a:ln w="9525" cap="flat" cmpd="sng" algn="ctr">
+        <a:solidFill>
+          <a:schemeClr val="dk1">
+            <a:lumMod val="15000"/>
+            <a:lumOff val="85000"/>
+          </a:schemeClr>
+        </a:solidFill>
+        <a:round/>
+      </a:ln>
+    </cs:spPr>
+    <cs:defRPr sz="1197" kern="1200"/>
+  </cs:chartArea>
+  <cs:dataLabel>
+    <cs:lnRef idx="0"/>
+    <cs:fillRef idx="0"/>
+    <cs:effectRef idx="0"/>
+    <cs:fontRef idx="minor">
+      <a:schemeClr val="lt1"/>
+    </cs:fontRef>
+    <cs:defRPr sz="1197" b="1" i="0" u="none" strike="noStrike" kern="1200" baseline="0"/>
+  </cs:dataLabel>
+  <cs:dataLabelCallout>
+    <cs:lnRef idx="0"/>
+    <cs:fillRef idx="0"/>
+    <cs:effectRef idx="0"/>
+    <cs:fontRef idx="minor">
+      <a:schemeClr val="dk1">
+        <a:lumMod val="65000"/>
+        <a:lumOff val="35000"/>
+      </a:schemeClr>
+    </cs:fontRef>
+    <cs:spPr>
+      <a:solidFill>
+        <a:schemeClr val="lt1">
+          <a:alpha val="75000"/>
+        </a:schemeClr>
+      </a:solidFill>
+      <a:ln w="9525">
+        <a:solidFill>
+          <a:schemeClr val="dk1">
+            <a:lumMod val="25000"/>
+            <a:lumOff val="75000"/>
+          </a:schemeClr>
+        </a:solidFill>
+      </a:ln>
+    </cs:spPr>
+    <cs:defRPr sz="1197" kern="1200"/>
+    <cs:bodyPr rot="0" spcFirstLastPara="1" vertOverflow="clip" horzOverflow="clip" vert="horz" wrap="square" lIns="36576" tIns="18288" rIns="36576" bIns="18288" anchor="ctr" anchorCtr="1">
+      <a:spAutoFit/>
+    </cs:bodyPr>
+  </cs:dataLabelCallout>
+  <cs:dataPoint>
+    <cs:lnRef idx="0"/>
+    <cs:fillRef idx="0">
+      <cs:styleClr val="auto"/>
+    </cs:fillRef>
+    <cs:effectRef idx="0"/>
+    <cs:fontRef idx="minor">
+      <a:schemeClr val="dk1"/>
+    </cs:fontRef>
+    <cs:spPr>
+      <a:solidFill>
+        <a:schemeClr val="phClr"/>
+      </a:solidFill>
+      <a:effectLst>
+        <a:outerShdw blurRad="317500" algn="ctr" rotWithShape="0">
+          <a:prstClr val="black">
+            <a:alpha val="25000"/>
+          </a:prstClr>
+        </a:outerShdw>
+      </a:effectLst>
+    </cs:spPr>
+  </cs:dataPoint>
+  <cs:dataPoint3D>
+    <cs:lnRef idx="0"/>
+    <cs:fillRef idx="0">
+      <cs:styleClr val="auto"/>
+    </cs:fillRef>
+    <cs:effectRef idx="0"/>
+    <cs:fontRef idx="minor">
+      <a:schemeClr val="dk1"/>
+    </cs:fontRef>
+    <cs:spPr>
+      <a:solidFill>
+        <a:schemeClr val="phClr"/>
+      </a:solidFill>
+      <a:effectLst>
+        <a:outerShdw blurRad="88900" sx="102000" sy="102000" algn="ctr" rotWithShape="0">
+          <a:prstClr val="black">
+            <a:alpha val="20000"/>
+          </a:prstClr>
+        </a:outerShdw>
+      </a:effectLst>
+      <a:scene3d>
+        <a:camera prst="orthographicFront"/>
+        <a:lightRig rig="threePt" dir="t"/>
+      </a:scene3d>
+      <a:sp3d prstMaterial="matte"/>
+    </cs:spPr>
+  </cs:dataPoint3D>
+  <cs:dataPointLine>
+    <cs:lnRef idx="0">
+      <cs:styleClr val="auto"/>
+    </cs:lnRef>
+    <cs:fillRef idx="0"/>
+    <cs:effectRef idx="0"/>
+    <cs:fontRef idx="minor">
+      <a:schemeClr val="dk1"/>
+    </cs:fontRef>
+    <cs:spPr>
+      <a:ln w="28575" cap="rnd">
+        <a:solidFill>
+          <a:schemeClr val="phClr"/>
+        </a:solidFill>
+        <a:round/>
+      </a:ln>
+    </cs:spPr>
+  </cs:dataPointLine>
+  <cs:dataPointMarker>
+    <cs:lnRef idx="0"/>
+    <cs:fillRef idx="0">
+      <cs:styleClr val="auto"/>
+    </cs:fillRef>
+    <cs:effectRef idx="0"/>
+    <cs:fontRef idx="minor">
+      <a:schemeClr val="dk1"/>
+    </cs:fontRef>
+    <cs:spPr>
+      <a:solidFill>
+        <a:schemeClr val="phClr"/>
+      </a:solidFill>
+      <a:ln w="9525">
+        <a:solidFill>
+          <a:schemeClr val="lt1"/>
+        </a:solidFill>
+      </a:ln>
+    </cs:spPr>
+  </cs:dataPointMarker>
+  <cs:dataPointMarkerLayout symbol="circle" size="6"/>
+  <cs:dataPointWireframe>
+    <cs:lnRef idx="0">
+      <cs:styleClr val="auto"/>
+    </cs:lnRef>
+    <cs:fillRef idx="0"/>
+    <cs:effectRef idx="0"/>
+    <cs:fontRef idx="minor">
+      <a:schemeClr val="dk1"/>
+    </cs:fontRef>
+    <cs:spPr>
+      <a:ln w="9525" cap="rnd">
+        <a:solidFill>
+          <a:schemeClr val="phClr"/>
+        </a:solidFill>
+        <a:round/>
+      </a:ln>
+    </cs:spPr>
+  </cs:dataPointWireframe>
+  <cs:dataTable>
+    <cs:lnRef idx="0"/>
+    <cs:fillRef idx="0"/>
+    <cs:effectRef idx="0"/>
+    <cs:fontRef idx="minor">
+      <a:schemeClr val="dk1">
+        <a:lumMod val="65000"/>
+        <a:lumOff val="35000"/>
+      </a:schemeClr>
+    </cs:fontRef>
+    <cs:spPr>
+      <a:noFill/>
+      <a:ln w="9525" cap="flat" cmpd="sng" algn="ctr">
+        <a:solidFill>
+          <a:schemeClr val="dk1">
+            <a:lumMod val="15000"/>
+            <a:lumOff val="85000"/>
+          </a:schemeClr>
+        </a:solidFill>
+        <a:round/>
+      </a:ln>
+    </cs:spPr>
+    <cs:defRPr sz="1197" kern="1200"/>
+  </cs:dataTable>
+  <cs:downBar>
+    <cs:lnRef idx="0"/>
+    <cs:fillRef idx="0"/>
+    <cs:effectRef idx="0"/>
+    <cs:fontRef idx="minor">
+      <a:schemeClr val="dk1"/>
+    </cs:fontRef>
+    <cs:spPr>
+      <a:solidFill>
+        <a:schemeClr val="dk1">
+          <a:lumMod val="75000"/>
+          <a:lumOff val="25000"/>
+        </a:schemeClr>
+      </a:solidFill>
+      <a:ln w="9525" cap="flat" cmpd="sng" algn="ctr">
+        <a:solidFill>
+          <a:schemeClr val="dk1">
+            <a:lumMod val="65000"/>
+            <a:lumOff val="35000"/>
+          </a:schemeClr>
+        </a:solidFill>
+        <a:round/>
+      </a:ln>
+    </cs:spPr>
+  </cs:downBar>
+  <cs:dropLine>
+    <cs:lnRef idx="0"/>
+    <cs:fillRef idx="0"/>
+    <cs:effectRef idx="0"/>
+    <cs:fontRef idx="minor">
+      <a:schemeClr val="dk1"/>
+    </cs:fontRef>
+    <cs:spPr>
+      <a:ln w="9525" cap="flat" cmpd="sng" algn="ctr">
+        <a:solidFill>
+          <a:schemeClr val="dk1">
+            <a:lumMod val="35000"/>
+            <a:lumOff val="65000"/>
+          </a:schemeClr>
+        </a:solidFill>
+        <a:round/>
+      </a:ln>
+    </cs:spPr>
+  </cs:dropLine>
+  <cs:errorBar>
+    <cs:lnRef idx="0"/>
+    <cs:fillRef idx="0"/>
+    <cs:effectRef idx="0"/>
+    <cs:fontRef idx="minor">
+      <a:schemeClr val="dk1"/>
+    </cs:fontRef>
+    <cs:spPr>
+      <a:ln w="9525" cap="flat" cmpd="sng" algn="ctr">
+        <a:solidFill>
+          <a:schemeClr val="dk1">
+            <a:lumMod val="65000"/>
+            <a:lumOff val="35000"/>
+          </a:schemeClr>
+        </a:solidFill>
+        <a:round/>
+      </a:ln>
+    </cs:spPr>
+  </cs:errorBar>
+  <cs:floor>
+    <cs:lnRef idx="0"/>
+    <cs:fillRef idx="0"/>
+    <cs:effectRef idx="0"/>
+    <cs:fontRef idx="minor">
+      <a:schemeClr val="dk1"/>
+    </cs:fontRef>
+    <cs:spPr>
+      <a:noFill/>
+      <a:ln>
+        <a:noFill/>
+      </a:ln>
+    </cs:spPr>
+  </cs:floor>
+  <cs:gridlineMajor>
+    <cs:lnRef idx="0"/>
+    <cs:fillRef idx="0"/>
+    <cs:effectRef idx="0"/>
+    <cs:fontRef idx="minor">
+      <a:schemeClr val="dk1"/>
+    </cs:fontRef>
+    <cs:spPr>
+      <a:ln w="9525" cap="flat" cmpd="sng" algn="ctr">
+        <a:solidFill>
+          <a:schemeClr val="dk1">
+            <a:lumMod val="15000"/>
+            <a:lumOff val="85000"/>
+          </a:schemeClr>
+        </a:solidFill>
+        <a:round/>
+      </a:ln>
+    </cs:spPr>
+  </cs:gridlineMajor>
+  <cs:gridlineMinor>
+    <cs:lnRef idx="0"/>
+    <cs:fillRef idx="0"/>
+    <cs:effectRef idx="0"/>
+    <cs:fontRef idx="minor">
+      <a:schemeClr val="dk1"/>
+    </cs:fontRef>
+    <cs:spPr>
+      <a:ln w="9525" cap="flat" cmpd="sng" algn="ctr">
+        <a:solidFill>
+          <a:schemeClr val="dk1">
+            <a:lumMod val="5000"/>
+            <a:lumOff val="95000"/>
+          </a:schemeClr>
+        </a:solidFill>
+        <a:round/>
+      </a:ln>
+    </cs:spPr>
+  </cs:gridlineMinor>
+  <cs:hiLoLine>
+    <cs:lnRef idx="0"/>
+    <cs:fillRef idx="0"/>
+    <cs:effectRef idx="0"/>
+    <cs:fontRef idx="minor">
+      <a:schemeClr val="dk1"/>
+    </cs:fontRef>
+    <cs:spPr>
+      <a:ln w="9525" cap="flat" cmpd="sng" algn="ctr">
+        <a:solidFill>
+          <a:schemeClr val="dk1">
+            <a:lumMod val="50000"/>
+            <a:lumOff val="50000"/>
+          </a:schemeClr>
+        </a:solidFill>
+        <a:round/>
+      </a:ln>
+    </cs:spPr>
+  </cs:hiLoLine>
+  <cs:leaderLine>
+    <cs:lnRef idx="0"/>
+    <cs:fillRef idx="0"/>
+    <cs:effectRef idx="0"/>
+    <cs:fontRef idx="minor">
+      <a:schemeClr val="dk1"/>
+    </cs:fontRef>
+    <cs:spPr>
+      <a:ln w="9525" cap="flat" cmpd="sng" algn="ctr">
+        <a:solidFill>
+          <a:schemeClr val="dk1">
+            <a:lumMod val="35000"/>
+            <a:lumOff val="65000"/>
+          </a:schemeClr>
+        </a:solidFill>
+        <a:round/>
+      </a:ln>
+    </cs:spPr>
+  </cs:leaderLine>
+  <cs:legend>
+    <cs:lnRef idx="0"/>
+    <cs:fillRef idx="0"/>
+    <cs:effectRef idx="0"/>
+    <cs:fontRef idx="minor">
+      <a:schemeClr val="dk1">
+        <a:lumMod val="65000"/>
+        <a:lumOff val="35000"/>
+      </a:schemeClr>
+    </cs:fontRef>
+    <cs:spPr>
+      <a:solidFill>
+        <a:schemeClr val="lt1">
+          <a:alpha val="78000"/>
+        </a:schemeClr>
+      </a:solidFill>
+    </cs:spPr>
+    <cs:defRPr sz="1197" kern="1200"/>
+  </cs:legend>
+  <cs:plotArea mods="allowNoFillOverride allowNoLineOverride">
+    <cs:lnRef idx="0"/>
+    <cs:fillRef idx="0"/>
+    <cs:effectRef idx="0"/>
+    <cs:fontRef idx="minor">
+      <a:schemeClr val="dk1"/>
+    </cs:fontRef>
+  </cs:plotArea>
+  <cs:plotArea3D mods="allowNoFillOverride allowNoLineOverride">
+    <cs:lnRef idx="0"/>
+    <cs:fillRef idx="0"/>
+    <cs:effectRef idx="0"/>
+    <cs:fontRef idx="minor">
+      <a:schemeClr val="dk1"/>
+    </cs:fontRef>
+  </cs:plotArea3D>
+  <cs:seriesAxis>
+    <cs:lnRef idx="0"/>
+    <cs:fillRef idx="0"/>
+    <cs:effectRef idx="0"/>
+    <cs:fontRef idx="minor">
+      <a:schemeClr val="dk1">
+        <a:lumMod val="65000"/>
+        <a:lumOff val="35000"/>
+      </a:schemeClr>
+    </cs:fontRef>
+    <cs:defRPr sz="1197" kern="1200"/>
+  </cs:seriesAxis>
+  <cs:seriesLine>
+    <cs:lnRef idx="0"/>
+    <cs:fillRef idx="0"/>
+    <cs:effectRef idx="0"/>
+    <cs:fontRef idx="minor">
+      <a:schemeClr val="dk1"/>
+    </cs:fontRef>
+    <cs:spPr>
+      <a:ln w="9525" cap="flat" cmpd="sng" algn="ctr">
+        <a:solidFill>
+          <a:schemeClr val="dk1">
+            <a:lumMod val="35000"/>
+            <a:lumOff val="65000"/>
+          </a:schemeClr>
+        </a:solidFill>
+        <a:round/>
+      </a:ln>
+    </cs:spPr>
+  </cs:seriesLine>
+  <cs:title>
+    <cs:lnRef idx="0"/>
+    <cs:fillRef idx="0"/>
+    <cs:effectRef idx="0"/>
+    <cs:fontRef idx="minor">
+      <a:schemeClr val="dk1">
+        <a:lumMod val="65000"/>
+        <a:lumOff val="35000"/>
+      </a:schemeClr>
+    </cs:fontRef>
+    <cs:defRPr sz="2200" b="1" kern="1200" baseline="0"/>
+  </cs:title>
+  <cs:trendline>
+    <cs:lnRef idx="0">
+      <cs:styleClr val="auto"/>
+    </cs:lnRef>
+    <cs:fillRef idx="0"/>
+    <cs:effectRef idx="0"/>
+    <cs:fontRef idx="minor">
+      <a:schemeClr val="dk1"/>
+    </cs:fontRef>
+    <cs:spPr>
+      <a:ln w="19050" cap="rnd">
+        <a:solidFill>
+          <a:schemeClr val="phClr"/>
+        </a:solidFill>
+        <a:prstDash val="sysDash"/>
+      </a:ln>
+    </cs:spPr>
+  </cs:trendline>
+  <cs:trendlineLabel>
+    <cs:lnRef idx="0"/>
+    <cs:fillRef idx="0"/>
+    <cs:effectRef idx="0"/>
+    <cs:fontRef idx="minor">
+      <a:schemeClr val="dk1">
+        <a:lumMod val="65000"/>
+        <a:lumOff val="35000"/>
+      </a:schemeClr>
+    </cs:fontRef>
+    <cs:defRPr sz="1197" kern="1200"/>
+  </cs:trendlineLabel>
+  <cs:upBar>
+    <cs:lnRef idx="0"/>
+    <cs:fillRef idx="0"/>
+    <cs:effectRef idx="0"/>
+    <cs:fontRef idx="minor">
+      <a:schemeClr val="dk1"/>
+    </cs:fontRef>
+    <cs:spPr>
+      <a:solidFill>
+        <a:schemeClr val="lt1"/>
+      </a:solidFill>
+      <a:ln w="9525" cap="flat" cmpd="sng" algn="ctr">
+        <a:solidFill>
+          <a:schemeClr val="dk1">
+            <a:lumMod val="65000"/>
+            <a:lumOff val="35000"/>
+          </a:schemeClr>
+        </a:solidFill>
+        <a:round/>
+      </a:ln>
+    </cs:spPr>
+  </cs:upBar>
+  <cs:valueAxis>
+    <cs:lnRef idx="0"/>
+    <cs:fillRef idx="0"/>
+    <cs:effectRef idx="0"/>
+    <cs:fontRef idx="minor">
+      <a:schemeClr val="dk1">
+        <a:lumMod val="65000"/>
+        <a:lumOff val="35000"/>
+      </a:schemeClr>
+    </cs:fontRef>
+    <cs:defRPr sz="1197" kern="1200"/>
+  </cs:valueAxis>
+  <cs:wall>
+    <cs:lnRef idx="0"/>
+    <cs:fillRef idx="0"/>
+    <cs:effectRef idx="0"/>
+    <cs:fontRef idx="minor">
+      <a:schemeClr val="dk1"/>
+    </cs:fontRef>
+  </cs:wall>
+</cs:chartStyle>
+</file>
+
+<file path=ppt/charts/style3.xml><?xml version="1.0" encoding="utf-8"?>
+<cs:chartStyle xmlns:cs="http://schemas.microsoft.com/office/drawing/2012/chartStyle" xmlns:a="http://schemas.openxmlformats.org/drawingml/2006/main" id="261">
+  <cs:axisTitle>
+    <cs:lnRef idx="0"/>
+    <cs:fillRef idx="0"/>
+    <cs:effectRef idx="0"/>
+    <cs:fontRef idx="minor">
+      <a:schemeClr val="dk1">
+        <a:lumMod val="65000"/>
+        <a:lumOff val="35000"/>
+      </a:schemeClr>
+    </cs:fontRef>
+    <cs:defRPr sz="1197" kern="1200"/>
+  </cs:axisTitle>
+  <cs:categoryAxis>
+    <cs:lnRef idx="0"/>
+    <cs:fillRef idx="0"/>
+    <cs:effectRef idx="0"/>
+    <cs:fontRef idx="minor">
+      <a:schemeClr val="dk1">
+        <a:lumMod val="65000"/>
+        <a:lumOff val="35000"/>
+      </a:schemeClr>
+    </cs:fontRef>
+    <cs:defRPr sz="1197" kern="1200"/>
+  </cs:categoryAxis>
+  <cs:chartArea>
+    <cs:lnRef idx="0"/>
+    <cs:fillRef idx="0"/>
+    <cs:effectRef idx="0"/>
+    <cs:fontRef idx="minor">
+      <a:schemeClr val="dk1"/>
+    </cs:fontRef>
+    <cs:spPr>
+      <a:pattFill prst="dkDnDiag">
+        <a:fgClr>
+          <a:schemeClr val="lt1">
+            <a:lumMod val="95000"/>
+          </a:schemeClr>
+        </a:fgClr>
+        <a:bgClr>
+          <a:schemeClr val="lt1"/>
+        </a:bgClr>
+      </a:pattFill>
+      <a:ln w="9525" cap="flat" cmpd="sng" algn="ctr">
+        <a:solidFill>
+          <a:schemeClr val="dk1">
+            <a:lumMod val="15000"/>
+            <a:lumOff val="85000"/>
+          </a:schemeClr>
+        </a:solidFill>
+        <a:round/>
+      </a:ln>
+    </cs:spPr>
+    <cs:defRPr sz="1197" kern="1200"/>
+  </cs:chartArea>
+  <cs:dataLabel>
+    <cs:lnRef idx="0"/>
+    <cs:fillRef idx="0"/>
+    <cs:effectRef idx="0"/>
+    <cs:fontRef idx="minor">
+      <a:schemeClr val="lt1"/>
+    </cs:fontRef>
+    <cs:defRPr sz="1197" b="1" i="0" u="none" strike="noStrike" kern="1200" baseline="0"/>
+  </cs:dataLabel>
+  <cs:dataLabelCallout>
+    <cs:lnRef idx="0"/>
+    <cs:fillRef idx="0"/>
+    <cs:effectRef idx="0"/>
+    <cs:fontRef idx="minor">
+      <a:schemeClr val="dk1">
+        <a:lumMod val="65000"/>
+        <a:lumOff val="35000"/>
+      </a:schemeClr>
+    </cs:fontRef>
+    <cs:spPr>
+      <a:solidFill>
+        <a:schemeClr val="lt1">
+          <a:alpha val="75000"/>
+        </a:schemeClr>
+      </a:solidFill>
+      <a:ln w="9525">
+        <a:solidFill>
+          <a:schemeClr val="dk1">
+            <a:lumMod val="25000"/>
+            <a:lumOff val="75000"/>
+          </a:schemeClr>
+        </a:solidFill>
+      </a:ln>
+    </cs:spPr>
+    <cs:defRPr sz="1197" kern="1200"/>
+    <cs:bodyPr rot="0" spcFirstLastPara="1" vertOverflow="clip" horzOverflow="clip" vert="horz" wrap="square" lIns="36576" tIns="18288" rIns="36576" bIns="18288" anchor="ctr" anchorCtr="1">
+      <a:spAutoFit/>
+    </cs:bodyPr>
+  </cs:dataLabelCallout>
+  <cs:dataPoint>
+    <cs:lnRef idx="0"/>
+    <cs:fillRef idx="0">
+      <cs:styleClr val="auto"/>
+    </cs:fillRef>
+    <cs:effectRef idx="0"/>
+    <cs:fontRef idx="minor">
+      <a:schemeClr val="dk1"/>
+    </cs:fontRef>
+    <cs:spPr>
+      <a:solidFill>
+        <a:schemeClr val="phClr"/>
+      </a:solidFill>
+      <a:effectLst>
+        <a:outerShdw blurRad="317500" algn="ctr" rotWithShape="0">
+          <a:prstClr val="black">
+            <a:alpha val="25000"/>
+          </a:prstClr>
+        </a:outerShdw>
+      </a:effectLst>
+    </cs:spPr>
+  </cs:dataPoint>
+  <cs:dataPoint3D>
+    <cs:lnRef idx="0"/>
+    <cs:fillRef idx="0">
+      <cs:styleClr val="auto"/>
+    </cs:fillRef>
+    <cs:effectRef idx="0"/>
+    <cs:fontRef idx="minor">
+      <a:schemeClr val="dk1"/>
+    </cs:fontRef>
+    <cs:spPr>
+      <a:solidFill>
+        <a:schemeClr val="phClr"/>
+      </a:solidFill>
+      <a:effectLst>
+        <a:outerShdw blurRad="88900" sx="102000" sy="102000" algn="ctr" rotWithShape="0">
+          <a:prstClr val="black">
+            <a:alpha val="20000"/>
+          </a:prstClr>
+        </a:outerShdw>
+      </a:effectLst>
+      <a:scene3d>
+        <a:camera prst="orthographicFront"/>
+        <a:lightRig rig="threePt" dir="t"/>
+      </a:scene3d>
+      <a:sp3d prstMaterial="matte"/>
+    </cs:spPr>
+  </cs:dataPoint3D>
+  <cs:dataPointLine>
+    <cs:lnRef idx="0">
+      <cs:styleClr val="auto"/>
+    </cs:lnRef>
+    <cs:fillRef idx="0"/>
+    <cs:effectRef idx="0"/>
+    <cs:fontRef idx="minor">
+      <a:schemeClr val="dk1"/>
+    </cs:fontRef>
+    <cs:spPr>
+      <a:ln w="28575" cap="rnd">
+        <a:solidFill>
+          <a:schemeClr val="phClr"/>
+        </a:solidFill>
+        <a:round/>
+      </a:ln>
+    </cs:spPr>
+  </cs:dataPointLine>
+  <cs:dataPointMarker>
+    <cs:lnRef idx="0"/>
+    <cs:fillRef idx="0">
+      <cs:styleClr val="auto"/>
+    </cs:fillRef>
+    <cs:effectRef idx="0"/>
+    <cs:fontRef idx="minor">
+      <a:schemeClr val="dk1"/>
+    </cs:fontRef>
+    <cs:spPr>
+      <a:solidFill>
+        <a:schemeClr val="phClr"/>
+      </a:solidFill>
+      <a:ln w="9525">
+        <a:solidFill>
+          <a:schemeClr val="lt1"/>
+        </a:solidFill>
+      </a:ln>
+    </cs:spPr>
+  </cs:dataPointMarker>
+  <cs:dataPointMarkerLayout symbol="circle" size="6"/>
+  <cs:dataPointWireframe>
+    <cs:lnRef idx="0">
+      <cs:styleClr val="auto"/>
+    </cs:lnRef>
+    <cs:fillRef idx="0"/>
+    <cs:effectRef idx="0"/>
+    <cs:fontRef idx="minor">
+      <a:schemeClr val="dk1"/>
+    </cs:fontRef>
+    <cs:spPr>
+      <a:ln w="9525" cap="rnd">
+        <a:solidFill>
+          <a:schemeClr val="phClr"/>
+        </a:solidFill>
+        <a:round/>
+      </a:ln>
+    </cs:spPr>
+  </cs:dataPointWireframe>
+  <cs:dataTable>
+    <cs:lnRef idx="0"/>
+    <cs:fillRef idx="0"/>
+    <cs:effectRef idx="0"/>
+    <cs:fontRef idx="minor">
+      <a:schemeClr val="dk1">
+        <a:lumMod val="65000"/>
+        <a:lumOff val="35000"/>
+      </a:schemeClr>
+    </cs:fontRef>
+    <cs:spPr>
+      <a:noFill/>
+      <a:ln w="9525" cap="flat" cmpd="sng" algn="ctr">
+        <a:solidFill>
+          <a:schemeClr val="dk1">
+            <a:lumMod val="15000"/>
+            <a:lumOff val="85000"/>
+          </a:schemeClr>
+        </a:solidFill>
+        <a:round/>
+      </a:ln>
+    </cs:spPr>
+    <cs:defRPr sz="1197" kern="1200"/>
+  </cs:dataTable>
+  <cs:downBar>
+    <cs:lnRef idx="0"/>
+    <cs:fillRef idx="0"/>
+    <cs:effectRef idx="0"/>
+    <cs:fontRef idx="minor">
+      <a:schemeClr val="dk1"/>
+    </cs:fontRef>
+    <cs:spPr>
+      <a:solidFill>
+        <a:schemeClr val="dk1">
+          <a:lumMod val="75000"/>
+          <a:lumOff val="25000"/>
+        </a:schemeClr>
+      </a:solidFill>
+      <a:ln w="9525" cap="flat" cmpd="sng" algn="ctr">
+        <a:solidFill>
+          <a:schemeClr val="dk1">
+            <a:lumMod val="65000"/>
+            <a:lumOff val="35000"/>
+          </a:schemeClr>
+        </a:solidFill>
+        <a:round/>
+      </a:ln>
+    </cs:spPr>
+  </cs:downBar>
+  <cs:dropLine>
+    <cs:lnRef idx="0"/>
+    <cs:fillRef idx="0"/>
+    <cs:effectRef idx="0"/>
+    <cs:fontRef idx="minor">
+      <a:schemeClr val="dk1"/>
+    </cs:fontRef>
+    <cs:spPr>
+      <a:ln w="9525" cap="flat" cmpd="sng" algn="ctr">
+        <a:solidFill>
+          <a:schemeClr val="dk1">
+            <a:lumMod val="35000"/>
+            <a:lumOff val="65000"/>
+          </a:schemeClr>
+        </a:solidFill>
+        <a:round/>
+      </a:ln>
+    </cs:spPr>
+  </cs:dropLine>
+  <cs:errorBar>
+    <cs:lnRef idx="0"/>
+    <cs:fillRef idx="0"/>
+    <cs:effectRef idx="0"/>
+    <cs:fontRef idx="minor">
+      <a:schemeClr val="dk1"/>
+    </cs:fontRef>
+    <cs:spPr>
+      <a:ln w="9525" cap="flat" cmpd="sng" algn="ctr">
+        <a:solidFill>
+          <a:schemeClr val="dk1">
+            <a:lumMod val="65000"/>
+            <a:lumOff val="35000"/>
+          </a:schemeClr>
+        </a:solidFill>
+        <a:round/>
+      </a:ln>
+    </cs:spPr>
+  </cs:errorBar>
+  <cs:floor>
+    <cs:lnRef idx="0"/>
+    <cs:fillRef idx="0"/>
+    <cs:effectRef idx="0"/>
+    <cs:fontRef idx="minor">
+      <a:schemeClr val="dk1"/>
+    </cs:fontRef>
+    <cs:spPr>
+      <a:noFill/>
+      <a:ln>
+        <a:noFill/>
+      </a:ln>
+    </cs:spPr>
+  </cs:floor>
+  <cs:gridlineMajor>
+    <cs:lnRef idx="0"/>
+    <cs:fillRef idx="0"/>
+    <cs:effectRef idx="0"/>
+    <cs:fontRef idx="minor">
+      <a:schemeClr val="dk1"/>
+    </cs:fontRef>
+    <cs:spPr>
+      <a:ln w="9525" cap="flat" cmpd="sng" algn="ctr">
+        <a:solidFill>
+          <a:schemeClr val="dk1">
+            <a:lumMod val="15000"/>
+            <a:lumOff val="85000"/>
+          </a:schemeClr>
+        </a:solidFill>
+        <a:round/>
+      </a:ln>
+    </cs:spPr>
+  </cs:gridlineMajor>
+  <cs:gridlineMinor>
+    <cs:lnRef idx="0"/>
+    <cs:fillRef idx="0"/>
+    <cs:effectRef idx="0"/>
+    <cs:fontRef idx="minor">
+      <a:schemeClr val="dk1"/>
+    </cs:fontRef>
+    <cs:spPr>
+      <a:ln w="9525" cap="flat" cmpd="sng" algn="ctr">
+        <a:solidFill>
+          <a:schemeClr val="dk1">
+            <a:lumMod val="5000"/>
+            <a:lumOff val="95000"/>
+          </a:schemeClr>
+        </a:solidFill>
+        <a:round/>
+      </a:ln>
+    </cs:spPr>
+  </cs:gridlineMinor>
+  <cs:hiLoLine>
+    <cs:lnRef idx="0"/>
+    <cs:fillRef idx="0"/>
+    <cs:effectRef idx="0"/>
+    <cs:fontRef idx="minor">
+      <a:schemeClr val="dk1"/>
+    </cs:fontRef>
+    <cs:spPr>
+      <a:ln w="9525" cap="flat" cmpd="sng" algn="ctr">
+        <a:solidFill>
+          <a:schemeClr val="dk1">
+            <a:lumMod val="50000"/>
+            <a:lumOff val="50000"/>
+          </a:schemeClr>
+        </a:solidFill>
+        <a:round/>
+      </a:ln>
+    </cs:spPr>
+  </cs:hiLoLine>
+  <cs:leaderLine>
+    <cs:lnRef idx="0"/>
+    <cs:fillRef idx="0"/>
+    <cs:effectRef idx="0"/>
+    <cs:fontRef idx="minor">
+      <a:schemeClr val="dk1"/>
+    </cs:fontRef>
+    <cs:spPr>
+      <a:ln w="9525" cap="flat" cmpd="sng" algn="ctr">
+        <a:solidFill>
+          <a:schemeClr val="dk1">
+            <a:lumMod val="35000"/>
+            <a:lumOff val="65000"/>
+          </a:schemeClr>
+        </a:solidFill>
+        <a:round/>
+      </a:ln>
+    </cs:spPr>
+  </cs:leaderLine>
+  <cs:legend>
+    <cs:lnRef idx="0"/>
+    <cs:fillRef idx="0"/>
+    <cs:effectRef idx="0"/>
+    <cs:fontRef idx="minor">
+      <a:schemeClr val="dk1">
+        <a:lumMod val="65000"/>
+        <a:lumOff val="35000"/>
+      </a:schemeClr>
+    </cs:fontRef>
+    <cs:spPr>
+      <a:solidFill>
+        <a:schemeClr val="lt1">
+          <a:alpha val="78000"/>
+        </a:schemeClr>
+      </a:solidFill>
+    </cs:spPr>
+    <cs:defRPr sz="1197" kern="1200"/>
+  </cs:legend>
+  <cs:plotArea mods="allowNoFillOverride allowNoLineOverride">
+    <cs:lnRef idx="0"/>
+    <cs:fillRef idx="0"/>
+    <cs:effectRef idx="0"/>
+    <cs:fontRef idx="minor">
+      <a:schemeClr val="dk1"/>
+    </cs:fontRef>
+  </cs:plotArea>
+  <cs:plotArea3D mods="allowNoFillOverride allowNoLineOverride">
+    <cs:lnRef idx="0"/>
+    <cs:fillRef idx="0"/>
+    <cs:effectRef idx="0"/>
+    <cs:fontRef idx="minor">
+      <a:schemeClr val="dk1"/>
+    </cs:fontRef>
+  </cs:plotArea3D>
+  <cs:seriesAxis>
+    <cs:lnRef idx="0"/>
+    <cs:fillRef idx="0"/>
+    <cs:effectRef idx="0"/>
+    <cs:fontRef idx="minor">
+      <a:schemeClr val="dk1">
+        <a:lumMod val="65000"/>
+        <a:lumOff val="35000"/>
+      </a:schemeClr>
+    </cs:fontRef>
+    <cs:defRPr sz="1197" kern="1200"/>
+  </cs:seriesAxis>
+  <cs:seriesLine>
+    <cs:lnRef idx="0"/>
+    <cs:fillRef idx="0"/>
+    <cs:effectRef idx="0"/>
+    <cs:fontRef idx="minor">
+      <a:schemeClr val="dk1"/>
+    </cs:fontRef>
+    <cs:spPr>
+      <a:ln w="9525" cap="flat" cmpd="sng" algn="ctr">
+        <a:solidFill>
+          <a:schemeClr val="dk1">
+            <a:lumMod val="35000"/>
+            <a:lumOff val="65000"/>
+          </a:schemeClr>
+        </a:solidFill>
+        <a:round/>
+      </a:ln>
+    </cs:spPr>
+  </cs:seriesLine>
+  <cs:title>
+    <cs:lnRef idx="0"/>
+    <cs:fillRef idx="0"/>
+    <cs:effectRef idx="0"/>
+    <cs:fontRef idx="minor">
+      <a:schemeClr val="dk1">
+        <a:lumMod val="65000"/>
+        <a:lumOff val="35000"/>
+      </a:schemeClr>
+    </cs:fontRef>
+    <cs:defRPr sz="2200" b="1" kern="1200" baseline="0"/>
+  </cs:title>
+  <cs:trendline>
+    <cs:lnRef idx="0">
+      <cs:styleClr val="auto"/>
+    </cs:lnRef>
+    <cs:fillRef idx="0"/>
+    <cs:effectRef idx="0"/>
+    <cs:fontRef idx="minor">
+      <a:schemeClr val="dk1"/>
+    </cs:fontRef>
+    <cs:spPr>
+      <a:ln w="19050" cap="rnd">
+        <a:solidFill>
+          <a:schemeClr val="phClr"/>
+        </a:solidFill>
+        <a:prstDash val="sysDash"/>
+      </a:ln>
+    </cs:spPr>
+  </cs:trendline>
+  <cs:trendlineLabel>
+    <cs:lnRef idx="0"/>
+    <cs:fillRef idx="0"/>
+    <cs:effectRef idx="0"/>
+    <cs:fontRef idx="minor">
+      <a:schemeClr val="dk1">
+        <a:lumMod val="65000"/>
+        <a:lumOff val="35000"/>
+      </a:schemeClr>
+    </cs:fontRef>
+    <cs:defRPr sz="1197" kern="1200"/>
+  </cs:trendlineLabel>
+  <cs:upBar>
+    <cs:lnRef idx="0"/>
+    <cs:fillRef idx="0"/>
+    <cs:effectRef idx="0"/>
+    <cs:fontRef idx="minor">
+      <a:schemeClr val="dk1"/>
+    </cs:fontRef>
+    <cs:spPr>
+      <a:solidFill>
+        <a:schemeClr val="lt1"/>
+      </a:solidFill>
+      <a:ln w="9525" cap="flat" cmpd="sng" algn="ctr">
+        <a:solidFill>
+          <a:schemeClr val="dk1">
+            <a:lumMod val="65000"/>
+            <a:lumOff val="35000"/>
+          </a:schemeClr>
+        </a:solidFill>
+        <a:round/>
+      </a:ln>
+    </cs:spPr>
+  </cs:upBar>
+  <cs:valueAxis>
+    <cs:lnRef idx="0"/>
+    <cs:fillRef idx="0"/>
+    <cs:effectRef idx="0"/>
+    <cs:fontRef idx="minor">
+      <a:schemeClr val="dk1">
+        <a:lumMod val="65000"/>
+        <a:lumOff val="35000"/>
+      </a:schemeClr>
+    </cs:fontRef>
+    <cs:defRPr sz="1197" kern="1200"/>
+  </cs:valueAxis>
+  <cs:wall>
+    <cs:lnRef idx="0"/>
+    <cs:fillRef idx="0"/>
+    <cs:effectRef idx="0"/>
+    <cs:fontRef idx="minor">
+      <a:schemeClr val="dk1"/>
+    </cs:fontRef>
+  </cs:wall>
+</cs:chartStyle>
+</file>
+
+<file path=ppt/charts/style4.xml><?xml version="1.0" encoding="utf-8"?>
+<cs:chartStyle xmlns:cs="http://schemas.microsoft.com/office/drawing/2012/chartStyle" xmlns:a="http://schemas.openxmlformats.org/drawingml/2006/main" id="261">
+  <cs:axisTitle>
+    <cs:lnRef idx="0"/>
+    <cs:fillRef idx="0"/>
+    <cs:effectRef idx="0"/>
+    <cs:fontRef idx="minor">
+      <a:schemeClr val="dk1">
+        <a:lumMod val="65000"/>
+        <a:lumOff val="35000"/>
+      </a:schemeClr>
+    </cs:fontRef>
+    <cs:defRPr sz="1197" kern="1200"/>
+  </cs:axisTitle>
+  <cs:categoryAxis>
+    <cs:lnRef idx="0"/>
+    <cs:fillRef idx="0"/>
+    <cs:effectRef idx="0"/>
+    <cs:fontRef idx="minor">
+      <a:schemeClr val="dk1">
+        <a:lumMod val="65000"/>
+        <a:lumOff val="35000"/>
+      </a:schemeClr>
+    </cs:fontRef>
+    <cs:defRPr sz="1197" kern="1200"/>
+  </cs:categoryAxis>
+  <cs:chartArea>
+    <cs:lnRef idx="0"/>
+    <cs:fillRef idx="0"/>
+    <cs:effectRef idx="0"/>
+    <cs:fontRef idx="minor">
+      <a:schemeClr val="dk1"/>
+    </cs:fontRef>
+    <cs:spPr>
+      <a:pattFill prst="dkDnDiag">
+        <a:fgClr>
+          <a:schemeClr val="lt1">
+            <a:lumMod val="95000"/>
+          </a:schemeClr>
+        </a:fgClr>
+        <a:bgClr>
+          <a:schemeClr val="lt1"/>
+        </a:bgClr>
+      </a:pattFill>
+      <a:ln w="9525" cap="flat" cmpd="sng" algn="ctr">
+        <a:solidFill>
+          <a:schemeClr val="dk1">
+            <a:lumMod val="15000"/>
+            <a:lumOff val="85000"/>
+          </a:schemeClr>
+        </a:solidFill>
+        <a:round/>
+      </a:ln>
+    </cs:spPr>
+    <cs:defRPr sz="1197" kern="1200"/>
+  </cs:chartArea>
+  <cs:dataLabel>
+    <cs:lnRef idx="0"/>
+    <cs:fillRef idx="0"/>
+    <cs:effectRef idx="0"/>
+    <cs:fontRef idx="minor">
+      <a:schemeClr val="lt1"/>
+    </cs:fontRef>
+    <cs:defRPr sz="1197" b="1" i="0" u="none" strike="noStrike" kern="1200" baseline="0"/>
+  </cs:dataLabel>
+  <cs:dataLabelCallout>
+    <cs:lnRef idx="0"/>
+    <cs:fillRef idx="0"/>
+    <cs:effectRef idx="0"/>
+    <cs:fontRef idx="minor">
+      <a:schemeClr val="dk1">
+        <a:lumMod val="65000"/>
+        <a:lumOff val="35000"/>
+      </a:schemeClr>
+    </cs:fontRef>
+    <cs:spPr>
+      <a:solidFill>
+        <a:schemeClr val="lt1">
+          <a:alpha val="75000"/>
+        </a:schemeClr>
+      </a:solidFill>
+      <a:ln w="9525">
+        <a:solidFill>
+          <a:schemeClr val="dk1">
+            <a:lumMod val="25000"/>
+            <a:lumOff val="75000"/>
+          </a:schemeClr>
+        </a:solidFill>
+      </a:ln>
+    </cs:spPr>
+    <cs:defRPr sz="1197" kern="1200"/>
+    <cs:bodyPr rot="0" spcFirstLastPara="1" vertOverflow="clip" horzOverflow="clip" vert="horz" wrap="square" lIns="36576" tIns="18288" rIns="36576" bIns="18288" anchor="ctr" anchorCtr="1">
+      <a:spAutoFit/>
+    </cs:bodyPr>
+  </cs:dataLabelCallout>
+  <cs:dataPoint>
+    <cs:lnRef idx="0"/>
+    <cs:fillRef idx="0">
+      <cs:styleClr val="auto"/>
+    </cs:fillRef>
+    <cs:effectRef idx="0"/>
+    <cs:fontRef idx="minor">
+      <a:schemeClr val="dk1"/>
+    </cs:fontRef>
+    <cs:spPr>
+      <a:solidFill>
+        <a:schemeClr val="phClr"/>
+      </a:solidFill>
+      <a:effectLst>
+        <a:outerShdw blurRad="317500" algn="ctr" rotWithShape="0">
+          <a:prstClr val="black">
+            <a:alpha val="25000"/>
+          </a:prstClr>
+        </a:outerShdw>
+      </a:effectLst>
+    </cs:spPr>
+  </cs:dataPoint>
+  <cs:dataPoint3D>
+    <cs:lnRef idx="0"/>
+    <cs:fillRef idx="0">
+      <cs:styleClr val="auto"/>
+    </cs:fillRef>
+    <cs:effectRef idx="0"/>
+    <cs:fontRef idx="minor">
+      <a:schemeClr val="dk1"/>
+    </cs:fontRef>
+    <cs:spPr>
+      <a:solidFill>
+        <a:schemeClr val="phClr"/>
+      </a:solidFill>
+      <a:effectLst>
+        <a:outerShdw blurRad="88900" sx="102000" sy="102000" algn="ctr" rotWithShape="0">
+          <a:prstClr val="black">
+            <a:alpha val="20000"/>
+          </a:prstClr>
+        </a:outerShdw>
+      </a:effectLst>
+      <a:scene3d>
+        <a:camera prst="orthographicFront"/>
+        <a:lightRig rig="threePt" dir="t"/>
+      </a:scene3d>
+      <a:sp3d prstMaterial="matte"/>
+    </cs:spPr>
+  </cs:dataPoint3D>
+  <cs:dataPointLine>
+    <cs:lnRef idx="0">
+      <cs:styleClr val="auto"/>
+    </cs:lnRef>
+    <cs:fillRef idx="0"/>
+    <cs:effectRef idx="0"/>
+    <cs:fontRef idx="minor">
+      <a:schemeClr val="dk1"/>
+    </cs:fontRef>
+    <cs:spPr>
+      <a:ln w="28575" cap="rnd">
+        <a:solidFill>
+          <a:schemeClr val="phClr"/>
+        </a:solidFill>
+        <a:round/>
+      </a:ln>
+    </cs:spPr>
+  </cs:dataPointLine>
+  <cs:dataPointMarker>
+    <cs:lnRef idx="0"/>
+    <cs:fillRef idx="0">
+      <cs:styleClr val="auto"/>
+    </cs:fillRef>
+    <cs:effectRef idx="0"/>
+    <cs:fontRef idx="minor">
+      <a:schemeClr val="dk1"/>
+    </cs:fontRef>
+    <cs:spPr>
+      <a:solidFill>
+        <a:schemeClr val="phClr"/>
+      </a:solidFill>
+      <a:ln w="9525">
+        <a:solidFill>
+          <a:schemeClr val="lt1"/>
+        </a:solidFill>
+      </a:ln>
+    </cs:spPr>
+  </cs:dataPointMarker>
+  <cs:dataPointMarkerLayout symbol="circle" size="6"/>
+  <cs:dataPointWireframe>
+    <cs:lnRef idx="0">
+      <cs:styleClr val="auto"/>
+    </cs:lnRef>
+    <cs:fillRef idx="0"/>
+    <cs:effectRef idx="0"/>
+    <cs:fontRef idx="minor">
+      <a:schemeClr val="dk1"/>
+    </cs:fontRef>
+    <cs:spPr>
+      <a:ln w="9525" cap="rnd">
+        <a:solidFill>
+          <a:schemeClr val="phClr"/>
+        </a:solidFill>
+        <a:round/>
+      </a:ln>
+    </cs:spPr>
+  </cs:dataPointWireframe>
+  <cs:dataTable>
+    <cs:lnRef idx="0"/>
+    <cs:fillRef idx="0"/>
+    <cs:effectRef idx="0"/>
+    <cs:fontRef idx="minor">
+      <a:schemeClr val="dk1">
+        <a:lumMod val="65000"/>
+        <a:lumOff val="35000"/>
+      </a:schemeClr>
+    </cs:fontRef>
+    <cs:spPr>
+      <a:noFill/>
+      <a:ln w="9525" cap="flat" cmpd="sng" algn="ctr">
+        <a:solidFill>
+          <a:schemeClr val="dk1">
+            <a:lumMod val="15000"/>
+            <a:lumOff val="85000"/>
+          </a:schemeClr>
+        </a:solidFill>
+        <a:round/>
+      </a:ln>
+    </cs:spPr>
+    <cs:defRPr sz="1197" kern="1200"/>
+  </cs:dataTable>
+  <cs:downBar>
+    <cs:lnRef idx="0"/>
+    <cs:fillRef idx="0"/>
+    <cs:effectRef idx="0"/>
+    <cs:fontRef idx="minor">
+      <a:schemeClr val="dk1"/>
+    </cs:fontRef>
+    <cs:spPr>
+      <a:solidFill>
+        <a:schemeClr val="dk1">
+          <a:lumMod val="75000"/>
+          <a:lumOff val="25000"/>
+        </a:schemeClr>
+      </a:solidFill>
+      <a:ln w="9525" cap="flat" cmpd="sng" algn="ctr">
+        <a:solidFill>
+          <a:schemeClr val="dk1">
+            <a:lumMod val="65000"/>
+            <a:lumOff val="35000"/>
+          </a:schemeClr>
+        </a:solidFill>
+        <a:round/>
+      </a:ln>
+    </cs:spPr>
+  </cs:downBar>
+  <cs:dropLine>
+    <cs:lnRef idx="0"/>
+    <cs:fillRef idx="0"/>
+    <cs:effectRef idx="0"/>
+    <cs:fontRef idx="minor">
+      <a:schemeClr val="dk1"/>
+    </cs:fontRef>
+    <cs:spPr>
+      <a:ln w="9525" cap="flat" cmpd="sng" algn="ctr">
+        <a:solidFill>
+          <a:schemeClr val="dk1">
+            <a:lumMod val="35000"/>
+            <a:lumOff val="65000"/>
+          </a:schemeClr>
+        </a:solidFill>
+        <a:round/>
+      </a:ln>
+    </cs:spPr>
+  </cs:dropLine>
+  <cs:errorBar>
+    <cs:lnRef idx="0"/>
+    <cs:fillRef idx="0"/>
+    <cs:effectRef idx="0"/>
+    <cs:fontRef idx="minor">
+      <a:schemeClr val="dk1"/>
+    </cs:fontRef>
+    <cs:spPr>
+      <a:ln w="9525" cap="flat" cmpd="sng" algn="ctr">
+        <a:solidFill>
+          <a:schemeClr val="dk1">
+            <a:lumMod val="65000"/>
+            <a:lumOff val="35000"/>
+          </a:schemeClr>
+        </a:solidFill>
+        <a:round/>
+      </a:ln>
+    </cs:spPr>
+  </cs:errorBar>
+  <cs:floor>
+    <cs:lnRef idx="0"/>
+    <cs:fillRef idx="0"/>
+    <cs:effectRef idx="0"/>
+    <cs:fontRef idx="minor">
+      <a:schemeClr val="dk1"/>
+    </cs:fontRef>
+    <cs:spPr>
+      <a:noFill/>
+      <a:ln>
+        <a:noFill/>
+      </a:ln>
+    </cs:spPr>
+  </cs:floor>
+  <cs:gridlineMajor>
+    <cs:lnRef idx="0"/>
+    <cs:fillRef idx="0"/>
+    <cs:effectRef idx="0"/>
+    <cs:fontRef idx="minor">
+      <a:schemeClr val="dk1"/>
+    </cs:fontRef>
+    <cs:spPr>
+      <a:ln w="9525" cap="flat" cmpd="sng" algn="ctr">
+        <a:solidFill>
+          <a:schemeClr val="dk1">
+            <a:lumMod val="15000"/>
+            <a:lumOff val="85000"/>
+          </a:schemeClr>
+        </a:solidFill>
+        <a:round/>
+      </a:ln>
+    </cs:spPr>
+  </cs:gridlineMajor>
+  <cs:gridlineMinor>
+    <cs:lnRef idx="0"/>
+    <cs:fillRef idx="0"/>
+    <cs:effectRef idx="0"/>
+    <cs:fontRef idx="minor">
+      <a:schemeClr val="dk1"/>
+    </cs:fontRef>
+    <cs:spPr>
+      <a:ln w="9525" cap="flat" cmpd="sng" algn="ctr">
+        <a:solidFill>
+          <a:schemeClr val="dk1">
+            <a:lumMod val="5000"/>
+            <a:lumOff val="95000"/>
+          </a:schemeClr>
+        </a:solidFill>
+        <a:round/>
+      </a:ln>
+    </cs:spPr>
+  </cs:gridlineMinor>
+  <cs:hiLoLine>
+    <cs:lnRef idx="0"/>
+    <cs:fillRef idx="0"/>
+    <cs:effectRef idx="0"/>
+    <cs:fontRef idx="minor">
+      <a:schemeClr val="dk1"/>
+    </cs:fontRef>
+    <cs:spPr>
+      <a:ln w="9525" cap="flat" cmpd="sng" algn="ctr">
+        <a:solidFill>
+          <a:schemeClr val="dk1">
+            <a:lumMod val="50000"/>
+            <a:lumOff val="50000"/>
+          </a:schemeClr>
+        </a:solidFill>
+        <a:round/>
+      </a:ln>
+    </cs:spPr>
+  </cs:hiLoLine>
+  <cs:leaderLine>
+    <cs:lnRef idx="0"/>
+    <cs:fillRef idx="0"/>
+    <cs:effectRef idx="0"/>
+    <cs:fontRef idx="minor">
+      <a:schemeClr val="dk1"/>
+    </cs:fontRef>
+    <cs:spPr>
+      <a:ln w="9525" cap="flat" cmpd="sng" algn="ctr">
+        <a:solidFill>
+          <a:schemeClr val="dk1">
+            <a:lumMod val="35000"/>
+            <a:lumOff val="65000"/>
+          </a:schemeClr>
+        </a:solidFill>
+        <a:round/>
+      </a:ln>
+    </cs:spPr>
+  </cs:leaderLine>
+  <cs:legend>
+    <cs:lnRef idx="0"/>
+    <cs:fillRef idx="0"/>
+    <cs:effectRef idx="0"/>
+    <cs:fontRef idx="minor">
+      <a:schemeClr val="dk1">
+        <a:lumMod val="65000"/>
+        <a:lumOff val="35000"/>
+      </a:schemeClr>
+    </cs:fontRef>
+    <cs:spPr>
+      <a:solidFill>
+        <a:schemeClr val="lt1">
+          <a:alpha val="78000"/>
+        </a:schemeClr>
+      </a:solidFill>
+    </cs:spPr>
+    <cs:defRPr sz="1197" kern="1200"/>
+  </cs:legend>
+  <cs:plotArea mods="allowNoFillOverride allowNoLineOverride">
+    <cs:lnRef idx="0"/>
+    <cs:fillRef idx="0"/>
+    <cs:effectRef idx="0"/>
+    <cs:fontRef idx="minor">
+      <a:schemeClr val="dk1"/>
+    </cs:fontRef>
+  </cs:plotArea>
+  <cs:plotArea3D mods="allowNoFillOverride allowNoLineOverride">
+    <cs:lnRef idx="0"/>
+    <cs:fillRef idx="0"/>
+    <cs:effectRef idx="0"/>
+    <cs:fontRef idx="minor">
+      <a:schemeClr val="dk1"/>
+    </cs:fontRef>
+  </cs:plotArea3D>
+  <cs:seriesAxis>
+    <cs:lnRef idx="0"/>
+    <cs:fillRef idx="0"/>
+    <cs:effectRef idx="0"/>
+    <cs:fontRef idx="minor">
+      <a:schemeClr val="dk1">
+        <a:lumMod val="65000"/>
+        <a:lumOff val="35000"/>
+      </a:schemeClr>
+    </cs:fontRef>
+    <cs:defRPr sz="1197" kern="1200"/>
+  </cs:seriesAxis>
+  <cs:seriesLine>
+    <cs:lnRef idx="0"/>
+    <cs:fillRef idx="0"/>
+    <cs:effectRef idx="0"/>
+    <cs:fontRef idx="minor">
+      <a:schemeClr val="dk1"/>
+    </cs:fontRef>
+    <cs:spPr>
+      <a:ln w="9525" cap="flat" cmpd="sng" algn="ctr">
+        <a:solidFill>
+          <a:schemeClr val="dk1">
+            <a:lumMod val="35000"/>
+            <a:lumOff val="65000"/>
+          </a:schemeClr>
+        </a:solidFill>
+        <a:round/>
+      </a:ln>
+    </cs:spPr>
+  </cs:seriesLine>
+  <cs:title>
+    <cs:lnRef idx="0"/>
+    <cs:fillRef idx="0"/>
+    <cs:effectRef idx="0"/>
+    <cs:fontRef idx="minor">
+      <a:schemeClr val="dk1">
+        <a:lumMod val="65000"/>
+        <a:lumOff val="35000"/>
+      </a:schemeClr>
+    </cs:fontRef>
+    <cs:defRPr sz="2200" b="1" kern="1200" baseline="0"/>
+  </cs:title>
+  <cs:trendline>
+    <cs:lnRef idx="0">
+      <cs:styleClr val="auto"/>
+    </cs:lnRef>
+    <cs:fillRef idx="0"/>
+    <cs:effectRef idx="0"/>
+    <cs:fontRef idx="minor">
+      <a:schemeClr val="dk1"/>
+    </cs:fontRef>
+    <cs:spPr>
+      <a:ln w="19050" cap="rnd">
+        <a:solidFill>
+          <a:schemeClr val="phClr"/>
+        </a:solidFill>
+        <a:prstDash val="sysDash"/>
+      </a:ln>
+    </cs:spPr>
+  </cs:trendline>
+  <cs:trendlineLabel>
+    <cs:lnRef idx="0"/>
+    <cs:fillRef idx="0"/>
+    <cs:effectRef idx="0"/>
+    <cs:fontRef idx="minor">
+      <a:schemeClr val="dk1">
+        <a:lumMod val="65000"/>
+        <a:lumOff val="35000"/>
+      </a:schemeClr>
+    </cs:fontRef>
+    <cs:defRPr sz="1197" kern="1200"/>
+  </cs:trendlineLabel>
+  <cs:upBar>
+    <cs:lnRef idx="0"/>
+    <cs:fillRef idx="0"/>
+    <cs:effectRef idx="0"/>
+    <cs:fontRef idx="minor">
+      <a:schemeClr val="dk1"/>
+    </cs:fontRef>
+    <cs:spPr>
+      <a:solidFill>
+        <a:schemeClr val="lt1"/>
+      </a:solidFill>
+      <a:ln w="9525" cap="flat" cmpd="sng" algn="ctr">
+        <a:solidFill>
+          <a:schemeClr val="dk1">
+            <a:lumMod val="65000"/>
+            <a:lumOff val="35000"/>
+          </a:schemeClr>
+        </a:solidFill>
+        <a:round/>
+      </a:ln>
+    </cs:spPr>
+  </cs:upBar>
+  <cs:valueAxis>
+    <cs:lnRef idx="0"/>
+    <cs:fillRef idx="0"/>
+    <cs:effectRef idx="0"/>
+    <cs:fontRef idx="minor">
+      <a:schemeClr val="dk1">
+        <a:lumMod val="65000"/>
+        <a:lumOff val="35000"/>
+      </a:schemeClr>
+    </cs:fontRef>
+    <cs:defRPr sz="1197" kern="1200"/>
+  </cs:valueAxis>
+  <cs:wall>
+    <cs:lnRef idx="0"/>
+    <cs:fillRef idx="0"/>
+    <cs:effectRef idx="0"/>
+    <cs:fontRef idx="minor">
+      <a:schemeClr val="dk1"/>
+    </cs:fontRef>
+  </cs:wall>
+</cs:chartStyle>
+</file>
+
+<file path=ppt/charts/style5.xml><?xml version="1.0" encoding="utf-8"?>
+<cs:chartStyle xmlns:cs="http://schemas.microsoft.com/office/drawing/2012/chartStyle" xmlns:a="http://schemas.openxmlformats.org/drawingml/2006/main" id="227">
+  <cs:axisTitle>
+    <cs:lnRef idx="0"/>
+    <cs:fillRef idx="0"/>
+    <cs:effectRef idx="0"/>
+    <cs:fontRef idx="minor">
+      <a:schemeClr val="tx1">
+        <a:lumMod val="65000"/>
+        <a:lumOff val="35000"/>
+      </a:schemeClr>
+    </cs:fontRef>
+    <cs:defRPr sz="1330" kern="1200"/>
+  </cs:axisTitle>
+  <cs:categoryAxis>
+    <cs:lnRef idx="0"/>
+    <cs:fillRef idx="0"/>
+    <cs:effectRef idx="0"/>
+    <cs:fontRef idx="minor">
+      <a:schemeClr val="tx1">
+        <a:lumMod val="65000"/>
+        <a:lumOff val="35000"/>
+      </a:schemeClr>
+    </cs:fontRef>
+    <cs:spPr>
+      <a:ln w="9525" cap="flat" cmpd="sng" algn="ctr">
+        <a:solidFill>
+          <a:schemeClr val="tx1">
+            <a:lumMod val="15000"/>
+            <a:lumOff val="85000"/>
+          </a:schemeClr>
+        </a:solidFill>
+        <a:round/>
+      </a:ln>
+    </cs:spPr>
+    <cs:defRPr sz="1197" kern="1200"/>
+  </cs:categoryAxis>
+  <cs:chartArea mods="allowNoFillOverride allowNoLineOverride">
+    <cs:lnRef idx="0"/>
+    <cs:fillRef idx="0"/>
+    <cs:effectRef idx="0"/>
+    <cs:fontRef idx="minor">
+      <a:schemeClr val="tx1"/>
+    </cs:fontRef>
+    <cs:spPr>
+      <a:solidFill>
+        <a:schemeClr val="bg1"/>
+      </a:solidFill>
+      <a:ln w="9525" cap="flat" cmpd="sng" algn="ctr">
+        <a:solidFill>
+          <a:schemeClr val="tx1">
+            <a:lumMod val="15000"/>
+            <a:lumOff val="85000"/>
+          </a:schemeClr>
+        </a:solidFill>
+        <a:round/>
+      </a:ln>
+    </cs:spPr>
+    <cs:defRPr sz="1330" kern="1200"/>
+  </cs:chartArea>
+  <cs:dataLabel>
+    <cs:lnRef idx="0"/>
+    <cs:fillRef idx="0"/>
+    <cs:effectRef idx="0"/>
+    <cs:fontRef idx="minor">
+      <a:schemeClr val="tx1">
+        <a:lumMod val="75000"/>
+        <a:lumOff val="25000"/>
+      </a:schemeClr>
+    </cs:fontRef>
+    <cs:defRPr sz="1197" kern="1200"/>
+  </cs:dataLabel>
+  <cs:dataLabelCallout>
+    <cs:lnRef idx="0"/>
+    <cs:fillRef idx="0"/>
+    <cs:effectRef idx="0"/>
+    <cs:fontRef idx="minor">
+      <a:schemeClr val="dk1">
+        <a:lumMod val="65000"/>
+        <a:lumOff val="35000"/>
+      </a:schemeClr>
+    </cs:fontRef>
+    <cs:spPr>
+      <a:solidFill>
+        <a:schemeClr val="lt1"/>
+      </a:solidFill>
+      <a:ln>
+        <a:solidFill>
+          <a:schemeClr val="dk1">
+            <a:lumMod val="25000"/>
+            <a:lumOff val="75000"/>
+          </a:schemeClr>
+        </a:solidFill>
+      </a:ln>
+    </cs:spPr>
+    <cs:defRPr sz="1197" kern="1200"/>
+    <cs:bodyPr rot="0" spcFirstLastPara="1" vertOverflow="clip" horzOverflow="clip" vert="horz" wrap="square" lIns="36576" tIns="18288" rIns="36576" bIns="18288" anchor="ctr" anchorCtr="1">
+      <a:spAutoFit/>
+    </cs:bodyPr>
+  </cs:dataLabelCallout>
+  <cs:dataPoint>
+    <cs:lnRef idx="0"/>
+    <cs:fillRef idx="1">
+      <cs:styleClr val="auto"/>
+    </cs:fillRef>
+    <cs:effectRef idx="0"/>
+    <cs:fontRef idx="minor">
+      <a:schemeClr val="tx1"/>
+    </cs:fontRef>
+    <cs:spPr>
+      <a:solidFill>
+        <a:schemeClr val="phClr"/>
+      </a:solidFill>
+    </cs:spPr>
+  </cs:dataPoint>
+  <cs:dataPoint3D>
+    <cs:lnRef idx="0"/>
+    <cs:fillRef idx="1">
+      <cs:styleClr val="auto"/>
+    </cs:fillRef>
+    <cs:effectRef idx="0"/>
+    <cs:fontRef idx="minor">
+      <a:schemeClr val="tx1"/>
+    </cs:fontRef>
+    <cs:spPr>
+      <a:solidFill>
+        <a:schemeClr val="phClr"/>
+      </a:solidFill>
+    </cs:spPr>
+  </cs:dataPoint3D>
+  <cs:dataPointLine>
+    <cs:lnRef idx="0">
+      <cs:styleClr val="auto"/>
+    </cs:lnRef>
+    <cs:fillRef idx="1"/>
+    <cs:effectRef idx="0"/>
+    <cs:fontRef idx="minor">
+      <a:schemeClr val="tx1"/>
+    </cs:fontRef>
+    <cs:spPr>
+      <a:ln w="28575" cap="rnd">
+        <a:solidFill>
+          <a:schemeClr val="phClr"/>
+        </a:solidFill>
+        <a:round/>
+      </a:ln>
+    </cs:spPr>
+  </cs:dataPointLine>
+  <cs:dataPointMarker>
+    <cs:lnRef idx="0">
+      <cs:styleClr val="auto"/>
+    </cs:lnRef>
+    <cs:fillRef idx="1">
+      <cs:styleClr val="auto"/>
+    </cs:fillRef>
+    <cs:effectRef idx="0"/>
+    <cs:fontRef idx="minor">
+      <a:schemeClr val="tx1"/>
+    </cs:fontRef>
+    <cs:spPr>
+      <a:solidFill>
+        <a:schemeClr val="phClr"/>
+      </a:solidFill>
+      <a:ln w="9525">
+        <a:solidFill>
+          <a:schemeClr val="phClr"/>
+        </a:solidFill>
+      </a:ln>
+    </cs:spPr>
+  </cs:dataPointMarker>
+  <cs:dataPointMarkerLayout symbol="circle" size="5"/>
+  <cs:dataPointWireframe>
+    <cs:lnRef idx="0">
+      <cs:styleClr val="auto"/>
+    </cs:lnRef>
+    <cs:fillRef idx="1"/>
+    <cs:effectRef idx="0"/>
+    <cs:fontRef idx="minor">
+      <a:schemeClr val="tx1"/>
+    </cs:fontRef>
+    <cs:spPr>
+      <a:ln w="9525" cap="rnd">
+        <a:solidFill>
+          <a:schemeClr val="phClr"/>
+        </a:solidFill>
+        <a:round/>
+      </a:ln>
+    </cs:spPr>
+  </cs:dataPointWireframe>
+  <cs:dataTable>
+    <cs:lnRef idx="0"/>
+    <cs:fillRef idx="0"/>
+    <cs:effectRef idx="0"/>
+    <cs:fontRef idx="minor">
+      <a:schemeClr val="tx1">
+        <a:lumMod val="65000"/>
+        <a:lumOff val="35000"/>
+      </a:schemeClr>
+    </cs:fontRef>
+    <cs:spPr>
+      <a:noFill/>
+      <a:ln w="9525" cap="flat" cmpd="sng" algn="ctr">
+        <a:solidFill>
+          <a:schemeClr val="tx1">
+            <a:lumMod val="15000"/>
+            <a:lumOff val="85000"/>
+          </a:schemeClr>
+        </a:solidFill>
+        <a:round/>
+      </a:ln>
+    </cs:spPr>
+    <cs:defRPr sz="1197" kern="1200"/>
+  </cs:dataTable>
+  <cs:downBar>
+    <cs:lnRef idx="0"/>
+    <cs:fillRef idx="0"/>
+    <cs:effectRef idx="0"/>
+    <cs:fontRef idx="minor">
+      <a:schemeClr val="dk1"/>
+    </cs:fontRef>
+    <cs:spPr>
+      <a:solidFill>
+        <a:schemeClr val="dk1">
+          <a:lumMod val="65000"/>
+          <a:lumOff val="35000"/>
+        </a:schemeClr>
+      </a:solidFill>
+      <a:ln w="9525">
+        <a:solidFill>
+          <a:schemeClr val="tx1">
+            <a:lumMod val="65000"/>
+            <a:lumOff val="35000"/>
+          </a:schemeClr>
+        </a:solidFill>
+      </a:ln>
+    </cs:spPr>
+  </cs:downBar>
+  <cs:dropLine>
+    <cs:lnRef idx="0"/>
+    <cs:fillRef idx="0"/>
+    <cs:effectRef idx="0"/>
+    <cs:fontRef idx="minor">
+      <a:schemeClr val="tx1"/>
+    </cs:fontRef>
+    <cs:spPr>
+      <a:ln w="9525" cap="flat" cmpd="sng" algn="ctr">
+        <a:solidFill>
+          <a:schemeClr val="tx1">
+            <a:lumMod val="35000"/>
+            <a:lumOff val="65000"/>
+          </a:schemeClr>
+        </a:solidFill>
+        <a:round/>
+      </a:ln>
+    </cs:spPr>
+  </cs:dropLine>
+  <cs:errorBar>
+    <cs:lnRef idx="0"/>
+    <cs:fillRef idx="0"/>
+    <cs:effectRef idx="0"/>
+    <cs:fontRef idx="minor">
+      <a:schemeClr val="tx1"/>
+    </cs:fontRef>
+    <cs:spPr>
+      <a:ln w="9525" cap="flat" cmpd="sng" algn="ctr">
+        <a:solidFill>
+          <a:schemeClr val="tx1">
+            <a:lumMod val="65000"/>
+            <a:lumOff val="35000"/>
+          </a:schemeClr>
+        </a:solidFill>
+        <a:round/>
+      </a:ln>
+    </cs:spPr>
+  </cs:errorBar>
+  <cs:floor>
+    <cs:lnRef idx="0"/>
+    <cs:fillRef idx="0"/>
+    <cs:effectRef idx="0"/>
+    <cs:fontRef idx="minor">
+      <a:schemeClr val="tx1"/>
+    </cs:fontRef>
+    <cs:spPr>
+      <a:noFill/>
+      <a:ln>
+        <a:noFill/>
+      </a:ln>
+    </cs:spPr>
+  </cs:floor>
+  <cs:gridlineMajor>
+    <cs:lnRef idx="0"/>
+    <cs:fillRef idx="0"/>
+    <cs:effectRef idx="0"/>
+    <cs:fontRef idx="minor">
+      <a:schemeClr val="tx1"/>
+    </cs:fontRef>
+    <cs:spPr>
+      <a:ln w="9525" cap="flat" cmpd="sng" algn="ctr">
+        <a:solidFill>
+          <a:schemeClr val="tx1">
+            <a:lumMod val="15000"/>
+            <a:lumOff val="85000"/>
+          </a:schemeClr>
+        </a:solidFill>
+        <a:round/>
+      </a:ln>
+    </cs:spPr>
+  </cs:gridlineMajor>
+  <cs:gridlineMinor>
+    <cs:lnRef idx="0"/>
+    <cs:fillRef idx="0"/>
+    <cs:effectRef idx="0"/>
+    <cs:fontRef idx="minor">
+      <a:schemeClr val="tx1"/>
+    </cs:fontRef>
+    <cs:spPr>
+      <a:ln w="9525" cap="flat" cmpd="sng" algn="ctr">
+        <a:solidFill>
+          <a:schemeClr val="tx1">
+            <a:lumMod val="5000"/>
+            <a:lumOff val="95000"/>
+          </a:schemeClr>
+        </a:solidFill>
+        <a:round/>
+      </a:ln>
+    </cs:spPr>
+  </cs:gridlineMinor>
+  <cs:hiLoLine>
+    <cs:lnRef idx="0"/>
+    <cs:fillRef idx="0"/>
+    <cs:effectRef idx="0"/>
+    <cs:fontRef idx="minor">
+      <a:schemeClr val="tx1"/>
+    </cs:fontRef>
+    <cs:spPr>
+      <a:ln w="9525" cap="flat" cmpd="sng" algn="ctr">
+        <a:solidFill>
+          <a:schemeClr val="tx1">
+            <a:lumMod val="75000"/>
+            <a:lumOff val="25000"/>
+          </a:schemeClr>
+        </a:solidFill>
+        <a:round/>
+      </a:ln>
+    </cs:spPr>
+  </cs:hiLoLine>
+  <cs:leaderLine>
+    <cs:lnRef idx="0"/>
+    <cs:fillRef idx="0"/>
+    <cs:effectRef idx="0"/>
+    <cs:fontRef idx="minor">
+      <a:schemeClr val="tx1"/>
+    </cs:fontRef>
+    <cs:spPr>
+      <a:ln w="9525" cap="flat" cmpd="sng" algn="ctr">
+        <a:solidFill>
+          <a:schemeClr val="tx1">
+            <a:lumMod val="35000"/>
+            <a:lumOff val="65000"/>
+          </a:schemeClr>
+        </a:solidFill>
+        <a:round/>
+      </a:ln>
+    </cs:spPr>
+  </cs:leaderLine>
+  <cs:legend>
+    <cs:lnRef idx="0"/>
+    <cs:fillRef idx="0"/>
+    <cs:effectRef idx="0"/>
+    <cs:fontRef idx="minor">
+      <a:schemeClr val="tx1">
+        <a:lumMod val="65000"/>
+        <a:lumOff val="35000"/>
+      </a:schemeClr>
+    </cs:fontRef>
+    <cs:defRPr sz="1197" kern="1200"/>
+  </cs:legend>
+  <cs:plotArea mods="allowNoFillOverride allowNoLineOverride">
+    <cs:lnRef idx="0"/>
+    <cs:fillRef idx="0"/>
+    <cs:effectRef idx="0"/>
+    <cs:fontRef idx="minor">
+      <a:schemeClr val="tx1"/>
+    </cs:fontRef>
+  </cs:plotArea>
+  <cs:plotArea3D mods="allowNoFillOverride allowNoLineOverride">
+    <cs:lnRef idx="0"/>
+    <cs:fillRef idx="0"/>
+    <cs:effectRef idx="0"/>
+    <cs:fontRef idx="minor">
+      <a:schemeClr val="tx1"/>
+    </cs:fontRef>
+  </cs:plotArea3D>
+  <cs:seriesAxis>
+    <cs:lnRef idx="0"/>
+    <cs:fillRef idx="0"/>
+    <cs:effectRef idx="0"/>
+    <cs:fontRef idx="minor">
+      <a:schemeClr val="tx1">
+        <a:lumMod val="65000"/>
+        <a:lumOff val="35000"/>
+      </a:schemeClr>
+    </cs:fontRef>
+    <cs:defRPr sz="1197" kern="1200"/>
+  </cs:seriesAxis>
+  <cs:seriesLine>
+    <cs:lnRef idx="0"/>
+    <cs:fillRef idx="0"/>
+    <cs:effectRef idx="0"/>
+    <cs:fontRef idx="minor">
+      <a:schemeClr val="tx1"/>
+    </cs:fontRef>
+    <cs:spPr>
+      <a:ln w="9525" cap="flat" cmpd="sng" algn="ctr">
+        <a:solidFill>
+          <a:schemeClr val="tx1">
+            <a:lumMod val="35000"/>
+            <a:lumOff val="65000"/>
+          </a:schemeClr>
+        </a:solidFill>
+        <a:round/>
+      </a:ln>
+    </cs:spPr>
+  </cs:seriesLine>
+  <cs:title>
+    <cs:lnRef idx="0"/>
+    <cs:fillRef idx="0"/>
+    <cs:effectRef idx="0"/>
+    <cs:fontRef idx="minor">
+      <a:schemeClr val="tx1">
+        <a:lumMod val="65000"/>
+        <a:lumOff val="35000"/>
+      </a:schemeClr>
+    </cs:fontRef>
+    <cs:defRPr sz="1862" b="0" kern="1200" spc="0" baseline="0"/>
+  </cs:title>
+  <cs:trendline>
+    <cs:lnRef idx="0">
+      <cs:styleClr val="auto"/>
+    </cs:lnRef>
+    <cs:fillRef idx="0"/>
+    <cs:effectRef idx="0"/>
+    <cs:fontRef idx="minor">
+      <a:schemeClr val="tx1"/>
+    </cs:fontRef>
+    <cs:spPr>
+      <a:ln w="19050" cap="rnd">
+        <a:solidFill>
+          <a:schemeClr val="phClr"/>
+        </a:solidFill>
+        <a:prstDash val="sysDot"/>
+      </a:ln>
+    </cs:spPr>
+  </cs:trendline>
+  <cs:trendlineLabel>
+    <cs:lnRef idx="0"/>
+    <cs:fillRef idx="0"/>
+    <cs:effectRef idx="0"/>
+    <cs:fontRef idx="minor">
+      <a:schemeClr val="tx1">
+        <a:lumMod val="65000"/>
+        <a:lumOff val="35000"/>
+      </a:schemeClr>
+    </cs:fontRef>
+    <cs:defRPr sz="1197" kern="1200"/>
+  </cs:trendlineLabel>
+  <cs:upBar>
+    <cs:lnRef idx="0"/>
+    <cs:fillRef idx="0"/>
+    <cs:effectRef idx="0"/>
+    <cs:fontRef idx="minor">
+      <a:schemeClr val="dk1"/>
+    </cs:fontRef>
+    <cs:spPr>
+      <a:solidFill>
+        <a:schemeClr val="lt1"/>
+      </a:solidFill>
+      <a:ln w="9525">
+        <a:solidFill>
+          <a:schemeClr val="tx1">
+            <a:lumMod val="15000"/>
+            <a:lumOff val="85000"/>
+          </a:schemeClr>
+        </a:solidFill>
+      </a:ln>
+    </cs:spPr>
+  </cs:upBar>
+  <cs:valueAxis>
+    <cs:lnRef idx="0"/>
+    <cs:fillRef idx="0"/>
+    <cs:effectRef idx="0"/>
+    <cs:fontRef idx="minor">
+      <a:schemeClr val="tx1">
+        <a:lumMod val="65000"/>
+        <a:lumOff val="35000"/>
+      </a:schemeClr>
+    </cs:fontRef>
+    <cs:defRPr sz="1197" kern="1200"/>
+  </cs:valueAxis>
+  <cs:wall>
+    <cs:lnRef idx="0"/>
+    <cs:fillRef idx="0"/>
+    <cs:effectRef idx="0"/>
+    <cs:fontRef idx="minor">
+      <a:schemeClr val="tx1"/>
+    </cs:fontRef>
+    <cs:spPr>
+      <a:noFill/>
+      <a:ln>
+        <a:noFill/>
+      </a:ln>
+    </cs:spPr>
+  </cs:wall>
+</cs:chartStyle>
+</file>
+
+<file path=ppt/charts/style6.xml><?xml version="1.0" encoding="utf-8"?>
+<cs:chartStyle xmlns:cs="http://schemas.microsoft.com/office/drawing/2012/chartStyle" xmlns:a="http://schemas.openxmlformats.org/drawingml/2006/main" id="227">
+  <cs:axisTitle>
+    <cs:lnRef idx="0"/>
+    <cs:fillRef idx="0"/>
+    <cs:effectRef idx="0"/>
+    <cs:fontRef idx="minor">
+      <a:schemeClr val="tx1">
+        <a:lumMod val="65000"/>
+        <a:lumOff val="35000"/>
+      </a:schemeClr>
+    </cs:fontRef>
+    <cs:defRPr sz="1330" kern="1200"/>
+  </cs:axisTitle>
+  <cs:categoryAxis>
+    <cs:lnRef idx="0"/>
+    <cs:fillRef idx="0"/>
+    <cs:effectRef idx="0"/>
+    <cs:fontRef idx="minor">
+      <a:schemeClr val="tx1">
+        <a:lumMod val="65000"/>
+        <a:lumOff val="35000"/>
+      </a:schemeClr>
+    </cs:fontRef>
+    <cs:spPr>
+      <a:ln w="9525" cap="flat" cmpd="sng" algn="ctr">
+        <a:solidFill>
+          <a:schemeClr val="tx1">
+            <a:lumMod val="15000"/>
+            <a:lumOff val="85000"/>
+          </a:schemeClr>
+        </a:solidFill>
+        <a:round/>
+      </a:ln>
+    </cs:spPr>
+    <cs:defRPr sz="1197" kern="1200"/>
+  </cs:categoryAxis>
+  <cs:chartArea mods="allowNoFillOverride allowNoLineOverride">
+    <cs:lnRef idx="0"/>
+    <cs:fillRef idx="0"/>
+    <cs:effectRef idx="0"/>
+    <cs:fontRef idx="minor">
+      <a:schemeClr val="tx1"/>
+    </cs:fontRef>
+    <cs:spPr>
+      <a:solidFill>
+        <a:schemeClr val="bg1"/>
+      </a:solidFill>
+      <a:ln w="9525" cap="flat" cmpd="sng" algn="ctr">
+        <a:solidFill>
+          <a:schemeClr val="tx1">
+            <a:lumMod val="15000"/>
+            <a:lumOff val="85000"/>
+          </a:schemeClr>
+        </a:solidFill>
+        <a:round/>
+      </a:ln>
+    </cs:spPr>
+    <cs:defRPr sz="1330" kern="1200"/>
+  </cs:chartArea>
+  <cs:dataLabel>
+    <cs:lnRef idx="0"/>
+    <cs:fillRef idx="0"/>
+    <cs:effectRef idx="0"/>
+    <cs:fontRef idx="minor">
+      <a:schemeClr val="tx1">
+        <a:lumMod val="75000"/>
+        <a:lumOff val="25000"/>
+      </a:schemeClr>
+    </cs:fontRef>
+    <cs:defRPr sz="1197" kern="1200"/>
+  </cs:dataLabel>
+  <cs:dataLabelCallout>
+    <cs:lnRef idx="0"/>
+    <cs:fillRef idx="0"/>
+    <cs:effectRef idx="0"/>
+    <cs:fontRef idx="minor">
+      <a:schemeClr val="dk1">
+        <a:lumMod val="65000"/>
+        <a:lumOff val="35000"/>
+      </a:schemeClr>
+    </cs:fontRef>
+    <cs:spPr>
+      <a:solidFill>
+        <a:schemeClr val="lt1"/>
+      </a:solidFill>
+      <a:ln>
+        <a:solidFill>
+          <a:schemeClr val="dk1">
+            <a:lumMod val="25000"/>
+            <a:lumOff val="75000"/>
+          </a:schemeClr>
+        </a:solidFill>
+      </a:ln>
+    </cs:spPr>
+    <cs:defRPr sz="1197" kern="1200"/>
+    <cs:bodyPr rot="0" spcFirstLastPara="1" vertOverflow="clip" horzOverflow="clip" vert="horz" wrap="square" lIns="36576" tIns="18288" rIns="36576" bIns="18288" anchor="ctr" anchorCtr="1">
+      <a:spAutoFit/>
+    </cs:bodyPr>
+  </cs:dataLabelCallout>
+  <cs:dataPoint>
+    <cs:lnRef idx="0"/>
+    <cs:fillRef idx="1">
+      <cs:styleClr val="auto"/>
+    </cs:fillRef>
+    <cs:effectRef idx="0"/>
+    <cs:fontRef idx="minor">
+      <a:schemeClr val="tx1"/>
+    </cs:fontRef>
+    <cs:spPr>
+      <a:solidFill>
+        <a:schemeClr val="phClr"/>
+      </a:solidFill>
+    </cs:spPr>
+  </cs:dataPoint>
+  <cs:dataPoint3D>
+    <cs:lnRef idx="0"/>
+    <cs:fillRef idx="1">
+      <cs:styleClr val="auto"/>
+    </cs:fillRef>
+    <cs:effectRef idx="0"/>
+    <cs:fontRef idx="minor">
+      <a:schemeClr val="tx1"/>
+    </cs:fontRef>
+    <cs:spPr>
+      <a:solidFill>
+        <a:schemeClr val="phClr"/>
+      </a:solidFill>
+    </cs:spPr>
+  </cs:dataPoint3D>
+  <cs:dataPointLine>
+    <cs:lnRef idx="0">
+      <cs:styleClr val="auto"/>
+    </cs:lnRef>
+    <cs:fillRef idx="1"/>
+    <cs:effectRef idx="0"/>
+    <cs:fontRef idx="minor">
+      <a:schemeClr val="tx1"/>
+    </cs:fontRef>
+    <cs:spPr>
+      <a:ln w="28575" cap="rnd">
+        <a:solidFill>
+          <a:schemeClr val="phClr"/>
+        </a:solidFill>
+        <a:round/>
+      </a:ln>
+    </cs:spPr>
+  </cs:dataPointLine>
+  <cs:dataPointMarker>
+    <cs:lnRef idx="0">
+      <cs:styleClr val="auto"/>
+    </cs:lnRef>
+    <cs:fillRef idx="1">
+      <cs:styleClr val="auto"/>
+    </cs:fillRef>
+    <cs:effectRef idx="0"/>
+    <cs:fontRef idx="minor">
+      <a:schemeClr val="tx1"/>
+    </cs:fontRef>
+    <cs:spPr>
+      <a:solidFill>
+        <a:schemeClr val="phClr"/>
+      </a:solidFill>
+      <a:ln w="9525">
+        <a:solidFill>
+          <a:schemeClr val="phClr"/>
+        </a:solidFill>
+      </a:ln>
+    </cs:spPr>
+  </cs:dataPointMarker>
+  <cs:dataPointMarkerLayout symbol="circle" size="5"/>
+  <cs:dataPointWireframe>
+    <cs:lnRef idx="0">
+      <cs:styleClr val="auto"/>
+    </cs:lnRef>
+    <cs:fillRef idx="1"/>
+    <cs:effectRef idx="0"/>
+    <cs:fontRef idx="minor">
+      <a:schemeClr val="tx1"/>
+    </cs:fontRef>
+    <cs:spPr>
+      <a:ln w="9525" cap="rnd">
+        <a:solidFill>
+          <a:schemeClr val="phClr"/>
+        </a:solidFill>
+        <a:round/>
+      </a:ln>
+    </cs:spPr>
+  </cs:dataPointWireframe>
+  <cs:dataTable>
+    <cs:lnRef idx="0"/>
+    <cs:fillRef idx="0"/>
+    <cs:effectRef idx="0"/>
+    <cs:fontRef idx="minor">
+      <a:schemeClr val="tx1">
+        <a:lumMod val="65000"/>
+        <a:lumOff val="35000"/>
+      </a:schemeClr>
+    </cs:fontRef>
+    <cs:spPr>
+      <a:noFill/>
+      <a:ln w="9525" cap="flat" cmpd="sng" algn="ctr">
+        <a:solidFill>
+          <a:schemeClr val="tx1">
+            <a:lumMod val="15000"/>
+            <a:lumOff val="85000"/>
+          </a:schemeClr>
+        </a:solidFill>
+        <a:round/>
+      </a:ln>
+    </cs:spPr>
+    <cs:defRPr sz="1197" kern="1200"/>
+  </cs:dataTable>
+  <cs:downBar>
+    <cs:lnRef idx="0"/>
+    <cs:fillRef idx="0"/>
+    <cs:effectRef idx="0"/>
+    <cs:fontRef idx="minor">
+      <a:schemeClr val="dk1"/>
+    </cs:fontRef>
+    <cs:spPr>
+      <a:solidFill>
+        <a:schemeClr val="dk1">
+          <a:lumMod val="65000"/>
+          <a:lumOff val="35000"/>
+        </a:schemeClr>
+      </a:solidFill>
+      <a:ln w="9525">
+        <a:solidFill>
+          <a:schemeClr val="tx1">
+            <a:lumMod val="65000"/>
+            <a:lumOff val="35000"/>
+          </a:schemeClr>
+        </a:solidFill>
+      </a:ln>
+    </cs:spPr>
+  </cs:downBar>
+  <cs:dropLine>
+    <cs:lnRef idx="0"/>
+    <cs:fillRef idx="0"/>
+    <cs:effectRef idx="0"/>
+    <cs:fontRef idx="minor">
+      <a:schemeClr val="tx1"/>
+    </cs:fontRef>
+    <cs:spPr>
+      <a:ln w="9525" cap="flat" cmpd="sng" algn="ctr">
+        <a:solidFill>
+          <a:schemeClr val="tx1">
+            <a:lumMod val="35000"/>
+            <a:lumOff val="65000"/>
+          </a:schemeClr>
+        </a:solidFill>
+        <a:round/>
+      </a:ln>
+    </cs:spPr>
+  </cs:dropLine>
+  <cs:errorBar>
+    <cs:lnRef idx="0"/>
+    <cs:fillRef idx="0"/>
+    <cs:effectRef idx="0"/>
+    <cs:fontRef idx="minor">
+      <a:schemeClr val="tx1"/>
+    </cs:fontRef>
+    <cs:spPr>
+      <a:ln w="9525" cap="flat" cmpd="sng" algn="ctr">
+        <a:solidFill>
+          <a:schemeClr val="tx1">
+            <a:lumMod val="65000"/>
+            <a:lumOff val="35000"/>
+          </a:schemeClr>
+        </a:solidFill>
+        <a:round/>
+      </a:ln>
+    </cs:spPr>
+  </cs:errorBar>
+  <cs:floor>
+    <cs:lnRef idx="0"/>
+    <cs:fillRef idx="0"/>
+    <cs:effectRef idx="0"/>
+    <cs:fontRef idx="minor">
+      <a:schemeClr val="tx1"/>
+    </cs:fontRef>
+    <cs:spPr>
+      <a:noFill/>
+      <a:ln>
+        <a:noFill/>
+      </a:ln>
+    </cs:spPr>
+  </cs:floor>
+  <cs:gridlineMajor>
+    <cs:lnRef idx="0"/>
+    <cs:fillRef idx="0"/>
+    <cs:effectRef idx="0"/>
+    <cs:fontRef idx="minor">
+      <a:schemeClr val="tx1"/>
+    </cs:fontRef>
+    <cs:spPr>
+      <a:ln w="9525" cap="flat" cmpd="sng" algn="ctr">
+        <a:solidFill>
+          <a:schemeClr val="tx1">
+            <a:lumMod val="15000"/>
+            <a:lumOff val="85000"/>
+          </a:schemeClr>
+        </a:solidFill>
+        <a:round/>
+      </a:ln>
+    </cs:spPr>
+  </cs:gridlineMajor>
+  <cs:gridlineMinor>
+    <cs:lnRef idx="0"/>
+    <cs:fillRef idx="0"/>
+    <cs:effectRef idx="0"/>
+    <cs:fontRef idx="minor">
+      <a:schemeClr val="tx1"/>
+    </cs:fontRef>
+    <cs:spPr>
+      <a:ln w="9525" cap="flat" cmpd="sng" algn="ctr">
+        <a:solidFill>
+          <a:schemeClr val="tx1">
+            <a:lumMod val="5000"/>
+            <a:lumOff val="95000"/>
+          </a:schemeClr>
+        </a:solidFill>
+        <a:round/>
+      </a:ln>
+    </cs:spPr>
+  </cs:gridlineMinor>
+  <cs:hiLoLine>
+    <cs:lnRef idx="0"/>
+    <cs:fillRef idx="0"/>
+    <cs:effectRef idx="0"/>
+    <cs:fontRef idx="minor">
+      <a:schemeClr val="tx1"/>
+    </cs:fontRef>
+    <cs:spPr>
+      <a:ln w="9525" cap="flat" cmpd="sng" algn="ctr">
+        <a:solidFill>
+          <a:schemeClr val="tx1">
+            <a:lumMod val="75000"/>
+            <a:lumOff val="25000"/>
+          </a:schemeClr>
+        </a:solidFill>
+        <a:round/>
+      </a:ln>
+    </cs:spPr>
+  </cs:hiLoLine>
+  <cs:leaderLine>
+    <cs:lnRef idx="0"/>
+    <cs:fillRef idx="0"/>
+    <cs:effectRef idx="0"/>
+    <cs:fontRef idx="minor">
+      <a:schemeClr val="tx1"/>
+    </cs:fontRef>
+    <cs:spPr>
+      <a:ln w="9525" cap="flat" cmpd="sng" algn="ctr">
+        <a:solidFill>
+          <a:schemeClr val="tx1">
+            <a:lumMod val="35000"/>
+            <a:lumOff val="65000"/>
+          </a:schemeClr>
+        </a:solidFill>
+        <a:round/>
+      </a:ln>
+    </cs:spPr>
+  </cs:leaderLine>
+  <cs:legend>
+    <cs:lnRef idx="0"/>
+    <cs:fillRef idx="0"/>
+    <cs:effectRef idx="0"/>
+    <cs:fontRef idx="minor">
+      <a:schemeClr val="tx1">
+        <a:lumMod val="65000"/>
+        <a:lumOff val="35000"/>
+      </a:schemeClr>
+    </cs:fontRef>
+    <cs:defRPr sz="1197" kern="1200"/>
+  </cs:legend>
+  <cs:plotArea mods="allowNoFillOverride allowNoLineOverride">
+    <cs:lnRef idx="0"/>
+    <cs:fillRef idx="0"/>
+    <cs:effectRef idx="0"/>
+    <cs:fontRef idx="minor">
+      <a:schemeClr val="tx1"/>
+    </cs:fontRef>
+  </cs:plotArea>
+  <cs:plotArea3D mods="allowNoFillOverride allowNoLineOverride">
+    <cs:lnRef idx="0"/>
+    <cs:fillRef idx="0"/>
+    <cs:effectRef idx="0"/>
+    <cs:fontRef idx="minor">
+      <a:schemeClr val="tx1"/>
+    </cs:fontRef>
+  </cs:plotArea3D>
+  <cs:seriesAxis>
+    <cs:lnRef idx="0"/>
+    <cs:fillRef idx="0"/>
+    <cs:effectRef idx="0"/>
+    <cs:fontRef idx="minor">
+      <a:schemeClr val="tx1">
+        <a:lumMod val="65000"/>
+        <a:lumOff val="35000"/>
+      </a:schemeClr>
+    </cs:fontRef>
+    <cs:defRPr sz="1197" kern="1200"/>
+  </cs:seriesAxis>
+  <cs:seriesLine>
+    <cs:lnRef idx="0"/>
+    <cs:fillRef idx="0"/>
+    <cs:effectRef idx="0"/>
+    <cs:fontRef idx="minor">
+      <a:schemeClr val="tx1"/>
+    </cs:fontRef>
+    <cs:spPr>
+      <a:ln w="9525" cap="flat" cmpd="sng" algn="ctr">
+        <a:solidFill>
+          <a:schemeClr val="tx1">
+            <a:lumMod val="35000"/>
+            <a:lumOff val="65000"/>
+          </a:schemeClr>
+        </a:solidFill>
+        <a:round/>
+      </a:ln>
+    </cs:spPr>
+  </cs:seriesLine>
+  <cs:title>
+    <cs:lnRef idx="0"/>
+    <cs:fillRef idx="0"/>
+    <cs:effectRef idx="0"/>
+    <cs:fontRef idx="minor">
+      <a:schemeClr val="tx1">
+        <a:lumMod val="65000"/>
+        <a:lumOff val="35000"/>
+      </a:schemeClr>
+    </cs:fontRef>
+    <cs:defRPr sz="1862" b="0" kern="1200" spc="0" baseline="0"/>
+  </cs:title>
+  <cs:trendline>
+    <cs:lnRef idx="0">
+      <cs:styleClr val="auto"/>
+    </cs:lnRef>
+    <cs:fillRef idx="0"/>
+    <cs:effectRef idx="0"/>
+    <cs:fontRef idx="minor">
+      <a:schemeClr val="tx1"/>
+    </cs:fontRef>
+    <cs:spPr>
+      <a:ln w="19050" cap="rnd">
+        <a:solidFill>
+          <a:schemeClr val="phClr"/>
+        </a:solidFill>
+        <a:prstDash val="sysDot"/>
+      </a:ln>
+    </cs:spPr>
+  </cs:trendline>
+  <cs:trendlineLabel>
+    <cs:lnRef idx="0"/>
+    <cs:fillRef idx="0"/>
+    <cs:effectRef idx="0"/>
+    <cs:fontRef idx="minor">
+      <a:schemeClr val="tx1">
+        <a:lumMod val="65000"/>
+        <a:lumOff val="35000"/>
+      </a:schemeClr>
+    </cs:fontRef>
+    <cs:defRPr sz="1197" kern="1200"/>
+  </cs:trendlineLabel>
+  <cs:upBar>
+    <cs:lnRef idx="0"/>
+    <cs:fillRef idx="0"/>
+    <cs:effectRef idx="0"/>
+    <cs:fontRef idx="minor">
+      <a:schemeClr val="dk1"/>
+    </cs:fontRef>
+    <cs:spPr>
+      <a:solidFill>
+        <a:schemeClr val="lt1"/>
+      </a:solidFill>
+      <a:ln w="9525">
+        <a:solidFill>
+          <a:schemeClr val="tx1">
+            <a:lumMod val="15000"/>
+            <a:lumOff val="85000"/>
+          </a:schemeClr>
+        </a:solidFill>
+      </a:ln>
+    </cs:spPr>
+  </cs:upBar>
+  <cs:valueAxis>
+    <cs:lnRef idx="0"/>
+    <cs:fillRef idx="0"/>
+    <cs:effectRef idx="0"/>
+    <cs:fontRef idx="minor">
+      <a:schemeClr val="tx1">
+        <a:lumMod val="65000"/>
+        <a:lumOff val="35000"/>
+      </a:schemeClr>
+    </cs:fontRef>
+    <cs:defRPr sz="1197" kern="1200"/>
+  </cs:valueAxis>
+  <cs:wall>
+    <cs:lnRef idx="0"/>
+    <cs:fillRef idx="0"/>
+    <cs:effectRef idx="0"/>
+    <cs:fontRef idx="minor">
+      <a:schemeClr val="tx1"/>
+    </cs:fontRef>
+    <cs:spPr>
+      <a:noFill/>
+      <a:ln>
+        <a:noFill/>
+      </a:ln>
+    </cs:spPr>
+  </cs:wall>
+</cs:chartStyle>
 </file>
 
 <file path=ppt/diagrams/colors1.xml><?xml version="1.0" encoding="utf-8"?>
@@ -860,6 +6516,753 @@
 </file>
 
 <file path=ppt/diagrams/colors2.xml><?xml version="1.0" encoding="utf-8"?>
+<dgm:colorsDef xmlns:dgm="http://schemas.openxmlformats.org/drawingml/2006/diagram" xmlns:a="http://schemas.openxmlformats.org/drawingml/2006/main" uniqueId="urn:microsoft.com/office/officeart/2005/8/colors/accent1_2">
+  <dgm:title val=""/>
+  <dgm:desc val=""/>
+  <dgm:catLst>
+    <dgm:cat type="accent1" pri="11200"/>
+  </dgm:catLst>
+  <dgm:styleLbl name="node0">
+    <dgm:fillClrLst meth="repeat">
+      <a:schemeClr val="accent1"/>
+    </dgm:fillClrLst>
+    <dgm:linClrLst meth="repeat">
+      <a:schemeClr val="lt1"/>
+    </dgm:linClrLst>
+    <dgm:effectClrLst/>
+    <dgm:txLinClrLst/>
+    <dgm:txFillClrLst/>
+    <dgm:txEffectClrLst/>
+  </dgm:styleLbl>
+  <dgm:styleLbl name="alignNode1">
+    <dgm:fillClrLst meth="repeat">
+      <a:schemeClr val="accent1"/>
+    </dgm:fillClrLst>
+    <dgm:linClrLst meth="repeat">
+      <a:schemeClr val="accent1"/>
+    </dgm:linClrLst>
+    <dgm:effectClrLst/>
+    <dgm:txLinClrLst/>
+    <dgm:txFillClrLst/>
+    <dgm:txEffectClrLst/>
+  </dgm:styleLbl>
+  <dgm:styleLbl name="node1">
+    <dgm:fillClrLst meth="repeat">
+      <a:schemeClr val="accent1"/>
+    </dgm:fillClrLst>
+    <dgm:linClrLst meth="repeat">
+      <a:schemeClr val="lt1"/>
+    </dgm:linClrLst>
+    <dgm:effectClrLst/>
+    <dgm:txLinClrLst/>
+    <dgm:txFillClrLst/>
+    <dgm:txEffectClrLst/>
+  </dgm:styleLbl>
+  <dgm:styleLbl name="lnNode1">
+    <dgm:fillClrLst meth="repeat">
+      <a:schemeClr val="accent1"/>
+    </dgm:fillClrLst>
+    <dgm:linClrLst meth="repeat">
+      <a:schemeClr val="lt1"/>
+    </dgm:linClrLst>
+    <dgm:effectClrLst/>
+    <dgm:txLinClrLst/>
+    <dgm:txFillClrLst/>
+    <dgm:txEffectClrLst/>
+  </dgm:styleLbl>
+  <dgm:styleLbl name="vennNode1">
+    <dgm:fillClrLst meth="repeat">
+      <a:schemeClr val="accent1">
+        <a:alpha val="50000"/>
+      </a:schemeClr>
+    </dgm:fillClrLst>
+    <dgm:linClrLst meth="repeat">
+      <a:schemeClr val="lt1"/>
+    </dgm:linClrLst>
+    <dgm:effectClrLst/>
+    <dgm:txLinClrLst/>
+    <dgm:txFillClrLst/>
+    <dgm:txEffectClrLst/>
+  </dgm:styleLbl>
+  <dgm:styleLbl name="node2">
+    <dgm:fillClrLst meth="repeat">
+      <a:schemeClr val="accent1"/>
+    </dgm:fillClrLst>
+    <dgm:linClrLst meth="repeat">
+      <a:schemeClr val="lt1"/>
+    </dgm:linClrLst>
+    <dgm:effectClrLst/>
+    <dgm:txLinClrLst/>
+    <dgm:txFillClrLst/>
+    <dgm:txEffectClrLst/>
+  </dgm:styleLbl>
+  <dgm:styleLbl name="node3">
+    <dgm:fillClrLst meth="repeat">
+      <a:schemeClr val="accent1"/>
+    </dgm:fillClrLst>
+    <dgm:linClrLst meth="repeat">
+      <a:schemeClr val="lt1"/>
+    </dgm:linClrLst>
+    <dgm:effectClrLst/>
+    <dgm:txLinClrLst/>
+    <dgm:txFillClrLst/>
+    <dgm:txEffectClrLst/>
+  </dgm:styleLbl>
+  <dgm:styleLbl name="node4">
+    <dgm:fillClrLst meth="repeat">
+      <a:schemeClr val="accent1"/>
+    </dgm:fillClrLst>
+    <dgm:linClrLst meth="repeat">
+      <a:schemeClr val="lt1"/>
+    </dgm:linClrLst>
+    <dgm:effectClrLst/>
+    <dgm:txLinClrLst/>
+    <dgm:txFillClrLst/>
+    <dgm:txEffectClrLst/>
+  </dgm:styleLbl>
+  <dgm:styleLbl name="fgImgPlace1">
+    <dgm:fillClrLst meth="repeat">
+      <a:schemeClr val="accent1">
+        <a:tint val="50000"/>
+      </a:schemeClr>
+    </dgm:fillClrLst>
+    <dgm:linClrLst meth="repeat">
+      <a:schemeClr val="lt1"/>
+    </dgm:linClrLst>
+    <dgm:effectClrLst/>
+    <dgm:txLinClrLst/>
+    <dgm:txFillClrLst meth="repeat">
+      <a:schemeClr val="lt1"/>
+    </dgm:txFillClrLst>
+    <dgm:txEffectClrLst/>
+  </dgm:styleLbl>
+  <dgm:styleLbl name="alignImgPlace1">
+    <dgm:fillClrLst meth="repeat">
+      <a:schemeClr val="accent1">
+        <a:tint val="50000"/>
+      </a:schemeClr>
+    </dgm:fillClrLst>
+    <dgm:linClrLst meth="repeat">
+      <a:schemeClr val="lt1"/>
+    </dgm:linClrLst>
+    <dgm:effectClrLst/>
+    <dgm:txLinClrLst/>
+    <dgm:txFillClrLst meth="repeat">
+      <a:schemeClr val="lt1"/>
+    </dgm:txFillClrLst>
+    <dgm:txEffectClrLst/>
+  </dgm:styleLbl>
+  <dgm:styleLbl name="bgImgPlace1">
+    <dgm:fillClrLst meth="repeat">
+      <a:schemeClr val="accent1">
+        <a:tint val="50000"/>
+      </a:schemeClr>
+    </dgm:fillClrLst>
+    <dgm:linClrLst meth="repeat">
+      <a:schemeClr val="lt1"/>
+    </dgm:linClrLst>
+    <dgm:effectClrLst/>
+    <dgm:txLinClrLst/>
+    <dgm:txFillClrLst meth="repeat">
+      <a:schemeClr val="lt1"/>
+    </dgm:txFillClrLst>
+    <dgm:txEffectClrLst/>
+  </dgm:styleLbl>
+  <dgm:styleLbl name="sibTrans2D1">
+    <dgm:fillClrLst meth="repeat">
+      <a:schemeClr val="accent1">
+        <a:tint val="60000"/>
+      </a:schemeClr>
+    </dgm:fillClrLst>
+    <dgm:linClrLst meth="repeat">
+      <a:schemeClr val="accent1">
+        <a:tint val="60000"/>
+      </a:schemeClr>
+    </dgm:linClrLst>
+    <dgm:effectClrLst/>
+    <dgm:txLinClrLst/>
+    <dgm:txFillClrLst/>
+    <dgm:txEffectClrLst/>
+  </dgm:styleLbl>
+  <dgm:styleLbl name="fgSibTrans2D1">
+    <dgm:fillClrLst meth="repeat">
+      <a:schemeClr val="accent1">
+        <a:tint val="60000"/>
+      </a:schemeClr>
+    </dgm:fillClrLst>
+    <dgm:linClrLst meth="repeat">
+      <a:schemeClr val="accent1">
+        <a:tint val="60000"/>
+      </a:schemeClr>
+    </dgm:linClrLst>
+    <dgm:effectClrLst/>
+    <dgm:txLinClrLst/>
+    <dgm:txFillClrLst/>
+    <dgm:txEffectClrLst/>
+  </dgm:styleLbl>
+  <dgm:styleLbl name="bgSibTrans2D1">
+    <dgm:fillClrLst meth="repeat">
+      <a:schemeClr val="accent1">
+        <a:tint val="60000"/>
+      </a:schemeClr>
+    </dgm:fillClrLst>
+    <dgm:linClrLst meth="repeat">
+      <a:schemeClr val="accent1">
+        <a:tint val="60000"/>
+      </a:schemeClr>
+    </dgm:linClrLst>
+    <dgm:effectClrLst/>
+    <dgm:txLinClrLst/>
+    <dgm:txFillClrLst/>
+    <dgm:txEffectClrLst/>
+  </dgm:styleLbl>
+  <dgm:styleLbl name="sibTrans1D1">
+    <dgm:fillClrLst meth="repeat">
+      <a:schemeClr val="accent1"/>
+    </dgm:fillClrLst>
+    <dgm:linClrLst meth="repeat">
+      <a:schemeClr val="accent1"/>
+    </dgm:linClrLst>
+    <dgm:effectClrLst/>
+    <dgm:txLinClrLst/>
+    <dgm:txFillClrLst meth="repeat">
+      <a:schemeClr val="tx1"/>
+    </dgm:txFillClrLst>
+    <dgm:txEffectClrLst/>
+  </dgm:styleLbl>
+  <dgm:styleLbl name="callout">
+    <dgm:fillClrLst meth="repeat">
+      <a:schemeClr val="accent1"/>
+    </dgm:fillClrLst>
+    <dgm:linClrLst meth="repeat">
+      <a:schemeClr val="accent1">
+        <a:tint val="50000"/>
+      </a:schemeClr>
+    </dgm:linClrLst>
+    <dgm:effectClrLst/>
+    <dgm:txLinClrLst/>
+    <dgm:txFillClrLst meth="repeat">
+      <a:schemeClr val="tx1"/>
+    </dgm:txFillClrLst>
+    <dgm:txEffectClrLst/>
+  </dgm:styleLbl>
+  <dgm:styleLbl name="asst0">
+    <dgm:fillClrLst meth="repeat">
+      <a:schemeClr val="accent1"/>
+    </dgm:fillClrLst>
+    <dgm:linClrLst meth="repeat">
+      <a:schemeClr val="lt1"/>
+    </dgm:linClrLst>
+    <dgm:effectClrLst/>
+    <dgm:txLinClrLst/>
+    <dgm:txFillClrLst/>
+    <dgm:txEffectClrLst/>
+  </dgm:styleLbl>
+  <dgm:styleLbl name="asst1">
+    <dgm:fillClrLst meth="repeat">
+      <a:schemeClr val="accent1"/>
+    </dgm:fillClrLst>
+    <dgm:linClrLst meth="repeat">
+      <a:schemeClr val="lt1"/>
+    </dgm:linClrLst>
+    <dgm:effectClrLst/>
+    <dgm:txLinClrLst/>
+    <dgm:txFillClrLst/>
+    <dgm:txEffectClrLst/>
+  </dgm:styleLbl>
+  <dgm:styleLbl name="asst2">
+    <dgm:fillClrLst meth="repeat">
+      <a:schemeClr val="accent1"/>
+    </dgm:fillClrLst>
+    <dgm:linClrLst meth="repeat">
+      <a:schemeClr val="lt1"/>
+    </dgm:linClrLst>
+    <dgm:effectClrLst/>
+    <dgm:txLinClrLst/>
+    <dgm:txFillClrLst/>
+    <dgm:txEffectClrLst/>
+  </dgm:styleLbl>
+  <dgm:styleLbl name="asst3">
+    <dgm:fillClrLst meth="repeat">
+      <a:schemeClr val="accent1"/>
+    </dgm:fillClrLst>
+    <dgm:linClrLst meth="repeat">
+      <a:schemeClr val="lt1"/>
+    </dgm:linClrLst>
+    <dgm:effectClrLst/>
+    <dgm:txLinClrLst/>
+    <dgm:txFillClrLst/>
+    <dgm:txEffectClrLst/>
+  </dgm:styleLbl>
+  <dgm:styleLbl name="asst4">
+    <dgm:fillClrLst meth="repeat">
+      <a:schemeClr val="accent1"/>
+    </dgm:fillClrLst>
+    <dgm:linClrLst meth="repeat">
+      <a:schemeClr val="lt1"/>
+    </dgm:linClrLst>
+    <dgm:effectClrLst/>
+    <dgm:txLinClrLst/>
+    <dgm:txFillClrLst/>
+    <dgm:txEffectClrLst/>
+  </dgm:styleLbl>
+  <dgm:styleLbl name="parChTrans2D1">
+    <dgm:fillClrLst meth="repeat">
+      <a:schemeClr val="accent1">
+        <a:tint val="60000"/>
+      </a:schemeClr>
+    </dgm:fillClrLst>
+    <dgm:linClrLst meth="repeat">
+      <a:schemeClr val="accent1">
+        <a:tint val="60000"/>
+      </a:schemeClr>
+    </dgm:linClrLst>
+    <dgm:effectClrLst/>
+    <dgm:txLinClrLst/>
+    <dgm:txFillClrLst meth="repeat">
+      <a:schemeClr val="lt1"/>
+    </dgm:txFillClrLst>
+    <dgm:txEffectClrLst/>
+  </dgm:styleLbl>
+  <dgm:styleLbl name="parChTrans2D2">
+    <dgm:fillClrLst meth="repeat">
+      <a:schemeClr val="accent1"/>
+    </dgm:fillClrLst>
+    <dgm:linClrLst meth="repeat">
+      <a:schemeClr val="accent1"/>
+    </dgm:linClrLst>
+    <dgm:effectClrLst/>
+    <dgm:txLinClrLst/>
+    <dgm:txFillClrLst meth="repeat">
+      <a:schemeClr val="lt1"/>
+    </dgm:txFillClrLst>
+    <dgm:txEffectClrLst/>
+  </dgm:styleLbl>
+  <dgm:styleLbl name="parChTrans2D3">
+    <dgm:fillClrLst meth="repeat">
+      <a:schemeClr val="accent1"/>
+    </dgm:fillClrLst>
+    <dgm:linClrLst meth="repeat">
+      <a:schemeClr val="accent1"/>
+    </dgm:linClrLst>
+    <dgm:effectClrLst/>
+    <dgm:txLinClrLst/>
+    <dgm:txFillClrLst meth="repeat">
+      <a:schemeClr val="lt1"/>
+    </dgm:txFillClrLst>
+    <dgm:txEffectClrLst/>
+  </dgm:styleLbl>
+  <dgm:styleLbl name="parChTrans2D4">
+    <dgm:fillClrLst meth="repeat">
+      <a:schemeClr val="accent1"/>
+    </dgm:fillClrLst>
+    <dgm:linClrLst meth="repeat">
+      <a:schemeClr val="accent1"/>
+    </dgm:linClrLst>
+    <dgm:effectClrLst/>
+    <dgm:txLinClrLst/>
+    <dgm:txFillClrLst meth="repeat">
+      <a:schemeClr val="lt1"/>
+    </dgm:txFillClrLst>
+    <dgm:txEffectClrLst/>
+  </dgm:styleLbl>
+  <dgm:styleLbl name="parChTrans1D1">
+    <dgm:fillClrLst meth="repeat">
+      <a:schemeClr val="accent1"/>
+    </dgm:fillClrLst>
+    <dgm:linClrLst meth="repeat">
+      <a:schemeClr val="accent1">
+        <a:shade val="60000"/>
+      </a:schemeClr>
+    </dgm:linClrLst>
+    <dgm:effectClrLst/>
+    <dgm:txLinClrLst/>
+    <dgm:txFillClrLst meth="repeat">
+      <a:schemeClr val="tx1"/>
+    </dgm:txFillClrLst>
+    <dgm:txEffectClrLst/>
+  </dgm:styleLbl>
+  <dgm:styleLbl name="parChTrans1D2">
+    <dgm:fillClrLst meth="repeat">
+      <a:schemeClr val="accent1"/>
+    </dgm:fillClrLst>
+    <dgm:linClrLst meth="repeat">
+      <a:schemeClr val="accent1">
+        <a:shade val="60000"/>
+      </a:schemeClr>
+    </dgm:linClrLst>
+    <dgm:effectClrLst/>
+    <dgm:txLinClrLst/>
+    <dgm:txFillClrLst meth="repeat">
+      <a:schemeClr val="tx1"/>
+    </dgm:txFillClrLst>
+    <dgm:txEffectClrLst/>
+  </dgm:styleLbl>
+  <dgm:styleLbl name="parChTrans1D3">
+    <dgm:fillClrLst meth="repeat">
+      <a:schemeClr val="accent1"/>
+    </dgm:fillClrLst>
+    <dgm:linClrLst meth="repeat">
+      <a:schemeClr val="accent1">
+        <a:shade val="80000"/>
+      </a:schemeClr>
+    </dgm:linClrLst>
+    <dgm:effectClrLst/>
+    <dgm:txLinClrLst/>
+    <dgm:txFillClrLst meth="repeat">
+      <a:schemeClr val="tx1"/>
+    </dgm:txFillClrLst>
+    <dgm:txEffectClrLst/>
+  </dgm:styleLbl>
+  <dgm:styleLbl name="parChTrans1D4">
+    <dgm:fillClrLst meth="repeat">
+      <a:schemeClr val="accent1"/>
+    </dgm:fillClrLst>
+    <dgm:linClrLst meth="repeat">
+      <a:schemeClr val="accent1">
+        <a:shade val="80000"/>
+      </a:schemeClr>
+    </dgm:linClrLst>
+    <dgm:effectClrLst/>
+    <dgm:txLinClrLst/>
+    <dgm:txFillClrLst meth="repeat">
+      <a:schemeClr val="tx1"/>
+    </dgm:txFillClrLst>
+    <dgm:txEffectClrLst/>
+  </dgm:styleLbl>
+  <dgm:styleLbl name="fgAcc1">
+    <dgm:fillClrLst meth="repeat">
+      <a:schemeClr val="lt1">
+        <a:alpha val="90000"/>
+      </a:schemeClr>
+    </dgm:fillClrLst>
+    <dgm:linClrLst meth="repeat">
+      <a:schemeClr val="accent1"/>
+    </dgm:linClrLst>
+    <dgm:effectClrLst/>
+    <dgm:txLinClrLst/>
+    <dgm:txFillClrLst meth="repeat">
+      <a:schemeClr val="dk1"/>
+    </dgm:txFillClrLst>
+    <dgm:txEffectClrLst/>
+  </dgm:styleLbl>
+  <dgm:styleLbl name="conFgAcc1">
+    <dgm:fillClrLst meth="repeat">
+      <a:schemeClr val="lt1">
+        <a:alpha val="90000"/>
+      </a:schemeClr>
+    </dgm:fillClrLst>
+    <dgm:linClrLst meth="repeat">
+      <a:schemeClr val="accent1"/>
+    </dgm:linClrLst>
+    <dgm:effectClrLst/>
+    <dgm:txLinClrLst/>
+    <dgm:txFillClrLst meth="repeat">
+      <a:schemeClr val="dk1"/>
+    </dgm:txFillClrLst>
+    <dgm:txEffectClrLst/>
+  </dgm:styleLbl>
+  <dgm:styleLbl name="alignAcc1">
+    <dgm:fillClrLst meth="repeat">
+      <a:schemeClr val="lt1">
+        <a:alpha val="90000"/>
+      </a:schemeClr>
+    </dgm:fillClrLst>
+    <dgm:linClrLst meth="repeat">
+      <a:schemeClr val="accent1"/>
+    </dgm:linClrLst>
+    <dgm:effectClrLst/>
+    <dgm:txLinClrLst/>
+    <dgm:txFillClrLst meth="repeat">
+      <a:schemeClr val="dk1"/>
+    </dgm:txFillClrLst>
+    <dgm:txEffectClrLst/>
+  </dgm:styleLbl>
+  <dgm:styleLbl name="trAlignAcc1">
+    <dgm:fillClrLst meth="repeat">
+      <a:schemeClr val="lt1">
+        <a:alpha val="40000"/>
+      </a:schemeClr>
+    </dgm:fillClrLst>
+    <dgm:linClrLst meth="repeat">
+      <a:schemeClr val="accent1"/>
+    </dgm:linClrLst>
+    <dgm:effectClrLst/>
+    <dgm:txLinClrLst/>
+    <dgm:txFillClrLst meth="repeat">
+      <a:schemeClr val="dk1"/>
+    </dgm:txFillClrLst>
+    <dgm:txEffectClrLst/>
+  </dgm:styleLbl>
+  <dgm:styleLbl name="bgAcc1">
+    <dgm:fillClrLst meth="repeat">
+      <a:schemeClr val="lt1">
+        <a:alpha val="90000"/>
+      </a:schemeClr>
+    </dgm:fillClrLst>
+    <dgm:linClrLst meth="repeat">
+      <a:schemeClr val="accent1"/>
+    </dgm:linClrLst>
+    <dgm:effectClrLst/>
+    <dgm:txLinClrLst/>
+    <dgm:txFillClrLst meth="repeat">
+      <a:schemeClr val="dk1"/>
+    </dgm:txFillClrLst>
+    <dgm:txEffectClrLst/>
+  </dgm:styleLbl>
+  <dgm:styleLbl name="solidFgAcc1">
+    <dgm:fillClrLst meth="repeat">
+      <a:schemeClr val="lt1"/>
+    </dgm:fillClrLst>
+    <dgm:linClrLst meth="repeat">
+      <a:schemeClr val="accent1"/>
+    </dgm:linClrLst>
+    <dgm:effectClrLst/>
+    <dgm:txLinClrLst/>
+    <dgm:txFillClrLst meth="repeat">
+      <a:schemeClr val="dk1"/>
+    </dgm:txFillClrLst>
+    <dgm:txEffectClrLst/>
+  </dgm:styleLbl>
+  <dgm:styleLbl name="solidAlignAcc1">
+    <dgm:fillClrLst meth="repeat">
+      <a:schemeClr val="lt1"/>
+    </dgm:fillClrLst>
+    <dgm:linClrLst meth="repeat">
+      <a:schemeClr val="accent1"/>
+    </dgm:linClrLst>
+    <dgm:effectClrLst/>
+    <dgm:txLinClrLst/>
+    <dgm:txFillClrLst meth="repeat">
+      <a:schemeClr val="dk1"/>
+    </dgm:txFillClrLst>
+    <dgm:txEffectClrLst/>
+  </dgm:styleLbl>
+  <dgm:styleLbl name="solidBgAcc1">
+    <dgm:fillClrLst meth="repeat">
+      <a:schemeClr val="lt1"/>
+    </dgm:fillClrLst>
+    <dgm:linClrLst meth="repeat">
+      <a:schemeClr val="accent1"/>
+    </dgm:linClrLst>
+    <dgm:effectClrLst/>
+    <dgm:txLinClrLst/>
+    <dgm:txFillClrLst meth="repeat">
+      <a:schemeClr val="dk1"/>
+    </dgm:txFillClrLst>
+    <dgm:txEffectClrLst/>
+  </dgm:styleLbl>
+  <dgm:styleLbl name="fgAccFollowNode1">
+    <dgm:fillClrLst meth="repeat">
+      <a:schemeClr val="accent1">
+        <a:alpha val="90000"/>
+        <a:tint val="40000"/>
+      </a:schemeClr>
+    </dgm:fillClrLst>
+    <dgm:linClrLst meth="repeat">
+      <a:schemeClr val="accent1">
+        <a:alpha val="90000"/>
+        <a:tint val="40000"/>
+      </a:schemeClr>
+    </dgm:linClrLst>
+    <dgm:effectClrLst/>
+    <dgm:txLinClrLst/>
+    <dgm:txFillClrLst meth="repeat">
+      <a:schemeClr val="dk1"/>
+    </dgm:txFillClrLst>
+    <dgm:txEffectClrLst/>
+  </dgm:styleLbl>
+  <dgm:styleLbl name="alignAccFollowNode1">
+    <dgm:fillClrLst meth="repeat">
+      <a:schemeClr val="accent1">
+        <a:alpha val="90000"/>
+        <a:tint val="40000"/>
+      </a:schemeClr>
+    </dgm:fillClrLst>
+    <dgm:linClrLst meth="repeat">
+      <a:schemeClr val="accent1">
+        <a:alpha val="90000"/>
+        <a:tint val="40000"/>
+      </a:schemeClr>
+    </dgm:linClrLst>
+    <dgm:effectClrLst/>
+    <dgm:txLinClrLst/>
+    <dgm:txFillClrLst meth="repeat">
+      <a:schemeClr val="dk1"/>
+    </dgm:txFillClrLst>
+    <dgm:txEffectClrLst/>
+  </dgm:styleLbl>
+  <dgm:styleLbl name="bgAccFollowNode1">
+    <dgm:fillClrLst meth="repeat">
+      <a:schemeClr val="accent1">
+        <a:alpha val="90000"/>
+        <a:tint val="40000"/>
+      </a:schemeClr>
+    </dgm:fillClrLst>
+    <dgm:linClrLst meth="repeat">
+      <a:schemeClr val="accent1">
+        <a:alpha val="90000"/>
+        <a:tint val="40000"/>
+      </a:schemeClr>
+    </dgm:linClrLst>
+    <dgm:effectClrLst/>
+    <dgm:txLinClrLst/>
+    <dgm:txFillClrLst meth="repeat">
+      <a:schemeClr val="dk1"/>
+    </dgm:txFillClrLst>
+    <dgm:txEffectClrLst/>
+  </dgm:styleLbl>
+  <dgm:styleLbl name="fgAcc0">
+    <dgm:fillClrLst meth="repeat">
+      <a:schemeClr val="lt1">
+        <a:alpha val="90000"/>
+      </a:schemeClr>
+    </dgm:fillClrLst>
+    <dgm:linClrLst meth="repeat">
+      <a:schemeClr val="accent1"/>
+    </dgm:linClrLst>
+    <dgm:effectClrLst/>
+    <dgm:txLinClrLst/>
+    <dgm:txFillClrLst meth="repeat">
+      <a:schemeClr val="dk1"/>
+    </dgm:txFillClrLst>
+    <dgm:txEffectClrLst/>
+  </dgm:styleLbl>
+  <dgm:styleLbl name="fgAcc2">
+    <dgm:fillClrLst meth="repeat">
+      <a:schemeClr val="lt1">
+        <a:alpha val="90000"/>
+      </a:schemeClr>
+    </dgm:fillClrLst>
+    <dgm:linClrLst meth="repeat">
+      <a:schemeClr val="accent1"/>
+    </dgm:linClrLst>
+    <dgm:effectClrLst/>
+    <dgm:txLinClrLst/>
+    <dgm:txFillClrLst meth="repeat">
+      <a:schemeClr val="dk1"/>
+    </dgm:txFillClrLst>
+    <dgm:txEffectClrLst/>
+  </dgm:styleLbl>
+  <dgm:styleLbl name="fgAcc3">
+    <dgm:fillClrLst meth="repeat">
+      <a:schemeClr val="lt1">
+        <a:alpha val="90000"/>
+      </a:schemeClr>
+    </dgm:fillClrLst>
+    <dgm:linClrLst meth="repeat">
+      <a:schemeClr val="accent1"/>
+    </dgm:linClrLst>
+    <dgm:effectClrLst/>
+    <dgm:txLinClrLst/>
+    <dgm:txFillClrLst meth="repeat">
+      <a:schemeClr val="dk1"/>
+    </dgm:txFillClrLst>
+    <dgm:txEffectClrLst/>
+  </dgm:styleLbl>
+  <dgm:styleLbl name="fgAcc4">
+    <dgm:fillClrLst meth="repeat">
+      <a:schemeClr val="lt1">
+        <a:alpha val="90000"/>
+      </a:schemeClr>
+    </dgm:fillClrLst>
+    <dgm:linClrLst meth="repeat">
+      <a:schemeClr val="accent1"/>
+    </dgm:linClrLst>
+    <dgm:effectClrLst/>
+    <dgm:txLinClrLst/>
+    <dgm:txFillClrLst meth="repeat">
+      <a:schemeClr val="dk1"/>
+    </dgm:txFillClrLst>
+    <dgm:txEffectClrLst/>
+  </dgm:styleLbl>
+  <dgm:styleLbl name="bgShp">
+    <dgm:fillClrLst meth="repeat">
+      <a:schemeClr val="accent1">
+        <a:tint val="40000"/>
+      </a:schemeClr>
+    </dgm:fillClrLst>
+    <dgm:linClrLst meth="repeat">
+      <a:schemeClr val="accent1"/>
+    </dgm:linClrLst>
+    <dgm:effectClrLst/>
+    <dgm:txLinClrLst/>
+    <dgm:txFillClrLst meth="repeat">
+      <a:schemeClr val="dk1"/>
+    </dgm:txFillClrLst>
+    <dgm:txEffectClrLst/>
+  </dgm:styleLbl>
+  <dgm:styleLbl name="dkBgShp">
+    <dgm:fillClrLst meth="repeat">
+      <a:schemeClr val="accent1">
+        <a:shade val="80000"/>
+      </a:schemeClr>
+    </dgm:fillClrLst>
+    <dgm:linClrLst meth="repeat">
+      <a:schemeClr val="accent1"/>
+    </dgm:linClrLst>
+    <dgm:effectClrLst/>
+    <dgm:txLinClrLst/>
+    <dgm:txFillClrLst meth="repeat">
+      <a:schemeClr val="lt1"/>
+    </dgm:txFillClrLst>
+    <dgm:txEffectClrLst/>
+  </dgm:styleLbl>
+  <dgm:styleLbl name="trBgShp">
+    <dgm:fillClrLst meth="repeat">
+      <a:schemeClr val="accent1">
+        <a:tint val="50000"/>
+        <a:alpha val="40000"/>
+      </a:schemeClr>
+    </dgm:fillClrLst>
+    <dgm:linClrLst meth="repeat">
+      <a:schemeClr val="accent1"/>
+    </dgm:linClrLst>
+    <dgm:effectClrLst/>
+    <dgm:txLinClrLst/>
+    <dgm:txFillClrLst meth="repeat">
+      <a:schemeClr val="lt1"/>
+    </dgm:txFillClrLst>
+    <dgm:txEffectClrLst/>
+  </dgm:styleLbl>
+  <dgm:styleLbl name="fgShp">
+    <dgm:fillClrLst meth="repeat">
+      <a:schemeClr val="accent1">
+        <a:tint val="60000"/>
+      </a:schemeClr>
+    </dgm:fillClrLst>
+    <dgm:linClrLst meth="repeat">
+      <a:schemeClr val="lt1"/>
+    </dgm:linClrLst>
+    <dgm:effectClrLst/>
+    <dgm:txLinClrLst/>
+    <dgm:txFillClrLst meth="repeat">
+      <a:schemeClr val="dk1"/>
+    </dgm:txFillClrLst>
+    <dgm:txEffectClrLst/>
+  </dgm:styleLbl>
+  <dgm:styleLbl name="revTx">
+    <dgm:fillClrLst meth="repeat">
+      <a:schemeClr val="lt1">
+        <a:alpha val="0"/>
+      </a:schemeClr>
+    </dgm:fillClrLst>
+    <dgm:linClrLst meth="repeat">
+      <a:schemeClr val="dk1">
+        <a:alpha val="0"/>
+      </a:schemeClr>
+    </dgm:linClrLst>
+    <dgm:effectClrLst/>
+    <dgm:txLinClrLst/>
+    <dgm:txFillClrLst meth="repeat">
+      <a:schemeClr val="tx1"/>
+    </dgm:txFillClrLst>
+    <dgm:txEffectClrLst/>
+  </dgm:styleLbl>
+</dgm:colorsDef>
+</file>
+
+<file path=ppt/diagrams/colors3.xml><?xml version="1.0" encoding="utf-8"?>
 <dgm:colorsDef xmlns:dgm="http://schemas.openxmlformats.org/drawingml/2006/diagram" xmlns:a="http://schemas.openxmlformats.org/drawingml/2006/main" uniqueId="urn:microsoft.com/office/officeart/2005/8/colors/colorful1">
   <dgm:title val=""/>
   <dgm:desc val=""/>
@@ -2243,31 +8646,31 @@
     </dgm:pt>
   </dgm:ptLst>
   <dgm:cxnLst>
-    <dgm:cxn modelId="{00598E0A-1055-46AE-A5BD-EA15BF9020F1}" type="presOf" srcId="{E2D8F2D1-985F-4FB0-9117-FA61BCC43327}" destId="{99C91090-6E27-4464-89C0-997C0F06F599}" srcOrd="0" destOrd="0" presId="urn:microsoft.com/office/officeart/2008/layout/NameandTitleOrganizationalChart"/>
-    <dgm:cxn modelId="{F655986A-BC5A-4BFB-BE7D-B55A35C5F959}" type="presOf" srcId="{0F09778F-BBEF-40B3-B985-E6DBF854759D}" destId="{F844D984-EFDC-4B39-9025-690279C86CA2}" srcOrd="1" destOrd="0" presId="urn:microsoft.com/office/officeart/2008/layout/NameandTitleOrganizationalChart"/>
+    <dgm:cxn modelId="{679AE615-B0F9-4FAA-826B-A58A4939978C}" type="presOf" srcId="{F6A2B9C7-7C7F-49A7-92DD-083ED8C3EEFA}" destId="{C1AAD226-9BF2-492F-A8C9-045E664A4F5B}" srcOrd="0" destOrd="0" presId="urn:microsoft.com/office/officeart/2008/layout/NameandTitleOrganizationalChart"/>
+    <dgm:cxn modelId="{E81D62FF-7F05-46BA-951A-8C41542B7D90}" type="presOf" srcId="{C5A982D7-B10A-48DB-A994-070FFA042A59}" destId="{C23B6799-7FE7-4C1A-BE8C-2B9D54DA62AE}" srcOrd="0" destOrd="0" presId="urn:microsoft.com/office/officeart/2008/layout/NameandTitleOrganizationalChart"/>
+    <dgm:cxn modelId="{F1E4E460-0AB9-49A3-8644-7E40A08FD112}" type="presOf" srcId="{625FC5B7-CB32-4AC2-B0C9-9F2291C899B4}" destId="{AA108A4A-CB1F-4119-ACA6-B636185CFB0E}" srcOrd="0" destOrd="0" presId="urn:microsoft.com/office/officeart/2008/layout/NameandTitleOrganizationalChart"/>
     <dgm:cxn modelId="{0C10F881-5C93-4137-8DF6-D3440B24F59C}" srcId="{0F09778F-BBEF-40B3-B985-E6DBF854759D}" destId="{E66688AD-2279-489D-8DF6-D8D10FC6BEBE}" srcOrd="1" destOrd="0" parTransId="{E9C74C32-28B6-4CFF-AAF5-AF42CCD95C5F}" sibTransId="{E0B6B7C9-BBF0-4CCC-9CE6-EC53B3B5C75F}"/>
-    <dgm:cxn modelId="{F1E4E460-0AB9-49A3-8644-7E40A08FD112}" type="presOf" srcId="{625FC5B7-CB32-4AC2-B0C9-9F2291C899B4}" destId="{AA108A4A-CB1F-4119-ACA6-B636185CFB0E}" srcOrd="0" destOrd="0" presId="urn:microsoft.com/office/officeart/2008/layout/NameandTitleOrganizationalChart"/>
-    <dgm:cxn modelId="{C27491F4-D429-4F39-9FF3-52F5EB9A4E7B}" type="presOf" srcId="{7C7CD673-F1F5-4AD6-A4EF-B2C014BCF8FE}" destId="{1D074A26-9B81-4881-8190-4CD463733753}" srcOrd="0" destOrd="0" presId="urn:microsoft.com/office/officeart/2008/layout/NameandTitleOrganizationalChart"/>
-    <dgm:cxn modelId="{E81D62FF-7F05-46BA-951A-8C41542B7D90}" type="presOf" srcId="{C5A982D7-B10A-48DB-A994-070FFA042A59}" destId="{C23B6799-7FE7-4C1A-BE8C-2B9D54DA62AE}" srcOrd="0" destOrd="0" presId="urn:microsoft.com/office/officeart/2008/layout/NameandTitleOrganizationalChart"/>
+    <dgm:cxn modelId="{1E6FE38D-FF53-4880-9650-94EB4197FD1E}" type="presOf" srcId="{B6C11D28-2C01-4879-9F68-65F00425FC52}" destId="{2FB1EF04-A957-411E-8A9B-C0CA7FA67425}" srcOrd="0" destOrd="0" presId="urn:microsoft.com/office/officeart/2008/layout/NameandTitleOrganizationalChart"/>
+    <dgm:cxn modelId="{28B194EC-E0F2-47CA-BE6E-F6AEC189BFE7}" type="presOf" srcId="{E66688AD-2279-489D-8DF6-D8D10FC6BEBE}" destId="{E7CD9CB7-D71A-4A34-88B7-ACA51759CDAE}" srcOrd="0" destOrd="0" presId="urn:microsoft.com/office/officeart/2008/layout/NameandTitleOrganizationalChart"/>
+    <dgm:cxn modelId="{B1B8FA3D-243F-460B-B2DE-DE9F5B2216F2}" srcId="{B6C11D28-2C01-4879-9F68-65F00425FC52}" destId="{0F09778F-BBEF-40B3-B985-E6DBF854759D}" srcOrd="0" destOrd="0" parTransId="{1DB40701-46BF-4C31-B424-1C031C3F93A4}" sibTransId="{B0509BC5-6DC1-4E56-AB9A-621AFC941C95}"/>
     <dgm:cxn modelId="{F3CDD79B-58EF-4BA3-9CA0-92DB4B5DDDEE}" type="presOf" srcId="{C5A982D7-B10A-48DB-A994-070FFA042A59}" destId="{D42DBD0F-F1BF-4F55-9DA5-1A32E25F8999}" srcOrd="1" destOrd="0" presId="urn:microsoft.com/office/officeart/2008/layout/NameandTitleOrganizationalChart"/>
+    <dgm:cxn modelId="{50483365-65BC-48CC-94D4-688B7411A348}" type="presOf" srcId="{E71B1817-713E-48B7-8B24-F2C1BF390064}" destId="{CDA81E17-E728-46F3-AD2E-E6AD46D9BBD8}" srcOrd="0" destOrd="0" presId="urn:microsoft.com/office/officeart/2008/layout/NameandTitleOrganizationalChart"/>
+    <dgm:cxn modelId="{E00F6110-555A-4251-982D-416DCAD42A5C}" type="presOf" srcId="{625FC5B7-CB32-4AC2-B0C9-9F2291C899B4}" destId="{AA417ABE-CB46-4973-8E11-1381D382E711}" srcOrd="1" destOrd="0" presId="urn:microsoft.com/office/officeart/2008/layout/NameandTitleOrganizationalChart"/>
+    <dgm:cxn modelId="{6A31DEE2-7F02-49D8-9DCF-714DFE0C1C45}" type="presOf" srcId="{BA77D3F0-5563-4943-BA88-E9E7997856FC}" destId="{ABE1D576-D2DF-442A-A70C-FD84633ED43D}" srcOrd="0" destOrd="0" presId="urn:microsoft.com/office/officeart/2008/layout/NameandTitleOrganizationalChart"/>
     <dgm:cxn modelId="{4C701DFA-971B-4F33-AA75-AF0C1BE2FDA7}" type="presOf" srcId="{B0509BC5-6DC1-4E56-AB9A-621AFC941C95}" destId="{C11E0B58-073B-4A2B-BBC5-C01BFBEA3428}" srcOrd="0" destOrd="0" presId="urn:microsoft.com/office/officeart/2008/layout/NameandTitleOrganizationalChart"/>
+    <dgm:cxn modelId="{70542892-2255-452B-8C5C-796AAB8F046D}" type="presOf" srcId="{E9C74C32-28B6-4CFF-AAF5-AF42CCD95C5F}" destId="{3FF96185-B363-4A39-AD01-53645593D8A4}" srcOrd="0" destOrd="0" presId="urn:microsoft.com/office/officeart/2008/layout/NameandTitleOrganizationalChart"/>
+    <dgm:cxn modelId="{FE955BE0-186D-4D6F-80FA-410B39B81244}" type="presOf" srcId="{0F09778F-BBEF-40B3-B985-E6DBF854759D}" destId="{3544E3E7-6E27-4A2D-B1DC-1A5CE468590B}" srcOrd="0" destOrd="0" presId="urn:microsoft.com/office/officeart/2008/layout/NameandTitleOrganizationalChart"/>
     <dgm:cxn modelId="{1A027195-67EF-4296-93A0-E1BD3D89F91C}" srcId="{0F09778F-BBEF-40B3-B985-E6DBF854759D}" destId="{C5A982D7-B10A-48DB-A994-070FFA042A59}" srcOrd="2" destOrd="0" parTransId="{F6A2B9C7-7C7F-49A7-92DD-083ED8C3EEFA}" sibTransId="{BA77D3F0-5563-4943-BA88-E9E7997856FC}"/>
     <dgm:cxn modelId="{E3E8121E-C0E2-4F14-A6B4-E76D7487505C}" type="presOf" srcId="{E28CD74E-8A66-44FC-AA79-899000A93D1C}" destId="{79751DA8-13B7-4D83-ACA4-8878A25675F6}" srcOrd="0" destOrd="0" presId="urn:microsoft.com/office/officeart/2008/layout/NameandTitleOrganizationalChart"/>
+    <dgm:cxn modelId="{C27491F4-D429-4F39-9FF3-52F5EB9A4E7B}" type="presOf" srcId="{7C7CD673-F1F5-4AD6-A4EF-B2C014BCF8FE}" destId="{1D074A26-9B81-4881-8190-4CD463733753}" srcOrd="0" destOrd="0" presId="urn:microsoft.com/office/officeart/2008/layout/NameandTitleOrganizationalChart"/>
+    <dgm:cxn modelId="{0826485B-141F-45D2-8AAD-8A848FF114F6}" srcId="{0F09778F-BBEF-40B3-B985-E6DBF854759D}" destId="{8FB384A4-B9BF-4EC5-9C1C-B6BFEC622841}" srcOrd="0" destOrd="0" parTransId="{E2D8F2D1-985F-4FB0-9117-FA61BCC43327}" sibTransId="{E28CD74E-8A66-44FC-AA79-899000A93D1C}"/>
+    <dgm:cxn modelId="{02F477C1-D60F-4785-A437-2CC54409BEA4}" type="presOf" srcId="{8FB384A4-B9BF-4EC5-9C1C-B6BFEC622841}" destId="{5754D3EB-A4B5-4F8E-ACEE-5BE5839A8702}" srcOrd="1" destOrd="0" presId="urn:microsoft.com/office/officeart/2008/layout/NameandTitleOrganizationalChart"/>
     <dgm:cxn modelId="{0DF191E3-0653-4A09-965A-D076207850B4}" type="presOf" srcId="{E0B6B7C9-BBF0-4CCC-9CE6-EC53B3B5C75F}" destId="{A6E6D66C-F143-430D-BA5B-A7922A31C720}" srcOrd="0" destOrd="0" presId="urn:microsoft.com/office/officeart/2008/layout/NameandTitleOrganizationalChart"/>
+    <dgm:cxn modelId="{F655986A-BC5A-4BFB-BE7D-B55A35C5F959}" type="presOf" srcId="{0F09778F-BBEF-40B3-B985-E6DBF854759D}" destId="{F844D984-EFDC-4B39-9025-690279C86CA2}" srcOrd="1" destOrd="0" presId="urn:microsoft.com/office/officeart/2008/layout/NameandTitleOrganizationalChart"/>
     <dgm:cxn modelId="{ED4F5167-4B6C-4004-8102-D8A4BE9B8015}" type="presOf" srcId="{E66688AD-2279-489D-8DF6-D8D10FC6BEBE}" destId="{C018365D-E358-4743-AAF2-CB7AF1FB0701}" srcOrd="1" destOrd="0" presId="urn:microsoft.com/office/officeart/2008/layout/NameandTitleOrganizationalChart"/>
-    <dgm:cxn modelId="{E00F6110-555A-4251-982D-416DCAD42A5C}" type="presOf" srcId="{625FC5B7-CB32-4AC2-B0C9-9F2291C899B4}" destId="{AA417ABE-CB46-4973-8E11-1381D382E711}" srcOrd="1" destOrd="0" presId="urn:microsoft.com/office/officeart/2008/layout/NameandTitleOrganizationalChart"/>
-    <dgm:cxn modelId="{6A31DEE2-7F02-49D8-9DCF-714DFE0C1C45}" type="presOf" srcId="{BA77D3F0-5563-4943-BA88-E9E7997856FC}" destId="{ABE1D576-D2DF-442A-A70C-FD84633ED43D}" srcOrd="0" destOrd="0" presId="urn:microsoft.com/office/officeart/2008/layout/NameandTitleOrganizationalChart"/>
-    <dgm:cxn modelId="{FE955BE0-186D-4D6F-80FA-410B39B81244}" type="presOf" srcId="{0F09778F-BBEF-40B3-B985-E6DBF854759D}" destId="{3544E3E7-6E27-4A2D-B1DC-1A5CE468590B}" srcOrd="0" destOrd="0" presId="urn:microsoft.com/office/officeart/2008/layout/NameandTitleOrganizationalChart"/>
-    <dgm:cxn modelId="{679AE615-B0F9-4FAA-826B-A58A4939978C}" type="presOf" srcId="{F6A2B9C7-7C7F-49A7-92DD-083ED8C3EEFA}" destId="{C1AAD226-9BF2-492F-A8C9-045E664A4F5B}" srcOrd="0" destOrd="0" presId="urn:microsoft.com/office/officeart/2008/layout/NameandTitleOrganizationalChart"/>
-    <dgm:cxn modelId="{1E6FE38D-FF53-4880-9650-94EB4197FD1E}" type="presOf" srcId="{B6C11D28-2C01-4879-9F68-65F00425FC52}" destId="{2FB1EF04-A957-411E-8A9B-C0CA7FA67425}" srcOrd="0" destOrd="0" presId="urn:microsoft.com/office/officeart/2008/layout/NameandTitleOrganizationalChart"/>
-    <dgm:cxn modelId="{28B194EC-E0F2-47CA-BE6E-F6AEC189BFE7}" type="presOf" srcId="{E66688AD-2279-489D-8DF6-D8D10FC6BEBE}" destId="{E7CD9CB7-D71A-4A34-88B7-ACA51759CDAE}" srcOrd="0" destOrd="0" presId="urn:microsoft.com/office/officeart/2008/layout/NameandTitleOrganizationalChart"/>
+    <dgm:cxn modelId="{F18AFCB7-5CCD-4E95-A240-857F8F1DCBD5}" type="presOf" srcId="{8FB384A4-B9BF-4EC5-9C1C-B6BFEC622841}" destId="{56C552A1-1526-468F-8DFA-EDCC362BCBF9}" srcOrd="0" destOrd="0" presId="urn:microsoft.com/office/officeart/2008/layout/NameandTitleOrganizationalChart"/>
     <dgm:cxn modelId="{C1797EE5-A11F-4AD1-B398-265576DDC6AD}" srcId="{0F09778F-BBEF-40B3-B985-E6DBF854759D}" destId="{625FC5B7-CB32-4AC2-B0C9-9F2291C899B4}" srcOrd="3" destOrd="0" parTransId="{7C7CD673-F1F5-4AD6-A4EF-B2C014BCF8FE}" sibTransId="{E71B1817-713E-48B7-8B24-F2C1BF390064}"/>
-    <dgm:cxn modelId="{F18AFCB7-5CCD-4E95-A240-857F8F1DCBD5}" type="presOf" srcId="{8FB384A4-B9BF-4EC5-9C1C-B6BFEC622841}" destId="{56C552A1-1526-468F-8DFA-EDCC362BCBF9}" srcOrd="0" destOrd="0" presId="urn:microsoft.com/office/officeart/2008/layout/NameandTitleOrganizationalChart"/>
-    <dgm:cxn modelId="{50483365-65BC-48CC-94D4-688B7411A348}" type="presOf" srcId="{E71B1817-713E-48B7-8B24-F2C1BF390064}" destId="{CDA81E17-E728-46F3-AD2E-E6AD46D9BBD8}" srcOrd="0" destOrd="0" presId="urn:microsoft.com/office/officeart/2008/layout/NameandTitleOrganizationalChart"/>
-    <dgm:cxn modelId="{0826485B-141F-45D2-8AAD-8A848FF114F6}" srcId="{0F09778F-BBEF-40B3-B985-E6DBF854759D}" destId="{8FB384A4-B9BF-4EC5-9C1C-B6BFEC622841}" srcOrd="0" destOrd="0" parTransId="{E2D8F2D1-985F-4FB0-9117-FA61BCC43327}" sibTransId="{E28CD74E-8A66-44FC-AA79-899000A93D1C}"/>
-    <dgm:cxn modelId="{B1B8FA3D-243F-460B-B2DE-DE9F5B2216F2}" srcId="{B6C11D28-2C01-4879-9F68-65F00425FC52}" destId="{0F09778F-BBEF-40B3-B985-E6DBF854759D}" srcOrd="0" destOrd="0" parTransId="{1DB40701-46BF-4C31-B424-1C031C3F93A4}" sibTransId="{B0509BC5-6DC1-4E56-AB9A-621AFC941C95}"/>
-    <dgm:cxn modelId="{02F477C1-D60F-4785-A437-2CC54409BEA4}" type="presOf" srcId="{8FB384A4-B9BF-4EC5-9C1C-B6BFEC622841}" destId="{5754D3EB-A4B5-4F8E-ACEE-5BE5839A8702}" srcOrd="1" destOrd="0" presId="urn:microsoft.com/office/officeart/2008/layout/NameandTitleOrganizationalChart"/>
-    <dgm:cxn modelId="{70542892-2255-452B-8C5C-796AAB8F046D}" type="presOf" srcId="{E9C74C32-28B6-4CFF-AAF5-AF42CCD95C5F}" destId="{3FF96185-B363-4A39-AD01-53645593D8A4}" srcOrd="0" destOrd="0" presId="urn:microsoft.com/office/officeart/2008/layout/NameandTitleOrganizationalChart"/>
+    <dgm:cxn modelId="{00598E0A-1055-46AE-A5BD-EA15BF9020F1}" type="presOf" srcId="{E2D8F2D1-985F-4FB0-9117-FA61BCC43327}" destId="{99C91090-6E27-4464-89C0-997C0F06F599}" srcOrd="0" destOrd="0" presId="urn:microsoft.com/office/officeart/2008/layout/NameandTitleOrganizationalChart"/>
     <dgm:cxn modelId="{256DC1A2-6B92-42D2-A9C4-10FE4808A5EB}" type="presParOf" srcId="{2FB1EF04-A957-411E-8A9B-C0CA7FA67425}" destId="{BB20D88C-7D7D-4EF2-AF1B-221070122E98}" srcOrd="0" destOrd="0" presId="urn:microsoft.com/office/officeart/2008/layout/NameandTitleOrganizationalChart"/>
     <dgm:cxn modelId="{2C268A4D-893A-4684-B048-B7C02CD88CD6}" type="presParOf" srcId="{BB20D88C-7D7D-4EF2-AF1B-221070122E98}" destId="{F3EE9C39-9A08-4F36-B2D4-F4E056031828}" srcOrd="0" destOrd="0" presId="urn:microsoft.com/office/officeart/2008/layout/NameandTitleOrganizationalChart"/>
     <dgm:cxn modelId="{266DE84C-6C79-449B-BB14-9E67C3276932}" type="presParOf" srcId="{F3EE9C39-9A08-4F36-B2D4-F4E056031828}" destId="{3544E3E7-6E27-4A2D-B1DC-1A5CE468590B}" srcOrd="0" destOrd="0" presId="urn:microsoft.com/office/officeart/2008/layout/NameandTitleOrganizationalChart"/>
@@ -2319,6 +8722,277 @@
 </file>
 
 <file path=ppt/diagrams/data2.xml><?xml version="1.0" encoding="utf-8"?>
+<dgm:dataModel xmlns:dgm="http://schemas.openxmlformats.org/drawingml/2006/diagram" xmlns:a="http://schemas.openxmlformats.org/drawingml/2006/main">
+  <dgm:ptLst>
+    <dgm:pt modelId="{2C775BE6-FFD9-4678-AE3B-713B838028D5}" type="doc">
+      <dgm:prSet loTypeId="urn:microsoft.com/office/officeart/2005/8/layout/process1" loCatId="process" qsTypeId="urn:microsoft.com/office/officeart/2005/8/quickstyle/simple1" qsCatId="simple" csTypeId="urn:microsoft.com/office/officeart/2005/8/colors/accent1_2" csCatId="accent1" phldr="1"/>
+      <dgm:spPr/>
+    </dgm:pt>
+    <dgm:pt modelId="{DDCCF90C-D769-423F-95F2-672796386042}">
+      <dgm:prSet phldrT="[Text]"/>
+      <dgm:spPr/>
+      <dgm:t>
+        <a:bodyPr/>
+        <a:lstStyle/>
+        <a:p>
+          <a:r>
+            <a:rPr lang="de-DE" dirty="0"/>
+            <a:t>Initialisierung</a:t>
+          </a:r>
+        </a:p>
+      </dgm:t>
+    </dgm:pt>
+    <dgm:pt modelId="{ADD6035B-91E7-4649-BB2C-378A3A8A73D3}" type="parTrans" cxnId="{C6828FFC-77AC-4F99-BBAC-31D24B61889C}">
+      <dgm:prSet/>
+      <dgm:spPr/>
+    </dgm:pt>
+    <dgm:pt modelId="{67B0C7C9-29A4-4A33-ABF6-27D6DD264A26}" type="sibTrans" cxnId="{C6828FFC-77AC-4F99-BBAC-31D24B61889C}">
+      <dgm:prSet/>
+      <dgm:spPr/>
+      <dgm:t>
+        <a:bodyPr/>
+        <a:lstStyle/>
+        <a:p>
+          <a:endParaRPr lang="de-DE"/>
+        </a:p>
+      </dgm:t>
+    </dgm:pt>
+    <dgm:pt modelId="{C25B03C4-0051-448D-8229-16EE6859C555}">
+      <dgm:prSet phldrT="[Text]"/>
+      <dgm:spPr/>
+      <dgm:t>
+        <a:bodyPr/>
+        <a:lstStyle/>
+        <a:p>
+          <a:r>
+            <a:rPr lang="de-DE" dirty="0"/>
+            <a:t>Definition</a:t>
+          </a:r>
+        </a:p>
+      </dgm:t>
+    </dgm:pt>
+    <dgm:pt modelId="{3938CFD4-DCA8-428E-9EE7-64B1F1C5A948}" type="parTrans" cxnId="{9E1FCEDB-13ED-4A58-8BFB-705082E9FF00}">
+      <dgm:prSet/>
+      <dgm:spPr/>
+    </dgm:pt>
+    <dgm:pt modelId="{8E323399-BDA5-4F69-9DFD-E9325D43AD51}" type="sibTrans" cxnId="{9E1FCEDB-13ED-4A58-8BFB-705082E9FF00}">
+      <dgm:prSet/>
+      <dgm:spPr/>
+      <dgm:t>
+        <a:bodyPr/>
+        <a:lstStyle/>
+        <a:p>
+          <a:endParaRPr lang="de-DE"/>
+        </a:p>
+      </dgm:t>
+    </dgm:pt>
+    <dgm:pt modelId="{6382B778-7381-439D-A2A1-6122F4DF9632}">
+      <dgm:prSet phldrT="[Text]"/>
+      <dgm:spPr/>
+      <dgm:t>
+        <a:bodyPr/>
+        <a:lstStyle/>
+        <a:p>
+          <a:r>
+            <a:rPr lang="de-DE" dirty="0"/>
+            <a:t>Planung</a:t>
+          </a:r>
+        </a:p>
+      </dgm:t>
+    </dgm:pt>
+    <dgm:pt modelId="{574138CB-7397-4A63-9ADA-CFF5E7EE09BD}" type="parTrans" cxnId="{9F3D5653-DD0D-4064-9E69-54639CED3A68}">
+      <dgm:prSet/>
+      <dgm:spPr/>
+    </dgm:pt>
+    <dgm:pt modelId="{2BC67C2E-C495-4D91-925A-8D698E0396F2}" type="sibTrans" cxnId="{9F3D5653-DD0D-4064-9E69-54639CED3A68}">
+      <dgm:prSet/>
+      <dgm:spPr/>
+      <dgm:t>
+        <a:bodyPr/>
+        <a:lstStyle/>
+        <a:p>
+          <a:endParaRPr lang="de-DE"/>
+        </a:p>
+      </dgm:t>
+    </dgm:pt>
+    <dgm:pt modelId="{827D6214-358D-424B-9F54-AF23819BC946}">
+      <dgm:prSet phldrT="[Text]"/>
+      <dgm:spPr/>
+      <dgm:t>
+        <a:bodyPr/>
+        <a:lstStyle/>
+        <a:p>
+          <a:r>
+            <a:rPr lang="de-DE" dirty="0"/>
+            <a:t>Steuerung</a:t>
+          </a:r>
+        </a:p>
+      </dgm:t>
+    </dgm:pt>
+    <dgm:pt modelId="{A973C64B-901B-4FBC-914A-F08531274B74}" type="parTrans" cxnId="{60821407-C9F0-4E41-80CC-F72BA6890354}">
+      <dgm:prSet/>
+      <dgm:spPr/>
+    </dgm:pt>
+    <dgm:pt modelId="{951E90CF-25EF-4FC8-A2C2-AA0DE1D80379}" type="sibTrans" cxnId="{60821407-C9F0-4E41-80CC-F72BA6890354}">
+      <dgm:prSet/>
+      <dgm:spPr/>
+      <dgm:t>
+        <a:bodyPr/>
+        <a:lstStyle/>
+        <a:p>
+          <a:endParaRPr lang="de-DE"/>
+        </a:p>
+      </dgm:t>
+    </dgm:pt>
+    <dgm:pt modelId="{46C56666-60C9-46EC-B86B-C38D49853D78}">
+      <dgm:prSet phldrT="[Text]"/>
+      <dgm:spPr/>
+      <dgm:t>
+        <a:bodyPr/>
+        <a:lstStyle/>
+        <a:p>
+          <a:r>
+            <a:rPr lang="de-DE" dirty="0"/>
+            <a:t>Abschluss</a:t>
+          </a:r>
+        </a:p>
+      </dgm:t>
+    </dgm:pt>
+    <dgm:pt modelId="{0116C846-4F7A-4278-9437-9F1CC7FB7A3C}" type="parTrans" cxnId="{CBF80183-2EB0-4278-A38C-DDAAFA4984FA}">
+      <dgm:prSet/>
+      <dgm:spPr/>
+    </dgm:pt>
+    <dgm:pt modelId="{AED635C5-C02E-4404-B18C-15B9F3F141FA}" type="sibTrans" cxnId="{CBF80183-2EB0-4278-A38C-DDAAFA4984FA}">
+      <dgm:prSet/>
+      <dgm:spPr/>
+    </dgm:pt>
+    <dgm:pt modelId="{9692A7FE-BD93-4DCD-8953-651CCDAC9E01}" type="pres">
+      <dgm:prSet presAssocID="{2C775BE6-FFD9-4678-AE3B-713B838028D5}" presName="Name0" presStyleCnt="0">
+        <dgm:presLayoutVars>
+          <dgm:dir/>
+          <dgm:resizeHandles val="exact"/>
+        </dgm:presLayoutVars>
+      </dgm:prSet>
+      <dgm:spPr/>
+    </dgm:pt>
+    <dgm:pt modelId="{770A9DD3-E4CC-4E32-B493-60441BD56B17}" type="pres">
+      <dgm:prSet presAssocID="{DDCCF90C-D769-423F-95F2-672796386042}" presName="node" presStyleLbl="node1" presStyleIdx="0" presStyleCnt="5">
+        <dgm:presLayoutVars>
+          <dgm:bulletEnabled val="1"/>
+        </dgm:presLayoutVars>
+      </dgm:prSet>
+      <dgm:spPr/>
+    </dgm:pt>
+    <dgm:pt modelId="{CDFC9BC9-18E0-46C4-855F-D6D43C6F42CE}" type="pres">
+      <dgm:prSet presAssocID="{67B0C7C9-29A4-4A33-ABF6-27D6DD264A26}" presName="sibTrans" presStyleLbl="sibTrans2D1" presStyleIdx="0" presStyleCnt="4"/>
+      <dgm:spPr/>
+    </dgm:pt>
+    <dgm:pt modelId="{A60DF141-9675-41CE-846F-FFF96525AF1A}" type="pres">
+      <dgm:prSet presAssocID="{67B0C7C9-29A4-4A33-ABF6-27D6DD264A26}" presName="connectorText" presStyleLbl="sibTrans2D1" presStyleIdx="0" presStyleCnt="4"/>
+      <dgm:spPr/>
+    </dgm:pt>
+    <dgm:pt modelId="{95A1D884-B507-477E-8FA7-EC26F36D96CB}" type="pres">
+      <dgm:prSet presAssocID="{C25B03C4-0051-448D-8229-16EE6859C555}" presName="node" presStyleLbl="node1" presStyleIdx="1" presStyleCnt="5">
+        <dgm:presLayoutVars>
+          <dgm:bulletEnabled val="1"/>
+        </dgm:presLayoutVars>
+      </dgm:prSet>
+      <dgm:spPr/>
+    </dgm:pt>
+    <dgm:pt modelId="{D089CC68-5571-41C6-AE4F-9EC473A665E3}" type="pres">
+      <dgm:prSet presAssocID="{8E323399-BDA5-4F69-9DFD-E9325D43AD51}" presName="sibTrans" presStyleLbl="sibTrans2D1" presStyleIdx="1" presStyleCnt="4"/>
+      <dgm:spPr/>
+    </dgm:pt>
+    <dgm:pt modelId="{BA176905-4783-402D-8D7A-5E1653F05E13}" type="pres">
+      <dgm:prSet presAssocID="{8E323399-BDA5-4F69-9DFD-E9325D43AD51}" presName="connectorText" presStyleLbl="sibTrans2D1" presStyleIdx="1" presStyleCnt="4"/>
+      <dgm:spPr/>
+    </dgm:pt>
+    <dgm:pt modelId="{BB174CA1-7CD2-46AD-B29C-B9F5BB7EA064}" type="pres">
+      <dgm:prSet presAssocID="{6382B778-7381-439D-A2A1-6122F4DF9632}" presName="node" presStyleLbl="node1" presStyleIdx="2" presStyleCnt="5">
+        <dgm:presLayoutVars>
+          <dgm:bulletEnabled val="1"/>
+        </dgm:presLayoutVars>
+      </dgm:prSet>
+      <dgm:spPr/>
+    </dgm:pt>
+    <dgm:pt modelId="{ACE42F0E-8FA7-49AA-9A82-364EA1F509A1}" type="pres">
+      <dgm:prSet presAssocID="{2BC67C2E-C495-4D91-925A-8D698E0396F2}" presName="sibTrans" presStyleLbl="sibTrans2D1" presStyleIdx="2" presStyleCnt="4"/>
+      <dgm:spPr/>
+    </dgm:pt>
+    <dgm:pt modelId="{FDEE9D0D-E0FD-4F1A-B204-FAE08DC0C6DC}" type="pres">
+      <dgm:prSet presAssocID="{2BC67C2E-C495-4D91-925A-8D698E0396F2}" presName="connectorText" presStyleLbl="sibTrans2D1" presStyleIdx="2" presStyleCnt="4"/>
+      <dgm:spPr/>
+    </dgm:pt>
+    <dgm:pt modelId="{8A1D632A-105E-48A3-9429-E62C2379FEF7}" type="pres">
+      <dgm:prSet presAssocID="{827D6214-358D-424B-9F54-AF23819BC946}" presName="node" presStyleLbl="node1" presStyleIdx="3" presStyleCnt="5">
+        <dgm:presLayoutVars>
+          <dgm:bulletEnabled val="1"/>
+        </dgm:presLayoutVars>
+      </dgm:prSet>
+      <dgm:spPr/>
+    </dgm:pt>
+    <dgm:pt modelId="{4B1E4722-2BAD-48CF-AB15-4DDDCDE143CE}" type="pres">
+      <dgm:prSet presAssocID="{951E90CF-25EF-4FC8-A2C2-AA0DE1D80379}" presName="sibTrans" presStyleLbl="sibTrans2D1" presStyleIdx="3" presStyleCnt="4"/>
+      <dgm:spPr/>
+    </dgm:pt>
+    <dgm:pt modelId="{0B814EE3-D208-48F4-8633-767EADAC3B97}" type="pres">
+      <dgm:prSet presAssocID="{951E90CF-25EF-4FC8-A2C2-AA0DE1D80379}" presName="connectorText" presStyleLbl="sibTrans2D1" presStyleIdx="3" presStyleCnt="4"/>
+      <dgm:spPr/>
+    </dgm:pt>
+    <dgm:pt modelId="{490552E8-260E-47EF-A3BC-019A6D67A44E}" type="pres">
+      <dgm:prSet presAssocID="{46C56666-60C9-46EC-B86B-C38D49853D78}" presName="node" presStyleLbl="node1" presStyleIdx="4" presStyleCnt="5">
+        <dgm:presLayoutVars>
+          <dgm:bulletEnabled val="1"/>
+        </dgm:presLayoutVars>
+      </dgm:prSet>
+      <dgm:spPr/>
+    </dgm:pt>
+  </dgm:ptLst>
+  <dgm:cxnLst>
+    <dgm:cxn modelId="{9E1FCEDB-13ED-4A58-8BFB-705082E9FF00}" srcId="{2C775BE6-FFD9-4678-AE3B-713B838028D5}" destId="{C25B03C4-0051-448D-8229-16EE6859C555}" srcOrd="1" destOrd="0" parTransId="{3938CFD4-DCA8-428E-9EE7-64B1F1C5A948}" sibTransId="{8E323399-BDA5-4F69-9DFD-E9325D43AD51}"/>
+    <dgm:cxn modelId="{9F3D5653-DD0D-4064-9E69-54639CED3A68}" srcId="{2C775BE6-FFD9-4678-AE3B-713B838028D5}" destId="{6382B778-7381-439D-A2A1-6122F4DF9632}" srcOrd="2" destOrd="0" parTransId="{574138CB-7397-4A63-9ADA-CFF5E7EE09BD}" sibTransId="{2BC67C2E-C495-4D91-925A-8D698E0396F2}"/>
+    <dgm:cxn modelId="{62D57FE8-0D1F-40C4-9A52-3BF0DD2576D7}" type="presOf" srcId="{951E90CF-25EF-4FC8-A2C2-AA0DE1D80379}" destId="{4B1E4722-2BAD-48CF-AB15-4DDDCDE143CE}" srcOrd="0" destOrd="0" presId="urn:microsoft.com/office/officeart/2005/8/layout/process1"/>
+    <dgm:cxn modelId="{A7E6FE1A-06F9-4580-9227-0DCD14D3C534}" type="presOf" srcId="{2BC67C2E-C495-4D91-925A-8D698E0396F2}" destId="{ACE42F0E-8FA7-49AA-9A82-364EA1F509A1}" srcOrd="0" destOrd="0" presId="urn:microsoft.com/office/officeart/2005/8/layout/process1"/>
+    <dgm:cxn modelId="{0F63FA12-C360-4367-A1FD-79CC7308E625}" type="presOf" srcId="{8E323399-BDA5-4F69-9DFD-E9325D43AD51}" destId="{D089CC68-5571-41C6-AE4F-9EC473A665E3}" srcOrd="0" destOrd="0" presId="urn:microsoft.com/office/officeart/2005/8/layout/process1"/>
+    <dgm:cxn modelId="{9BDA70D6-A918-41B7-A3FC-126E01785F20}" type="presOf" srcId="{46C56666-60C9-46EC-B86B-C38D49853D78}" destId="{490552E8-260E-47EF-A3BC-019A6D67A44E}" srcOrd="0" destOrd="0" presId="urn:microsoft.com/office/officeart/2005/8/layout/process1"/>
+    <dgm:cxn modelId="{BF30481D-19EF-414C-822D-CA8CAD712538}" type="presOf" srcId="{951E90CF-25EF-4FC8-A2C2-AA0DE1D80379}" destId="{0B814EE3-D208-48F4-8633-767EADAC3B97}" srcOrd="1" destOrd="0" presId="urn:microsoft.com/office/officeart/2005/8/layout/process1"/>
+    <dgm:cxn modelId="{CBF80183-2EB0-4278-A38C-DDAAFA4984FA}" srcId="{2C775BE6-FFD9-4678-AE3B-713B838028D5}" destId="{46C56666-60C9-46EC-B86B-C38D49853D78}" srcOrd="4" destOrd="0" parTransId="{0116C846-4F7A-4278-9437-9F1CC7FB7A3C}" sibTransId="{AED635C5-C02E-4404-B18C-15B9F3F141FA}"/>
+    <dgm:cxn modelId="{C1088DDD-4F89-43ED-BADD-71881D45B47E}" type="presOf" srcId="{DDCCF90C-D769-423F-95F2-672796386042}" destId="{770A9DD3-E4CC-4E32-B493-60441BD56B17}" srcOrd="0" destOrd="0" presId="urn:microsoft.com/office/officeart/2005/8/layout/process1"/>
+    <dgm:cxn modelId="{60821407-C9F0-4E41-80CC-F72BA6890354}" srcId="{2C775BE6-FFD9-4678-AE3B-713B838028D5}" destId="{827D6214-358D-424B-9F54-AF23819BC946}" srcOrd="3" destOrd="0" parTransId="{A973C64B-901B-4FBC-914A-F08531274B74}" sibTransId="{951E90CF-25EF-4FC8-A2C2-AA0DE1D80379}"/>
+    <dgm:cxn modelId="{C6828FFC-77AC-4F99-BBAC-31D24B61889C}" srcId="{2C775BE6-FFD9-4678-AE3B-713B838028D5}" destId="{DDCCF90C-D769-423F-95F2-672796386042}" srcOrd="0" destOrd="0" parTransId="{ADD6035B-91E7-4649-BB2C-378A3A8A73D3}" sibTransId="{67B0C7C9-29A4-4A33-ABF6-27D6DD264A26}"/>
+    <dgm:cxn modelId="{A9EB6041-5587-40CC-91B9-5A00A6794837}" type="presOf" srcId="{8E323399-BDA5-4F69-9DFD-E9325D43AD51}" destId="{BA176905-4783-402D-8D7A-5E1653F05E13}" srcOrd="1" destOrd="0" presId="urn:microsoft.com/office/officeart/2005/8/layout/process1"/>
+    <dgm:cxn modelId="{CF0D760C-985D-4834-BDE8-06A3AE34D684}" type="presOf" srcId="{6382B778-7381-439D-A2A1-6122F4DF9632}" destId="{BB174CA1-7CD2-46AD-B29C-B9F5BB7EA064}" srcOrd="0" destOrd="0" presId="urn:microsoft.com/office/officeart/2005/8/layout/process1"/>
+    <dgm:cxn modelId="{D0500A0A-536B-437A-8FC6-4A489D282FEB}" type="presOf" srcId="{2C775BE6-FFD9-4678-AE3B-713B838028D5}" destId="{9692A7FE-BD93-4DCD-8953-651CCDAC9E01}" srcOrd="0" destOrd="0" presId="urn:microsoft.com/office/officeart/2005/8/layout/process1"/>
+    <dgm:cxn modelId="{D6E130CA-543D-45F5-9724-F79E620CEB89}" type="presOf" srcId="{67B0C7C9-29A4-4A33-ABF6-27D6DD264A26}" destId="{A60DF141-9675-41CE-846F-FFF96525AF1A}" srcOrd="1" destOrd="0" presId="urn:microsoft.com/office/officeart/2005/8/layout/process1"/>
+    <dgm:cxn modelId="{4516CD05-C0D4-4E21-AF16-D95A45867A85}" type="presOf" srcId="{827D6214-358D-424B-9F54-AF23819BC946}" destId="{8A1D632A-105E-48A3-9429-E62C2379FEF7}" srcOrd="0" destOrd="0" presId="urn:microsoft.com/office/officeart/2005/8/layout/process1"/>
+    <dgm:cxn modelId="{14656C0A-8326-4CF0-AAF4-378CF006ED72}" type="presOf" srcId="{C25B03C4-0051-448D-8229-16EE6859C555}" destId="{95A1D884-B507-477E-8FA7-EC26F36D96CB}" srcOrd="0" destOrd="0" presId="urn:microsoft.com/office/officeart/2005/8/layout/process1"/>
+    <dgm:cxn modelId="{5C7C3225-1D33-4D50-8E44-45AB8A363025}" type="presOf" srcId="{2BC67C2E-C495-4D91-925A-8D698E0396F2}" destId="{FDEE9D0D-E0FD-4F1A-B204-FAE08DC0C6DC}" srcOrd="1" destOrd="0" presId="urn:microsoft.com/office/officeart/2005/8/layout/process1"/>
+    <dgm:cxn modelId="{8D0225A0-CC7D-4A13-B78A-ADAE178BF9D1}" type="presOf" srcId="{67B0C7C9-29A4-4A33-ABF6-27D6DD264A26}" destId="{CDFC9BC9-18E0-46C4-855F-D6D43C6F42CE}" srcOrd="0" destOrd="0" presId="urn:microsoft.com/office/officeart/2005/8/layout/process1"/>
+    <dgm:cxn modelId="{CBF66855-A5B9-4C2E-90D2-1CA7234B758A}" type="presParOf" srcId="{9692A7FE-BD93-4DCD-8953-651CCDAC9E01}" destId="{770A9DD3-E4CC-4E32-B493-60441BD56B17}" srcOrd="0" destOrd="0" presId="urn:microsoft.com/office/officeart/2005/8/layout/process1"/>
+    <dgm:cxn modelId="{94FE864B-C8CF-409D-B575-61F822DB05A4}" type="presParOf" srcId="{9692A7FE-BD93-4DCD-8953-651CCDAC9E01}" destId="{CDFC9BC9-18E0-46C4-855F-D6D43C6F42CE}" srcOrd="1" destOrd="0" presId="urn:microsoft.com/office/officeart/2005/8/layout/process1"/>
+    <dgm:cxn modelId="{4A681644-278D-4676-A629-4EC4E10234AA}" type="presParOf" srcId="{CDFC9BC9-18E0-46C4-855F-D6D43C6F42CE}" destId="{A60DF141-9675-41CE-846F-FFF96525AF1A}" srcOrd="0" destOrd="0" presId="urn:microsoft.com/office/officeart/2005/8/layout/process1"/>
+    <dgm:cxn modelId="{BAFA0E0F-BB86-40ED-A9F6-B2B694E727BF}" type="presParOf" srcId="{9692A7FE-BD93-4DCD-8953-651CCDAC9E01}" destId="{95A1D884-B507-477E-8FA7-EC26F36D96CB}" srcOrd="2" destOrd="0" presId="urn:microsoft.com/office/officeart/2005/8/layout/process1"/>
+    <dgm:cxn modelId="{BC063034-F2A0-4308-A2EC-57836318860A}" type="presParOf" srcId="{9692A7FE-BD93-4DCD-8953-651CCDAC9E01}" destId="{D089CC68-5571-41C6-AE4F-9EC473A665E3}" srcOrd="3" destOrd="0" presId="urn:microsoft.com/office/officeart/2005/8/layout/process1"/>
+    <dgm:cxn modelId="{6E2E4E81-6BD9-4333-882D-9846B0696647}" type="presParOf" srcId="{D089CC68-5571-41C6-AE4F-9EC473A665E3}" destId="{BA176905-4783-402D-8D7A-5E1653F05E13}" srcOrd="0" destOrd="0" presId="urn:microsoft.com/office/officeart/2005/8/layout/process1"/>
+    <dgm:cxn modelId="{59BB2AC2-055C-42F5-999E-7C7C92D2BCF2}" type="presParOf" srcId="{9692A7FE-BD93-4DCD-8953-651CCDAC9E01}" destId="{BB174CA1-7CD2-46AD-B29C-B9F5BB7EA064}" srcOrd="4" destOrd="0" presId="urn:microsoft.com/office/officeart/2005/8/layout/process1"/>
+    <dgm:cxn modelId="{1847D30F-DB61-4318-80A5-16AE0C917643}" type="presParOf" srcId="{9692A7FE-BD93-4DCD-8953-651CCDAC9E01}" destId="{ACE42F0E-8FA7-49AA-9A82-364EA1F509A1}" srcOrd="5" destOrd="0" presId="urn:microsoft.com/office/officeart/2005/8/layout/process1"/>
+    <dgm:cxn modelId="{FA6C9FAD-C2C0-4E48-AF27-D17F6DF8053F}" type="presParOf" srcId="{ACE42F0E-8FA7-49AA-9A82-364EA1F509A1}" destId="{FDEE9D0D-E0FD-4F1A-B204-FAE08DC0C6DC}" srcOrd="0" destOrd="0" presId="urn:microsoft.com/office/officeart/2005/8/layout/process1"/>
+    <dgm:cxn modelId="{6016676B-7E17-461C-94F5-016B3C222F40}" type="presParOf" srcId="{9692A7FE-BD93-4DCD-8953-651CCDAC9E01}" destId="{8A1D632A-105E-48A3-9429-E62C2379FEF7}" srcOrd="6" destOrd="0" presId="urn:microsoft.com/office/officeart/2005/8/layout/process1"/>
+    <dgm:cxn modelId="{B4CBA269-D906-48D4-8D97-2D190FE86402}" type="presParOf" srcId="{9692A7FE-BD93-4DCD-8953-651CCDAC9E01}" destId="{4B1E4722-2BAD-48CF-AB15-4DDDCDE143CE}" srcOrd="7" destOrd="0" presId="urn:microsoft.com/office/officeart/2005/8/layout/process1"/>
+    <dgm:cxn modelId="{CB603741-64DF-440C-BEE5-5A737EAF0273}" type="presParOf" srcId="{4B1E4722-2BAD-48CF-AB15-4DDDCDE143CE}" destId="{0B814EE3-D208-48F4-8633-767EADAC3B97}" srcOrd="0" destOrd="0" presId="urn:microsoft.com/office/officeart/2005/8/layout/process1"/>
+    <dgm:cxn modelId="{FD4F48C7-E66A-4563-9A81-47250028B132}" type="presParOf" srcId="{9692A7FE-BD93-4DCD-8953-651CCDAC9E01}" destId="{490552E8-260E-47EF-A3BC-019A6D67A44E}" srcOrd="8" destOrd="0" presId="urn:microsoft.com/office/officeart/2005/8/layout/process1"/>
+  </dgm:cxnLst>
+  <dgm:bg/>
+  <dgm:whole/>
+  <dgm:extLst>
+    <a:ext uri="http://schemas.microsoft.com/office/drawing/2008/diagram">
+      <dsp:dataModelExt xmlns:dsp="http://schemas.microsoft.com/office/drawing/2008/diagram" relId="rId7" minVer="http://schemas.openxmlformats.org/drawingml/2006/diagram"/>
+    </a:ext>
+  </dgm:extLst>
+</dgm:dataModel>
+</file>
+
+<file path=ppt/diagrams/data3.xml><?xml version="1.0" encoding="utf-8"?>
 <dgm:dataModel xmlns:dgm="http://schemas.openxmlformats.org/drawingml/2006/diagram" xmlns:a="http://schemas.openxmlformats.org/drawingml/2006/main">
   <dgm:ptLst>
     <dgm:pt modelId="{02FAB06F-6047-4D7A-99C9-3E0463A33395}" type="doc">
@@ -3595,6 +10269,698 @@
 </file>
 
 <file path=ppt/diagrams/drawing2.xml><?xml version="1.0" encoding="utf-8"?>
+<dsp:drawing xmlns:dgm="http://schemas.openxmlformats.org/drawingml/2006/diagram" xmlns:dsp="http://schemas.microsoft.com/office/drawing/2008/diagram" xmlns:a="http://schemas.openxmlformats.org/drawingml/2006/main">
+  <dsp:spTree>
+    <dsp:nvGrpSpPr>
+      <dsp:cNvPr id="0" name=""/>
+      <dsp:cNvGrpSpPr/>
+    </dsp:nvGrpSpPr>
+    <dsp:grpSpPr/>
+    <dsp:sp modelId="{770A9DD3-E4CC-4E32-B493-60441BD56B17}">
+      <dsp:nvSpPr>
+        <dsp:cNvPr id="0" name=""/>
+        <dsp:cNvSpPr/>
+      </dsp:nvSpPr>
+      <dsp:spPr>
+        <a:xfrm>
+          <a:off x="5134" y="1698153"/>
+          <a:ext cx="1591716" cy="955030"/>
+        </a:xfrm>
+        <a:prstGeom prst="roundRect">
+          <a:avLst>
+            <a:gd name="adj" fmla="val 10000"/>
+          </a:avLst>
+        </a:prstGeom>
+        <a:solidFill>
+          <a:schemeClr val="accent1">
+            <a:hueOff val="0"/>
+            <a:satOff val="0"/>
+            <a:lumOff val="0"/>
+            <a:alphaOff val="0"/>
+          </a:schemeClr>
+        </a:solidFill>
+        <a:ln w="12700" cap="flat" cmpd="sng" algn="ctr">
+          <a:solidFill>
+            <a:schemeClr val="lt1">
+              <a:hueOff val="0"/>
+              <a:satOff val="0"/>
+              <a:lumOff val="0"/>
+              <a:alphaOff val="0"/>
+            </a:schemeClr>
+          </a:solidFill>
+          <a:prstDash val="solid"/>
+          <a:miter lim="800000"/>
+        </a:ln>
+        <a:effectLst/>
+      </dsp:spPr>
+      <dsp:style>
+        <a:lnRef idx="2">
+          <a:scrgbClr r="0" g="0" b="0"/>
+        </a:lnRef>
+        <a:fillRef idx="1">
+          <a:scrgbClr r="0" g="0" b="0"/>
+        </a:fillRef>
+        <a:effectRef idx="0">
+          <a:scrgbClr r="0" g="0" b="0"/>
+        </a:effectRef>
+        <a:fontRef idx="minor">
+          <a:schemeClr val="lt1"/>
+        </a:fontRef>
+      </dsp:style>
+      <dsp:txBody>
+        <a:bodyPr spcFirstLastPara="0" vert="horz" wrap="square" lIns="72390" tIns="72390" rIns="72390" bIns="72390" numCol="1" spcCol="1270" anchor="ctr" anchorCtr="0">
+          <a:noAutofit/>
+        </a:bodyPr>
+        <a:lstStyle/>
+        <a:p>
+          <a:pPr marL="0" lvl="0" indent="0" algn="ctr" defTabSz="844550">
+            <a:lnSpc>
+              <a:spcPct val="90000"/>
+            </a:lnSpc>
+            <a:spcBef>
+              <a:spcPct val="0"/>
+            </a:spcBef>
+            <a:spcAft>
+              <a:spcPct val="35000"/>
+            </a:spcAft>
+            <a:buNone/>
+          </a:pPr>
+          <a:r>
+            <a:rPr lang="de-DE" sz="1900" kern="1200" dirty="0"/>
+            <a:t>Initialisierung</a:t>
+          </a:r>
+        </a:p>
+      </dsp:txBody>
+      <dsp:txXfrm>
+        <a:off x="33106" y="1726125"/>
+        <a:ext cx="1535772" cy="899086"/>
+      </dsp:txXfrm>
+    </dsp:sp>
+    <dsp:sp modelId="{CDFC9BC9-18E0-46C4-855F-D6D43C6F42CE}">
+      <dsp:nvSpPr>
+        <dsp:cNvPr id="0" name=""/>
+        <dsp:cNvSpPr/>
+      </dsp:nvSpPr>
+      <dsp:spPr>
+        <a:xfrm>
+          <a:off x="1756023" y="1978296"/>
+          <a:ext cx="337443" cy="394745"/>
+        </a:xfrm>
+        <a:prstGeom prst="rightArrow">
+          <a:avLst>
+            <a:gd name="adj1" fmla="val 60000"/>
+            <a:gd name="adj2" fmla="val 50000"/>
+          </a:avLst>
+        </a:prstGeom>
+        <a:solidFill>
+          <a:schemeClr val="accent1">
+            <a:tint val="60000"/>
+            <a:hueOff val="0"/>
+            <a:satOff val="0"/>
+            <a:lumOff val="0"/>
+            <a:alphaOff val="0"/>
+          </a:schemeClr>
+        </a:solidFill>
+        <a:ln>
+          <a:noFill/>
+        </a:ln>
+        <a:effectLst/>
+      </dsp:spPr>
+      <dsp:style>
+        <a:lnRef idx="0">
+          <a:scrgbClr r="0" g="0" b="0"/>
+        </a:lnRef>
+        <a:fillRef idx="1">
+          <a:scrgbClr r="0" g="0" b="0"/>
+        </a:fillRef>
+        <a:effectRef idx="0">
+          <a:scrgbClr r="0" g="0" b="0"/>
+        </a:effectRef>
+        <a:fontRef idx="minor">
+          <a:schemeClr val="lt1"/>
+        </a:fontRef>
+      </dsp:style>
+      <dsp:txBody>
+        <a:bodyPr spcFirstLastPara="0" vert="horz" wrap="square" lIns="0" tIns="0" rIns="0" bIns="0" numCol="1" spcCol="1270" anchor="ctr" anchorCtr="0">
+          <a:noAutofit/>
+        </a:bodyPr>
+        <a:lstStyle/>
+        <a:p>
+          <a:pPr marL="0" lvl="0" indent="0" algn="ctr" defTabSz="711200">
+            <a:lnSpc>
+              <a:spcPct val="90000"/>
+            </a:lnSpc>
+            <a:spcBef>
+              <a:spcPct val="0"/>
+            </a:spcBef>
+            <a:spcAft>
+              <a:spcPct val="35000"/>
+            </a:spcAft>
+            <a:buNone/>
+          </a:pPr>
+          <a:endParaRPr lang="de-DE" sz="1600" kern="1200"/>
+        </a:p>
+      </dsp:txBody>
+      <dsp:txXfrm>
+        <a:off x="1756023" y="2057245"/>
+        <a:ext cx="236210" cy="236847"/>
+      </dsp:txXfrm>
+    </dsp:sp>
+    <dsp:sp modelId="{95A1D884-B507-477E-8FA7-EC26F36D96CB}">
+      <dsp:nvSpPr>
+        <dsp:cNvPr id="0" name=""/>
+        <dsp:cNvSpPr/>
+      </dsp:nvSpPr>
+      <dsp:spPr>
+        <a:xfrm>
+          <a:off x="2233538" y="1698153"/>
+          <a:ext cx="1591716" cy="955030"/>
+        </a:xfrm>
+        <a:prstGeom prst="roundRect">
+          <a:avLst>
+            <a:gd name="adj" fmla="val 10000"/>
+          </a:avLst>
+        </a:prstGeom>
+        <a:solidFill>
+          <a:schemeClr val="accent1">
+            <a:hueOff val="0"/>
+            <a:satOff val="0"/>
+            <a:lumOff val="0"/>
+            <a:alphaOff val="0"/>
+          </a:schemeClr>
+        </a:solidFill>
+        <a:ln w="12700" cap="flat" cmpd="sng" algn="ctr">
+          <a:solidFill>
+            <a:schemeClr val="lt1">
+              <a:hueOff val="0"/>
+              <a:satOff val="0"/>
+              <a:lumOff val="0"/>
+              <a:alphaOff val="0"/>
+            </a:schemeClr>
+          </a:solidFill>
+          <a:prstDash val="solid"/>
+          <a:miter lim="800000"/>
+        </a:ln>
+        <a:effectLst/>
+      </dsp:spPr>
+      <dsp:style>
+        <a:lnRef idx="2">
+          <a:scrgbClr r="0" g="0" b="0"/>
+        </a:lnRef>
+        <a:fillRef idx="1">
+          <a:scrgbClr r="0" g="0" b="0"/>
+        </a:fillRef>
+        <a:effectRef idx="0">
+          <a:scrgbClr r="0" g="0" b="0"/>
+        </a:effectRef>
+        <a:fontRef idx="minor">
+          <a:schemeClr val="lt1"/>
+        </a:fontRef>
+      </dsp:style>
+      <dsp:txBody>
+        <a:bodyPr spcFirstLastPara="0" vert="horz" wrap="square" lIns="72390" tIns="72390" rIns="72390" bIns="72390" numCol="1" spcCol="1270" anchor="ctr" anchorCtr="0">
+          <a:noAutofit/>
+        </a:bodyPr>
+        <a:lstStyle/>
+        <a:p>
+          <a:pPr marL="0" lvl="0" indent="0" algn="ctr" defTabSz="844550">
+            <a:lnSpc>
+              <a:spcPct val="90000"/>
+            </a:lnSpc>
+            <a:spcBef>
+              <a:spcPct val="0"/>
+            </a:spcBef>
+            <a:spcAft>
+              <a:spcPct val="35000"/>
+            </a:spcAft>
+            <a:buNone/>
+          </a:pPr>
+          <a:r>
+            <a:rPr lang="de-DE" sz="1900" kern="1200" dirty="0"/>
+            <a:t>Definition</a:t>
+          </a:r>
+        </a:p>
+      </dsp:txBody>
+      <dsp:txXfrm>
+        <a:off x="2261510" y="1726125"/>
+        <a:ext cx="1535772" cy="899086"/>
+      </dsp:txXfrm>
+    </dsp:sp>
+    <dsp:sp modelId="{D089CC68-5571-41C6-AE4F-9EC473A665E3}">
+      <dsp:nvSpPr>
+        <dsp:cNvPr id="0" name=""/>
+        <dsp:cNvSpPr/>
+      </dsp:nvSpPr>
+      <dsp:spPr>
+        <a:xfrm>
+          <a:off x="3984426" y="1978296"/>
+          <a:ext cx="337443" cy="394745"/>
+        </a:xfrm>
+        <a:prstGeom prst="rightArrow">
+          <a:avLst>
+            <a:gd name="adj1" fmla="val 60000"/>
+            <a:gd name="adj2" fmla="val 50000"/>
+          </a:avLst>
+        </a:prstGeom>
+        <a:solidFill>
+          <a:schemeClr val="accent1">
+            <a:tint val="60000"/>
+            <a:hueOff val="0"/>
+            <a:satOff val="0"/>
+            <a:lumOff val="0"/>
+            <a:alphaOff val="0"/>
+          </a:schemeClr>
+        </a:solidFill>
+        <a:ln>
+          <a:noFill/>
+        </a:ln>
+        <a:effectLst/>
+      </dsp:spPr>
+      <dsp:style>
+        <a:lnRef idx="0">
+          <a:scrgbClr r="0" g="0" b="0"/>
+        </a:lnRef>
+        <a:fillRef idx="1">
+          <a:scrgbClr r="0" g="0" b="0"/>
+        </a:fillRef>
+        <a:effectRef idx="0">
+          <a:scrgbClr r="0" g="0" b="0"/>
+        </a:effectRef>
+        <a:fontRef idx="minor">
+          <a:schemeClr val="lt1"/>
+        </a:fontRef>
+      </dsp:style>
+      <dsp:txBody>
+        <a:bodyPr spcFirstLastPara="0" vert="horz" wrap="square" lIns="0" tIns="0" rIns="0" bIns="0" numCol="1" spcCol="1270" anchor="ctr" anchorCtr="0">
+          <a:noAutofit/>
+        </a:bodyPr>
+        <a:lstStyle/>
+        <a:p>
+          <a:pPr marL="0" lvl="0" indent="0" algn="ctr" defTabSz="711200">
+            <a:lnSpc>
+              <a:spcPct val="90000"/>
+            </a:lnSpc>
+            <a:spcBef>
+              <a:spcPct val="0"/>
+            </a:spcBef>
+            <a:spcAft>
+              <a:spcPct val="35000"/>
+            </a:spcAft>
+            <a:buNone/>
+          </a:pPr>
+          <a:endParaRPr lang="de-DE" sz="1600" kern="1200"/>
+        </a:p>
+      </dsp:txBody>
+      <dsp:txXfrm>
+        <a:off x="3984426" y="2057245"/>
+        <a:ext cx="236210" cy="236847"/>
+      </dsp:txXfrm>
+    </dsp:sp>
+    <dsp:sp modelId="{BB174CA1-7CD2-46AD-B29C-B9F5BB7EA064}">
+      <dsp:nvSpPr>
+        <dsp:cNvPr id="0" name=""/>
+        <dsp:cNvSpPr/>
+      </dsp:nvSpPr>
+      <dsp:spPr>
+        <a:xfrm>
+          <a:off x="4461941" y="1698153"/>
+          <a:ext cx="1591716" cy="955030"/>
+        </a:xfrm>
+        <a:prstGeom prst="roundRect">
+          <a:avLst>
+            <a:gd name="adj" fmla="val 10000"/>
+          </a:avLst>
+        </a:prstGeom>
+        <a:solidFill>
+          <a:schemeClr val="accent1">
+            <a:hueOff val="0"/>
+            <a:satOff val="0"/>
+            <a:lumOff val="0"/>
+            <a:alphaOff val="0"/>
+          </a:schemeClr>
+        </a:solidFill>
+        <a:ln w="12700" cap="flat" cmpd="sng" algn="ctr">
+          <a:solidFill>
+            <a:schemeClr val="lt1">
+              <a:hueOff val="0"/>
+              <a:satOff val="0"/>
+              <a:lumOff val="0"/>
+              <a:alphaOff val="0"/>
+            </a:schemeClr>
+          </a:solidFill>
+          <a:prstDash val="solid"/>
+          <a:miter lim="800000"/>
+        </a:ln>
+        <a:effectLst/>
+      </dsp:spPr>
+      <dsp:style>
+        <a:lnRef idx="2">
+          <a:scrgbClr r="0" g="0" b="0"/>
+        </a:lnRef>
+        <a:fillRef idx="1">
+          <a:scrgbClr r="0" g="0" b="0"/>
+        </a:fillRef>
+        <a:effectRef idx="0">
+          <a:scrgbClr r="0" g="0" b="0"/>
+        </a:effectRef>
+        <a:fontRef idx="minor">
+          <a:schemeClr val="lt1"/>
+        </a:fontRef>
+      </dsp:style>
+      <dsp:txBody>
+        <a:bodyPr spcFirstLastPara="0" vert="horz" wrap="square" lIns="72390" tIns="72390" rIns="72390" bIns="72390" numCol="1" spcCol="1270" anchor="ctr" anchorCtr="0">
+          <a:noAutofit/>
+        </a:bodyPr>
+        <a:lstStyle/>
+        <a:p>
+          <a:pPr marL="0" lvl="0" indent="0" algn="ctr" defTabSz="844550">
+            <a:lnSpc>
+              <a:spcPct val="90000"/>
+            </a:lnSpc>
+            <a:spcBef>
+              <a:spcPct val="0"/>
+            </a:spcBef>
+            <a:spcAft>
+              <a:spcPct val="35000"/>
+            </a:spcAft>
+            <a:buNone/>
+          </a:pPr>
+          <a:r>
+            <a:rPr lang="de-DE" sz="1900" kern="1200" dirty="0"/>
+            <a:t>Planung</a:t>
+          </a:r>
+        </a:p>
+      </dsp:txBody>
+      <dsp:txXfrm>
+        <a:off x="4489913" y="1726125"/>
+        <a:ext cx="1535772" cy="899086"/>
+      </dsp:txXfrm>
+    </dsp:sp>
+    <dsp:sp modelId="{ACE42F0E-8FA7-49AA-9A82-364EA1F509A1}">
+      <dsp:nvSpPr>
+        <dsp:cNvPr id="0" name=""/>
+        <dsp:cNvSpPr/>
+      </dsp:nvSpPr>
+      <dsp:spPr>
+        <a:xfrm>
+          <a:off x="6212830" y="1978296"/>
+          <a:ext cx="337443" cy="394745"/>
+        </a:xfrm>
+        <a:prstGeom prst="rightArrow">
+          <a:avLst>
+            <a:gd name="adj1" fmla="val 60000"/>
+            <a:gd name="adj2" fmla="val 50000"/>
+          </a:avLst>
+        </a:prstGeom>
+        <a:solidFill>
+          <a:schemeClr val="accent1">
+            <a:tint val="60000"/>
+            <a:hueOff val="0"/>
+            <a:satOff val="0"/>
+            <a:lumOff val="0"/>
+            <a:alphaOff val="0"/>
+          </a:schemeClr>
+        </a:solidFill>
+        <a:ln>
+          <a:noFill/>
+        </a:ln>
+        <a:effectLst/>
+      </dsp:spPr>
+      <dsp:style>
+        <a:lnRef idx="0">
+          <a:scrgbClr r="0" g="0" b="0"/>
+        </a:lnRef>
+        <a:fillRef idx="1">
+          <a:scrgbClr r="0" g="0" b="0"/>
+        </a:fillRef>
+        <a:effectRef idx="0">
+          <a:scrgbClr r="0" g="0" b="0"/>
+        </a:effectRef>
+        <a:fontRef idx="minor">
+          <a:schemeClr val="lt1"/>
+        </a:fontRef>
+      </dsp:style>
+      <dsp:txBody>
+        <a:bodyPr spcFirstLastPara="0" vert="horz" wrap="square" lIns="0" tIns="0" rIns="0" bIns="0" numCol="1" spcCol="1270" anchor="ctr" anchorCtr="0">
+          <a:noAutofit/>
+        </a:bodyPr>
+        <a:lstStyle/>
+        <a:p>
+          <a:pPr marL="0" lvl="0" indent="0" algn="ctr" defTabSz="711200">
+            <a:lnSpc>
+              <a:spcPct val="90000"/>
+            </a:lnSpc>
+            <a:spcBef>
+              <a:spcPct val="0"/>
+            </a:spcBef>
+            <a:spcAft>
+              <a:spcPct val="35000"/>
+            </a:spcAft>
+            <a:buNone/>
+          </a:pPr>
+          <a:endParaRPr lang="de-DE" sz="1600" kern="1200"/>
+        </a:p>
+      </dsp:txBody>
+      <dsp:txXfrm>
+        <a:off x="6212830" y="2057245"/>
+        <a:ext cx="236210" cy="236847"/>
+      </dsp:txXfrm>
+    </dsp:sp>
+    <dsp:sp modelId="{8A1D632A-105E-48A3-9429-E62C2379FEF7}">
+      <dsp:nvSpPr>
+        <dsp:cNvPr id="0" name=""/>
+        <dsp:cNvSpPr/>
+      </dsp:nvSpPr>
+      <dsp:spPr>
+        <a:xfrm>
+          <a:off x="6690345" y="1698153"/>
+          <a:ext cx="1591716" cy="955030"/>
+        </a:xfrm>
+        <a:prstGeom prst="roundRect">
+          <a:avLst>
+            <a:gd name="adj" fmla="val 10000"/>
+          </a:avLst>
+        </a:prstGeom>
+        <a:solidFill>
+          <a:schemeClr val="accent1">
+            <a:hueOff val="0"/>
+            <a:satOff val="0"/>
+            <a:lumOff val="0"/>
+            <a:alphaOff val="0"/>
+          </a:schemeClr>
+        </a:solidFill>
+        <a:ln w="12700" cap="flat" cmpd="sng" algn="ctr">
+          <a:solidFill>
+            <a:schemeClr val="lt1">
+              <a:hueOff val="0"/>
+              <a:satOff val="0"/>
+              <a:lumOff val="0"/>
+              <a:alphaOff val="0"/>
+            </a:schemeClr>
+          </a:solidFill>
+          <a:prstDash val="solid"/>
+          <a:miter lim="800000"/>
+        </a:ln>
+        <a:effectLst/>
+      </dsp:spPr>
+      <dsp:style>
+        <a:lnRef idx="2">
+          <a:scrgbClr r="0" g="0" b="0"/>
+        </a:lnRef>
+        <a:fillRef idx="1">
+          <a:scrgbClr r="0" g="0" b="0"/>
+        </a:fillRef>
+        <a:effectRef idx="0">
+          <a:scrgbClr r="0" g="0" b="0"/>
+        </a:effectRef>
+        <a:fontRef idx="minor">
+          <a:schemeClr val="lt1"/>
+        </a:fontRef>
+      </dsp:style>
+      <dsp:txBody>
+        <a:bodyPr spcFirstLastPara="0" vert="horz" wrap="square" lIns="72390" tIns="72390" rIns="72390" bIns="72390" numCol="1" spcCol="1270" anchor="ctr" anchorCtr="0">
+          <a:noAutofit/>
+        </a:bodyPr>
+        <a:lstStyle/>
+        <a:p>
+          <a:pPr marL="0" lvl="0" indent="0" algn="ctr" defTabSz="844550">
+            <a:lnSpc>
+              <a:spcPct val="90000"/>
+            </a:lnSpc>
+            <a:spcBef>
+              <a:spcPct val="0"/>
+            </a:spcBef>
+            <a:spcAft>
+              <a:spcPct val="35000"/>
+            </a:spcAft>
+            <a:buNone/>
+          </a:pPr>
+          <a:r>
+            <a:rPr lang="de-DE" sz="1900" kern="1200" dirty="0"/>
+            <a:t>Steuerung</a:t>
+          </a:r>
+        </a:p>
+      </dsp:txBody>
+      <dsp:txXfrm>
+        <a:off x="6718317" y="1726125"/>
+        <a:ext cx="1535772" cy="899086"/>
+      </dsp:txXfrm>
+    </dsp:sp>
+    <dsp:sp modelId="{4B1E4722-2BAD-48CF-AB15-4DDDCDE143CE}">
+      <dsp:nvSpPr>
+        <dsp:cNvPr id="0" name=""/>
+        <dsp:cNvSpPr/>
+      </dsp:nvSpPr>
+      <dsp:spPr>
+        <a:xfrm>
+          <a:off x="8441233" y="1978296"/>
+          <a:ext cx="337443" cy="394745"/>
+        </a:xfrm>
+        <a:prstGeom prst="rightArrow">
+          <a:avLst>
+            <a:gd name="adj1" fmla="val 60000"/>
+            <a:gd name="adj2" fmla="val 50000"/>
+          </a:avLst>
+        </a:prstGeom>
+        <a:solidFill>
+          <a:schemeClr val="accent1">
+            <a:tint val="60000"/>
+            <a:hueOff val="0"/>
+            <a:satOff val="0"/>
+            <a:lumOff val="0"/>
+            <a:alphaOff val="0"/>
+          </a:schemeClr>
+        </a:solidFill>
+        <a:ln>
+          <a:noFill/>
+        </a:ln>
+        <a:effectLst/>
+      </dsp:spPr>
+      <dsp:style>
+        <a:lnRef idx="0">
+          <a:scrgbClr r="0" g="0" b="0"/>
+        </a:lnRef>
+        <a:fillRef idx="1">
+          <a:scrgbClr r="0" g="0" b="0"/>
+        </a:fillRef>
+        <a:effectRef idx="0">
+          <a:scrgbClr r="0" g="0" b="0"/>
+        </a:effectRef>
+        <a:fontRef idx="minor">
+          <a:schemeClr val="lt1"/>
+        </a:fontRef>
+      </dsp:style>
+      <dsp:txBody>
+        <a:bodyPr spcFirstLastPara="0" vert="horz" wrap="square" lIns="0" tIns="0" rIns="0" bIns="0" numCol="1" spcCol="1270" anchor="ctr" anchorCtr="0">
+          <a:noAutofit/>
+        </a:bodyPr>
+        <a:lstStyle/>
+        <a:p>
+          <a:pPr marL="0" lvl="0" indent="0" algn="ctr" defTabSz="711200">
+            <a:lnSpc>
+              <a:spcPct val="90000"/>
+            </a:lnSpc>
+            <a:spcBef>
+              <a:spcPct val="0"/>
+            </a:spcBef>
+            <a:spcAft>
+              <a:spcPct val="35000"/>
+            </a:spcAft>
+            <a:buNone/>
+          </a:pPr>
+          <a:endParaRPr lang="de-DE" sz="1600" kern="1200"/>
+        </a:p>
+      </dsp:txBody>
+      <dsp:txXfrm>
+        <a:off x="8441233" y="2057245"/>
+        <a:ext cx="236210" cy="236847"/>
+      </dsp:txXfrm>
+    </dsp:sp>
+    <dsp:sp modelId="{490552E8-260E-47EF-A3BC-019A6D67A44E}">
+      <dsp:nvSpPr>
+        <dsp:cNvPr id="0" name=""/>
+        <dsp:cNvSpPr/>
+      </dsp:nvSpPr>
+      <dsp:spPr>
+        <a:xfrm>
+          <a:off x="8918748" y="1698153"/>
+          <a:ext cx="1591716" cy="955030"/>
+        </a:xfrm>
+        <a:prstGeom prst="roundRect">
+          <a:avLst>
+            <a:gd name="adj" fmla="val 10000"/>
+          </a:avLst>
+        </a:prstGeom>
+        <a:solidFill>
+          <a:schemeClr val="accent1">
+            <a:hueOff val="0"/>
+            <a:satOff val="0"/>
+            <a:lumOff val="0"/>
+            <a:alphaOff val="0"/>
+          </a:schemeClr>
+        </a:solidFill>
+        <a:ln w="12700" cap="flat" cmpd="sng" algn="ctr">
+          <a:solidFill>
+            <a:schemeClr val="lt1">
+              <a:hueOff val="0"/>
+              <a:satOff val="0"/>
+              <a:lumOff val="0"/>
+              <a:alphaOff val="0"/>
+            </a:schemeClr>
+          </a:solidFill>
+          <a:prstDash val="solid"/>
+          <a:miter lim="800000"/>
+        </a:ln>
+        <a:effectLst/>
+      </dsp:spPr>
+      <dsp:style>
+        <a:lnRef idx="2">
+          <a:scrgbClr r="0" g="0" b="0"/>
+        </a:lnRef>
+        <a:fillRef idx="1">
+          <a:scrgbClr r="0" g="0" b="0"/>
+        </a:fillRef>
+        <a:effectRef idx="0">
+          <a:scrgbClr r="0" g="0" b="0"/>
+        </a:effectRef>
+        <a:fontRef idx="minor">
+          <a:schemeClr val="lt1"/>
+        </a:fontRef>
+      </dsp:style>
+      <dsp:txBody>
+        <a:bodyPr spcFirstLastPara="0" vert="horz" wrap="square" lIns="72390" tIns="72390" rIns="72390" bIns="72390" numCol="1" spcCol="1270" anchor="ctr" anchorCtr="0">
+          <a:noAutofit/>
+        </a:bodyPr>
+        <a:lstStyle/>
+        <a:p>
+          <a:pPr marL="0" lvl="0" indent="0" algn="ctr" defTabSz="844550">
+            <a:lnSpc>
+              <a:spcPct val="90000"/>
+            </a:lnSpc>
+            <a:spcBef>
+              <a:spcPct val="0"/>
+            </a:spcBef>
+            <a:spcAft>
+              <a:spcPct val="35000"/>
+            </a:spcAft>
+            <a:buNone/>
+          </a:pPr>
+          <a:r>
+            <a:rPr lang="de-DE" sz="1900" kern="1200" dirty="0"/>
+            <a:t>Abschluss</a:t>
+          </a:r>
+        </a:p>
+      </dsp:txBody>
+      <dsp:txXfrm>
+        <a:off x="8946720" y="1726125"/>
+        <a:ext cx="1535772" cy="899086"/>
+      </dsp:txXfrm>
+    </dsp:sp>
+  </dsp:spTree>
+</dsp:drawing>
+</file>
+
+<file path=ppt/diagrams/drawing3.xml><?xml version="1.0" encoding="utf-8"?>
 <dsp:drawing xmlns:dgm="http://schemas.openxmlformats.org/drawingml/2006/diagram" xmlns:dsp="http://schemas.microsoft.com/office/drawing/2008/diagram" xmlns:a="http://schemas.openxmlformats.org/drawingml/2006/main">
   <dsp:spTree>
     <dsp:nvGrpSpPr>
@@ -5100,6 +12466,152 @@
 </file>
 
 <file path=ppt/diagrams/layout2.xml><?xml version="1.0" encoding="utf-8"?>
+<dgm:layoutDef xmlns:dgm="http://schemas.openxmlformats.org/drawingml/2006/diagram" xmlns:a="http://schemas.openxmlformats.org/drawingml/2006/main" uniqueId="urn:microsoft.com/office/officeart/2005/8/layout/process1">
+  <dgm:title val=""/>
+  <dgm:desc val=""/>
+  <dgm:catLst>
+    <dgm:cat type="process" pri="1000"/>
+    <dgm:cat type="convert" pri="15000"/>
+  </dgm:catLst>
+  <dgm:sampData useDef="1">
+    <dgm:dataModel>
+      <dgm:ptLst/>
+      <dgm:bg/>
+      <dgm:whole/>
+    </dgm:dataModel>
+  </dgm:sampData>
+  <dgm:styleData>
+    <dgm:dataModel>
+      <dgm:ptLst>
+        <dgm:pt modelId="0" type="doc"/>
+        <dgm:pt modelId="1"/>
+        <dgm:pt modelId="2"/>
+      </dgm:ptLst>
+      <dgm:cxnLst>
+        <dgm:cxn modelId="3" srcId="0" destId="1" srcOrd="0" destOrd="0"/>
+        <dgm:cxn modelId="4" srcId="0" destId="2" srcOrd="1" destOrd="0"/>
+      </dgm:cxnLst>
+      <dgm:bg/>
+      <dgm:whole/>
+    </dgm:dataModel>
+  </dgm:styleData>
+  <dgm:clrData>
+    <dgm:dataModel>
+      <dgm:ptLst>
+        <dgm:pt modelId="0" type="doc"/>
+        <dgm:pt modelId="1"/>
+        <dgm:pt modelId="2"/>
+        <dgm:pt modelId="3"/>
+        <dgm:pt modelId="4"/>
+      </dgm:ptLst>
+      <dgm:cxnLst>
+        <dgm:cxn modelId="5" srcId="0" destId="1" srcOrd="0" destOrd="0"/>
+        <dgm:cxn modelId="6" srcId="0" destId="2" srcOrd="1" destOrd="0"/>
+        <dgm:cxn modelId="7" srcId="0" destId="3" srcOrd="2" destOrd="0"/>
+        <dgm:cxn modelId="8" srcId="0" destId="4" srcOrd="3" destOrd="0"/>
+      </dgm:cxnLst>
+      <dgm:bg/>
+      <dgm:whole/>
+    </dgm:dataModel>
+  </dgm:clrData>
+  <dgm:layoutNode name="Name0">
+    <dgm:varLst>
+      <dgm:dir/>
+      <dgm:resizeHandles val="exact"/>
+    </dgm:varLst>
+    <dgm:choose name="Name1">
+      <dgm:if name="Name2" func="var" arg="dir" op="equ" val="norm">
+        <dgm:alg type="lin"/>
+      </dgm:if>
+      <dgm:else name="Name3">
+        <dgm:alg type="lin">
+          <dgm:param type="linDir" val="fromR"/>
+        </dgm:alg>
+      </dgm:else>
+    </dgm:choose>
+    <dgm:shape xmlns:r="http://schemas.openxmlformats.org/officeDocument/2006/relationships" r:blip="">
+      <dgm:adjLst/>
+    </dgm:shape>
+    <dgm:presOf/>
+    <dgm:constrLst>
+      <dgm:constr type="w" for="ch" ptType="node" refType="w"/>
+      <dgm:constr type="h" for="ch" ptType="node" op="equ"/>
+      <dgm:constr type="primFontSz" for="ch" ptType="node" op="equ" val="65"/>
+      <dgm:constr type="w" for="ch" ptType="sibTrans" refType="w" refFor="ch" refPtType="node" op="equ" fact="0.4"/>
+      <dgm:constr type="h" for="ch" ptType="sibTrans" op="equ"/>
+      <dgm:constr type="primFontSz" for="des" forName="connectorText" op="equ" val="55"/>
+      <dgm:constr type="primFontSz" for="des" forName="connectorText" refType="primFontSz" refFor="ch" refPtType="node" op="lte" fact="0.8"/>
+    </dgm:constrLst>
+    <dgm:ruleLst/>
+    <dgm:forEach name="nodesForEach" axis="ch" ptType="node">
+      <dgm:layoutNode name="node">
+        <dgm:varLst>
+          <dgm:bulletEnabled val="1"/>
+        </dgm:varLst>
+        <dgm:alg type="tx"/>
+        <dgm:shape xmlns:r="http://schemas.openxmlformats.org/officeDocument/2006/relationships" type="roundRect" r:blip="">
+          <dgm:adjLst>
+            <dgm:adj idx="1" val="0.1"/>
+          </dgm:adjLst>
+        </dgm:shape>
+        <dgm:presOf axis="desOrSelf" ptType="node"/>
+        <dgm:constrLst>
+          <dgm:constr type="h" refType="w" fact="0.6"/>
+          <dgm:constr type="tMarg" refType="primFontSz" fact="0.3"/>
+          <dgm:constr type="bMarg" refType="primFontSz" fact="0.3"/>
+          <dgm:constr type="lMarg" refType="primFontSz" fact="0.3"/>
+          <dgm:constr type="rMarg" refType="primFontSz" fact="0.3"/>
+        </dgm:constrLst>
+        <dgm:ruleLst>
+          <dgm:rule type="primFontSz" val="18" fact="NaN" max="NaN"/>
+          <dgm:rule type="h" val="NaN" fact="1.5" max="NaN"/>
+          <dgm:rule type="primFontSz" val="5" fact="NaN" max="NaN"/>
+          <dgm:rule type="h" val="INF" fact="NaN" max="NaN"/>
+        </dgm:ruleLst>
+      </dgm:layoutNode>
+      <dgm:forEach name="sibTransForEach" axis="followSib" ptType="sibTrans" cnt="1">
+        <dgm:layoutNode name="sibTrans">
+          <dgm:alg type="conn">
+            <dgm:param type="begPts" val="auto"/>
+            <dgm:param type="endPts" val="auto"/>
+          </dgm:alg>
+          <dgm:shape xmlns:r="http://schemas.openxmlformats.org/officeDocument/2006/relationships" type="conn" r:blip="">
+            <dgm:adjLst/>
+          </dgm:shape>
+          <dgm:presOf axis="self"/>
+          <dgm:constrLst>
+            <dgm:constr type="h" refType="w" fact="0.62"/>
+            <dgm:constr type="connDist"/>
+            <dgm:constr type="begPad" refType="connDist" fact="0.25"/>
+            <dgm:constr type="endPad" refType="connDist" fact="0.22"/>
+          </dgm:constrLst>
+          <dgm:ruleLst/>
+          <dgm:layoutNode name="connectorText">
+            <dgm:alg type="tx">
+              <dgm:param type="autoTxRot" val="grav"/>
+            </dgm:alg>
+            <dgm:shape xmlns:r="http://schemas.openxmlformats.org/officeDocument/2006/relationships" type="conn" r:blip="" hideGeom="1">
+              <dgm:adjLst/>
+            </dgm:shape>
+            <dgm:presOf axis="self"/>
+            <dgm:constrLst>
+              <dgm:constr type="lMarg"/>
+              <dgm:constr type="rMarg"/>
+              <dgm:constr type="tMarg"/>
+              <dgm:constr type="bMarg"/>
+            </dgm:constrLst>
+            <dgm:ruleLst>
+              <dgm:rule type="primFontSz" val="5" fact="NaN" max="NaN"/>
+            </dgm:ruleLst>
+          </dgm:layoutNode>
+        </dgm:layoutNode>
+      </dgm:forEach>
+    </dgm:forEach>
+  </dgm:layoutNode>
+</dgm:layoutDef>
+</file>
+
+<file path=ppt/diagrams/layout3.xml><?xml version="1.0" encoding="utf-8"?>
 <dgm:layoutDef xmlns:dgm="http://schemas.openxmlformats.org/drawingml/2006/diagram" xmlns:a="http://schemas.openxmlformats.org/drawingml/2006/main" uniqueId="urn:microsoft.com/office/officeart/2005/8/layout/pyramid4">
   <dgm:title val=""/>
   <dgm:desc val=""/>
@@ -7557,6 +15069,1474 @@
 </dgm:styleDef>
 </file>
 
+<file path=ppt/diagrams/quickStyle3.xml><?xml version="1.0" encoding="utf-8"?>
+<dgm:styleDef xmlns:dgm="http://schemas.openxmlformats.org/drawingml/2006/diagram" xmlns:a="http://schemas.openxmlformats.org/drawingml/2006/main" uniqueId="urn:microsoft.com/office/officeart/2005/8/quickstyle/simple1">
+  <dgm:title val=""/>
+  <dgm:desc val=""/>
+  <dgm:catLst>
+    <dgm:cat type="simple" pri="10100"/>
+  </dgm:catLst>
+  <dgm:scene3d>
+    <a:camera prst="orthographicFront"/>
+    <a:lightRig rig="threePt" dir="t"/>
+  </dgm:scene3d>
+  <dgm:styleLbl name="node0">
+    <dgm:scene3d>
+      <a:camera prst="orthographicFront"/>
+      <a:lightRig rig="threePt" dir="t"/>
+    </dgm:scene3d>
+    <dgm:sp3d/>
+    <dgm:txPr/>
+    <dgm:style>
+      <a:lnRef idx="2">
+        <a:scrgbClr r="0" g="0" b="0"/>
+      </a:lnRef>
+      <a:fillRef idx="1">
+        <a:scrgbClr r="0" g="0" b="0"/>
+      </a:fillRef>
+      <a:effectRef idx="0">
+        <a:scrgbClr r="0" g="0" b="0"/>
+      </a:effectRef>
+      <a:fontRef idx="minor">
+        <a:schemeClr val="lt1"/>
+      </a:fontRef>
+    </dgm:style>
+  </dgm:styleLbl>
+  <dgm:styleLbl name="lnNode1">
+    <dgm:scene3d>
+      <a:camera prst="orthographicFront"/>
+      <a:lightRig rig="threePt" dir="t"/>
+    </dgm:scene3d>
+    <dgm:sp3d/>
+    <dgm:txPr/>
+    <dgm:style>
+      <a:lnRef idx="2">
+        <a:scrgbClr r="0" g="0" b="0"/>
+      </a:lnRef>
+      <a:fillRef idx="1">
+        <a:scrgbClr r="0" g="0" b="0"/>
+      </a:fillRef>
+      <a:effectRef idx="0">
+        <a:scrgbClr r="0" g="0" b="0"/>
+      </a:effectRef>
+      <a:fontRef idx="minor">
+        <a:schemeClr val="lt1"/>
+      </a:fontRef>
+    </dgm:style>
+  </dgm:styleLbl>
+  <dgm:styleLbl name="vennNode1">
+    <dgm:scene3d>
+      <a:camera prst="orthographicFront"/>
+      <a:lightRig rig="threePt" dir="t"/>
+    </dgm:scene3d>
+    <dgm:sp3d/>
+    <dgm:txPr/>
+    <dgm:style>
+      <a:lnRef idx="2">
+        <a:scrgbClr r="0" g="0" b="0"/>
+      </a:lnRef>
+      <a:fillRef idx="1">
+        <a:scrgbClr r="0" g="0" b="0"/>
+      </a:fillRef>
+      <a:effectRef idx="0">
+        <a:scrgbClr r="0" g="0" b="0"/>
+      </a:effectRef>
+      <a:fontRef idx="minor">
+        <a:schemeClr val="tx1"/>
+      </a:fontRef>
+    </dgm:style>
+  </dgm:styleLbl>
+  <dgm:styleLbl name="alignNode1">
+    <dgm:scene3d>
+      <a:camera prst="orthographicFront"/>
+      <a:lightRig rig="threePt" dir="t"/>
+    </dgm:scene3d>
+    <dgm:sp3d/>
+    <dgm:txPr/>
+    <dgm:style>
+      <a:lnRef idx="2">
+        <a:scrgbClr r="0" g="0" b="0"/>
+      </a:lnRef>
+      <a:fillRef idx="1">
+        <a:scrgbClr r="0" g="0" b="0"/>
+      </a:fillRef>
+      <a:effectRef idx="0">
+        <a:scrgbClr r="0" g="0" b="0"/>
+      </a:effectRef>
+      <a:fontRef idx="minor">
+        <a:schemeClr val="lt1"/>
+      </a:fontRef>
+    </dgm:style>
+  </dgm:styleLbl>
+  <dgm:styleLbl name="node1">
+    <dgm:scene3d>
+      <a:camera prst="orthographicFront"/>
+      <a:lightRig rig="threePt" dir="t"/>
+    </dgm:scene3d>
+    <dgm:sp3d/>
+    <dgm:txPr/>
+    <dgm:style>
+      <a:lnRef idx="2">
+        <a:scrgbClr r="0" g="0" b="0"/>
+      </a:lnRef>
+      <a:fillRef idx="1">
+        <a:scrgbClr r="0" g="0" b="0"/>
+      </a:fillRef>
+      <a:effectRef idx="0">
+        <a:scrgbClr r="0" g="0" b="0"/>
+      </a:effectRef>
+      <a:fontRef idx="minor">
+        <a:schemeClr val="lt1"/>
+      </a:fontRef>
+    </dgm:style>
+  </dgm:styleLbl>
+  <dgm:styleLbl name="node2">
+    <dgm:scene3d>
+      <a:camera prst="orthographicFront"/>
+      <a:lightRig rig="threePt" dir="t"/>
+    </dgm:scene3d>
+    <dgm:sp3d/>
+    <dgm:txPr/>
+    <dgm:style>
+      <a:lnRef idx="2">
+        <a:scrgbClr r="0" g="0" b="0"/>
+      </a:lnRef>
+      <a:fillRef idx="1">
+        <a:scrgbClr r="0" g="0" b="0"/>
+      </a:fillRef>
+      <a:effectRef idx="0">
+        <a:scrgbClr r="0" g="0" b="0"/>
+      </a:effectRef>
+      <a:fontRef idx="minor">
+        <a:schemeClr val="lt1"/>
+      </a:fontRef>
+    </dgm:style>
+  </dgm:styleLbl>
+  <dgm:styleLbl name="node3">
+    <dgm:scene3d>
+      <a:camera prst="orthographicFront"/>
+      <a:lightRig rig="threePt" dir="t"/>
+    </dgm:scene3d>
+    <dgm:sp3d/>
+    <dgm:txPr/>
+    <dgm:style>
+      <a:lnRef idx="2">
+        <a:scrgbClr r="0" g="0" b="0"/>
+      </a:lnRef>
+      <a:fillRef idx="1">
+        <a:scrgbClr r="0" g="0" b="0"/>
+      </a:fillRef>
+      <a:effectRef idx="0">
+        <a:scrgbClr r="0" g="0" b="0"/>
+      </a:effectRef>
+      <a:fontRef idx="minor">
+        <a:schemeClr val="lt1"/>
+      </a:fontRef>
+    </dgm:style>
+  </dgm:styleLbl>
+  <dgm:styleLbl name="node4">
+    <dgm:scene3d>
+      <a:camera prst="orthographicFront"/>
+      <a:lightRig rig="threePt" dir="t"/>
+    </dgm:scene3d>
+    <dgm:sp3d/>
+    <dgm:txPr/>
+    <dgm:style>
+      <a:lnRef idx="2">
+        <a:scrgbClr r="0" g="0" b="0"/>
+      </a:lnRef>
+      <a:fillRef idx="1">
+        <a:scrgbClr r="0" g="0" b="0"/>
+      </a:fillRef>
+      <a:effectRef idx="0">
+        <a:scrgbClr r="0" g="0" b="0"/>
+      </a:effectRef>
+      <a:fontRef idx="minor">
+        <a:schemeClr val="lt1"/>
+      </a:fontRef>
+    </dgm:style>
+  </dgm:styleLbl>
+  <dgm:styleLbl name="fgImgPlace1">
+    <dgm:scene3d>
+      <a:camera prst="orthographicFront"/>
+      <a:lightRig rig="threePt" dir="t"/>
+    </dgm:scene3d>
+    <dgm:sp3d/>
+    <dgm:txPr/>
+    <dgm:style>
+      <a:lnRef idx="2">
+        <a:scrgbClr r="0" g="0" b="0"/>
+      </a:lnRef>
+      <a:fillRef idx="1">
+        <a:scrgbClr r="0" g="0" b="0"/>
+      </a:fillRef>
+      <a:effectRef idx="0">
+        <a:scrgbClr r="0" g="0" b="0"/>
+      </a:effectRef>
+      <a:fontRef idx="minor"/>
+    </dgm:style>
+  </dgm:styleLbl>
+  <dgm:styleLbl name="alignImgPlace1">
+    <dgm:scene3d>
+      <a:camera prst="orthographicFront"/>
+      <a:lightRig rig="threePt" dir="t"/>
+    </dgm:scene3d>
+    <dgm:sp3d/>
+    <dgm:txPr/>
+    <dgm:style>
+      <a:lnRef idx="2">
+        <a:scrgbClr r="0" g="0" b="0"/>
+      </a:lnRef>
+      <a:fillRef idx="1">
+        <a:scrgbClr r="0" g="0" b="0"/>
+      </a:fillRef>
+      <a:effectRef idx="0">
+        <a:scrgbClr r="0" g="0" b="0"/>
+      </a:effectRef>
+      <a:fontRef idx="minor"/>
+    </dgm:style>
+  </dgm:styleLbl>
+  <dgm:styleLbl name="bgImgPlace1">
+    <dgm:scene3d>
+      <a:camera prst="orthographicFront"/>
+      <a:lightRig rig="threePt" dir="t"/>
+    </dgm:scene3d>
+    <dgm:sp3d/>
+    <dgm:txPr/>
+    <dgm:style>
+      <a:lnRef idx="2">
+        <a:scrgbClr r="0" g="0" b="0"/>
+      </a:lnRef>
+      <a:fillRef idx="1">
+        <a:scrgbClr r="0" g="0" b="0"/>
+      </a:fillRef>
+      <a:effectRef idx="0">
+        <a:scrgbClr r="0" g="0" b="0"/>
+      </a:effectRef>
+      <a:fontRef idx="minor"/>
+    </dgm:style>
+  </dgm:styleLbl>
+  <dgm:styleLbl name="sibTrans2D1">
+    <dgm:scene3d>
+      <a:camera prst="orthographicFront"/>
+      <a:lightRig rig="threePt" dir="t"/>
+    </dgm:scene3d>
+    <dgm:sp3d/>
+    <dgm:txPr/>
+    <dgm:style>
+      <a:lnRef idx="0">
+        <a:scrgbClr r="0" g="0" b="0"/>
+      </a:lnRef>
+      <a:fillRef idx="1">
+        <a:scrgbClr r="0" g="0" b="0"/>
+      </a:fillRef>
+      <a:effectRef idx="0">
+        <a:scrgbClr r="0" g="0" b="0"/>
+      </a:effectRef>
+      <a:fontRef idx="minor">
+        <a:schemeClr val="lt1"/>
+      </a:fontRef>
+    </dgm:style>
+  </dgm:styleLbl>
+  <dgm:styleLbl name="fgSibTrans2D1">
+    <dgm:scene3d>
+      <a:camera prst="orthographicFront"/>
+      <a:lightRig rig="threePt" dir="t"/>
+    </dgm:scene3d>
+    <dgm:sp3d/>
+    <dgm:txPr/>
+    <dgm:style>
+      <a:lnRef idx="0">
+        <a:scrgbClr r="0" g="0" b="0"/>
+      </a:lnRef>
+      <a:fillRef idx="1">
+        <a:scrgbClr r="0" g="0" b="0"/>
+      </a:fillRef>
+      <a:effectRef idx="0">
+        <a:scrgbClr r="0" g="0" b="0"/>
+      </a:effectRef>
+      <a:fontRef idx="minor">
+        <a:schemeClr val="lt1"/>
+      </a:fontRef>
+    </dgm:style>
+  </dgm:styleLbl>
+  <dgm:styleLbl name="bgSibTrans2D1">
+    <dgm:scene3d>
+      <a:camera prst="orthographicFront"/>
+      <a:lightRig rig="threePt" dir="t"/>
+    </dgm:scene3d>
+    <dgm:sp3d/>
+    <dgm:txPr/>
+    <dgm:style>
+      <a:lnRef idx="0">
+        <a:scrgbClr r="0" g="0" b="0"/>
+      </a:lnRef>
+      <a:fillRef idx="1">
+        <a:scrgbClr r="0" g="0" b="0"/>
+      </a:fillRef>
+      <a:effectRef idx="0">
+        <a:scrgbClr r="0" g="0" b="0"/>
+      </a:effectRef>
+      <a:fontRef idx="minor">
+        <a:schemeClr val="lt1"/>
+      </a:fontRef>
+    </dgm:style>
+  </dgm:styleLbl>
+  <dgm:styleLbl name="sibTrans1D1">
+    <dgm:scene3d>
+      <a:camera prst="orthographicFront"/>
+      <a:lightRig rig="threePt" dir="t"/>
+    </dgm:scene3d>
+    <dgm:sp3d/>
+    <dgm:txPr/>
+    <dgm:style>
+      <a:lnRef idx="1">
+        <a:scrgbClr r="0" g="0" b="0"/>
+      </a:lnRef>
+      <a:fillRef idx="0">
+        <a:scrgbClr r="0" g="0" b="0"/>
+      </a:fillRef>
+      <a:effectRef idx="0">
+        <a:scrgbClr r="0" g="0" b="0"/>
+      </a:effectRef>
+      <a:fontRef idx="minor"/>
+    </dgm:style>
+  </dgm:styleLbl>
+  <dgm:styleLbl name="callout">
+    <dgm:scene3d>
+      <a:camera prst="orthographicFront"/>
+      <a:lightRig rig="threePt" dir="t"/>
+    </dgm:scene3d>
+    <dgm:sp3d/>
+    <dgm:txPr/>
+    <dgm:style>
+      <a:lnRef idx="2">
+        <a:scrgbClr r="0" g="0" b="0"/>
+      </a:lnRef>
+      <a:fillRef idx="1">
+        <a:scrgbClr r="0" g="0" b="0"/>
+      </a:fillRef>
+      <a:effectRef idx="0">
+        <a:scrgbClr r="0" g="0" b="0"/>
+      </a:effectRef>
+      <a:fontRef idx="minor"/>
+    </dgm:style>
+  </dgm:styleLbl>
+  <dgm:styleLbl name="asst0">
+    <dgm:scene3d>
+      <a:camera prst="orthographicFront"/>
+      <a:lightRig rig="threePt" dir="t"/>
+    </dgm:scene3d>
+    <dgm:sp3d/>
+    <dgm:txPr/>
+    <dgm:style>
+      <a:lnRef idx="2">
+        <a:scrgbClr r="0" g="0" b="0"/>
+      </a:lnRef>
+      <a:fillRef idx="1">
+        <a:scrgbClr r="0" g="0" b="0"/>
+      </a:fillRef>
+      <a:effectRef idx="0">
+        <a:scrgbClr r="0" g="0" b="0"/>
+      </a:effectRef>
+      <a:fontRef idx="minor">
+        <a:schemeClr val="lt1"/>
+      </a:fontRef>
+    </dgm:style>
+  </dgm:styleLbl>
+  <dgm:styleLbl name="asst1">
+    <dgm:scene3d>
+      <a:camera prst="orthographicFront"/>
+      <a:lightRig rig="threePt" dir="t"/>
+    </dgm:scene3d>
+    <dgm:sp3d/>
+    <dgm:txPr/>
+    <dgm:style>
+      <a:lnRef idx="2">
+        <a:scrgbClr r="0" g="0" b="0"/>
+      </a:lnRef>
+      <a:fillRef idx="1">
+        <a:scrgbClr r="0" g="0" b="0"/>
+      </a:fillRef>
+      <a:effectRef idx="0">
+        <a:scrgbClr r="0" g="0" b="0"/>
+      </a:effectRef>
+      <a:fontRef idx="minor">
+        <a:schemeClr val="lt1"/>
+      </a:fontRef>
+    </dgm:style>
+  </dgm:styleLbl>
+  <dgm:styleLbl name="asst2">
+    <dgm:scene3d>
+      <a:camera prst="orthographicFront"/>
+      <a:lightRig rig="threePt" dir="t"/>
+    </dgm:scene3d>
+    <dgm:sp3d/>
+    <dgm:txPr/>
+    <dgm:style>
+      <a:lnRef idx="2">
+        <a:scrgbClr r="0" g="0" b="0"/>
+      </a:lnRef>
+      <a:fillRef idx="1">
+        <a:scrgbClr r="0" g="0" b="0"/>
+      </a:fillRef>
+      <a:effectRef idx="0">
+        <a:scrgbClr r="0" g="0" b="0"/>
+      </a:effectRef>
+      <a:fontRef idx="minor">
+        <a:schemeClr val="lt1"/>
+      </a:fontRef>
+    </dgm:style>
+  </dgm:styleLbl>
+  <dgm:styleLbl name="asst3">
+    <dgm:scene3d>
+      <a:camera prst="orthographicFront"/>
+      <a:lightRig rig="threePt" dir="t"/>
+    </dgm:scene3d>
+    <dgm:sp3d/>
+    <dgm:txPr/>
+    <dgm:style>
+      <a:lnRef idx="2">
+        <a:scrgbClr r="0" g="0" b="0"/>
+      </a:lnRef>
+      <a:fillRef idx="1">
+        <a:scrgbClr r="0" g="0" b="0"/>
+      </a:fillRef>
+      <a:effectRef idx="0">
+        <a:scrgbClr r="0" g="0" b="0"/>
+      </a:effectRef>
+      <a:fontRef idx="minor">
+        <a:schemeClr val="lt1"/>
+      </a:fontRef>
+    </dgm:style>
+  </dgm:styleLbl>
+  <dgm:styleLbl name="asst4">
+    <dgm:scene3d>
+      <a:camera prst="orthographicFront"/>
+      <a:lightRig rig="threePt" dir="t"/>
+    </dgm:scene3d>
+    <dgm:sp3d/>
+    <dgm:txPr/>
+    <dgm:style>
+      <a:lnRef idx="2">
+        <a:scrgbClr r="0" g="0" b="0"/>
+      </a:lnRef>
+      <a:fillRef idx="1">
+        <a:scrgbClr r="0" g="0" b="0"/>
+      </a:fillRef>
+      <a:effectRef idx="0">
+        <a:scrgbClr r="0" g="0" b="0"/>
+      </a:effectRef>
+      <a:fontRef idx="minor">
+        <a:schemeClr val="lt1"/>
+      </a:fontRef>
+    </dgm:style>
+  </dgm:styleLbl>
+  <dgm:styleLbl name="parChTrans2D1">
+    <dgm:scene3d>
+      <a:camera prst="orthographicFront"/>
+      <a:lightRig rig="threePt" dir="t"/>
+    </dgm:scene3d>
+    <dgm:sp3d/>
+    <dgm:txPr/>
+    <dgm:style>
+      <a:lnRef idx="2">
+        <a:scrgbClr r="0" g="0" b="0"/>
+      </a:lnRef>
+      <a:fillRef idx="1">
+        <a:scrgbClr r="0" g="0" b="0"/>
+      </a:fillRef>
+      <a:effectRef idx="0">
+        <a:scrgbClr r="0" g="0" b="0"/>
+      </a:effectRef>
+      <a:fontRef idx="minor">
+        <a:schemeClr val="lt1"/>
+      </a:fontRef>
+    </dgm:style>
+  </dgm:styleLbl>
+  <dgm:styleLbl name="parChTrans2D2">
+    <dgm:scene3d>
+      <a:camera prst="orthographicFront"/>
+      <a:lightRig rig="threePt" dir="t"/>
+    </dgm:scene3d>
+    <dgm:sp3d/>
+    <dgm:txPr/>
+    <dgm:style>
+      <a:lnRef idx="2">
+        <a:scrgbClr r="0" g="0" b="0"/>
+      </a:lnRef>
+      <a:fillRef idx="1">
+        <a:scrgbClr r="0" g="0" b="0"/>
+      </a:fillRef>
+      <a:effectRef idx="0">
+        <a:scrgbClr r="0" g="0" b="0"/>
+      </a:effectRef>
+      <a:fontRef idx="minor">
+        <a:schemeClr val="lt1"/>
+      </a:fontRef>
+    </dgm:style>
+  </dgm:styleLbl>
+  <dgm:styleLbl name="parChTrans2D3">
+    <dgm:scene3d>
+      <a:camera prst="orthographicFront"/>
+      <a:lightRig rig="threePt" dir="t"/>
+    </dgm:scene3d>
+    <dgm:sp3d/>
+    <dgm:txPr/>
+    <dgm:style>
+      <a:lnRef idx="2">
+        <a:scrgbClr r="0" g="0" b="0"/>
+      </a:lnRef>
+      <a:fillRef idx="1">
+        <a:scrgbClr r="0" g="0" b="0"/>
+      </a:fillRef>
+      <a:effectRef idx="0">
+        <a:scrgbClr r="0" g="0" b="0"/>
+      </a:effectRef>
+      <a:fontRef idx="minor">
+        <a:schemeClr val="lt1"/>
+      </a:fontRef>
+    </dgm:style>
+  </dgm:styleLbl>
+  <dgm:styleLbl name="parChTrans2D4">
+    <dgm:scene3d>
+      <a:camera prst="orthographicFront"/>
+      <a:lightRig rig="threePt" dir="t"/>
+    </dgm:scene3d>
+    <dgm:sp3d/>
+    <dgm:txPr/>
+    <dgm:style>
+      <a:lnRef idx="2">
+        <a:scrgbClr r="0" g="0" b="0"/>
+      </a:lnRef>
+      <a:fillRef idx="1">
+        <a:scrgbClr r="0" g="0" b="0"/>
+      </a:fillRef>
+      <a:effectRef idx="0">
+        <a:scrgbClr r="0" g="0" b="0"/>
+      </a:effectRef>
+      <a:fontRef idx="minor">
+        <a:schemeClr val="lt1"/>
+      </a:fontRef>
+    </dgm:style>
+  </dgm:styleLbl>
+  <dgm:styleLbl name="parChTrans1D1">
+    <dgm:scene3d>
+      <a:camera prst="orthographicFront"/>
+      <a:lightRig rig="threePt" dir="t"/>
+    </dgm:scene3d>
+    <dgm:sp3d/>
+    <dgm:txPr/>
+    <dgm:style>
+      <a:lnRef idx="2">
+        <a:scrgbClr r="0" g="0" b="0"/>
+      </a:lnRef>
+      <a:fillRef idx="0">
+        <a:scrgbClr r="0" g="0" b="0"/>
+      </a:fillRef>
+      <a:effectRef idx="0">
+        <a:scrgbClr r="0" g="0" b="0"/>
+      </a:effectRef>
+      <a:fontRef idx="minor"/>
+    </dgm:style>
+  </dgm:styleLbl>
+  <dgm:styleLbl name="parChTrans1D2">
+    <dgm:scene3d>
+      <a:camera prst="orthographicFront"/>
+      <a:lightRig rig="threePt" dir="t"/>
+    </dgm:scene3d>
+    <dgm:sp3d/>
+    <dgm:txPr/>
+    <dgm:style>
+      <a:lnRef idx="2">
+        <a:scrgbClr r="0" g="0" b="0"/>
+      </a:lnRef>
+      <a:fillRef idx="0">
+        <a:scrgbClr r="0" g="0" b="0"/>
+      </a:fillRef>
+      <a:effectRef idx="0">
+        <a:scrgbClr r="0" g="0" b="0"/>
+      </a:effectRef>
+      <a:fontRef idx="minor"/>
+    </dgm:style>
+  </dgm:styleLbl>
+  <dgm:styleLbl name="parChTrans1D3">
+    <dgm:scene3d>
+      <a:camera prst="orthographicFront"/>
+      <a:lightRig rig="threePt" dir="t"/>
+    </dgm:scene3d>
+    <dgm:sp3d/>
+    <dgm:txPr/>
+    <dgm:style>
+      <a:lnRef idx="2">
+        <a:scrgbClr r="0" g="0" b="0"/>
+      </a:lnRef>
+      <a:fillRef idx="0">
+        <a:scrgbClr r="0" g="0" b="0"/>
+      </a:fillRef>
+      <a:effectRef idx="0">
+        <a:scrgbClr r="0" g="0" b="0"/>
+      </a:effectRef>
+      <a:fontRef idx="minor"/>
+    </dgm:style>
+  </dgm:styleLbl>
+  <dgm:styleLbl name="parChTrans1D4">
+    <dgm:scene3d>
+      <a:camera prst="orthographicFront"/>
+      <a:lightRig rig="threePt" dir="t"/>
+    </dgm:scene3d>
+    <dgm:sp3d/>
+    <dgm:txPr/>
+    <dgm:style>
+      <a:lnRef idx="2">
+        <a:scrgbClr r="0" g="0" b="0"/>
+      </a:lnRef>
+      <a:fillRef idx="0">
+        <a:scrgbClr r="0" g="0" b="0"/>
+      </a:fillRef>
+      <a:effectRef idx="0">
+        <a:scrgbClr r="0" g="0" b="0"/>
+      </a:effectRef>
+      <a:fontRef idx="minor"/>
+    </dgm:style>
+  </dgm:styleLbl>
+  <dgm:styleLbl name="fgAcc1">
+    <dgm:scene3d>
+      <a:camera prst="orthographicFront"/>
+      <a:lightRig rig="threePt" dir="t"/>
+    </dgm:scene3d>
+    <dgm:sp3d/>
+    <dgm:txPr/>
+    <dgm:style>
+      <a:lnRef idx="2">
+        <a:scrgbClr r="0" g="0" b="0"/>
+      </a:lnRef>
+      <a:fillRef idx="1">
+        <a:scrgbClr r="0" g="0" b="0"/>
+      </a:fillRef>
+      <a:effectRef idx="0">
+        <a:scrgbClr r="0" g="0" b="0"/>
+      </a:effectRef>
+      <a:fontRef idx="minor"/>
+    </dgm:style>
+  </dgm:styleLbl>
+  <dgm:styleLbl name="conFgAcc1">
+    <dgm:scene3d>
+      <a:camera prst="orthographicFront"/>
+      <a:lightRig rig="threePt" dir="t"/>
+    </dgm:scene3d>
+    <dgm:sp3d/>
+    <dgm:txPr/>
+    <dgm:style>
+      <a:lnRef idx="2">
+        <a:scrgbClr r="0" g="0" b="0"/>
+      </a:lnRef>
+      <a:fillRef idx="1">
+        <a:scrgbClr r="0" g="0" b="0"/>
+      </a:fillRef>
+      <a:effectRef idx="0">
+        <a:scrgbClr r="0" g="0" b="0"/>
+      </a:effectRef>
+      <a:fontRef idx="minor"/>
+    </dgm:style>
+  </dgm:styleLbl>
+  <dgm:styleLbl name="alignAcc1">
+    <dgm:scene3d>
+      <a:camera prst="orthographicFront"/>
+      <a:lightRig rig="threePt" dir="t"/>
+    </dgm:scene3d>
+    <dgm:sp3d/>
+    <dgm:txPr/>
+    <dgm:style>
+      <a:lnRef idx="2">
+        <a:scrgbClr r="0" g="0" b="0"/>
+      </a:lnRef>
+      <a:fillRef idx="1">
+        <a:scrgbClr r="0" g="0" b="0"/>
+      </a:fillRef>
+      <a:effectRef idx="0">
+        <a:scrgbClr r="0" g="0" b="0"/>
+      </a:effectRef>
+      <a:fontRef idx="minor"/>
+    </dgm:style>
+  </dgm:styleLbl>
+  <dgm:styleLbl name="trAlignAcc1">
+    <dgm:scene3d>
+      <a:camera prst="orthographicFront"/>
+      <a:lightRig rig="threePt" dir="t"/>
+    </dgm:scene3d>
+    <dgm:sp3d/>
+    <dgm:txPr/>
+    <dgm:style>
+      <a:lnRef idx="1">
+        <a:scrgbClr r="0" g="0" b="0"/>
+      </a:lnRef>
+      <a:fillRef idx="1">
+        <a:scrgbClr r="0" g="0" b="0"/>
+      </a:fillRef>
+      <a:effectRef idx="0">
+        <a:scrgbClr r="0" g="0" b="0"/>
+      </a:effectRef>
+      <a:fontRef idx="minor"/>
+    </dgm:style>
+  </dgm:styleLbl>
+  <dgm:styleLbl name="bgAcc1">
+    <dgm:scene3d>
+      <a:camera prst="orthographicFront"/>
+      <a:lightRig rig="threePt" dir="t"/>
+    </dgm:scene3d>
+    <dgm:sp3d/>
+    <dgm:txPr/>
+    <dgm:style>
+      <a:lnRef idx="2">
+        <a:scrgbClr r="0" g="0" b="0"/>
+      </a:lnRef>
+      <a:fillRef idx="1">
+        <a:scrgbClr r="0" g="0" b="0"/>
+      </a:fillRef>
+      <a:effectRef idx="0">
+        <a:scrgbClr r="0" g="0" b="0"/>
+      </a:effectRef>
+      <a:fontRef idx="minor"/>
+    </dgm:style>
+  </dgm:styleLbl>
+  <dgm:styleLbl name="solidFgAcc1">
+    <dgm:scene3d>
+      <a:camera prst="orthographicFront"/>
+      <a:lightRig rig="threePt" dir="t"/>
+    </dgm:scene3d>
+    <dgm:sp3d/>
+    <dgm:txPr/>
+    <dgm:style>
+      <a:lnRef idx="2">
+        <a:scrgbClr r="0" g="0" b="0"/>
+      </a:lnRef>
+      <a:fillRef idx="1">
+        <a:scrgbClr r="0" g="0" b="0"/>
+      </a:fillRef>
+      <a:effectRef idx="0">
+        <a:scrgbClr r="0" g="0" b="0"/>
+      </a:effectRef>
+      <a:fontRef idx="minor"/>
+    </dgm:style>
+  </dgm:styleLbl>
+  <dgm:styleLbl name="solidAlignAcc1">
+    <dgm:scene3d>
+      <a:camera prst="orthographicFront"/>
+      <a:lightRig rig="threePt" dir="t"/>
+    </dgm:scene3d>
+    <dgm:sp3d/>
+    <dgm:txPr/>
+    <dgm:style>
+      <a:lnRef idx="2">
+        <a:scrgbClr r="0" g="0" b="0"/>
+      </a:lnRef>
+      <a:fillRef idx="1">
+        <a:scrgbClr r="0" g="0" b="0"/>
+      </a:fillRef>
+      <a:effectRef idx="0">
+        <a:scrgbClr r="0" g="0" b="0"/>
+      </a:effectRef>
+      <a:fontRef idx="minor"/>
+    </dgm:style>
+  </dgm:styleLbl>
+  <dgm:styleLbl name="solidBgAcc1">
+    <dgm:scene3d>
+      <a:camera prst="orthographicFront"/>
+      <a:lightRig rig="threePt" dir="t"/>
+    </dgm:scene3d>
+    <dgm:sp3d/>
+    <dgm:txPr/>
+    <dgm:style>
+      <a:lnRef idx="2">
+        <a:scrgbClr r="0" g="0" b="0"/>
+      </a:lnRef>
+      <a:fillRef idx="1">
+        <a:scrgbClr r="0" g="0" b="0"/>
+      </a:fillRef>
+      <a:effectRef idx="0">
+        <a:scrgbClr r="0" g="0" b="0"/>
+      </a:effectRef>
+      <a:fontRef idx="minor"/>
+    </dgm:style>
+  </dgm:styleLbl>
+  <dgm:styleLbl name="fgAccFollowNode1">
+    <dgm:scene3d>
+      <a:camera prst="orthographicFront"/>
+      <a:lightRig rig="threePt" dir="t"/>
+    </dgm:scene3d>
+    <dgm:sp3d/>
+    <dgm:txPr/>
+    <dgm:style>
+      <a:lnRef idx="2">
+        <a:scrgbClr r="0" g="0" b="0"/>
+      </a:lnRef>
+      <a:fillRef idx="1">
+        <a:scrgbClr r="0" g="0" b="0"/>
+      </a:fillRef>
+      <a:effectRef idx="0">
+        <a:scrgbClr r="0" g="0" b="0"/>
+      </a:effectRef>
+      <a:fontRef idx="minor"/>
+    </dgm:style>
+  </dgm:styleLbl>
+  <dgm:styleLbl name="alignAccFollowNode1">
+    <dgm:scene3d>
+      <a:camera prst="orthographicFront"/>
+      <a:lightRig rig="threePt" dir="t"/>
+    </dgm:scene3d>
+    <dgm:sp3d/>
+    <dgm:txPr/>
+    <dgm:style>
+      <a:lnRef idx="2">
+        <a:scrgbClr r="0" g="0" b="0"/>
+      </a:lnRef>
+      <a:fillRef idx="1">
+        <a:scrgbClr r="0" g="0" b="0"/>
+      </a:fillRef>
+      <a:effectRef idx="0">
+        <a:scrgbClr r="0" g="0" b="0"/>
+      </a:effectRef>
+      <a:fontRef idx="minor"/>
+    </dgm:style>
+  </dgm:styleLbl>
+  <dgm:styleLbl name="bgAccFollowNode1">
+    <dgm:scene3d>
+      <a:camera prst="orthographicFront"/>
+      <a:lightRig rig="threePt" dir="t"/>
+    </dgm:scene3d>
+    <dgm:sp3d/>
+    <dgm:txPr/>
+    <dgm:style>
+      <a:lnRef idx="2">
+        <a:scrgbClr r="0" g="0" b="0"/>
+      </a:lnRef>
+      <a:fillRef idx="1">
+        <a:scrgbClr r="0" g="0" b="0"/>
+      </a:fillRef>
+      <a:effectRef idx="0">
+        <a:scrgbClr r="0" g="0" b="0"/>
+      </a:effectRef>
+      <a:fontRef idx="minor"/>
+    </dgm:style>
+  </dgm:styleLbl>
+  <dgm:styleLbl name="fgAcc0">
+    <dgm:scene3d>
+      <a:camera prst="orthographicFront"/>
+      <a:lightRig rig="threePt" dir="t"/>
+    </dgm:scene3d>
+    <dgm:sp3d/>
+    <dgm:txPr/>
+    <dgm:style>
+      <a:lnRef idx="2">
+        <a:scrgbClr r="0" g="0" b="0"/>
+      </a:lnRef>
+      <a:fillRef idx="1">
+        <a:scrgbClr r="0" g="0" b="0"/>
+      </a:fillRef>
+      <a:effectRef idx="0">
+        <a:scrgbClr r="0" g="0" b="0"/>
+      </a:effectRef>
+      <a:fontRef idx="minor"/>
+    </dgm:style>
+  </dgm:styleLbl>
+  <dgm:styleLbl name="fgAcc2">
+    <dgm:scene3d>
+      <a:camera prst="orthographicFront"/>
+      <a:lightRig rig="threePt" dir="t"/>
+    </dgm:scene3d>
+    <dgm:sp3d/>
+    <dgm:txPr/>
+    <dgm:style>
+      <a:lnRef idx="2">
+        <a:scrgbClr r="0" g="0" b="0"/>
+      </a:lnRef>
+      <a:fillRef idx="1">
+        <a:scrgbClr r="0" g="0" b="0"/>
+      </a:fillRef>
+      <a:effectRef idx="0">
+        <a:scrgbClr r="0" g="0" b="0"/>
+      </a:effectRef>
+      <a:fontRef idx="minor"/>
+    </dgm:style>
+  </dgm:styleLbl>
+  <dgm:styleLbl name="fgAcc3">
+    <dgm:scene3d>
+      <a:camera prst="orthographicFront"/>
+      <a:lightRig rig="threePt" dir="t"/>
+    </dgm:scene3d>
+    <dgm:sp3d/>
+    <dgm:txPr/>
+    <dgm:style>
+      <a:lnRef idx="2">
+        <a:scrgbClr r="0" g="0" b="0"/>
+      </a:lnRef>
+      <a:fillRef idx="1">
+        <a:scrgbClr r="0" g="0" b="0"/>
+      </a:fillRef>
+      <a:effectRef idx="0">
+        <a:scrgbClr r="0" g="0" b="0"/>
+      </a:effectRef>
+      <a:fontRef idx="minor"/>
+    </dgm:style>
+  </dgm:styleLbl>
+  <dgm:styleLbl name="fgAcc4">
+    <dgm:scene3d>
+      <a:camera prst="orthographicFront"/>
+      <a:lightRig rig="threePt" dir="t"/>
+    </dgm:scene3d>
+    <dgm:sp3d/>
+    <dgm:txPr/>
+    <dgm:style>
+      <a:lnRef idx="2">
+        <a:scrgbClr r="0" g="0" b="0"/>
+      </a:lnRef>
+      <a:fillRef idx="1">
+        <a:scrgbClr r="0" g="0" b="0"/>
+      </a:fillRef>
+      <a:effectRef idx="0">
+        <a:scrgbClr r="0" g="0" b="0"/>
+      </a:effectRef>
+      <a:fontRef idx="minor"/>
+    </dgm:style>
+  </dgm:styleLbl>
+  <dgm:styleLbl name="bgShp">
+    <dgm:scene3d>
+      <a:camera prst="orthographicFront"/>
+      <a:lightRig rig="threePt" dir="t"/>
+    </dgm:scene3d>
+    <dgm:sp3d/>
+    <dgm:txPr/>
+    <dgm:style>
+      <a:lnRef idx="0">
+        <a:scrgbClr r="0" g="0" b="0"/>
+      </a:lnRef>
+      <a:fillRef idx="1">
+        <a:scrgbClr r="0" g="0" b="0"/>
+      </a:fillRef>
+      <a:effectRef idx="0">
+        <a:scrgbClr r="0" g="0" b="0"/>
+      </a:effectRef>
+      <a:fontRef idx="minor"/>
+    </dgm:style>
+  </dgm:styleLbl>
+  <dgm:styleLbl name="dkBgShp">
+    <dgm:scene3d>
+      <a:camera prst="orthographicFront"/>
+      <a:lightRig rig="threePt" dir="t"/>
+    </dgm:scene3d>
+    <dgm:sp3d/>
+    <dgm:txPr/>
+    <dgm:style>
+      <a:lnRef idx="0">
+        <a:scrgbClr r="0" g="0" b="0"/>
+      </a:lnRef>
+      <a:fillRef idx="1">
+        <a:scrgbClr r="0" g="0" b="0"/>
+      </a:fillRef>
+      <a:effectRef idx="0">
+        <a:scrgbClr r="0" g="0" b="0"/>
+      </a:effectRef>
+      <a:fontRef idx="minor"/>
+    </dgm:style>
+  </dgm:styleLbl>
+  <dgm:styleLbl name="trBgShp">
+    <dgm:scene3d>
+      <a:camera prst="orthographicFront"/>
+      <a:lightRig rig="threePt" dir="t"/>
+    </dgm:scene3d>
+    <dgm:sp3d/>
+    <dgm:txPr/>
+    <dgm:style>
+      <a:lnRef idx="0">
+        <a:scrgbClr r="0" g="0" b="0"/>
+      </a:lnRef>
+      <a:fillRef idx="1">
+        <a:scrgbClr r="0" g="0" b="0"/>
+      </a:fillRef>
+      <a:effectRef idx="0">
+        <a:scrgbClr r="0" g="0" b="0"/>
+      </a:effectRef>
+      <a:fontRef idx="minor"/>
+    </dgm:style>
+  </dgm:styleLbl>
+  <dgm:styleLbl name="fgShp">
+    <dgm:scene3d>
+      <a:camera prst="orthographicFront"/>
+      <a:lightRig rig="threePt" dir="t"/>
+    </dgm:scene3d>
+    <dgm:sp3d/>
+    <dgm:txPr/>
+    <dgm:style>
+      <a:lnRef idx="2">
+        <a:scrgbClr r="0" g="0" b="0"/>
+      </a:lnRef>
+      <a:fillRef idx="1">
+        <a:scrgbClr r="0" g="0" b="0"/>
+      </a:fillRef>
+      <a:effectRef idx="0">
+        <a:scrgbClr r="0" g="0" b="0"/>
+      </a:effectRef>
+      <a:fontRef idx="minor"/>
+    </dgm:style>
+  </dgm:styleLbl>
+  <dgm:styleLbl name="revTx">
+    <dgm:scene3d>
+      <a:camera prst="orthographicFront"/>
+      <a:lightRig rig="threePt" dir="t"/>
+    </dgm:scene3d>
+    <dgm:sp3d/>
+    <dgm:txPr/>
+    <dgm:style>
+      <a:lnRef idx="0">
+        <a:scrgbClr r="0" g="0" b="0"/>
+      </a:lnRef>
+      <a:fillRef idx="0">
+        <a:scrgbClr r="0" g="0" b="0"/>
+      </a:fillRef>
+      <a:effectRef idx="0">
+        <a:scrgbClr r="0" g="0" b="0"/>
+      </a:effectRef>
+      <a:fontRef idx="minor"/>
+    </dgm:style>
+  </dgm:styleLbl>
+</dgm:styleDef>
+</file>
+
+<file path=ppt/notesMasters/notesMaster1.xml><?xml version="1.0" encoding="utf-8"?>
+<p:notesMaster xmlns:a="http://schemas.openxmlformats.org/drawingml/2006/main" xmlns:r="http://schemas.openxmlformats.org/officeDocument/2006/relationships" xmlns:p="http://schemas.openxmlformats.org/presentationml/2006/main">
+  <p:cSld>
+    <p:bg>
+      <p:bgRef idx="1001">
+        <a:schemeClr val="bg1"/>
+      </p:bgRef>
+    </p:bg>
+    <p:spTree>
+      <p:nvGrpSpPr>
+        <p:cNvPr id="1" name=""/>
+        <p:cNvGrpSpPr/>
+        <p:nvPr/>
+      </p:nvGrpSpPr>
+      <p:grpSpPr>
+        <a:xfrm>
+          <a:off x="0" y="0"/>
+          <a:ext cx="0" cy="0"/>
+          <a:chOff x="0" y="0"/>
+          <a:chExt cx="0" cy="0"/>
+        </a:xfrm>
+      </p:grpSpPr>
+      <p:sp>
+        <p:nvSpPr>
+          <p:cNvPr id="2" name="Kopfzeilenplatzhalter 1"/>
+          <p:cNvSpPr>
+            <a:spLocks noGrp="1"/>
+          </p:cNvSpPr>
+          <p:nvPr>
+            <p:ph type="hdr" sz="quarter"/>
+          </p:nvPr>
+        </p:nvSpPr>
+        <p:spPr>
+          <a:xfrm>
+            <a:off x="0" y="0"/>
+            <a:ext cx="2971800" cy="458788"/>
+          </a:xfrm>
+          <a:prstGeom prst="rect">
+            <a:avLst/>
+          </a:prstGeom>
+        </p:spPr>
+        <p:txBody>
+          <a:bodyPr vert="horz" lIns="91440" tIns="45720" rIns="91440" bIns="45720" rtlCol="0"/>
+          <a:lstStyle>
+            <a:lvl1pPr algn="l">
+              <a:defRPr sz="1200"/>
+            </a:lvl1pPr>
+          </a:lstStyle>
+          <a:p>
+            <a:endParaRPr lang="de-DE"/>
+          </a:p>
+        </p:txBody>
+      </p:sp>
+      <p:sp>
+        <p:nvSpPr>
+          <p:cNvPr id="3" name="Datumsplatzhalter 2"/>
+          <p:cNvSpPr>
+            <a:spLocks noGrp="1"/>
+          </p:cNvSpPr>
+          <p:nvPr>
+            <p:ph type="dt" idx="1"/>
+          </p:nvPr>
+        </p:nvSpPr>
+        <p:spPr>
+          <a:xfrm>
+            <a:off x="3884613" y="0"/>
+            <a:ext cx="2971800" cy="458788"/>
+          </a:xfrm>
+          <a:prstGeom prst="rect">
+            <a:avLst/>
+          </a:prstGeom>
+        </p:spPr>
+        <p:txBody>
+          <a:bodyPr vert="horz" lIns="91440" tIns="45720" rIns="91440" bIns="45720" rtlCol="0"/>
+          <a:lstStyle>
+            <a:lvl1pPr algn="r">
+              <a:defRPr sz="1200"/>
+            </a:lvl1pPr>
+          </a:lstStyle>
+          <a:p>
+            <a:fld id="{BC5D3495-D642-4B9C-A4D9-ABBA71EA56ED}" type="datetimeFigureOut">
+              <a:rPr lang="de-DE" smtClean="0"/>
+              <a:t>26.07.2016</a:t>
+            </a:fld>
+            <a:endParaRPr lang="de-DE"/>
+          </a:p>
+        </p:txBody>
+      </p:sp>
+      <p:sp>
+        <p:nvSpPr>
+          <p:cNvPr id="4" name="Folienbildplatzhalter 3"/>
+          <p:cNvSpPr>
+            <a:spLocks noGrp="1" noRot="1" noChangeAspect="1"/>
+          </p:cNvSpPr>
+          <p:nvPr>
+            <p:ph type="sldImg" idx="2"/>
+          </p:nvPr>
+        </p:nvSpPr>
+        <p:spPr>
+          <a:xfrm>
+            <a:off x="685800" y="1143000"/>
+            <a:ext cx="5486400" cy="3086100"/>
+          </a:xfrm>
+          <a:prstGeom prst="rect">
+            <a:avLst/>
+          </a:prstGeom>
+          <a:noFill/>
+          <a:ln w="12700">
+            <a:solidFill>
+              <a:prstClr val="black"/>
+            </a:solidFill>
+          </a:ln>
+        </p:spPr>
+        <p:txBody>
+          <a:bodyPr vert="horz" lIns="91440" tIns="45720" rIns="91440" bIns="45720" rtlCol="0" anchor="ctr"/>
+          <a:lstStyle/>
+          <a:p>
+            <a:endParaRPr lang="de-DE"/>
+          </a:p>
+        </p:txBody>
+      </p:sp>
+      <p:sp>
+        <p:nvSpPr>
+          <p:cNvPr id="5" name="Notizenplatzhalter 4"/>
+          <p:cNvSpPr>
+            <a:spLocks noGrp="1"/>
+          </p:cNvSpPr>
+          <p:nvPr>
+            <p:ph type="body" sz="quarter" idx="3"/>
+          </p:nvPr>
+        </p:nvSpPr>
+        <p:spPr>
+          <a:xfrm>
+            <a:off x="685800" y="4400550"/>
+            <a:ext cx="5486400" cy="3600450"/>
+          </a:xfrm>
+          <a:prstGeom prst="rect">
+            <a:avLst/>
+          </a:prstGeom>
+        </p:spPr>
+        <p:txBody>
+          <a:bodyPr vert="horz" lIns="91440" tIns="45720" rIns="91440" bIns="45720" rtlCol="0"/>
+          <a:lstStyle/>
+          <a:p>
+            <a:pPr lvl="0"/>
+            <a:r>
+              <a:rPr lang="de-DE"/>
+              <a:t>Formatvorlagen des Textmasters bearbeiten</a:t>
+            </a:r>
+          </a:p>
+          <a:p>
+            <a:pPr lvl="1"/>
+            <a:r>
+              <a:rPr lang="de-DE"/>
+              <a:t>Zweite Ebene</a:t>
+            </a:r>
+          </a:p>
+          <a:p>
+            <a:pPr lvl="2"/>
+            <a:r>
+              <a:rPr lang="de-DE"/>
+              <a:t>Dritte Ebene</a:t>
+            </a:r>
+          </a:p>
+          <a:p>
+            <a:pPr lvl="3"/>
+            <a:r>
+              <a:rPr lang="de-DE"/>
+              <a:t>Vierte Ebene</a:t>
+            </a:r>
+          </a:p>
+          <a:p>
+            <a:pPr lvl="4"/>
+            <a:r>
+              <a:rPr lang="de-DE"/>
+              <a:t>Fünfte Ebene</a:t>
+            </a:r>
+            <a:endParaRPr lang="de-DE"/>
+          </a:p>
+        </p:txBody>
+      </p:sp>
+      <p:sp>
+        <p:nvSpPr>
+          <p:cNvPr id="6" name="Fußzeilenplatzhalter 5"/>
+          <p:cNvSpPr>
+            <a:spLocks noGrp="1"/>
+          </p:cNvSpPr>
+          <p:nvPr>
+            <p:ph type="ftr" sz="quarter" idx="4"/>
+          </p:nvPr>
+        </p:nvSpPr>
+        <p:spPr>
+          <a:xfrm>
+            <a:off x="0" y="8685213"/>
+            <a:ext cx="2971800" cy="458787"/>
+          </a:xfrm>
+          <a:prstGeom prst="rect">
+            <a:avLst/>
+          </a:prstGeom>
+        </p:spPr>
+        <p:txBody>
+          <a:bodyPr vert="horz" lIns="91440" tIns="45720" rIns="91440" bIns="45720" rtlCol="0" anchor="b"/>
+          <a:lstStyle>
+            <a:lvl1pPr algn="l">
+              <a:defRPr sz="1200"/>
+            </a:lvl1pPr>
+          </a:lstStyle>
+          <a:p>
+            <a:endParaRPr lang="de-DE"/>
+          </a:p>
+        </p:txBody>
+      </p:sp>
+      <p:sp>
+        <p:nvSpPr>
+          <p:cNvPr id="7" name="Foliennummernplatzhalter 6"/>
+          <p:cNvSpPr>
+            <a:spLocks noGrp="1"/>
+          </p:cNvSpPr>
+          <p:nvPr>
+            <p:ph type="sldNum" sz="quarter" idx="5"/>
+          </p:nvPr>
+        </p:nvSpPr>
+        <p:spPr>
+          <a:xfrm>
+            <a:off x="3884613" y="8685213"/>
+            <a:ext cx="2971800" cy="458787"/>
+          </a:xfrm>
+          <a:prstGeom prst="rect">
+            <a:avLst/>
+          </a:prstGeom>
+        </p:spPr>
+        <p:txBody>
+          <a:bodyPr vert="horz" lIns="91440" tIns="45720" rIns="91440" bIns="45720" rtlCol="0" anchor="b"/>
+          <a:lstStyle>
+            <a:lvl1pPr algn="r">
+              <a:defRPr sz="1200"/>
+            </a:lvl1pPr>
+          </a:lstStyle>
+          <a:p>
+            <a:fld id="{9FC0BF00-B122-482A-9408-566B5D066A28}" type="slidenum">
+              <a:rPr lang="de-DE" smtClean="0"/>
+              <a:t>‹Nr.›</a:t>
+            </a:fld>
+            <a:endParaRPr lang="de-DE"/>
+          </a:p>
+        </p:txBody>
+      </p:sp>
+    </p:spTree>
+    <p:extLst>
+      <p:ext uri="{BB962C8B-B14F-4D97-AF65-F5344CB8AC3E}">
+        <p14:creationId xmlns:p14="http://schemas.microsoft.com/office/powerpoint/2010/main" val="2348600056"/>
+      </p:ext>
+    </p:extLst>
+  </p:cSld>
+  <p:clrMap bg1="lt1" tx1="dk1" bg2="lt2" tx2="dk2" accent1="accent1" accent2="accent2" accent3="accent3" accent4="accent4" accent5="accent5" accent6="accent6" hlink="hlink" folHlink="folHlink"/>
+  <p:notesStyle>
+    <a:lvl1pPr marL="0" algn="l" defTabSz="914400" rtl="0" eaLnBrk="1" latinLnBrk="0" hangingPunct="1">
+      <a:defRPr sz="1200" kern="1200">
+        <a:solidFill>
+          <a:schemeClr val="tx1"/>
+        </a:solidFill>
+        <a:latin typeface="+mn-lt"/>
+        <a:ea typeface="+mn-ea"/>
+        <a:cs typeface="+mn-cs"/>
+      </a:defRPr>
+    </a:lvl1pPr>
+    <a:lvl2pPr marL="457200" algn="l" defTabSz="914400" rtl="0" eaLnBrk="1" latinLnBrk="0" hangingPunct="1">
+      <a:defRPr sz="1200" kern="1200">
+        <a:solidFill>
+          <a:schemeClr val="tx1"/>
+        </a:solidFill>
+        <a:latin typeface="+mn-lt"/>
+        <a:ea typeface="+mn-ea"/>
+        <a:cs typeface="+mn-cs"/>
+      </a:defRPr>
+    </a:lvl2pPr>
+    <a:lvl3pPr marL="914400" algn="l" defTabSz="914400" rtl="0" eaLnBrk="1" latinLnBrk="0" hangingPunct="1">
+      <a:defRPr sz="1200" kern="1200">
+        <a:solidFill>
+          <a:schemeClr val="tx1"/>
+        </a:solidFill>
+        <a:latin typeface="+mn-lt"/>
+        <a:ea typeface="+mn-ea"/>
+        <a:cs typeface="+mn-cs"/>
+      </a:defRPr>
+    </a:lvl3pPr>
+    <a:lvl4pPr marL="1371600" algn="l" defTabSz="914400" rtl="0" eaLnBrk="1" latinLnBrk="0" hangingPunct="1">
+      <a:defRPr sz="1200" kern="1200">
+        <a:solidFill>
+          <a:schemeClr val="tx1"/>
+        </a:solidFill>
+        <a:latin typeface="+mn-lt"/>
+        <a:ea typeface="+mn-ea"/>
+        <a:cs typeface="+mn-cs"/>
+      </a:defRPr>
+    </a:lvl4pPr>
+    <a:lvl5pPr marL="1828800" algn="l" defTabSz="914400" rtl="0" eaLnBrk="1" latinLnBrk="0" hangingPunct="1">
+      <a:defRPr sz="1200" kern="1200">
+        <a:solidFill>
+          <a:schemeClr val="tx1"/>
+        </a:solidFill>
+        <a:latin typeface="+mn-lt"/>
+        <a:ea typeface="+mn-ea"/>
+        <a:cs typeface="+mn-cs"/>
+      </a:defRPr>
+    </a:lvl5pPr>
+    <a:lvl6pPr marL="2286000" algn="l" defTabSz="914400" rtl="0" eaLnBrk="1" latinLnBrk="0" hangingPunct="1">
+      <a:defRPr sz="1200" kern="1200">
+        <a:solidFill>
+          <a:schemeClr val="tx1"/>
+        </a:solidFill>
+        <a:latin typeface="+mn-lt"/>
+        <a:ea typeface="+mn-ea"/>
+        <a:cs typeface="+mn-cs"/>
+      </a:defRPr>
+    </a:lvl6pPr>
+    <a:lvl7pPr marL="2743200" algn="l" defTabSz="914400" rtl="0" eaLnBrk="1" latinLnBrk="0" hangingPunct="1">
+      <a:defRPr sz="1200" kern="1200">
+        <a:solidFill>
+          <a:schemeClr val="tx1"/>
+        </a:solidFill>
+        <a:latin typeface="+mn-lt"/>
+        <a:ea typeface="+mn-ea"/>
+        <a:cs typeface="+mn-cs"/>
+      </a:defRPr>
+    </a:lvl7pPr>
+    <a:lvl8pPr marL="3200400" algn="l" defTabSz="914400" rtl="0" eaLnBrk="1" latinLnBrk="0" hangingPunct="1">
+      <a:defRPr sz="1200" kern="1200">
+        <a:solidFill>
+          <a:schemeClr val="tx1"/>
+        </a:solidFill>
+        <a:latin typeface="+mn-lt"/>
+        <a:ea typeface="+mn-ea"/>
+        <a:cs typeface="+mn-cs"/>
+      </a:defRPr>
+    </a:lvl8pPr>
+    <a:lvl9pPr marL="3657600" algn="l" defTabSz="914400" rtl="0" eaLnBrk="1" latinLnBrk="0" hangingPunct="1">
+      <a:defRPr sz="1200" kern="1200">
+        <a:solidFill>
+          <a:schemeClr val="tx1"/>
+        </a:solidFill>
+        <a:latin typeface="+mn-lt"/>
+        <a:ea typeface="+mn-ea"/>
+        <a:cs typeface="+mn-cs"/>
+      </a:defRPr>
+    </a:lvl9pPr>
+  </p:notesStyle>
+</p:notesMaster>
+</file>
+
+<file path=ppt/notesSlides/notesSlide1.xml><?xml version="1.0" encoding="utf-8"?>
+<p:notes xmlns:a="http://schemas.openxmlformats.org/drawingml/2006/main" xmlns:r="http://schemas.openxmlformats.org/officeDocument/2006/relationships" xmlns:p="http://schemas.openxmlformats.org/presentationml/2006/main">
+  <p:cSld>
+    <p:spTree>
+      <p:nvGrpSpPr>
+        <p:cNvPr id="1" name=""/>
+        <p:cNvGrpSpPr/>
+        <p:nvPr/>
+      </p:nvGrpSpPr>
+      <p:grpSpPr>
+        <a:xfrm>
+          <a:off x="0" y="0"/>
+          <a:ext cx="0" cy="0"/>
+          <a:chOff x="0" y="0"/>
+          <a:chExt cx="0" cy="0"/>
+        </a:xfrm>
+      </p:grpSpPr>
+      <p:sp>
+        <p:nvSpPr>
+          <p:cNvPr id="2" name="Folienbildplatzhalter 1"/>
+          <p:cNvSpPr>
+            <a:spLocks noGrp="1" noRot="1" noChangeAspect="1"/>
+          </p:cNvSpPr>
+          <p:nvPr>
+            <p:ph type="sldImg"/>
+          </p:nvPr>
+        </p:nvSpPr>
+        <p:spPr/>
+      </p:sp>
+      <p:sp>
+        <p:nvSpPr>
+          <p:cNvPr id="3" name="Notizenplatzhalter 2"/>
+          <p:cNvSpPr>
+            <a:spLocks noGrp="1"/>
+          </p:cNvSpPr>
+          <p:nvPr>
+            <p:ph type="body" idx="1"/>
+          </p:nvPr>
+        </p:nvSpPr>
+        <p:spPr/>
+        <p:txBody>
+          <a:bodyPr/>
+          <a:lstStyle/>
+          <a:p>
+            <a:endParaRPr lang="de-DE" dirty="0"/>
+          </a:p>
+        </p:txBody>
+      </p:sp>
+      <p:sp>
+        <p:nvSpPr>
+          <p:cNvPr id="4" name="Foliennummernplatzhalter 3"/>
+          <p:cNvSpPr>
+            <a:spLocks noGrp="1"/>
+          </p:cNvSpPr>
+          <p:nvPr>
+            <p:ph type="sldNum" sz="quarter" idx="10"/>
+          </p:nvPr>
+        </p:nvSpPr>
+        <p:spPr/>
+        <p:txBody>
+          <a:bodyPr/>
+          <a:lstStyle/>
+          <a:p>
+            <a:fld id="{50450EEF-7966-4597-A415-D5376264371C}" type="slidenum">
+              <a:rPr lang="de-DE" smtClean="0"/>
+              <a:t>5</a:t>
+            </a:fld>
+            <a:endParaRPr lang="de-DE"/>
+          </a:p>
+        </p:txBody>
+      </p:sp>
+    </p:spTree>
+    <p:extLst>
+      <p:ext uri="{BB962C8B-B14F-4D97-AF65-F5344CB8AC3E}">
+        <p14:creationId xmlns:p14="http://schemas.microsoft.com/office/powerpoint/2010/main" val="1910264781"/>
+      </p:ext>
+    </p:extLst>
+  </p:cSld>
+  <p:clrMapOvr>
+    <a:masterClrMapping/>
+  </p:clrMapOvr>
+</p:notes>
+</file>
+
 <file path=ppt/slideLayouts/slideLayout1.xml><?xml version="1.0" encoding="utf-8"?>
 <p:sldLayout xmlns:a="http://schemas.openxmlformats.org/drawingml/2006/main" xmlns:r="http://schemas.openxmlformats.org/officeDocument/2006/relationships" xmlns:p="http://schemas.openxmlformats.org/presentationml/2006/main" type="title" preserve="1">
   <p:cSld name="Titelfolie">
@@ -7602,7 +16582,6 @@
               <a:rPr lang="de-DE"/>
               <a:t>Titelmasterformat durch Klicken bearbeiten</a:t>
             </a:r>
-            <a:endParaRPr lang="de-DE"/>
           </a:p>
         </p:txBody>
       </p:sp>
@@ -7667,7 +16646,6 @@
               <a:rPr lang="de-DE"/>
               <a:t>Formatvorlage des Untertitelmasters durch Klicken bearbeiten</a:t>
             </a:r>
-            <a:endParaRPr lang="de-DE"/>
           </a:p>
         </p:txBody>
       </p:sp>
@@ -7785,7 +16763,6 @@
               <a:rPr lang="de-DE"/>
               <a:t>Titelmasterformat durch Klicken bearbeiten</a:t>
             </a:r>
-            <a:endParaRPr lang="de-DE"/>
           </a:p>
         </p:txBody>
       </p:sp>
@@ -7837,7 +16814,6 @@
               <a:rPr lang="de-DE"/>
               <a:t>Fünfte Ebene</a:t>
             </a:r>
-            <a:endParaRPr lang="de-DE"/>
           </a:p>
         </p:txBody>
       </p:sp>
@@ -7960,7 +16936,6 @@
               <a:rPr lang="de-DE"/>
               <a:t>Titelmasterformat durch Klicken bearbeiten</a:t>
             </a:r>
-            <a:endParaRPr lang="de-DE"/>
           </a:p>
         </p:txBody>
       </p:sp>
@@ -8017,7 +16992,6 @@
               <a:rPr lang="de-DE"/>
               <a:t>Fünfte Ebene</a:t>
             </a:r>
-            <a:endParaRPr lang="de-DE"/>
           </a:p>
         </p:txBody>
       </p:sp>
@@ -8135,7 +17109,6 @@
               <a:rPr lang="de-DE"/>
               <a:t>Titelmasterformat durch Klicken bearbeiten</a:t>
             </a:r>
-            <a:endParaRPr lang="de-DE"/>
           </a:p>
         </p:txBody>
       </p:sp>
@@ -8187,7 +17160,6 @@
               <a:rPr lang="de-DE"/>
               <a:t>Fünfte Ebene</a:t>
             </a:r>
-            <a:endParaRPr lang="de-DE"/>
           </a:p>
         </p:txBody>
       </p:sp>
@@ -8314,7 +17286,6 @@
               <a:rPr lang="de-DE"/>
               <a:t>Titelmasterformat durch Klicken bearbeiten</a:t>
             </a:r>
-            <a:endParaRPr lang="de-DE"/>
           </a:p>
         </p:txBody>
       </p:sp>
@@ -8551,7 +17522,6 @@
               <a:rPr lang="de-DE"/>
               <a:t>Titelmasterformat durch Klicken bearbeiten</a:t>
             </a:r>
-            <a:endParaRPr lang="de-DE"/>
           </a:p>
         </p:txBody>
       </p:sp>
@@ -8608,7 +17578,6 @@
               <a:rPr lang="de-DE"/>
               <a:t>Fünfte Ebene</a:t>
             </a:r>
-            <a:endParaRPr lang="de-DE"/>
           </a:p>
         </p:txBody>
       </p:sp>
@@ -8665,7 +17634,6 @@
               <a:rPr lang="de-DE"/>
               <a:t>Fünfte Ebene</a:t>
             </a:r>
-            <a:endParaRPr lang="de-DE"/>
           </a:p>
         </p:txBody>
       </p:sp>
@@ -8788,7 +17756,6 @@
               <a:rPr lang="de-DE"/>
               <a:t>Titelmasterformat durch Klicken bearbeiten</a:t>
             </a:r>
-            <a:endParaRPr lang="de-DE"/>
           </a:p>
         </p:txBody>
       </p:sp>
@@ -8910,7 +17877,6 @@
               <a:rPr lang="de-DE"/>
               <a:t>Fünfte Ebene</a:t>
             </a:r>
-            <a:endParaRPr lang="de-DE"/>
           </a:p>
         </p:txBody>
       </p:sp>
@@ -9032,7 +17998,6 @@
               <a:rPr lang="de-DE"/>
               <a:t>Fünfte Ebene</a:t>
             </a:r>
-            <a:endParaRPr lang="de-DE"/>
           </a:p>
         </p:txBody>
       </p:sp>
@@ -9150,7 +18115,6 @@
               <a:rPr lang="de-DE"/>
               <a:t>Titelmasterformat durch Klicken bearbeiten</a:t>
             </a:r>
-            <a:endParaRPr lang="de-DE"/>
           </a:p>
         </p:txBody>
       </p:sp>
@@ -9372,7 +18336,6 @@
               <a:rPr lang="de-DE"/>
               <a:t>Titelmasterformat durch Klicken bearbeiten</a:t>
             </a:r>
-            <a:endParaRPr lang="de-DE"/>
           </a:p>
         </p:txBody>
       </p:sp>
@@ -9457,7 +18420,6 @@
               <a:rPr lang="de-DE"/>
               <a:t>Fünfte Ebene</a:t>
             </a:r>
-            <a:endParaRPr lang="de-DE"/>
           </a:p>
         </p:txBody>
       </p:sp>
@@ -9649,7 +18611,6 @@
               <a:rPr lang="de-DE"/>
               <a:t>Titelmasterformat durch Klicken bearbeiten</a:t>
             </a:r>
-            <a:endParaRPr lang="de-DE"/>
           </a:p>
         </p:txBody>
       </p:sp>
@@ -9908,7 +18869,6 @@
               <a:rPr lang="de-DE"/>
               <a:t>Titelmasterformat durch Klicken bearbeiten</a:t>
             </a:r>
-            <a:endParaRPr lang="de-DE"/>
           </a:p>
         </p:txBody>
       </p:sp>
@@ -9970,7 +18930,6 @@
               <a:rPr lang="de-DE"/>
               <a:t>Fünfte Ebene</a:t>
             </a:r>
-            <a:endParaRPr lang="de-DE"/>
           </a:p>
         </p:txBody>
       </p:sp>
@@ -10863,7 +19822,19 @@
           <a:p>
             <a:r>
               <a:rPr lang="de-DE" dirty="0"/>
+              <a:t>Vorgehensweise PM</a:t>
+            </a:r>
+          </a:p>
+          <a:p>
+            <a:r>
+              <a:rPr lang="de-DE" dirty="0"/>
               <a:t>Projektziel</a:t>
+            </a:r>
+          </a:p>
+          <a:p>
+            <a:r>
+              <a:rPr lang="de-DE" dirty="0"/>
+              <a:t>Weiteres</a:t>
             </a:r>
           </a:p>
         </p:txBody>
@@ -11112,6 +20083,79 @@
           <a:p>
             <a:r>
               <a:rPr lang="de-DE" dirty="0"/>
+              <a:t>Vorgehensweise PM</a:t>
+            </a:r>
+          </a:p>
+        </p:txBody>
+      </p:sp>
+      <p:graphicFrame>
+        <p:nvGraphicFramePr>
+          <p:cNvPr id="4" name="Inhaltsplatzhalter 3"/>
+          <p:cNvGraphicFramePr>
+            <a:graphicFrameLocks noGrp="1"/>
+          </p:cNvGraphicFramePr>
+          <p:nvPr>
+            <p:ph idx="1"/>
+            <p:extLst/>
+          </p:nvPr>
+        </p:nvGraphicFramePr>
+        <p:xfrm>
+          <a:off x="838200" y="1825625"/>
+          <a:ext cx="10515600" cy="4351338"/>
+        </p:xfrm>
+        <a:graphic>
+          <a:graphicData uri="http://schemas.openxmlformats.org/drawingml/2006/diagram">
+            <dgm:relIds xmlns:dgm="http://schemas.openxmlformats.org/drawingml/2006/diagram" xmlns:r="http://schemas.openxmlformats.org/officeDocument/2006/relationships" r:dm="rId3" r:lo="rId4" r:qs="rId5" r:cs="rId6"/>
+          </a:graphicData>
+        </a:graphic>
+      </p:graphicFrame>
+    </p:spTree>
+    <p:extLst>
+      <p:ext uri="{BB962C8B-B14F-4D97-AF65-F5344CB8AC3E}">
+        <p14:creationId xmlns:p14="http://schemas.microsoft.com/office/powerpoint/2010/main" val="42052091"/>
+      </p:ext>
+    </p:extLst>
+  </p:cSld>
+  <p:clrMapOvr>
+    <a:masterClrMapping/>
+  </p:clrMapOvr>
+</p:sld>
+</file>
+
+<file path=ppt/slides/slide6.xml><?xml version="1.0" encoding="utf-8"?>
+<p:sld xmlns:a="http://schemas.openxmlformats.org/drawingml/2006/main" xmlns:r="http://schemas.openxmlformats.org/officeDocument/2006/relationships" xmlns:p="http://schemas.openxmlformats.org/presentationml/2006/main">
+  <p:cSld>
+    <p:spTree>
+      <p:nvGrpSpPr>
+        <p:cNvPr id="1" name=""/>
+        <p:cNvGrpSpPr/>
+        <p:nvPr/>
+      </p:nvGrpSpPr>
+      <p:grpSpPr>
+        <a:xfrm>
+          <a:off x="0" y="0"/>
+          <a:ext cx="0" cy="0"/>
+          <a:chOff x="0" y="0"/>
+          <a:chExt cx="0" cy="0"/>
+        </a:xfrm>
+      </p:grpSpPr>
+      <p:sp>
+        <p:nvSpPr>
+          <p:cNvPr id="2" name="Titel 1"/>
+          <p:cNvSpPr>
+            <a:spLocks noGrp="1"/>
+          </p:cNvSpPr>
+          <p:nvPr>
+            <p:ph type="title"/>
+          </p:nvPr>
+        </p:nvSpPr>
+        <p:spPr/>
+        <p:txBody>
+          <a:bodyPr/>
+          <a:lstStyle/>
+          <a:p>
+            <a:r>
+              <a:rPr lang="de-DE" dirty="0"/>
               <a:t>Projektziel</a:t>
             </a:r>
           </a:p>
@@ -11181,7 +20225,321 @@
 </p:sld>
 </file>
 
-<file path=ppt/slides/slide6.xml><?xml version="1.0" encoding="utf-8"?>
+<file path=ppt/slides/slide7.xml><?xml version="1.0" encoding="utf-8"?>
+<p:sld xmlns:a="http://schemas.openxmlformats.org/drawingml/2006/main" xmlns:r="http://schemas.openxmlformats.org/officeDocument/2006/relationships" xmlns:p="http://schemas.openxmlformats.org/presentationml/2006/main">
+  <p:cSld>
+    <p:spTree>
+      <p:nvGrpSpPr>
+        <p:cNvPr id="1" name=""/>
+        <p:cNvGrpSpPr/>
+        <p:nvPr/>
+      </p:nvGrpSpPr>
+      <p:grpSpPr>
+        <a:xfrm>
+          <a:off x="0" y="0"/>
+          <a:ext cx="0" cy="0"/>
+          <a:chOff x="0" y="0"/>
+          <a:chExt cx="0" cy="0"/>
+        </a:xfrm>
+      </p:grpSpPr>
+      <p:sp>
+        <p:nvSpPr>
+          <p:cNvPr id="2" name="Titel 1"/>
+          <p:cNvSpPr>
+            <a:spLocks noGrp="1"/>
+          </p:cNvSpPr>
+          <p:nvPr>
+            <p:ph type="title"/>
+          </p:nvPr>
+        </p:nvSpPr>
+        <p:spPr/>
+        <p:txBody>
+          <a:bodyPr/>
+          <a:lstStyle/>
+          <a:p>
+            <a:r>
+              <a:rPr lang="de-DE" dirty="0"/>
+              <a:t>Kennzahlen</a:t>
+            </a:r>
+          </a:p>
+        </p:txBody>
+      </p:sp>
+      <p:sp>
+        <p:nvSpPr>
+          <p:cNvPr id="3" name="Inhaltsplatzhalter 2"/>
+          <p:cNvSpPr>
+            <a:spLocks noGrp="1"/>
+          </p:cNvSpPr>
+          <p:nvPr>
+            <p:ph idx="1"/>
+          </p:nvPr>
+        </p:nvSpPr>
+        <p:spPr/>
+        <p:txBody>
+          <a:bodyPr>
+            <a:normAutofit fontScale="92500" lnSpcReduction="10000"/>
+          </a:bodyPr>
+          <a:lstStyle/>
+          <a:p>
+            <a:r>
+              <a:rPr lang="de-DE" dirty="0"/>
+              <a:t>Zeitliche Gegebenheiten (Ist/Soll)</a:t>
+            </a:r>
+          </a:p>
+          <a:p>
+            <a:r>
+              <a:rPr lang="de-DE" dirty="0"/>
+              <a:t>Fortschrittsermittlung (Schätzklausur PL)</a:t>
+            </a:r>
+          </a:p>
+          <a:p>
+            <a:r>
+              <a:rPr lang="de-DE" dirty="0"/>
+              <a:t>Prioritäten (hoch, mittel, niedrig)</a:t>
+            </a:r>
+          </a:p>
+          <a:p>
+            <a:r>
+              <a:rPr lang="de-DE" dirty="0"/>
+              <a:t>Statusverwaltung (Eingang, Offen, Genehmigt, Abgelehnt, Abgeschlossen)</a:t>
+            </a:r>
+          </a:p>
+          <a:p>
+            <a:r>
+              <a:rPr lang="de-DE" dirty="0"/>
+              <a:t>% Überschreitungen</a:t>
+            </a:r>
+          </a:p>
+          <a:p>
+            <a:pPr lvl="1"/>
+            <a:r>
+              <a:rPr lang="de-DE" dirty="0"/>
+              <a:t>Zeit (Plan / Istwert)</a:t>
+            </a:r>
+          </a:p>
+          <a:p>
+            <a:pPr lvl="1"/>
+            <a:r>
+              <a:rPr lang="de-DE" dirty="0"/>
+              <a:t>Budget (Plan / Istwert)</a:t>
+            </a:r>
+          </a:p>
+          <a:p>
+            <a:r>
+              <a:rPr lang="de-DE" dirty="0"/>
+              <a:t>Monetäre Kennzahlen (Kosten / Nutzen)</a:t>
+            </a:r>
+          </a:p>
+          <a:p>
+            <a:r>
+              <a:rPr lang="de-DE" dirty="0"/>
+              <a:t>Projektplananzeige (Übersicht)</a:t>
+            </a:r>
+          </a:p>
+          <a:p>
+            <a:r>
+              <a:rPr lang="de-DE" dirty="0"/>
+              <a:t>Mitarbeitereinsatz / Projektleitereinsatz </a:t>
+            </a:r>
+            <a:r>
+              <a:rPr lang="de-DE"/>
+              <a:t>(Personaleinsatz)</a:t>
+            </a:r>
+            <a:endParaRPr lang="de-DE" dirty="0"/>
+          </a:p>
+        </p:txBody>
+      </p:sp>
+    </p:spTree>
+    <p:extLst>
+      <p:ext uri="{BB962C8B-B14F-4D97-AF65-F5344CB8AC3E}">
+        <p14:creationId xmlns:p14="http://schemas.microsoft.com/office/powerpoint/2010/main" val="3394483977"/>
+      </p:ext>
+    </p:extLst>
+  </p:cSld>
+  <p:clrMapOvr>
+    <a:masterClrMapping/>
+  </p:clrMapOvr>
+</p:sld>
+</file>
+
+<file path=ppt/slides/slide8.xml><?xml version="1.0" encoding="utf-8"?>
+<p:sld xmlns:a="http://schemas.openxmlformats.org/drawingml/2006/main" xmlns:r="http://schemas.openxmlformats.org/officeDocument/2006/relationships" xmlns:p="http://schemas.openxmlformats.org/presentationml/2006/main">
+  <p:cSld>
+    <p:spTree>
+      <p:nvGrpSpPr>
+        <p:cNvPr id="1" name=""/>
+        <p:cNvGrpSpPr/>
+        <p:nvPr/>
+      </p:nvGrpSpPr>
+      <p:grpSpPr>
+        <a:xfrm>
+          <a:off x="0" y="0"/>
+          <a:ext cx="0" cy="0"/>
+          <a:chOff x="0" y="0"/>
+          <a:chExt cx="0" cy="0"/>
+        </a:xfrm>
+      </p:grpSpPr>
+      <p:sp>
+        <p:nvSpPr>
+          <p:cNvPr id="2" name="Titel 1"/>
+          <p:cNvSpPr>
+            <a:spLocks noGrp="1"/>
+          </p:cNvSpPr>
+          <p:nvPr>
+            <p:ph type="title"/>
+          </p:nvPr>
+        </p:nvSpPr>
+        <p:spPr/>
+        <p:txBody>
+          <a:bodyPr/>
+          <a:lstStyle/>
+          <a:p>
+            <a:r>
+              <a:rPr lang="de-DE" dirty="0"/>
+              <a:t>Dashboard Führungskräfte</a:t>
+            </a:r>
+            <a:br>
+              <a:rPr lang="de-DE" dirty="0"/>
+            </a:br>
+            <a:r>
+              <a:rPr lang="de-DE" sz="2800" dirty="0"/>
+              <a:t>Bereichsleiter / Abteilungsleiter / Teamleiter / Standortleiter</a:t>
+            </a:r>
+            <a:endParaRPr lang="de-DE" dirty="0"/>
+          </a:p>
+        </p:txBody>
+      </p:sp>
+      <p:graphicFrame>
+        <p:nvGraphicFramePr>
+          <p:cNvPr id="6" name="Inhaltsplatzhalter 5"/>
+          <p:cNvGraphicFramePr>
+            <a:graphicFrameLocks noGrp="1"/>
+          </p:cNvGraphicFramePr>
+          <p:nvPr>
+            <p:ph idx="1"/>
+            <p:extLst/>
+          </p:nvPr>
+        </p:nvGraphicFramePr>
+        <p:xfrm>
+          <a:off x="134815" y="1825625"/>
+          <a:ext cx="2780211" cy="2197735"/>
+        </p:xfrm>
+        <a:graphic>
+          <a:graphicData uri="http://schemas.openxmlformats.org/drawingml/2006/chart">
+            <c:chart xmlns:c="http://schemas.openxmlformats.org/drawingml/2006/chart" xmlns:r="http://schemas.openxmlformats.org/officeDocument/2006/relationships" r:id="rId2"/>
+          </a:graphicData>
+        </a:graphic>
+      </p:graphicFrame>
+      <p:graphicFrame>
+        <p:nvGraphicFramePr>
+          <p:cNvPr id="7" name="Inhaltsplatzhalter 5"/>
+          <p:cNvGraphicFramePr>
+            <a:graphicFrameLocks/>
+          </p:cNvGraphicFramePr>
+          <p:nvPr>
+            <p:extLst/>
+          </p:nvPr>
+        </p:nvGraphicFramePr>
+        <p:xfrm>
+          <a:off x="3291672" y="1825625"/>
+          <a:ext cx="2780211" cy="2197735"/>
+        </p:xfrm>
+        <a:graphic>
+          <a:graphicData uri="http://schemas.openxmlformats.org/drawingml/2006/chart">
+            <c:chart xmlns:c="http://schemas.openxmlformats.org/drawingml/2006/chart" xmlns:r="http://schemas.openxmlformats.org/officeDocument/2006/relationships" r:id="rId3"/>
+          </a:graphicData>
+        </a:graphic>
+      </p:graphicFrame>
+      <p:graphicFrame>
+        <p:nvGraphicFramePr>
+          <p:cNvPr id="8" name="Inhaltsplatzhalter 5"/>
+          <p:cNvGraphicFramePr>
+            <a:graphicFrameLocks/>
+          </p:cNvGraphicFramePr>
+          <p:nvPr>
+            <p:extLst/>
+          </p:nvPr>
+        </p:nvGraphicFramePr>
+        <p:xfrm>
+          <a:off x="6342016" y="1825624"/>
+          <a:ext cx="2780211" cy="2197735"/>
+        </p:xfrm>
+        <a:graphic>
+          <a:graphicData uri="http://schemas.openxmlformats.org/drawingml/2006/chart">
+            <c:chart xmlns:c="http://schemas.openxmlformats.org/drawingml/2006/chart" xmlns:r="http://schemas.openxmlformats.org/officeDocument/2006/relationships" r:id="rId4"/>
+          </a:graphicData>
+        </a:graphic>
+      </p:graphicFrame>
+      <p:graphicFrame>
+        <p:nvGraphicFramePr>
+          <p:cNvPr id="9" name="Inhaltsplatzhalter 5"/>
+          <p:cNvGraphicFramePr>
+            <a:graphicFrameLocks/>
+          </p:cNvGraphicFramePr>
+          <p:nvPr>
+            <p:extLst/>
+          </p:nvPr>
+        </p:nvGraphicFramePr>
+        <p:xfrm>
+          <a:off x="9299247" y="1825624"/>
+          <a:ext cx="2780211" cy="2197735"/>
+        </p:xfrm>
+        <a:graphic>
+          <a:graphicData uri="http://schemas.openxmlformats.org/drawingml/2006/chart">
+            <c:chart xmlns:c="http://schemas.openxmlformats.org/drawingml/2006/chart" xmlns:r="http://schemas.openxmlformats.org/officeDocument/2006/relationships" r:id="rId5"/>
+          </a:graphicData>
+        </a:graphic>
+      </p:graphicFrame>
+      <p:graphicFrame>
+        <p:nvGraphicFramePr>
+          <p:cNvPr id="13" name="Diagramm 12"/>
+          <p:cNvGraphicFramePr/>
+          <p:nvPr>
+            <p:extLst/>
+          </p:nvPr>
+        </p:nvGraphicFramePr>
+        <p:xfrm>
+          <a:off x="134816" y="4158295"/>
+          <a:ext cx="5937068" cy="2594198"/>
+        </p:xfrm>
+        <a:graphic>
+          <a:graphicData uri="http://schemas.openxmlformats.org/drawingml/2006/chart">
+            <c:chart xmlns:c="http://schemas.openxmlformats.org/drawingml/2006/chart" xmlns:r="http://schemas.openxmlformats.org/officeDocument/2006/relationships" r:id="rId6"/>
+          </a:graphicData>
+        </a:graphic>
+      </p:graphicFrame>
+      <p:graphicFrame>
+        <p:nvGraphicFramePr>
+          <p:cNvPr id="14" name="Diagramm 13"/>
+          <p:cNvGraphicFramePr/>
+          <p:nvPr>
+            <p:extLst/>
+          </p:nvPr>
+        </p:nvGraphicFramePr>
+        <p:xfrm>
+          <a:off x="6254932" y="4263802"/>
+          <a:ext cx="5937068" cy="2594198"/>
+        </p:xfrm>
+        <a:graphic>
+          <a:graphicData uri="http://schemas.openxmlformats.org/drawingml/2006/chart">
+            <c:chart xmlns:c="http://schemas.openxmlformats.org/drawingml/2006/chart" xmlns:r="http://schemas.openxmlformats.org/officeDocument/2006/relationships" r:id="rId7"/>
+          </a:graphicData>
+        </a:graphic>
+      </p:graphicFrame>
+    </p:spTree>
+    <p:extLst>
+      <p:ext uri="{BB962C8B-B14F-4D97-AF65-F5344CB8AC3E}">
+        <p14:creationId xmlns:p14="http://schemas.microsoft.com/office/powerpoint/2010/main" val="2589685891"/>
+      </p:ext>
+    </p:extLst>
+  </p:cSld>
+  <p:clrMapOvr>
+    <a:masterClrMapping/>
+  </p:clrMapOvr>
+</p:sld>
+</file>
+
+<file path=ppt/slides/slide9.xml><?xml version="1.0" encoding="utf-8"?>
 <p:sld xmlns:a="http://schemas.openxmlformats.org/drawingml/2006/main" xmlns:r="http://schemas.openxmlformats.org/officeDocument/2006/relationships" xmlns:p="http://schemas.openxmlformats.org/presentationml/2006/main">
   <p:cSld>
     <p:spTree>
@@ -11572,4 +20930,299 @@
     </a:ext>
   </a:extLst>
 </a:theme>
+</file>
+
+<file path=ppt/theme/theme2.xml><?xml version="1.0" encoding="utf-8"?>
+<a:theme xmlns:a="http://schemas.openxmlformats.org/drawingml/2006/main" name="Office">
+  <a:themeElements>
+    <a:clrScheme name="Office">
+      <a:dk1>
+        <a:sysClr val="windowText" lastClr="000000"/>
+      </a:dk1>
+      <a:lt1>
+        <a:sysClr val="window" lastClr="FFFFFF"/>
+      </a:lt1>
+      <a:dk2>
+        <a:srgbClr val="44546A"/>
+      </a:dk2>
+      <a:lt2>
+        <a:srgbClr val="E7E6E6"/>
+      </a:lt2>
+      <a:accent1>
+        <a:srgbClr val="5B9BD5"/>
+      </a:accent1>
+      <a:accent2>
+        <a:srgbClr val="ED7D31"/>
+      </a:accent2>
+      <a:accent3>
+        <a:srgbClr val="A5A5A5"/>
+      </a:accent3>
+      <a:accent4>
+        <a:srgbClr val="FFC000"/>
+      </a:accent4>
+      <a:accent5>
+        <a:srgbClr val="4472C4"/>
+      </a:accent5>
+      <a:accent6>
+        <a:srgbClr val="70AD47"/>
+      </a:accent6>
+      <a:hlink>
+        <a:srgbClr val="0563C1"/>
+      </a:hlink>
+      <a:folHlink>
+        <a:srgbClr val="954F72"/>
+      </a:folHlink>
+    </a:clrScheme>
+    <a:fontScheme name="Office">
+      <a:majorFont>
+        <a:latin typeface="Calibri Light" panose="020F0302020204030204"/>
+        <a:ea typeface=""/>
+        <a:cs typeface=""/>
+        <a:font script="Jpan" typeface="游ゴシック Light"/>
+        <a:font script="Hang" typeface="맑은 고딕"/>
+        <a:font script="Hans" typeface="等线 Light"/>
+        <a:font script="Hant" typeface="新細明體"/>
+        <a:font script="Arab" typeface="Times New Roman"/>
+        <a:font script="Hebr" typeface="Times New Roman"/>
+        <a:font script="Thai" typeface="Angsana New"/>
+        <a:font script="Ethi" typeface="Nyala"/>
+        <a:font script="Beng" typeface="Vrinda"/>
+        <a:font script="Gujr" typeface="Shruti"/>
+        <a:font script="Khmr" typeface="MoolBoran"/>
+        <a:font script="Knda" typeface="Tunga"/>
+        <a:font script="Guru" typeface="Raavi"/>
+        <a:font script="Cans" typeface="Euphemia"/>
+        <a:font script="Cher" typeface="Plantagenet Cherokee"/>
+        <a:font script="Yiii" typeface="Microsoft Yi Baiti"/>
+        <a:font script="Tibt" typeface="Microsoft Himalaya"/>
+        <a:font script="Thaa" typeface="MV Boli"/>
+        <a:font script="Deva" typeface="Mangal"/>
+        <a:font script="Telu" typeface="Gautami"/>
+        <a:font script="Taml" typeface="Latha"/>
+        <a:font script="Syrc" typeface="Estrangelo Edessa"/>
+        <a:font script="Orya" typeface="Kalinga"/>
+        <a:font script="Mlym" typeface="Kartika"/>
+        <a:font script="Laoo" typeface="DokChampa"/>
+        <a:font script="Sinh" typeface="Iskoola Pota"/>
+        <a:font script="Mong" typeface="Mongolian Baiti"/>
+        <a:font script="Viet" typeface="Times New Roman"/>
+        <a:font script="Uigh" typeface="Microsoft Uighur"/>
+        <a:font script="Geor" typeface="Sylfaen"/>
+        <a:font script="Armn" typeface="Arial"/>
+        <a:font script="Bugi" typeface="Leelawadee UI"/>
+        <a:font script="Bopo" typeface="Microsoft JhengHei"/>
+        <a:font script="Java" typeface="Javanese Text"/>
+        <a:font script="Lisu" typeface="Segoe UI"/>
+        <a:font script="Mymr" typeface="Myanmar Text"/>
+        <a:font script="Nkoo" typeface="Ebrima"/>
+        <a:font script="Olck" typeface="Nirmala UI"/>
+        <a:font script="Osma" typeface="Ebrima"/>
+        <a:font script="Phag" typeface="Phagspa"/>
+        <a:font script="Syrn" typeface="Estrangelo Edessa"/>
+        <a:font script="Syrj" typeface="Estrangelo Edessa"/>
+        <a:font script="Syre" typeface="Estrangelo Edessa"/>
+        <a:font script="Sora" typeface="Nirmala UI"/>
+        <a:font script="Tale" typeface="Microsoft Tai Le"/>
+        <a:font script="Talu" typeface="Microsoft New Tai Lue"/>
+        <a:font script="Tfng" typeface="Ebrima"/>
+      </a:majorFont>
+      <a:minorFont>
+        <a:latin typeface="Calibri" panose="020F0502020204030204"/>
+        <a:ea typeface=""/>
+        <a:cs typeface=""/>
+        <a:font script="Jpan" typeface="游ゴシック"/>
+        <a:font script="Hang" typeface="맑은 고딕"/>
+        <a:font script="Hans" typeface="等线"/>
+        <a:font script="Hant" typeface="新細明體"/>
+        <a:font script="Arab" typeface="Arial"/>
+        <a:font script="Hebr" typeface="Arial"/>
+        <a:font script="Thai" typeface="Cordia New"/>
+        <a:font script="Ethi" typeface="Nyala"/>
+        <a:font script="Beng" typeface="Vrinda"/>
+        <a:font script="Gujr" typeface="Shruti"/>
+        <a:font script="Khmr" typeface="DaunPenh"/>
+        <a:font script="Knda" typeface="Tunga"/>
+        <a:font script="Guru" typeface="Raavi"/>
+        <a:font script="Cans" typeface="Euphemia"/>
+        <a:font script="Cher" typeface="Plantagenet Cherokee"/>
+        <a:font script="Yiii" typeface="Microsoft Yi Baiti"/>
+        <a:font script="Tibt" typeface="Microsoft Himalaya"/>
+        <a:font script="Thaa" typeface="MV Boli"/>
+        <a:font script="Deva" typeface="Mangal"/>
+        <a:font script="Telu" typeface="Gautami"/>
+        <a:font script="Taml" typeface="Latha"/>
+        <a:font script="Syrc" typeface="Estrangelo Edessa"/>
+        <a:font script="Orya" typeface="Kalinga"/>
+        <a:font script="Mlym" typeface="Kartika"/>
+        <a:font script="Laoo" typeface="DokChampa"/>
+        <a:font script="Sinh" typeface="Iskoola Pota"/>
+        <a:font script="Mong" typeface="Mongolian Baiti"/>
+        <a:font script="Viet" typeface="Arial"/>
+        <a:font script="Uigh" typeface="Microsoft Uighur"/>
+        <a:font script="Geor" typeface="Sylfaen"/>
+        <a:font script="Armn" typeface="Arial"/>
+        <a:font script="Bugi" typeface="Leelawadee UI"/>
+        <a:font script="Bopo" typeface="Microsoft JhengHei"/>
+        <a:font script="Java" typeface="Javanese Text"/>
+        <a:font script="Lisu" typeface="Segoe UI"/>
+        <a:font script="Mymr" typeface="Myanmar Text"/>
+        <a:font script="Nkoo" typeface="Ebrima"/>
+        <a:font script="Olck" typeface="Nirmala UI"/>
+        <a:font script="Osma" typeface="Ebrima"/>
+        <a:font script="Phag" typeface="Phagspa"/>
+        <a:font script="Syrn" typeface="Estrangelo Edessa"/>
+        <a:font script="Syrj" typeface="Estrangelo Edessa"/>
+        <a:font script="Syre" typeface="Estrangelo Edessa"/>
+        <a:font script="Sora" typeface="Nirmala UI"/>
+        <a:font script="Tale" typeface="Microsoft Tai Le"/>
+        <a:font script="Talu" typeface="Microsoft New Tai Lue"/>
+        <a:font script="Tfng" typeface="Ebrima"/>
+      </a:minorFont>
+    </a:fontScheme>
+    <a:fmtScheme name="Office">
+      <a:fillStyleLst>
+        <a:solidFill>
+          <a:schemeClr val="phClr"/>
+        </a:solidFill>
+        <a:gradFill rotWithShape="1">
+          <a:gsLst>
+            <a:gs pos="0">
+              <a:schemeClr val="phClr">
+                <a:lumMod val="110000"/>
+                <a:satMod val="105000"/>
+                <a:tint val="67000"/>
+              </a:schemeClr>
+            </a:gs>
+            <a:gs pos="50000">
+              <a:schemeClr val="phClr">
+                <a:lumMod val="105000"/>
+                <a:satMod val="103000"/>
+                <a:tint val="73000"/>
+              </a:schemeClr>
+            </a:gs>
+            <a:gs pos="100000">
+              <a:schemeClr val="phClr">
+                <a:lumMod val="105000"/>
+                <a:satMod val="109000"/>
+                <a:tint val="81000"/>
+              </a:schemeClr>
+            </a:gs>
+          </a:gsLst>
+          <a:lin ang="5400000" scaled="0"/>
+        </a:gradFill>
+        <a:gradFill rotWithShape="1">
+          <a:gsLst>
+            <a:gs pos="0">
+              <a:schemeClr val="phClr">
+                <a:satMod val="103000"/>
+                <a:lumMod val="102000"/>
+                <a:tint val="94000"/>
+              </a:schemeClr>
+            </a:gs>
+            <a:gs pos="50000">
+              <a:schemeClr val="phClr">
+                <a:satMod val="110000"/>
+                <a:lumMod val="100000"/>
+                <a:shade val="100000"/>
+              </a:schemeClr>
+            </a:gs>
+            <a:gs pos="100000">
+              <a:schemeClr val="phClr">
+                <a:lumMod val="99000"/>
+                <a:satMod val="120000"/>
+                <a:shade val="78000"/>
+              </a:schemeClr>
+            </a:gs>
+          </a:gsLst>
+          <a:lin ang="5400000" scaled="0"/>
+        </a:gradFill>
+      </a:fillStyleLst>
+      <a:lnStyleLst>
+        <a:ln w="6350" cap="flat" cmpd="sng" algn="ctr">
+          <a:solidFill>
+            <a:schemeClr val="phClr"/>
+          </a:solidFill>
+          <a:prstDash val="solid"/>
+          <a:miter lim="800000"/>
+        </a:ln>
+        <a:ln w="12700" cap="flat" cmpd="sng" algn="ctr">
+          <a:solidFill>
+            <a:schemeClr val="phClr"/>
+          </a:solidFill>
+          <a:prstDash val="solid"/>
+          <a:miter lim="800000"/>
+        </a:ln>
+        <a:ln w="19050" cap="flat" cmpd="sng" algn="ctr">
+          <a:solidFill>
+            <a:schemeClr val="phClr"/>
+          </a:solidFill>
+          <a:prstDash val="solid"/>
+          <a:miter lim="800000"/>
+        </a:ln>
+      </a:lnStyleLst>
+      <a:effectStyleLst>
+        <a:effectStyle>
+          <a:effectLst/>
+        </a:effectStyle>
+        <a:effectStyle>
+          <a:effectLst/>
+        </a:effectStyle>
+        <a:effectStyle>
+          <a:effectLst>
+            <a:outerShdw blurRad="57150" dist="19050" dir="5400000" algn="ctr" rotWithShape="0">
+              <a:srgbClr val="000000">
+                <a:alpha val="63000"/>
+              </a:srgbClr>
+            </a:outerShdw>
+          </a:effectLst>
+        </a:effectStyle>
+      </a:effectStyleLst>
+      <a:bgFillStyleLst>
+        <a:solidFill>
+          <a:schemeClr val="phClr"/>
+        </a:solidFill>
+        <a:solidFill>
+          <a:schemeClr val="phClr">
+            <a:tint val="95000"/>
+            <a:satMod val="170000"/>
+          </a:schemeClr>
+        </a:solidFill>
+        <a:gradFill rotWithShape="1">
+          <a:gsLst>
+            <a:gs pos="0">
+              <a:schemeClr val="phClr">
+                <a:tint val="93000"/>
+                <a:satMod val="150000"/>
+                <a:shade val="98000"/>
+                <a:lumMod val="102000"/>
+              </a:schemeClr>
+            </a:gs>
+            <a:gs pos="50000">
+              <a:schemeClr val="phClr">
+                <a:tint val="98000"/>
+                <a:satMod val="130000"/>
+                <a:shade val="90000"/>
+                <a:lumMod val="103000"/>
+              </a:schemeClr>
+            </a:gs>
+            <a:gs pos="100000">
+              <a:schemeClr val="phClr">
+                <a:shade val="63000"/>
+                <a:satMod val="120000"/>
+              </a:schemeClr>
+            </a:gs>
+          </a:gsLst>
+          <a:lin ang="5400000" scaled="0"/>
+        </a:gradFill>
+      </a:bgFillStyleLst>
+    </a:fmtScheme>
+  </a:themeElements>
+  <a:objectDefaults/>
+  <a:extraClrSchemeLst/>
+  <a:extLst>
+    <a:ext uri="{05A4C25C-085E-4340-85A3-A5531E510DB2}">
+      <thm15:themeFamily xmlns:thm15="http://schemas.microsoft.com/office/thememl/2012/main" name="Office Theme" id="{62F939B6-93AF-4DB8-9C6B-D6C7DFDC589F}" vid="{4A3C46E8-61CC-4603-A589-7422A47A8E4A}"/>
+    </a:ext>
+  </a:extLst>
+</a:theme>
 </file>